--- a/models/Time_Series_EDA_Forecasting_Model_.pptx
+++ b/models/Time_Series_EDA_Forecasting_Model_.pptx
@@ -5,37 +5,36 @@
     <p:sldMasterId id="2147483648" r:id="rId1"/>
   </p:sldMasterIdLst>
   <p:notesMasterIdLst>
-    <p:notesMasterId r:id="rId30"/>
+    <p:notesMasterId r:id="rId29"/>
   </p:notesMasterIdLst>
   <p:sldIdLst>
     <p:sldId id="256" r:id="rId2"/>
     <p:sldId id="258" r:id="rId3"/>
     <p:sldId id="259" r:id="rId4"/>
-    <p:sldId id="260" r:id="rId5"/>
+    <p:sldId id="267" r:id="rId5"/>
     <p:sldId id="261" r:id="rId6"/>
     <p:sldId id="262" r:id="rId7"/>
     <p:sldId id="263" r:id="rId8"/>
     <p:sldId id="264" r:id="rId9"/>
     <p:sldId id="265" r:id="rId10"/>
     <p:sldId id="266" r:id="rId11"/>
-    <p:sldId id="267" r:id="rId12"/>
-    <p:sldId id="283" r:id="rId13"/>
-    <p:sldId id="268" r:id="rId14"/>
-    <p:sldId id="269" r:id="rId15"/>
-    <p:sldId id="270" r:id="rId16"/>
-    <p:sldId id="271" r:id="rId17"/>
-    <p:sldId id="272" r:id="rId18"/>
-    <p:sldId id="273" r:id="rId19"/>
-    <p:sldId id="274" r:id="rId20"/>
-    <p:sldId id="275" r:id="rId21"/>
-    <p:sldId id="276" r:id="rId22"/>
-    <p:sldId id="277" r:id="rId23"/>
-    <p:sldId id="278" r:id="rId24"/>
-    <p:sldId id="279" r:id="rId25"/>
-    <p:sldId id="280" r:id="rId26"/>
-    <p:sldId id="282" r:id="rId27"/>
-    <p:sldId id="284" r:id="rId28"/>
-    <p:sldId id="285" r:id="rId29"/>
+    <p:sldId id="283" r:id="rId12"/>
+    <p:sldId id="268" r:id="rId13"/>
+    <p:sldId id="269" r:id="rId14"/>
+    <p:sldId id="270" r:id="rId15"/>
+    <p:sldId id="271" r:id="rId16"/>
+    <p:sldId id="272" r:id="rId17"/>
+    <p:sldId id="273" r:id="rId18"/>
+    <p:sldId id="274" r:id="rId19"/>
+    <p:sldId id="275" r:id="rId20"/>
+    <p:sldId id="276" r:id="rId21"/>
+    <p:sldId id="277" r:id="rId22"/>
+    <p:sldId id="278" r:id="rId23"/>
+    <p:sldId id="279" r:id="rId24"/>
+    <p:sldId id="280" r:id="rId25"/>
+    <p:sldId id="282" r:id="rId26"/>
+    <p:sldId id="284" r:id="rId27"/>
+    <p:sldId id="285" r:id="rId28"/>
   </p:sldIdLst>
   <p:sldSz cx="9144000" cy="6858000" type="screen4x3"/>
   <p:notesSz cx="6858000" cy="9144000"/>
@@ -632,39 +631,228 @@
           <a:lstStyle/>
           <a:p>
             <a:r>
-              <a:rPr lang="en-AU" b="1" dirty="0"/>
-              <a:t>Augmented Dickey-Fuller (ADF) Test</a:t>
-            </a:r>
-            <a:r>
-              <a:rPr lang="en-AU" dirty="0"/>
-              <a:t> → If the </a:t>
-            </a:r>
-            <a:r>
-              <a:rPr lang="en-AU" b="1" dirty="0"/>
-              <a:t>p-value &lt; 0.05</a:t>
-            </a:r>
-            <a:r>
-              <a:rPr lang="en-AU" dirty="0"/>
-              <a:t>, reject the null hypothesis, meaning the data is stationary. </a:t>
-            </a:r>
-          </a:p>
-          <a:p>
-            <a:r>
-              <a:rPr lang="en-AU" b="1" dirty="0"/>
-              <a:t>Kwiatkowski-Phillips-Schmidt-Shin (KPSS) Test</a:t>
-            </a:r>
-            <a:r>
-              <a:rPr lang="en-AU" dirty="0"/>
-              <a:t> → If the </a:t>
-            </a:r>
-            <a:r>
-              <a:rPr lang="en-AU" b="1" dirty="0"/>
-              <a:t>p-value &gt; 0.05</a:t>
-            </a:r>
-            <a:r>
-              <a:rPr lang="en-AU" dirty="0"/>
-              <a:t>, the data is stationary. </a:t>
-            </a:r>
+              <a:rPr lang="en-US" b="1" dirty="0"/>
+              <a:t>Original Series:</a:t>
+            </a:r>
+          </a:p>
+          <a:p>
+            <a:r>
+              <a:rPr lang="en-US" b="1" dirty="0"/>
+              <a:t>ADF Test p-value: -6.55029</a:t>
+            </a:r>
+            <a:r>
+              <a:rPr lang="en-US" dirty="0"/>
+              <a:t> (Very low, well below any critical value threshold):</a:t>
+            </a:r>
+          </a:p>
+          <a:p>
+            <a:pPr lvl="1"/>
+            <a:r>
+              <a:rPr lang="en-US" dirty="0"/>
+              <a:t>Rejects ADF's null hypothesis → Suggests the series </a:t>
+            </a:r>
+            <a:r>
+              <a:rPr lang="en-US" b="1" dirty="0"/>
+              <a:t>is stationary</a:t>
+            </a:r>
+            <a:r>
+              <a:rPr lang="en-US" dirty="0"/>
+              <a:t>.</a:t>
+            </a:r>
+          </a:p>
+          <a:p>
+            <a:r>
+              <a:rPr lang="en-US" b="1" dirty="0"/>
+              <a:t>KPSS Test p-value: 0.028211</a:t>
+            </a:r>
+            <a:r>
+              <a:rPr lang="en-US" dirty="0"/>
+              <a:t>:</a:t>
+            </a:r>
+          </a:p>
+          <a:p>
+            <a:pPr lvl="1"/>
+            <a:r>
+              <a:rPr lang="en-US" dirty="0"/>
+              <a:t>This is </a:t>
+            </a:r>
+            <a:r>
+              <a:rPr lang="en-US" b="1" dirty="0"/>
+              <a:t>below the 5% and 10% thresholds</a:t>
+            </a:r>
+            <a:r>
+              <a:rPr lang="en-US" dirty="0"/>
+              <a:t> (0.463 and 0.347 respectively), so we </a:t>
+            </a:r>
+            <a:r>
+              <a:rPr lang="en-US" b="1" dirty="0"/>
+              <a:t>reject</a:t>
+            </a:r>
+            <a:r>
+              <a:rPr lang="en-US" dirty="0"/>
+              <a:t> KPSS's null hypothesis → Suggests the series </a:t>
+            </a:r>
+            <a:r>
+              <a:rPr lang="en-US" b="1" dirty="0"/>
+              <a:t>is NOT stationary</a:t>
+            </a:r>
+            <a:r>
+              <a:rPr lang="en-US" dirty="0"/>
+              <a:t>.</a:t>
+            </a:r>
+          </a:p>
+          <a:p>
+            <a:r>
+              <a:rPr lang="en-US" dirty="0"/>
+              <a:t>⚠️ </a:t>
+            </a:r>
+            <a:r>
+              <a:rPr lang="en-US" b="1" dirty="0"/>
+              <a:t>Mixed Results</a:t>
+            </a:r>
+            <a:r>
+              <a:rPr lang="en-US" dirty="0"/>
+              <a:t>:</a:t>
+            </a:r>
+          </a:p>
+          <a:p>
+            <a:r>
+              <a:rPr lang="en-US" dirty="0"/>
+              <a:t>ADF says </a:t>
+            </a:r>
+            <a:r>
+              <a:rPr lang="en-US" b="1" dirty="0"/>
+              <a:t>stationary</a:t>
+            </a:r>
+            <a:r>
+              <a:rPr lang="en-US" dirty="0"/>
+              <a:t>, KPSS says </a:t>
+            </a:r>
+            <a:r>
+              <a:rPr lang="en-US" b="1" dirty="0"/>
+              <a:t>non-stationary</a:t>
+            </a:r>
+            <a:r>
+              <a:rPr lang="en-US" dirty="0"/>
+              <a:t>.</a:t>
+            </a:r>
+          </a:p>
+          <a:p>
+            <a:endParaRPr lang="en-US" dirty="0"/>
+          </a:p>
+          <a:p>
+            <a:r>
+              <a:rPr lang="en-US" b="1" dirty="0"/>
+              <a:t>First-Differenced Series:</a:t>
+            </a:r>
+          </a:p>
+          <a:p>
+            <a:r>
+              <a:rPr lang="en-US" b="1" dirty="0"/>
+              <a:t>ADF Test p-value: -14.274336</a:t>
+            </a:r>
+            <a:r>
+              <a:rPr lang="en-US" dirty="0"/>
+              <a:t> (extremely low):</a:t>
+            </a:r>
+          </a:p>
+          <a:p>
+            <a:pPr lvl="1"/>
+            <a:r>
+              <a:rPr lang="en-US" dirty="0"/>
+              <a:t>Strongly reject ADF's null → Suggests the differenced series is </a:t>
+            </a:r>
+            <a:r>
+              <a:rPr lang="en-US" b="1" dirty="0"/>
+              <a:t>stationary</a:t>
+            </a:r>
+            <a:r>
+              <a:rPr lang="en-US" dirty="0"/>
+              <a:t>.</a:t>
+            </a:r>
+          </a:p>
+          <a:p>
+            <a:r>
+              <a:rPr lang="en-US" b="1" dirty="0"/>
+              <a:t>KPSS Test p-value: 0.100000</a:t>
+            </a:r>
+            <a:r>
+              <a:rPr lang="en-US" dirty="0"/>
+              <a:t>:</a:t>
+            </a:r>
+          </a:p>
+          <a:p>
+            <a:pPr lvl="1"/>
+            <a:r>
+              <a:rPr lang="en-US" dirty="0"/>
+              <a:t>Above all critical values → </a:t>
+            </a:r>
+            <a:r>
+              <a:rPr lang="en-US" b="1" dirty="0"/>
+              <a:t>Fail to reject</a:t>
+            </a:r>
+            <a:r>
+              <a:rPr lang="en-US" dirty="0"/>
+              <a:t> KPSS’s null → Suggests the series </a:t>
+            </a:r>
+            <a:r>
+              <a:rPr lang="en-US" b="1" dirty="0"/>
+              <a:t>is stationary</a:t>
+            </a:r>
+            <a:r>
+              <a:rPr lang="en-US" dirty="0"/>
+              <a:t>.</a:t>
+            </a:r>
+          </a:p>
+          <a:p>
+            <a:pPr lvl="1"/>
+            <a:endParaRPr lang="en-US" dirty="0"/>
+          </a:p>
+          <a:p>
+            <a:r>
+              <a:rPr lang="en-US" b="1" dirty="0"/>
+              <a:t>Both tests now agree</a:t>
+            </a:r>
+            <a:r>
+              <a:rPr lang="en-US" dirty="0"/>
+              <a:t>: the </a:t>
+            </a:r>
+            <a:r>
+              <a:rPr lang="en-US" b="1" dirty="0"/>
+              <a:t>first-differenced series is stationary</a:t>
+            </a:r>
+            <a:r>
+              <a:rPr lang="en-US" dirty="0"/>
+              <a:t>.</a:t>
+            </a:r>
+          </a:p>
+          <a:p>
+            <a:r>
+              <a:rPr lang="en-US" dirty="0"/>
+              <a:t>So, your original series is </a:t>
+            </a:r>
+            <a:r>
+              <a:rPr lang="en-US" b="1" dirty="0"/>
+              <a:t>integrated of order 1</a:t>
+            </a:r>
+            <a:r>
+              <a:rPr lang="en-US" dirty="0"/>
+              <a:t>, or </a:t>
+            </a:r>
+            <a:r>
+              <a:rPr lang="en-US" b="1" dirty="0"/>
+              <a:t>I(1)</a:t>
+            </a:r>
+            <a:r>
+              <a:rPr lang="en-US" dirty="0"/>
+              <a:t>.</a:t>
+            </a:r>
+          </a:p>
+          <a:p>
+            <a:endParaRPr lang="en-US" dirty="0"/>
+          </a:p>
+          <a:p>
+            <a:endParaRPr lang="en-AU" dirty="0"/>
           </a:p>
         </p:txBody>
       </p:sp>
@@ -694,7 +882,7 @@
     </p:spTree>
     <p:extLst>
       <p:ext uri="{BB962C8B-B14F-4D97-AF65-F5344CB8AC3E}">
-        <p14:creationId xmlns:p14="http://schemas.microsoft.com/office/powerpoint/2010/main" val="1416427053"/>
+        <p14:creationId xmlns:p14="http://schemas.microsoft.com/office/powerpoint/2010/main" val="857012881"/>
       </p:ext>
     </p:extLst>
   </p:cSld>
@@ -750,227 +938,32 @@
           <a:p>
             <a:r>
               <a:rPr lang="en-US" b="1" dirty="0"/>
-              <a:t>Original Series:</a:t>
+              <a:t>Trend</a:t>
+            </a:r>
+            <a:r>
+              <a:rPr lang="en-US" dirty="0"/>
+              <a:t>: Weak and subtle.</a:t>
             </a:r>
           </a:p>
           <a:p>
             <a:r>
               <a:rPr lang="en-US" b="1" dirty="0"/>
-              <a:t>ADF Test p-value: -6.55029</a:t>
-            </a:r>
-            <a:r>
-              <a:rPr lang="en-US" dirty="0"/>
-              <a:t> (Very low, well below any critical value threshold):</a:t>
-            </a:r>
-          </a:p>
-          <a:p>
-            <a:pPr lvl="1"/>
-            <a:r>
-              <a:rPr lang="en-US" dirty="0"/>
-              <a:t>Rejects ADF's null hypothesis → Suggests the series </a:t>
-            </a:r>
+              <a:t>Seasonality</a:t>
+            </a:r>
+            <a:r>
+              <a:rPr lang="en-US" dirty="0"/>
+              <a:t>: Present, but low amplitude and not dominant.</a:t>
+            </a:r>
+          </a:p>
+          <a:p>
             <a:r>
               <a:rPr lang="en-US" b="1" dirty="0"/>
-              <a:t>is stationary</a:t>
-            </a:r>
-            <a:r>
-              <a:rPr lang="en-US" dirty="0"/>
-              <a:t>.</a:t>
-            </a:r>
-          </a:p>
-          <a:p>
-            <a:r>
-              <a:rPr lang="en-US" b="1" dirty="0"/>
-              <a:t>KPSS Test p-value: 0.028211</a:t>
-            </a:r>
-            <a:r>
-              <a:rPr lang="en-US" dirty="0"/>
-              <a:t>:</a:t>
-            </a:r>
-          </a:p>
-          <a:p>
-            <a:pPr lvl="1"/>
-            <a:r>
-              <a:rPr lang="en-US" dirty="0"/>
-              <a:t>This is </a:t>
-            </a:r>
-            <a:r>
-              <a:rPr lang="en-US" b="1" dirty="0"/>
-              <a:t>below the 5% and 10% thresholds</a:t>
-            </a:r>
-            <a:r>
-              <a:rPr lang="en-US" dirty="0"/>
-              <a:t> (0.463 and 0.347 respectively), so we </a:t>
-            </a:r>
-            <a:r>
-              <a:rPr lang="en-US" b="1" dirty="0"/>
-              <a:t>reject</a:t>
-            </a:r>
-            <a:r>
-              <a:rPr lang="en-US" dirty="0"/>
-              <a:t> KPSS's null hypothesis → Suggests the series </a:t>
-            </a:r>
-            <a:r>
-              <a:rPr lang="en-US" b="1" dirty="0"/>
-              <a:t>is NOT stationary</a:t>
-            </a:r>
-            <a:r>
-              <a:rPr lang="en-US" dirty="0"/>
-              <a:t>.</a:t>
-            </a:r>
-          </a:p>
-          <a:p>
-            <a:r>
-              <a:rPr lang="en-US" dirty="0"/>
-              <a:t>⚠️ </a:t>
-            </a:r>
-            <a:r>
-              <a:rPr lang="en-US" b="1" dirty="0"/>
-              <a:t>Mixed Results</a:t>
-            </a:r>
-            <a:r>
-              <a:rPr lang="en-US" dirty="0"/>
-              <a:t>:</a:t>
-            </a:r>
-          </a:p>
-          <a:p>
-            <a:r>
-              <a:rPr lang="en-US" dirty="0"/>
-              <a:t>ADF says </a:t>
-            </a:r>
-            <a:r>
-              <a:rPr lang="en-US" b="1" dirty="0"/>
-              <a:t>stationary</a:t>
-            </a:r>
-            <a:r>
-              <a:rPr lang="en-US" dirty="0"/>
-              <a:t>, KPSS says </a:t>
-            </a:r>
-            <a:r>
-              <a:rPr lang="en-US" b="1" dirty="0"/>
-              <a:t>non-stationary</a:t>
-            </a:r>
-            <a:r>
-              <a:rPr lang="en-US" dirty="0"/>
-              <a:t>.</a:t>
-            </a:r>
-          </a:p>
-          <a:p>
-            <a:endParaRPr lang="en-US" dirty="0"/>
-          </a:p>
-          <a:p>
-            <a:r>
-              <a:rPr lang="en-US" b="1" dirty="0"/>
-              <a:t>First-Differenced Series:</a:t>
-            </a:r>
-          </a:p>
-          <a:p>
-            <a:r>
-              <a:rPr lang="en-US" b="1" dirty="0"/>
-              <a:t>ADF Test p-value: -14.274336</a:t>
-            </a:r>
-            <a:r>
-              <a:rPr lang="en-US" dirty="0"/>
-              <a:t> (extremely low):</a:t>
-            </a:r>
-          </a:p>
-          <a:p>
-            <a:pPr lvl="1"/>
-            <a:r>
-              <a:rPr lang="en-US" dirty="0"/>
-              <a:t>Strongly reject ADF's null → Suggests the differenced series is </a:t>
-            </a:r>
-            <a:r>
-              <a:rPr lang="en-US" b="1" dirty="0"/>
-              <a:t>stationary</a:t>
-            </a:r>
-            <a:r>
-              <a:rPr lang="en-US" dirty="0"/>
-              <a:t>.</a:t>
-            </a:r>
-          </a:p>
-          <a:p>
-            <a:r>
-              <a:rPr lang="en-US" b="1" dirty="0"/>
-              <a:t>KPSS Test p-value: 0.100000</a:t>
-            </a:r>
-            <a:r>
-              <a:rPr lang="en-US" dirty="0"/>
-              <a:t>:</a:t>
-            </a:r>
-          </a:p>
-          <a:p>
-            <a:pPr lvl="1"/>
-            <a:r>
-              <a:rPr lang="en-US" dirty="0"/>
-              <a:t>Above all critical values → </a:t>
-            </a:r>
-            <a:r>
-              <a:rPr lang="en-US" b="1" dirty="0"/>
-              <a:t>Fail to reject</a:t>
-            </a:r>
-            <a:r>
-              <a:rPr lang="en-US" dirty="0"/>
-              <a:t> KPSS’s null → Suggests the series </a:t>
-            </a:r>
-            <a:r>
-              <a:rPr lang="en-US" b="1" dirty="0"/>
-              <a:t>is stationary</a:t>
-            </a:r>
-            <a:r>
-              <a:rPr lang="en-US" dirty="0"/>
-              <a:t>.</a:t>
-            </a:r>
-          </a:p>
-          <a:p>
-            <a:pPr lvl="1"/>
-            <a:endParaRPr lang="en-US" dirty="0"/>
-          </a:p>
-          <a:p>
-            <a:r>
-              <a:rPr lang="en-US" b="1" dirty="0"/>
-              <a:t>Both tests now agree</a:t>
-            </a:r>
-            <a:r>
-              <a:rPr lang="en-US" dirty="0"/>
-              <a:t>: the </a:t>
-            </a:r>
-            <a:r>
-              <a:rPr lang="en-US" b="1" dirty="0"/>
-              <a:t>first-differenced series is stationary</a:t>
-            </a:r>
-            <a:r>
-              <a:rPr lang="en-US" dirty="0"/>
-              <a:t>.</a:t>
-            </a:r>
-          </a:p>
-          <a:p>
-            <a:r>
-              <a:rPr lang="en-US" dirty="0"/>
-              <a:t>So, your original series is </a:t>
-            </a:r>
-            <a:r>
-              <a:rPr lang="en-US" b="1" dirty="0"/>
-              <a:t>integrated of order 1</a:t>
-            </a:r>
-            <a:r>
-              <a:rPr lang="en-US" dirty="0"/>
-              <a:t>, or </a:t>
-            </a:r>
-            <a:r>
-              <a:rPr lang="en-US" b="1" dirty="0"/>
-              <a:t>I(1)</a:t>
-            </a:r>
-            <a:r>
-              <a:rPr lang="en-US" dirty="0"/>
-              <a:t>.</a:t>
-            </a:r>
-          </a:p>
-          <a:p>
-            <a:endParaRPr lang="en-US" dirty="0"/>
-          </a:p>
-          <a:p>
-            <a:endParaRPr lang="en-AU" dirty="0"/>
+              <a:t>Residual/Noise</a:t>
+            </a:r>
+            <a:r>
+              <a:rPr lang="en-US" dirty="0"/>
+              <a:t>: Strong — the series is largely influenced by high-frequency fluctuations.</a:t>
+            </a:r>
           </a:p>
         </p:txBody>
       </p:sp>
@@ -1000,7 +993,7 @@
     </p:spTree>
     <p:extLst>
       <p:ext uri="{BB962C8B-B14F-4D97-AF65-F5344CB8AC3E}">
-        <p14:creationId xmlns:p14="http://schemas.microsoft.com/office/powerpoint/2010/main" val="857012881"/>
+        <p14:creationId xmlns:p14="http://schemas.microsoft.com/office/powerpoint/2010/main" val="1087162040"/>
       </p:ext>
     </p:extLst>
   </p:cSld>
@@ -1056,32 +1049,88 @@
           <a:p>
             <a:r>
               <a:rPr lang="en-US" b="1" dirty="0"/>
-              <a:t>Trend</a:t>
-            </a:r>
-            <a:r>
-              <a:rPr lang="en-US" dirty="0"/>
-              <a:t>: Weak and subtle.</a:t>
-            </a:r>
-          </a:p>
-          <a:p>
+              <a:t>PACF shows significant negative spikes at lags 1 to 6</a:t>
+            </a:r>
+            <a:r>
+              <a:rPr lang="en-US" dirty="0"/>
+              <a:t>, all outside the confidence interval.</a:t>
+            </a:r>
+            <a:br>
+              <a:rPr lang="en-US" dirty="0"/>
+            </a:br>
+            <a:r>
+              <a:rPr lang="en-US" dirty="0"/>
+              <a:t>- This </a:t>
+            </a:r>
             <a:r>
               <a:rPr lang="en-US" b="1" dirty="0"/>
-              <a:t>Seasonality</a:t>
-            </a:r>
-            <a:r>
-              <a:rPr lang="en-US" dirty="0"/>
-              <a:t>: Present, but low amplitude and not dominant.</a:t>
-            </a:r>
-          </a:p>
-          <a:p>
+              <a:t>strongly suggests</a:t>
+            </a:r>
+            <a:r>
+              <a:rPr lang="en-US" dirty="0"/>
+              <a:t> an </a:t>
+            </a:r>
             <a:r>
               <a:rPr lang="en-US" b="1" dirty="0"/>
-              <a:t>Residual/Noise</a:t>
-            </a:r>
-            <a:r>
-              <a:rPr lang="en-US" dirty="0"/>
-              <a:t>: Strong — the series is largely influenced by high-frequency fluctuations.</a:t>
-            </a:r>
+              <a:t>autoregressive structure of order 6 (AR(6))</a:t>
+            </a:r>
+            <a:r>
+              <a:rPr lang="en-US" dirty="0"/>
+              <a:t>.</a:t>
+            </a:r>
+          </a:p>
+          <a:p>
+            <a:r>
+              <a:rPr lang="en-US" b="1" dirty="0"/>
+              <a:t>ACF is mostly flat</a:t>
+            </a:r>
+            <a:r>
+              <a:rPr lang="en-US" dirty="0"/>
+              <a:t>, except for lag 1, indicating </a:t>
+            </a:r>
+            <a:r>
+              <a:rPr lang="en-US" b="1" dirty="0"/>
+              <a:t>no strong moving average (MA) component</a:t>
+            </a:r>
+            <a:r>
+              <a:rPr lang="en-US" dirty="0"/>
+              <a:t>.</a:t>
+            </a:r>
+            <a:br>
+              <a:rPr lang="en-US" dirty="0"/>
+            </a:br>
+            <a:r>
+              <a:rPr lang="en-US" dirty="0"/>
+              <a:t>- So, </a:t>
+            </a:r>
+            <a:r>
+              <a:rPr lang="en-US" b="1" dirty="0"/>
+              <a:t>MA terms are likely not needed</a:t>
+            </a:r>
+            <a:r>
+              <a:rPr lang="en-US" dirty="0"/>
+              <a:t> (q ≈ 0).</a:t>
+            </a:r>
+          </a:p>
+          <a:p>
+            <a:r>
+              <a:rPr lang="en-US" dirty="0"/>
+              <a:t> And as I already made  1</a:t>
+            </a:r>
+            <a:r>
+              <a:rPr lang="en-US" baseline="30000" dirty="0"/>
+              <a:t>st</a:t>
+            </a:r>
+            <a:r>
+              <a:rPr lang="en-US" dirty="0"/>
+              <a:t> differencing (d=1)</a:t>
+            </a:r>
+          </a:p>
+          <a:p>
+            <a:endParaRPr lang="en-US" dirty="0"/>
+          </a:p>
+          <a:p>
+            <a:endParaRPr lang="en-AU" dirty="0"/>
           </a:p>
         </p:txBody>
       </p:sp>
@@ -1111,7 +1160,7 @@
     </p:spTree>
     <p:extLst>
       <p:ext uri="{BB962C8B-B14F-4D97-AF65-F5344CB8AC3E}">
-        <p14:creationId xmlns:p14="http://schemas.microsoft.com/office/powerpoint/2010/main" val="1087162040"/>
+        <p14:creationId xmlns:p14="http://schemas.microsoft.com/office/powerpoint/2010/main" val="1238625308"/>
       </p:ext>
     </p:extLst>
   </p:cSld>
@@ -1166,86 +1215,59 @@
           <a:lstStyle/>
           <a:p>
             <a:r>
+              <a:rPr lang="en-US" dirty="0"/>
+              <a:t>The </a:t>
+            </a:r>
+            <a:r>
               <a:rPr lang="en-US" b="1" dirty="0"/>
-              <a:t>PACF shows significant negative spikes at lags 1 to 6</a:t>
-            </a:r>
-            <a:r>
-              <a:rPr lang="en-US" dirty="0"/>
-              <a:t>, all outside the confidence interval.</a:t>
-            </a:r>
-            <a:br>
-              <a:rPr lang="en-US" dirty="0"/>
-            </a:br>
-            <a:r>
-              <a:rPr lang="en-US" dirty="0"/>
-              <a:t>- This </a:t>
+              <a:t>ARIMA(6,0,1) model captures lagged dependencies well</a:t>
+            </a:r>
+            <a:r>
+              <a:rPr lang="en-US" dirty="0"/>
+              <a:t>, especially autoregressive effects up to lag 6.</a:t>
+            </a:r>
+          </a:p>
+          <a:p>
+            <a:r>
+              <a:rPr lang="en-US" dirty="0"/>
+              <a:t>The </a:t>
             </a:r>
             <a:r>
               <a:rPr lang="en-US" b="1" dirty="0"/>
-              <a:t>strongly suggests</a:t>
-            </a:r>
-            <a:r>
-              <a:rPr lang="en-US" dirty="0"/>
-              <a:t> an </a:t>
-            </a:r>
+              <a:t>MA(1) component is dominant</a:t>
+            </a:r>
+            <a:r>
+              <a:rPr lang="en-US" dirty="0"/>
+              <a:t>, meaning short-term shocks strongly impact predictions.</a:t>
+            </a:r>
+          </a:p>
+          <a:p>
             <a:r>
               <a:rPr lang="en-US" b="1" dirty="0"/>
-              <a:t>autoregressive structure of order 6 (AR(6))</a:t>
-            </a:r>
-            <a:r>
-              <a:rPr lang="en-US" dirty="0"/>
-              <a:t>.</a:t>
+              <a:t>Non-normal residuals</a:t>
+            </a:r>
+            <a:r>
+              <a:rPr lang="en-US" dirty="0"/>
+              <a:t> and possible heteroskedasticity suggest refinement, possibly through experimenting with </a:t>
+            </a:r>
+            <a:r>
+              <a:rPr lang="en-US" dirty="0" err="1"/>
+              <a:t>diffferent</a:t>
+            </a:r>
+            <a:r>
+              <a:rPr lang="en-US" dirty="0"/>
+              <a:t> parameters..</a:t>
             </a:r>
           </a:p>
           <a:p>
             <a:r>
               <a:rPr lang="en-US" b="1" dirty="0"/>
-              <a:t>ACF is mostly flat</a:t>
-            </a:r>
-            <a:r>
-              <a:rPr lang="en-US" dirty="0"/>
-              <a:t>, except for lag 1, indicating </a:t>
-            </a:r>
-            <a:r>
-              <a:rPr lang="en-US" b="1" dirty="0"/>
-              <a:t>no strong moving average (MA) component</a:t>
-            </a:r>
-            <a:r>
-              <a:rPr lang="en-US" dirty="0"/>
-              <a:t>.</a:t>
-            </a:r>
-            <a:br>
-              <a:rPr lang="en-US" dirty="0"/>
-            </a:br>
-            <a:r>
-              <a:rPr lang="en-US" dirty="0"/>
-              <a:t>- So, </a:t>
-            </a:r>
-            <a:r>
-              <a:rPr lang="en-US" b="1" dirty="0"/>
-              <a:t>MA terms are likely not needed</a:t>
-            </a:r>
-            <a:r>
-              <a:rPr lang="en-US" dirty="0"/>
-              <a:t> (q ≈ 0).</a:t>
-            </a:r>
-          </a:p>
-          <a:p>
-            <a:r>
-              <a:rPr lang="en-US" dirty="0"/>
-              <a:t> And as I already made  1</a:t>
-            </a:r>
-            <a:r>
-              <a:rPr lang="en-US" baseline="30000" dirty="0"/>
-              <a:t>st</a:t>
-            </a:r>
-            <a:r>
-              <a:rPr lang="en-US" dirty="0"/>
-              <a:t> differencing (d=1)</a:t>
-            </a:r>
-          </a:p>
-          <a:p>
-            <a:endParaRPr lang="en-US" dirty="0"/>
+              <a:t>Overall, the model explains trends reasonably well</a:t>
+            </a:r>
+            <a:r>
+              <a:rPr lang="en-US" dirty="0"/>
+              <a:t>, but residual issues may impact forecast accuracy.</a:t>
+            </a:r>
           </a:p>
           <a:p>
             <a:endParaRPr lang="en-AU" dirty="0"/>
@@ -1278,7 +1300,7 @@
     </p:spTree>
     <p:extLst>
       <p:ext uri="{BB962C8B-B14F-4D97-AF65-F5344CB8AC3E}">
-        <p14:creationId xmlns:p14="http://schemas.microsoft.com/office/powerpoint/2010/main" val="1238625308"/>
+        <p14:creationId xmlns:p14="http://schemas.microsoft.com/office/powerpoint/2010/main" val="2510000945"/>
       </p:ext>
     </p:extLst>
   </p:cSld>
@@ -1333,58 +1355,108 @@
           <a:lstStyle/>
           <a:p>
             <a:r>
-              <a:rPr lang="en-US" dirty="0"/>
-              <a:t>The </a:t>
-            </a:r>
-            <a:r>
               <a:rPr lang="en-US" b="1" dirty="0"/>
-              <a:t>ARIMA(6,0,1) model captures lagged dependencies well</a:t>
-            </a:r>
-            <a:r>
-              <a:rPr lang="en-US" dirty="0"/>
-              <a:t>, especially autoregressive effects up to lag 6.</a:t>
-            </a:r>
-          </a:p>
-          <a:p>
-            <a:r>
-              <a:rPr lang="en-US" dirty="0"/>
-              <a:t>The </a:t>
+              <a:t>Mixed approach for feature selection, why?</a:t>
+            </a:r>
+          </a:p>
+          <a:p>
+            <a:endParaRPr lang="en-US" b="1" dirty="0"/>
+          </a:p>
+          <a:p>
+            <a:r>
+              <a:rPr lang="en-US" b="1" dirty="0" err="1"/>
+              <a:t>XGBoost</a:t>
+            </a:r>
+            <a:r>
+              <a:rPr lang="en-US" dirty="0"/>
+              <a:t> gives a </a:t>
             </a:r>
             <a:r>
               <a:rPr lang="en-US" b="1" dirty="0"/>
-              <a:t>MA(1) component is dominant</a:t>
-            </a:r>
-            <a:r>
-              <a:rPr lang="en-US" dirty="0"/>
-              <a:t>, meaning short-term shocks strongly impact predictions.</a:t>
-            </a:r>
-          </a:p>
-          <a:p>
+              <a:t>high-performing model</a:t>
+            </a:r>
+            <a:r>
+              <a:rPr lang="en-US" dirty="0"/>
+              <a:t> and a </a:t>
+            </a:r>
             <a:r>
               <a:rPr lang="en-US" b="1" dirty="0"/>
-              <a:t>Non-normal residuals</a:t>
-            </a:r>
-            <a:r>
-              <a:rPr lang="en-US" dirty="0"/>
-              <a:t> and possible heteroskedasticity suggest refinement, possibly through experimenting with </a:t>
+              <a:t>first look at feature importance</a:t>
+            </a:r>
+            <a:r>
+              <a:rPr lang="en-US" dirty="0"/>
+              <a:t>.</a:t>
+            </a:r>
+          </a:p>
+          <a:p>
+            <a:r>
+              <a:rPr lang="en-US" b="1" dirty="0"/>
+              <a:t>SHAP</a:t>
+            </a:r>
+            <a:r>
+              <a:rPr lang="en-US" dirty="0"/>
+              <a:t> provides </a:t>
+            </a:r>
+            <a:r>
+              <a:rPr lang="en-US" b="1" dirty="0"/>
+              <a:t>fine-grained, instance-level explanations</a:t>
+            </a:r>
+            <a:r>
+              <a:rPr lang="en-US" dirty="0"/>
+              <a:t> and helps identify </a:t>
+            </a:r>
+            <a:r>
+              <a:rPr lang="en-US" b="1" dirty="0"/>
+              <a:t>redundant or weakly contributing features</a:t>
+            </a:r>
+            <a:r>
+              <a:rPr lang="en-US" dirty="0"/>
+              <a:t> that </a:t>
             </a:r>
             <a:r>
               <a:rPr lang="en-US" dirty="0" err="1"/>
-              <a:t>diffferent</a:t>
-            </a:r>
-            <a:r>
-              <a:rPr lang="en-US" dirty="0"/>
-              <a:t> parameters..</a:t>
-            </a:r>
-          </a:p>
-          <a:p>
+              <a:t>XGBoost</a:t>
+            </a:r>
+            <a:r>
+              <a:rPr lang="en-US" dirty="0"/>
+              <a:t> might still use.</a:t>
+            </a:r>
+          </a:p>
+          <a:p>
+            <a:endParaRPr lang="en-US" dirty="0"/>
+          </a:p>
+          <a:p>
+            <a:r>
+              <a:rPr lang="en-US" dirty="0"/>
+              <a:t>By combining them:</a:t>
+            </a:r>
+          </a:p>
+          <a:p>
+            <a:r>
+              <a:rPr lang="en-US" dirty="0"/>
+              <a:t>You select features not just based on performance, but also on </a:t>
+            </a:r>
             <a:r>
               <a:rPr lang="en-US" b="1" dirty="0"/>
-              <a:t>Overall, the model explains trends reasonably well</a:t>
-            </a:r>
-            <a:r>
-              <a:rPr lang="en-US" dirty="0"/>
-              <a:t>, but residual issues may impact forecast accuracy.</a:t>
+              <a:t>explainability</a:t>
+            </a:r>
+            <a:r>
+              <a:rPr lang="en-US" dirty="0"/>
+              <a:t> and </a:t>
+            </a:r>
+            <a:r>
+              <a:rPr lang="en-US" b="1" dirty="0"/>
+              <a:t>consistency</a:t>
+            </a:r>
+            <a:r>
+              <a:rPr lang="en-US" dirty="0"/>
+              <a:t>.</a:t>
+            </a:r>
+          </a:p>
+          <a:p>
+            <a:r>
+              <a:rPr lang="en-US" dirty="0"/>
+              <a:t>You avoid overfitting by trimming irrelevant features while preserving interpretability.</a:t>
             </a:r>
           </a:p>
           <a:p>
@@ -1418,7 +1490,7 @@
     </p:spTree>
     <p:extLst>
       <p:ext uri="{BB962C8B-B14F-4D97-AF65-F5344CB8AC3E}">
-        <p14:creationId xmlns:p14="http://schemas.microsoft.com/office/powerpoint/2010/main" val="2510000945"/>
+        <p14:creationId xmlns:p14="http://schemas.microsoft.com/office/powerpoint/2010/main" val="3563830403"/>
       </p:ext>
     </p:extLst>
   </p:cSld>
@@ -1474,32 +1546,68 @@
           <a:p>
             <a:r>
               <a:rPr lang="en-US" b="1" dirty="0"/>
-              <a:t>Mixed approach for feature selection, why?</a:t>
-            </a:r>
-          </a:p>
-          <a:p>
-            <a:endParaRPr lang="en-US" b="1" dirty="0"/>
-          </a:p>
-          <a:p>
-            <a:r>
-              <a:rPr lang="en-US" b="1" dirty="0" err="1"/>
-              <a:t>XGBoost</a:t>
-            </a:r>
-            <a:r>
-              <a:rPr lang="en-US" dirty="0"/>
-              <a:t> gives a </a:t>
+              <a:t>Standard Forecasting</a:t>
+            </a:r>
+          </a:p>
+          <a:p>
+            <a:r>
+              <a:rPr lang="en-US" dirty="0"/>
+              <a:t>Standard forecasting involves training a model on historical data and then predicting a </a:t>
             </a:r>
             <a:r>
               <a:rPr lang="en-US" b="1" dirty="0"/>
-              <a:t>high-performing model</a:t>
-            </a:r>
-            <a:r>
-              <a:rPr lang="en-US" dirty="0"/>
-              <a:t> and a </a:t>
+              <a:t>fixed future period</a:t>
+            </a:r>
+            <a:r>
+              <a:rPr lang="en-US" dirty="0"/>
+              <a:t> (e.g., in my case for next 15 days).</a:t>
+            </a:r>
+          </a:p>
+          <a:p>
+            <a:r>
+              <a:rPr lang="en-US" dirty="0"/>
+              <a:t>Once the model is trained, it does </a:t>
             </a:r>
             <a:r>
               <a:rPr lang="en-US" b="1" dirty="0"/>
-              <a:t>first look at feature importance</a:t>
+              <a:t>not update</a:t>
+            </a:r>
+            <a:r>
+              <a:rPr lang="en-US" dirty="0"/>
+              <a:t> with new incoming data.</a:t>
+            </a:r>
+          </a:p>
+          <a:p>
+            <a:endParaRPr lang="en-US" dirty="0"/>
+          </a:p>
+          <a:p>
+            <a:r>
+              <a:rPr lang="en-US" b="1" dirty="0"/>
+              <a:t>Rolling Forecasting (Sliding Window Approach)</a:t>
+            </a:r>
+          </a:p>
+          <a:p>
+            <a:r>
+              <a:rPr lang="en-US" dirty="0"/>
+              <a:t>Rolling forecasting dynamically updates by </a:t>
+            </a:r>
+            <a:r>
+              <a:rPr lang="en-US" b="1" dirty="0"/>
+              <a:t>re-training the model</a:t>
+            </a:r>
+            <a:r>
+              <a:rPr lang="en-US" dirty="0"/>
+              <a:t> with the latest available data at each step.</a:t>
+            </a:r>
+          </a:p>
+          <a:p>
+            <a:r>
+              <a:rPr lang="en-US" dirty="0"/>
+              <a:t>The forecast horizon "rolls" forward as new data arrives, ensuring </a:t>
+            </a:r>
+            <a:r>
+              <a:rPr lang="en-US" b="1" dirty="0"/>
+              <a:t>continuous updates</a:t>
             </a:r>
             <a:r>
               <a:rPr lang="en-US" dirty="0"/>
@@ -1507,75 +1615,10 @@
             </a:r>
           </a:p>
           <a:p>
-            <a:r>
-              <a:rPr lang="en-US" b="1" dirty="0"/>
-              <a:t>SHAP</a:t>
-            </a:r>
-            <a:r>
-              <a:rPr lang="en-US" dirty="0"/>
-              <a:t> provides </a:t>
-            </a:r>
-            <a:r>
-              <a:rPr lang="en-US" b="1" dirty="0"/>
-              <a:t>fine-grained, instance-level explanations</a:t>
-            </a:r>
-            <a:r>
-              <a:rPr lang="en-US" dirty="0"/>
-              <a:t> and helps identify </a:t>
-            </a:r>
-            <a:r>
-              <a:rPr lang="en-US" b="1" dirty="0"/>
-              <a:t>redundant or weakly contributing features</a:t>
-            </a:r>
-            <a:r>
-              <a:rPr lang="en-US" dirty="0"/>
-              <a:t> that </a:t>
-            </a:r>
-            <a:r>
-              <a:rPr lang="en-US" dirty="0" err="1"/>
-              <a:t>XGBoost</a:t>
-            </a:r>
-            <a:r>
-              <a:rPr lang="en-US" dirty="0"/>
-              <a:t> might still use.</a:t>
-            </a:r>
-          </a:p>
-          <a:p>
             <a:endParaRPr lang="en-US" dirty="0"/>
           </a:p>
           <a:p>
-            <a:r>
-              <a:rPr lang="en-US" dirty="0"/>
-              <a:t>By combining them:</a:t>
-            </a:r>
-          </a:p>
-          <a:p>
-            <a:r>
-              <a:rPr lang="en-US" dirty="0"/>
-              <a:t>You select features not just based on performance, but also on </a:t>
-            </a:r>
-            <a:r>
-              <a:rPr lang="en-US" b="1" dirty="0"/>
-              <a:t>explainability</a:t>
-            </a:r>
-            <a:r>
-              <a:rPr lang="en-US" dirty="0"/>
-              <a:t> and </a:t>
-            </a:r>
-            <a:r>
-              <a:rPr lang="en-US" b="1" dirty="0"/>
-              <a:t>consistency</a:t>
-            </a:r>
-            <a:r>
-              <a:rPr lang="en-US" dirty="0"/>
-              <a:t>.</a:t>
-            </a:r>
-          </a:p>
-          <a:p>
-            <a:r>
-              <a:rPr lang="en-US" dirty="0"/>
-              <a:t>You avoid overfitting by trimming irrelevant features while preserving interpretability.</a:t>
-            </a:r>
+            <a:endParaRPr lang="en-US" dirty="0"/>
           </a:p>
           <a:p>
             <a:endParaRPr lang="en-AU" dirty="0"/>
@@ -1608,7 +1651,7 @@
     </p:spTree>
     <p:extLst>
       <p:ext uri="{BB962C8B-B14F-4D97-AF65-F5344CB8AC3E}">
-        <p14:creationId xmlns:p14="http://schemas.microsoft.com/office/powerpoint/2010/main" val="3563830403"/>
+        <p14:creationId xmlns:p14="http://schemas.microsoft.com/office/powerpoint/2010/main" val="3041253235"/>
       </p:ext>
     </p:extLst>
   </p:cSld>
@@ -1663,80 +1706,63 @@
           <a:lstStyle/>
           <a:p>
             <a:r>
+              <a:rPr lang="en-US" dirty="0"/>
+              <a:t>The model closely follows the </a:t>
+            </a:r>
+            <a:r>
               <a:rPr lang="en-US" b="1" dirty="0"/>
-              <a:t>Standard Forecasting</a:t>
-            </a:r>
-          </a:p>
-          <a:p>
-            <a:r>
-              <a:rPr lang="en-US" dirty="0"/>
-              <a:t>Standard forecasting involves training a model on historical data and then predicting a </a:t>
+              <a:t>historical trend</a:t>
+            </a:r>
+            <a:r>
+              <a:rPr lang="en-US" dirty="0"/>
+              <a:t>, with predicted values (red) aligning well with actual values (blue).</a:t>
+            </a:r>
+          </a:p>
+          <a:p>
+            <a:r>
+              <a:rPr lang="en-US" dirty="0"/>
+              <a:t>Minor deviations suggest the model is capturing patterns effectively but may still have </a:t>
             </a:r>
             <a:r>
               <a:rPr lang="en-US" b="1" dirty="0"/>
-              <a:t>fixed future period</a:t>
-            </a:r>
-            <a:r>
-              <a:rPr lang="en-US" dirty="0"/>
-              <a:t> (e.g., in my case for next 15 days).</a:t>
-            </a:r>
-          </a:p>
-          <a:p>
-            <a:r>
-              <a:rPr lang="en-US" dirty="0"/>
-              <a:t>Once the model is trained, it does </a:t>
+              <a:t>small residual errors</a:t>
+            </a:r>
+            <a:r>
+              <a:rPr lang="en-US" dirty="0"/>
+              <a:t>.</a:t>
+            </a:r>
+          </a:p>
+          <a:p>
+            <a:r>
+              <a:rPr lang="en-US" dirty="0"/>
+              <a:t>The forecast (red dashed line) follows previous patterns, indicating the model </a:t>
             </a:r>
             <a:r>
               <a:rPr lang="en-US" b="1" dirty="0"/>
-              <a:t>not update</a:t>
-            </a:r>
-            <a:r>
-              <a:rPr lang="en-US" dirty="0"/>
-              <a:t> with new incoming data.</a:t>
-            </a:r>
-          </a:p>
-          <a:p>
-            <a:endParaRPr lang="en-US" dirty="0"/>
+              <a:t>projects future trends well</a:t>
+            </a:r>
+            <a:r>
+              <a:rPr lang="en-US" dirty="0"/>
+              <a:t>.</a:t>
+            </a:r>
           </a:p>
           <a:p>
             <a:r>
               <a:rPr lang="en-US" b="1" dirty="0"/>
-              <a:t>Rolling Forecasting (Sliding Window Approach)</a:t>
-            </a:r>
-          </a:p>
-          <a:p>
-            <a:r>
-              <a:rPr lang="en-US" dirty="0"/>
-              <a:t>Rolling forecasting dynamically updates by </a:t>
+              <a:t>Confidence intervals (gray shading)</a:t>
+            </a:r>
+            <a:r>
+              <a:rPr lang="en-US" dirty="0"/>
+              <a:t> remain narrow, meaning predictions are </a:t>
             </a:r>
             <a:r>
               <a:rPr lang="en-US" b="1" dirty="0"/>
-              <a:t>re-training the model</a:t>
-            </a:r>
-            <a:r>
-              <a:rPr lang="en-US" dirty="0"/>
-              <a:t> with the latest available data at each step.</a:t>
-            </a:r>
-          </a:p>
-          <a:p>
-            <a:r>
-              <a:rPr lang="en-US" dirty="0"/>
-              <a:t>The forecast horizon "rolls" forward as new data arrives, ensuring </a:t>
-            </a:r>
-            <a:r>
-              <a:rPr lang="en-US" b="1" dirty="0"/>
-              <a:t>continuous updates</a:t>
+              <a:t>stable with minimal uncertainty</a:t>
             </a:r>
             <a:r>
               <a:rPr lang="en-US" dirty="0"/>
               <a:t>.</a:t>
             </a:r>
-          </a:p>
-          <a:p>
-            <a:endParaRPr lang="en-US" dirty="0"/>
-          </a:p>
-          <a:p>
-            <a:endParaRPr lang="en-US" dirty="0"/>
           </a:p>
           <a:p>
             <a:endParaRPr lang="en-AU" dirty="0"/>
@@ -1769,7 +1795,7 @@
     </p:spTree>
     <p:extLst>
       <p:ext uri="{BB962C8B-B14F-4D97-AF65-F5344CB8AC3E}">
-        <p14:creationId xmlns:p14="http://schemas.microsoft.com/office/powerpoint/2010/main" val="3041253235"/>
+        <p14:creationId xmlns:p14="http://schemas.microsoft.com/office/powerpoint/2010/main" val="455344461"/>
       </p:ext>
     </p:extLst>
   </p:cSld>
@@ -1824,65 +1850,49 @@
           <a:lstStyle/>
           <a:p>
             <a:r>
-              <a:rPr lang="en-US" dirty="0"/>
-              <a:t>The model closely follows the </a:t>
-            </a:r>
-            <a:r>
               <a:rPr lang="en-US" b="1" dirty="0"/>
-              <a:t>historical trend</a:t>
-            </a:r>
-            <a:r>
-              <a:rPr lang="en-US" dirty="0"/>
-              <a:t>, with predicted values (red) aligning well with actual values (blue).</a:t>
-            </a:r>
-          </a:p>
-          <a:p>
-            <a:r>
-              <a:rPr lang="en-US" dirty="0"/>
-              <a:t>Minor deviations suggest the model is capturing patterns effectively but may still have </a:t>
-            </a:r>
+              <a:t>Autoregressive relationships dominate</a:t>
+            </a:r>
+            <a:r>
+              <a:rPr lang="en-US" dirty="0"/>
+              <a:t> : Short-term and weekly historical values hold the most predictive power. </a:t>
+            </a:r>
+          </a:p>
+          <a:p>
             <a:r>
               <a:rPr lang="en-US" b="1" dirty="0"/>
-              <a:t>small residual errors</a:t>
-            </a:r>
-            <a:r>
-              <a:rPr lang="en-US" dirty="0"/>
-              <a:t>.</a:t>
-            </a:r>
-          </a:p>
-          <a:p>
-            <a:r>
-              <a:rPr lang="en-US" dirty="0"/>
-              <a:t>The forecast (red dashed line) follows previous patterns, indicating the model </a:t>
+              <a:t>Seasonality may exist but is weaker</a:t>
+            </a:r>
+            <a:r>
+              <a:rPr lang="en-US" dirty="0"/>
+              <a:t> : Monthly cycles aren’t major contributors, suggesting consumption is </a:t>
             </a:r>
             <a:r>
               <a:rPr lang="en-US" b="1" dirty="0"/>
-              <a:t>projects future trends well</a:t>
-            </a:r>
-            <a:r>
-              <a:rPr lang="en-US" dirty="0"/>
-              <a:t>.</a:t>
+              <a:t>more dependent on recent patterns</a:t>
+            </a:r>
+            <a:r>
+              <a:rPr lang="en-US" dirty="0"/>
+              <a:t> than long-term trends. </a:t>
             </a:r>
           </a:p>
           <a:p>
             <a:r>
               <a:rPr lang="en-US" b="1" dirty="0"/>
-              <a:t>Confidence intervals (gray shading)</a:t>
-            </a:r>
-            <a:r>
-              <a:rPr lang="en-US" dirty="0"/>
-              <a:t> remain narrow, meaning predictions are </a:t>
+              <a:t>Weather variables have minimal impact</a:t>
+            </a:r>
+            <a:r>
+              <a:rPr lang="en-US" dirty="0"/>
+              <a:t> : External conditions like temperature and humidity appear to have </a:t>
             </a:r>
             <a:r>
               <a:rPr lang="en-US" b="1" dirty="0"/>
-              <a:t>stable with minimal uncertainty</a:t>
-            </a:r>
-            <a:r>
-              <a:rPr lang="en-US" dirty="0"/>
-              <a:t>.</a:t>
-            </a:r>
-          </a:p>
-          <a:p>
+              <a:t>negligible influence</a:t>
+            </a:r>
+            <a:r>
+              <a:rPr lang="en-US" dirty="0"/>
+              <a:t> on energy predictions.</a:t>
+            </a:r>
             <a:endParaRPr lang="en-AU" dirty="0"/>
           </a:p>
         </p:txBody>
@@ -1913,7 +1923,7 @@
     </p:spTree>
     <p:extLst>
       <p:ext uri="{BB962C8B-B14F-4D97-AF65-F5344CB8AC3E}">
-        <p14:creationId xmlns:p14="http://schemas.microsoft.com/office/powerpoint/2010/main" val="455344461"/>
+        <p14:creationId xmlns:p14="http://schemas.microsoft.com/office/powerpoint/2010/main" val="1560531637"/>
       </p:ext>
     </p:extLst>
   </p:cSld>
@@ -1969,47 +1979,65 @@
           <a:p>
             <a:r>
               <a:rPr lang="en-US" b="1" dirty="0"/>
-              <a:t>Autoregressive relationships dominate</a:t>
-            </a:r>
-            <a:r>
-              <a:rPr lang="en-US" dirty="0"/>
-              <a:t> : Short-term and weekly historical values hold the most predictive power. </a:t>
-            </a:r>
-          </a:p>
-          <a:p>
+              <a:t>ARIMA(1,0,1) model</a:t>
+            </a:r>
+            <a:r>
+              <a:rPr lang="en-US" dirty="0"/>
+              <a:t> has been optimized with </a:t>
+            </a:r>
             <a:r>
               <a:rPr lang="en-US" b="1" dirty="0"/>
-              <a:t>Seasonality may exist but is weaker</a:t>
-            </a:r>
-            <a:r>
-              <a:rPr lang="en-US" dirty="0"/>
-              <a:t> : Monthly cycles aren’t major contributors, suggesting consumption is </a:t>
-            </a:r>
+              <a:t>PCA-selected features</a:t>
+            </a:r>
+            <a:r>
+              <a:rPr lang="en-US" dirty="0"/>
+              <a:t>, yielding strong performance metrics: </a:t>
+            </a:r>
+          </a:p>
+          <a:p>
             <a:r>
               <a:rPr lang="en-US" b="1" dirty="0"/>
-              <a:t>more dependent on recent patterns</a:t>
-            </a:r>
-            <a:r>
-              <a:rPr lang="en-US" dirty="0"/>
-              <a:t> than long-term trends. </a:t>
-            </a:r>
-          </a:p>
-          <a:p>
+              <a:t>MAE = 0.0816</a:t>
+            </a:r>
+            <a:r>
+              <a:rPr lang="en-US" dirty="0"/>
+              <a:t> → Predictions deviate by an average of </a:t>
+            </a:r>
             <a:r>
               <a:rPr lang="en-US" b="1" dirty="0"/>
-              <a:t>Weather variables have minimal impact</a:t>
-            </a:r>
-            <a:r>
-              <a:rPr lang="en-US" dirty="0"/>
-              <a:t> : External conditions like temperature and humidity appear to have </a:t>
-            </a:r>
+              <a:t>0.0816 kW</a:t>
+            </a:r>
+            <a:r>
+              <a:rPr lang="en-US" dirty="0"/>
+              <a:t> from actual values.  </a:t>
+            </a:r>
+          </a:p>
+          <a:p>
             <a:r>
               <a:rPr lang="en-US" b="1" dirty="0"/>
-              <a:t>negligible influence</a:t>
-            </a:r>
-            <a:r>
-              <a:rPr lang="en-US" dirty="0"/>
-              <a:t> on energy predictions.</a:t>
+              <a:t>MSE = 0.0112</a:t>
+            </a:r>
+            <a:r>
+              <a:rPr lang="en-US" dirty="0"/>
+              <a:t> → Low squared error, indicating the model minimizes large mistakes well. </a:t>
+            </a:r>
+          </a:p>
+          <a:p>
+            <a:r>
+              <a:rPr lang="en-US" b="1" dirty="0"/>
+              <a:t>R² = 0.8540</a:t>
+            </a:r>
+            <a:r>
+              <a:rPr lang="en-US" dirty="0"/>
+              <a:t> → The model explains </a:t>
+            </a:r>
+            <a:r>
+              <a:rPr lang="en-US" b="1" dirty="0"/>
+              <a:t>85.40% of the variance</a:t>
+            </a:r>
+            <a:r>
+              <a:rPr lang="en-US" dirty="0"/>
+              <a:t>, meaning it captures patterns effectively.</a:t>
             </a:r>
             <a:endParaRPr lang="en-AU" dirty="0"/>
           </a:p>
@@ -2032,7 +2060,7 @@
           <a:p>
             <a:fld id="{5C16C640-3DC0-49B9-9360-5582FB148844}" type="slidenum">
               <a:rPr lang="en-AU" smtClean="0"/>
-              <a:t>19</a:t>
+              <a:t>20</a:t>
             </a:fld>
             <a:endParaRPr lang="en-AU"/>
           </a:p>
@@ -2041,7 +2069,7 @@
     </p:spTree>
     <p:extLst>
       <p:ext uri="{BB962C8B-B14F-4D97-AF65-F5344CB8AC3E}">
-        <p14:creationId xmlns:p14="http://schemas.microsoft.com/office/powerpoint/2010/main" val="1560531637"/>
+        <p14:creationId xmlns:p14="http://schemas.microsoft.com/office/powerpoint/2010/main" val="326626422"/>
       </p:ext>
     </p:extLst>
   </p:cSld>
@@ -2096,68 +2124,43 @@
           <a:lstStyle/>
           <a:p>
             <a:r>
-              <a:rPr lang="en-US" b="1" dirty="0"/>
-              <a:t>ARIMA(1,0,1) model</a:t>
-            </a:r>
-            <a:r>
-              <a:rPr lang="en-US" dirty="0"/>
-              <a:t> has been optimized with </a:t>
-            </a:r>
-            <a:r>
-              <a:rPr lang="en-US" b="1" dirty="0"/>
-              <a:t>PCA-selected features</a:t>
-            </a:r>
-            <a:r>
-              <a:rPr lang="en-US" dirty="0"/>
-              <a:t>, yielding strong performance metrics: </a:t>
-            </a:r>
-          </a:p>
-          <a:p>
-            <a:r>
-              <a:rPr lang="en-US" b="1" dirty="0"/>
-              <a:t>MAE = 0.0816</a:t>
-            </a:r>
-            <a:r>
-              <a:rPr lang="en-US" dirty="0"/>
-              <a:t> → Predictions deviate by an average of </a:t>
-            </a:r>
-            <a:r>
-              <a:rPr lang="en-US" b="1" dirty="0"/>
-              <a:t>0.0816 kW</a:t>
-            </a:r>
-            <a:r>
-              <a:rPr lang="en-US" dirty="0"/>
-              <a:t> from actual values.  </a:t>
-            </a:r>
-          </a:p>
-          <a:p>
-            <a:r>
-              <a:rPr lang="en-US" b="1" dirty="0"/>
-              <a:t>MSE = 0.0112</a:t>
-            </a:r>
-            <a:r>
-              <a:rPr lang="en-US" dirty="0"/>
-              <a:t> → Low squared error, indicating the model minimizes large mistakes well. </a:t>
-            </a:r>
-          </a:p>
-          <a:p>
-            <a:r>
-              <a:rPr lang="en-US" b="1" dirty="0"/>
-              <a:t>R² = 0.8540</a:t>
-            </a:r>
-            <a:r>
-              <a:rPr lang="en-US" dirty="0"/>
-              <a:t> → The model explains </a:t>
-            </a:r>
-            <a:r>
-              <a:rPr lang="en-US" b="1" dirty="0"/>
-              <a:t>85.40% of the variance</a:t>
-            </a:r>
-            <a:r>
-              <a:rPr lang="en-US" dirty="0"/>
-              <a:t>, meaning it captures patterns effectively.</a:t>
-            </a:r>
-            <a:endParaRPr lang="en-AU" dirty="0"/>
+              <a:rPr lang="en-AU" b="1" dirty="0"/>
+              <a:t>No obvious residual patterns</a:t>
+            </a:r>
+            <a:r>
+              <a:rPr lang="en-AU" dirty="0"/>
+              <a:t> : Model likely captures trends well.</a:t>
+            </a:r>
+          </a:p>
+          <a:p>
+            <a:r>
+              <a:rPr lang="en-AU" b="1" dirty="0"/>
+              <a:t>Near-normal residual distribution</a:t>
+            </a:r>
+            <a:r>
+              <a:rPr lang="en-AU" dirty="0"/>
+              <a:t> : ARIMA assumptions hold reasonably well. </a:t>
+            </a:r>
+          </a:p>
+          <a:p>
+            <a:r>
+              <a:rPr lang="en-AU" b="1" dirty="0"/>
+              <a:t>Few extreme residual values</a:t>
+            </a:r>
+            <a:r>
+              <a:rPr lang="en-AU" dirty="0"/>
+              <a:t> : Model has been well generalized. </a:t>
+            </a:r>
+          </a:p>
+          <a:p>
+            <a:r>
+              <a:rPr lang="en-AU" b="1" dirty="0"/>
+              <a:t>Slight skewness in tails</a:t>
+            </a:r>
+            <a:r>
+              <a:rPr lang="en-AU" dirty="0"/>
+              <a:t> : There are still a few extreme values.</a:t>
+            </a:r>
           </a:p>
         </p:txBody>
       </p:sp>
@@ -2187,7 +2190,7 @@
     </p:spTree>
     <p:extLst>
       <p:ext uri="{BB962C8B-B14F-4D97-AF65-F5344CB8AC3E}">
-        <p14:creationId xmlns:p14="http://schemas.microsoft.com/office/powerpoint/2010/main" val="326626422"/>
+        <p14:creationId xmlns:p14="http://schemas.microsoft.com/office/powerpoint/2010/main" val="2334707474"/>
       </p:ext>
     </p:extLst>
   </p:cSld>
@@ -2372,43 +2375,124 @@
           <a:lstStyle/>
           <a:p>
             <a:r>
-              <a:rPr lang="en-AU" b="1" dirty="0"/>
-              <a:t>No obvious residual patterns</a:t>
-            </a:r>
-            <a:r>
-              <a:rPr lang="en-AU" dirty="0"/>
-              <a:t> : Model likely captures trends well.</a:t>
-            </a:r>
-          </a:p>
-          <a:p>
-            <a:r>
-              <a:rPr lang="en-AU" b="1" dirty="0"/>
-              <a:t>Near-normal residual distribution</a:t>
-            </a:r>
-            <a:r>
-              <a:rPr lang="en-AU" dirty="0"/>
-              <a:t> : ARIMA assumptions hold reasonably well. </a:t>
-            </a:r>
-          </a:p>
-          <a:p>
-            <a:r>
-              <a:rPr lang="en-AU" b="1" dirty="0"/>
-              <a:t>Few extreme residual values</a:t>
-            </a:r>
-            <a:r>
-              <a:rPr lang="en-AU" dirty="0"/>
-              <a:t> : Model has been well generalized. </a:t>
-            </a:r>
-          </a:p>
-          <a:p>
-            <a:r>
-              <a:rPr lang="en-AU" b="1" dirty="0"/>
-              <a:t>Slight skewness in tails</a:t>
-            </a:r>
-            <a:r>
-              <a:rPr lang="en-AU" dirty="0"/>
-              <a:t> : There are still a few extreme values.</a:t>
-            </a:r>
+              <a:rPr lang="en-US" b="1" dirty="0"/>
+              <a:t>optimized SARIMAX model</a:t>
+            </a:r>
+            <a:r>
+              <a:rPr lang="en-US" dirty="0"/>
+              <a:t> with parameters </a:t>
+            </a:r>
+            <a:r>
+              <a:rPr lang="en-US" i="1" dirty="0"/>
+              <a:t>(p=1, d=0, q=1, P=2, D=0, Q=2, s=7)</a:t>
+            </a:r>
+            <a:r>
+              <a:rPr lang="en-US" dirty="0"/>
+              <a:t> has been evaluated, and here’s what the metrics suggest:</a:t>
+            </a:r>
+          </a:p>
+          <a:p>
+            <a:r>
+              <a:rPr lang="en-US" b="1" dirty="0"/>
+              <a:t>MAE = 0.1630</a:t>
+            </a:r>
+            <a:r>
+              <a:rPr lang="en-US" dirty="0"/>
+              <a:t> : Predictions deviate by an average of </a:t>
+            </a:r>
+            <a:r>
+              <a:rPr lang="en-US" b="1" dirty="0"/>
+              <a:t>0.163 kW</a:t>
+            </a:r>
+            <a:r>
+              <a:rPr lang="en-US" dirty="0"/>
+              <a:t>, showing moderate accuracy. </a:t>
+            </a:r>
+          </a:p>
+          <a:p>
+            <a:r>
+              <a:rPr lang="en-US" b="1" dirty="0"/>
+              <a:t>MSE = 0.0482</a:t>
+            </a:r>
+            <a:r>
+              <a:rPr lang="en-US" dirty="0"/>
+              <a:t> : Low squared error, meaning the model effectively captures energy consumption trends. </a:t>
+            </a:r>
+          </a:p>
+          <a:p>
+            <a:r>
+              <a:rPr lang="en-US" b="1" dirty="0"/>
+              <a:t>R² = 0.6503</a:t>
+            </a:r>
+            <a:r>
+              <a:rPr lang="en-US" dirty="0"/>
+              <a:t> : The model explains </a:t>
+            </a:r>
+            <a:r>
+              <a:rPr lang="en-US" b="1" dirty="0"/>
+              <a:t>65.03% of the variance</a:t>
+            </a:r>
+            <a:r>
+              <a:rPr lang="en-US" dirty="0"/>
+              <a:t>, indicating a </a:t>
+            </a:r>
+            <a:r>
+              <a:rPr lang="en-US" b="1" dirty="0"/>
+              <a:t>reasonable prediction.</a:t>
+            </a:r>
+            <a:endParaRPr lang="en-US" dirty="0"/>
+          </a:p>
+          <a:p>
+            <a:endParaRPr lang="en-AU" dirty="0"/>
+          </a:p>
+          <a:p>
+            <a:r>
+              <a:rPr lang="en-US" b="1" dirty="0"/>
+              <a:t>Observed vs. Forecasted Trends</a:t>
+            </a:r>
+            <a:r>
+              <a:rPr lang="en-US" dirty="0"/>
+              <a:t> : The SARIMAX model follows actual energy consumption patterns well, but </a:t>
+            </a:r>
+            <a:r>
+              <a:rPr lang="en-US" b="1" dirty="0"/>
+              <a:t>minor deviations</a:t>
+            </a:r>
+            <a:r>
+              <a:rPr lang="en-US" dirty="0"/>
+              <a:t> suggest some residual errors.</a:t>
+            </a:r>
+          </a:p>
+          <a:p>
+            <a:r>
+              <a:rPr lang="en-US" b="1" dirty="0"/>
+              <a:t>Forecast for Next 15 Days</a:t>
+            </a:r>
+            <a:r>
+              <a:rPr lang="en-US" dirty="0"/>
+              <a:t> : Predictions extend smoothly, </a:t>
+            </a:r>
+          </a:p>
+          <a:p>
+            <a:r>
+              <a:rPr lang="en-US" b="1" dirty="0"/>
+              <a:t>Seasonal Effect Captured (s=7)</a:t>
+            </a:r>
+            <a:r>
+              <a:rPr lang="en-US" dirty="0"/>
+              <a:t> : The inclusion of a </a:t>
+            </a:r>
+            <a:r>
+              <a:rPr lang="en-US" b="1" dirty="0"/>
+              <a:t>weekly cycle</a:t>
+            </a:r>
+            <a:r>
+              <a:rPr lang="en-US" dirty="0"/>
+              <a:t> helps model recurring consumption patterns effectively.</a:t>
+            </a:r>
+          </a:p>
+          <a:p>
+            <a:endParaRPr lang="en-AU" dirty="0"/>
           </a:p>
         </p:txBody>
       </p:sp>
@@ -2438,7 +2522,7 @@
     </p:spTree>
     <p:extLst>
       <p:ext uri="{BB962C8B-B14F-4D97-AF65-F5344CB8AC3E}">
-        <p14:creationId xmlns:p14="http://schemas.microsoft.com/office/powerpoint/2010/main" val="2334707474"/>
+        <p14:creationId xmlns:p14="http://schemas.microsoft.com/office/powerpoint/2010/main" val="700013386"/>
       </p:ext>
     </p:extLst>
   </p:cSld>
@@ -2492,121 +2576,34 @@
           <a:bodyPr/>
           <a:lstStyle/>
           <a:p>
-            <a:r>
-              <a:rPr lang="en-US" b="1" dirty="0"/>
-              <a:t>optimized SARIMAX model</a:t>
-            </a:r>
-            <a:r>
-              <a:rPr lang="en-US" dirty="0"/>
-              <a:t> with parameters </a:t>
-            </a:r>
-            <a:r>
-              <a:rPr lang="en-US" i="1" dirty="0"/>
-              <a:t>(p=1, d=0, q=1, P=2, D=0, Q=2, s=7)</a:t>
-            </a:r>
-            <a:r>
-              <a:rPr lang="en-US" dirty="0"/>
-              <a:t> has been evaluated, and here’s what the metrics suggest:</a:t>
-            </a:r>
-          </a:p>
-          <a:p>
-            <a:r>
-              <a:rPr lang="en-US" b="1" dirty="0"/>
-              <a:t>MAE = 0.1630</a:t>
-            </a:r>
-            <a:r>
-              <a:rPr lang="en-US" dirty="0"/>
-              <a:t> : Predictions deviate by an average of </a:t>
-            </a:r>
-            <a:r>
-              <a:rPr lang="en-US" b="1" dirty="0"/>
-              <a:t>0.163 kW</a:t>
-            </a:r>
-            <a:r>
-              <a:rPr lang="en-US" dirty="0"/>
-              <a:t>, showing moderate accuracy. </a:t>
-            </a:r>
-          </a:p>
-          <a:p>
-            <a:r>
-              <a:rPr lang="en-US" b="1" dirty="0"/>
-              <a:t>MSE = 0.0482</a:t>
-            </a:r>
-            <a:r>
-              <a:rPr lang="en-US" dirty="0"/>
-              <a:t> : Low squared error, meaning the model effectively captures energy consumption trends. </a:t>
-            </a:r>
-          </a:p>
-          <a:p>
-            <a:r>
-              <a:rPr lang="en-US" b="1" dirty="0"/>
-              <a:t>R² = 0.6503</a:t>
-            </a:r>
-            <a:r>
-              <a:rPr lang="en-US" dirty="0"/>
-              <a:t> : The model explains </a:t>
-            </a:r>
-            <a:r>
-              <a:rPr lang="en-US" b="1" dirty="0"/>
-              <a:t>65.03% of the variance</a:t>
-            </a:r>
-            <a:r>
-              <a:rPr lang="en-US" dirty="0"/>
-              <a:t>, indicating a </a:t>
-            </a:r>
-            <a:r>
-              <a:rPr lang="en-US" b="1" dirty="0"/>
-              <a:t>reasonable prediction.</a:t>
-            </a:r>
-            <a:endParaRPr lang="en-US" dirty="0"/>
-          </a:p>
-          <a:p>
-            <a:endParaRPr lang="en-AU" dirty="0"/>
-          </a:p>
-          <a:p>
-            <a:r>
-              <a:rPr lang="en-US" b="1" dirty="0"/>
-              <a:t>Observed vs. Forecasted Trends</a:t>
-            </a:r>
-            <a:r>
-              <a:rPr lang="en-US" dirty="0"/>
-              <a:t> : The SARIMAX model follows actual energy consumption patterns well, but </a:t>
-            </a:r>
-            <a:r>
-              <a:rPr lang="en-US" b="1" dirty="0"/>
-              <a:t>minor deviations</a:t>
-            </a:r>
-            <a:r>
-              <a:rPr lang="en-US" dirty="0"/>
-              <a:t> suggest some residual errors.</a:t>
-            </a:r>
-          </a:p>
-          <a:p>
-            <a:r>
-              <a:rPr lang="en-US" b="1" dirty="0"/>
-              <a:t>Forecast for Next 15 Days</a:t>
-            </a:r>
-            <a:r>
-              <a:rPr lang="en-US" dirty="0"/>
-              <a:t> : Predictions extend smoothly, </a:t>
-            </a:r>
-          </a:p>
-          <a:p>
-            <a:r>
-              <a:rPr lang="en-US" b="1" dirty="0"/>
-              <a:t>Seasonal Effect Captured (s=7)</a:t>
-            </a:r>
-            <a:r>
-              <a:rPr lang="en-US" dirty="0"/>
-              <a:t> : The inclusion of a </a:t>
-            </a:r>
-            <a:r>
-              <a:rPr lang="en-US" b="1" dirty="0"/>
-              <a:t>weekly cycle</a:t>
-            </a:r>
-            <a:r>
-              <a:rPr lang="en-US" dirty="0"/>
-              <a:t> helps model recurring consumption patterns effectively.</a:t>
+            <a:pPr marL="0" marR="0" lvl="0" indent="0" algn="l" defTabSz="914400" rtl="0" eaLnBrk="1" fontAlgn="auto" latinLnBrk="0" hangingPunct="1">
+              <a:lnSpc>
+                <a:spcPct val="100000"/>
+              </a:lnSpc>
+              <a:spcBef>
+                <a:spcPts val="0"/>
+              </a:spcBef>
+              <a:spcAft>
+                <a:spcPts val="0"/>
+              </a:spcAft>
+              <a:buClrTx/>
+              <a:buSzTx/>
+              <a:buFontTx/>
+              <a:buNone/>
+              <a:tabLst/>
+              <a:defRPr/>
+            </a:pPr>
+            <a:r>
+              <a:rPr lang="en-US" sz="1200" b="0" kern="1200" dirty="0">
+                <a:solidFill>
+                  <a:schemeClr val="tx1"/>
+                </a:solidFill>
+                <a:effectLst/>
+                <a:latin typeface="+mn-lt"/>
+                <a:ea typeface="+mn-ea"/>
+                <a:cs typeface="+mn-cs"/>
+              </a:rPr>
+              <a:t>The LSTM model did not yield strong predictive performance, which may be attributed to the relatively small size of the dataset. Recurrent neural networks, including LSTMs, typically require large volumes of data to effectively capture temporal dependencies and learn complex patterns. In this case, the limited data may have hindered the model's ability to generalize and make accurate forecasts.</a:t>
             </a:r>
           </a:p>
           <a:p>
@@ -2640,7 +2637,7 @@
     </p:spTree>
     <p:extLst>
       <p:ext uri="{BB962C8B-B14F-4D97-AF65-F5344CB8AC3E}">
-        <p14:creationId xmlns:p14="http://schemas.microsoft.com/office/powerpoint/2010/main" val="700013386"/>
+        <p14:creationId xmlns:p14="http://schemas.microsoft.com/office/powerpoint/2010/main" val="2267169438"/>
       </p:ext>
     </p:extLst>
   </p:cSld>
@@ -2694,23 +2691,6 @@
           <a:bodyPr/>
           <a:lstStyle/>
           <a:p>
-            <a:pPr marL="0" marR="0" lvl="0" indent="0" algn="l" defTabSz="914400" rtl="0" eaLnBrk="1" fontAlgn="auto" latinLnBrk="0" hangingPunct="1">
-              <a:lnSpc>
-                <a:spcPct val="100000"/>
-              </a:lnSpc>
-              <a:spcBef>
-                <a:spcPts val="0"/>
-              </a:spcBef>
-              <a:spcAft>
-                <a:spcPts val="0"/>
-              </a:spcAft>
-              <a:buClrTx/>
-              <a:buSzTx/>
-              <a:buFontTx/>
-              <a:buNone/>
-              <a:tabLst/>
-              <a:defRPr/>
-            </a:pPr>
             <a:r>
               <a:rPr lang="en-US" sz="1200" b="0" kern="1200" dirty="0">
                 <a:solidFill>
@@ -2721,8 +2701,183 @@
                 <a:ea typeface="+mn-ea"/>
                 <a:cs typeface="+mn-cs"/>
               </a:rPr>
-              <a:t>The LSTM model did not yield strong predictive performance, which may be attributed to the relatively small size of the dataset. Recurrent neural networks, including LSTMs, typically require large volumes of data to effectively capture temporal dependencies and learn complex patterns. In this case, the limited data may have hindered the model's ability to generalize and make accurate forecasts.</a:t>
-            </a:r>
+              <a:t>Prophet is a time series forecasting model developed by Facebook. It's designed to handle time series data with strong seasonality and trend components, making it well-suited for energy consumption data due to the following reasons:</a:t>
+            </a:r>
+          </a:p>
+          <a:p>
+            <a:br>
+              <a:rPr lang="en-US" sz="1200" b="0" kern="1200" dirty="0">
+                <a:solidFill>
+                  <a:schemeClr val="tx1"/>
+                </a:solidFill>
+                <a:effectLst/>
+                <a:latin typeface="+mn-lt"/>
+                <a:ea typeface="+mn-ea"/>
+                <a:cs typeface="+mn-cs"/>
+              </a:rPr>
+            </a:br>
+            <a:r>
+              <a:rPr lang="en-US" sz="1200" b="0" kern="1200" dirty="0">
+                <a:solidFill>
+                  <a:schemeClr val="tx1"/>
+                </a:solidFill>
+                <a:effectLst/>
+                <a:latin typeface="+mn-lt"/>
+                <a:ea typeface="+mn-ea"/>
+                <a:cs typeface="+mn-cs"/>
+              </a:rPr>
+              <a:t>- </a:t>
+            </a:r>
+            <a:r>
+              <a:rPr lang="en-US" sz="1200" b="1" kern="1200" dirty="0">
+                <a:solidFill>
+                  <a:schemeClr val="tx1"/>
+                </a:solidFill>
+                <a:effectLst/>
+                <a:latin typeface="+mn-lt"/>
+                <a:ea typeface="+mn-ea"/>
+                <a:cs typeface="+mn-cs"/>
+              </a:rPr>
+              <a:t>**Handles Seasonality:**</a:t>
+            </a:r>
+            <a:r>
+              <a:rPr lang="en-US" sz="1200" b="0" kern="1200" dirty="0">
+                <a:solidFill>
+                  <a:schemeClr val="tx1"/>
+                </a:solidFill>
+                <a:effectLst/>
+                <a:latin typeface="+mn-lt"/>
+                <a:ea typeface="+mn-ea"/>
+                <a:cs typeface="+mn-cs"/>
+              </a:rPr>
+              <a:t> Energy consumption often exhibits strong seasonal patterns (e.g., daily, weekly, yearly). Prophet excels at capturing these patterns.</a:t>
+            </a:r>
+          </a:p>
+          <a:p>
+            <a:r>
+              <a:rPr lang="en-US" sz="1200" b="0" kern="1200" dirty="0">
+                <a:solidFill>
+                  <a:schemeClr val="tx1"/>
+                </a:solidFill>
+                <a:effectLst/>
+                <a:latin typeface="+mn-lt"/>
+                <a:ea typeface="+mn-ea"/>
+                <a:cs typeface="+mn-cs"/>
+              </a:rPr>
+              <a:t>- </a:t>
+            </a:r>
+            <a:r>
+              <a:rPr lang="en-US" sz="1200" b="1" kern="1200" dirty="0">
+                <a:solidFill>
+                  <a:schemeClr val="tx1"/>
+                </a:solidFill>
+                <a:effectLst/>
+                <a:latin typeface="+mn-lt"/>
+                <a:ea typeface="+mn-ea"/>
+                <a:cs typeface="+mn-cs"/>
+              </a:rPr>
+              <a:t>**Robust to Outliers:**</a:t>
+            </a:r>
+            <a:r>
+              <a:rPr lang="en-US" sz="1200" b="0" kern="1200" dirty="0">
+                <a:solidFill>
+                  <a:schemeClr val="tx1"/>
+                </a:solidFill>
+                <a:effectLst/>
+                <a:latin typeface="+mn-lt"/>
+                <a:ea typeface="+mn-ea"/>
+                <a:cs typeface="+mn-cs"/>
+              </a:rPr>
+              <a:t> Prophet is designed to be robust to outliers, which are common in energy consumption data due to unusual events or measurement errors.</a:t>
+            </a:r>
+          </a:p>
+          <a:p>
+            <a:pPr marL="171450" indent="-171450">
+              <a:buFontTx/>
+              <a:buChar char="-"/>
+            </a:pPr>
+            <a:r>
+              <a:rPr lang="en-US" sz="1200" b="1" kern="1200" dirty="0">
+                <a:solidFill>
+                  <a:schemeClr val="tx1"/>
+                </a:solidFill>
+                <a:effectLst/>
+                <a:latin typeface="+mn-lt"/>
+                <a:ea typeface="+mn-ea"/>
+                <a:cs typeface="+mn-cs"/>
+              </a:rPr>
+              <a:t>**Handles Missing Data:**</a:t>
+            </a:r>
+            <a:r>
+              <a:rPr lang="en-US" sz="1200" b="0" kern="1200" dirty="0">
+                <a:solidFill>
+                  <a:schemeClr val="tx1"/>
+                </a:solidFill>
+                <a:effectLst/>
+                <a:latin typeface="+mn-lt"/>
+                <a:ea typeface="+mn-ea"/>
+                <a:cs typeface="+mn-cs"/>
+              </a:rPr>
+              <a:t> Prophet can handle missing data points, which can occur due to sensor malfunctions or data collection issues.</a:t>
+            </a:r>
+          </a:p>
+          <a:p>
+            <a:pPr marL="171450" indent="-171450">
+              <a:buFontTx/>
+              <a:buChar char="-"/>
+            </a:pPr>
+            <a:endParaRPr lang="en-US" sz="1200" b="0" kern="1200" dirty="0">
+              <a:solidFill>
+                <a:schemeClr val="tx1"/>
+              </a:solidFill>
+              <a:effectLst/>
+              <a:latin typeface="+mn-lt"/>
+              <a:ea typeface="+mn-ea"/>
+              <a:cs typeface="+mn-cs"/>
+            </a:endParaRPr>
+          </a:p>
+          <a:p>
+            <a:r>
+              <a:rPr lang="en-US" sz="1200" b="0" kern="1200" dirty="0">
+                <a:solidFill>
+                  <a:schemeClr val="tx1"/>
+                </a:solidFill>
+                <a:effectLst/>
+                <a:latin typeface="+mn-lt"/>
+                <a:ea typeface="+mn-ea"/>
+                <a:cs typeface="+mn-cs"/>
+              </a:rPr>
+              <a:t>Prophet model performed reasonably well, explaining 69.23% of the variance (R² = 0.6923). The MAE (0.1622 kW) and MSE (0.0440) show that predictions are fairly accurate.</a:t>
+            </a:r>
+          </a:p>
+          <a:p>
+            <a:r>
+              <a:rPr lang="en-US" sz="1200" b="0" kern="1200" dirty="0">
+                <a:solidFill>
+                  <a:schemeClr val="tx1"/>
+                </a:solidFill>
+                <a:effectLst/>
+                <a:latin typeface="+mn-lt"/>
+                <a:ea typeface="+mn-ea"/>
+                <a:cs typeface="+mn-cs"/>
+              </a:rPr>
+              <a:t>The forecast follows past trends well, but confidence intervals suggest some uncertainty.</a:t>
+            </a:r>
+          </a:p>
+          <a:p>
+            <a:pPr marL="0" indent="0">
+              <a:buFontTx/>
+              <a:buNone/>
+            </a:pPr>
+            <a:endParaRPr lang="en-US" sz="1200" b="0" kern="1200" dirty="0">
+              <a:solidFill>
+                <a:schemeClr val="tx1"/>
+              </a:solidFill>
+              <a:effectLst/>
+              <a:latin typeface="+mn-lt"/>
+              <a:ea typeface="+mn-ea"/>
+              <a:cs typeface="+mn-cs"/>
+            </a:endParaRPr>
           </a:p>
           <a:p>
             <a:endParaRPr lang="en-AU" dirty="0"/>
@@ -2755,7 +2910,7 @@
     </p:spTree>
     <p:extLst>
       <p:ext uri="{BB962C8B-B14F-4D97-AF65-F5344CB8AC3E}">
-        <p14:creationId xmlns:p14="http://schemas.microsoft.com/office/powerpoint/2010/main" val="2267169438"/>
+        <p14:creationId xmlns:p14="http://schemas.microsoft.com/office/powerpoint/2010/main" val="3530136682"/>
       </p:ext>
     </p:extLst>
   </p:cSld>
@@ -2810,6 +2965,18 @@
           <a:lstStyle/>
           <a:p>
             <a:r>
+              <a:rPr lang="en-US" sz="1200" b="0" kern="1200" dirty="0" err="1">
+                <a:solidFill>
+                  <a:schemeClr val="tx1"/>
+                </a:solidFill>
+                <a:effectLst/>
+                <a:latin typeface="+mn-lt"/>
+                <a:ea typeface="+mn-ea"/>
+                <a:cs typeface="+mn-cs"/>
+              </a:rPr>
+              <a:t>XGBoost</a:t>
+            </a:r>
+            <a:r>
               <a:rPr lang="en-US" sz="1200" b="0" kern="1200" dirty="0">
                 <a:solidFill>
                   <a:schemeClr val="tx1"/>
@@ -2819,7 +2986,7 @@
                 <a:ea typeface="+mn-ea"/>
                 <a:cs typeface="+mn-cs"/>
               </a:rPr>
-              <a:t>Prophet is a time series forecasting model developed by Facebook. It's designed to handle time series data with strong seasonality and trend components, making it well-suited for energy consumption data due to the following reasons:</a:t>
+              <a:t> model delivers highly accurate predictions, as indicated by the following metrics:</a:t>
             </a:r>
           </a:p>
           <a:p>
@@ -2844,20 +3011,10 @@
                 <a:ea typeface="+mn-ea"/>
                 <a:cs typeface="+mn-cs"/>
               </a:rPr>
-              <a:t>- </a:t>
-            </a:r>
-            <a:r>
-              <a:rPr lang="en-US" sz="1200" b="1" kern="1200" dirty="0">
-                <a:solidFill>
-                  <a:schemeClr val="tx1"/>
-                </a:solidFill>
-                <a:effectLst/>
-                <a:latin typeface="+mn-lt"/>
-                <a:ea typeface="+mn-ea"/>
-                <a:cs typeface="+mn-cs"/>
-              </a:rPr>
-              <a:t>**Handles Seasonality:**</a:t>
-            </a:r>
+              <a:t>- MAE (Mean Absolute Error) = 0.0426 → Predictions are extremely close to actual values, with an average error of only 0.0426 kW. </a:t>
+            </a:r>
+          </a:p>
+          <a:p>
             <a:r>
               <a:rPr lang="en-US" sz="1200" b="0" kern="1200" dirty="0">
                 <a:solidFill>
@@ -2868,10 +3025,14 @@
                 <a:ea typeface="+mn-ea"/>
                 <a:cs typeface="+mn-cs"/>
               </a:rPr>
-              <a:t> Energy consumption often exhibits strong seasonal patterns (e.g., daily, weekly, yearly). Prophet excels at capturing these patterns.</a:t>
-            </a:r>
-          </a:p>
-          <a:p>
+              <a:t>- RMSE (Root Mean Squared Error) = 0.0050 → Low error variance, suggesting the model maintains stability across predictions.</a:t>
+            </a:r>
+          </a:p>
+          <a:p>
+            <a:pPr marL="171450" indent="-171450">
+              <a:buFontTx/>
+              <a:buChar char="-"/>
+            </a:pPr>
             <a:r>
               <a:rPr lang="en-US" sz="1200" b="0" kern="1200" dirty="0">
                 <a:solidFill>
@@ -2882,62 +3043,53 @@
                 <a:ea typeface="+mn-ea"/>
                 <a:cs typeface="+mn-cs"/>
               </a:rPr>
-              <a:t>- </a:t>
-            </a:r>
-            <a:r>
-              <a:rPr lang="en-US" sz="1200" b="1" kern="1200" dirty="0">
-                <a:solidFill>
-                  <a:schemeClr val="tx1"/>
-                </a:solidFill>
-                <a:effectLst/>
-                <a:latin typeface="+mn-lt"/>
-                <a:ea typeface="+mn-ea"/>
-                <a:cs typeface="+mn-cs"/>
-              </a:rPr>
-              <a:t>**Robust to Outliers:**</a:t>
-            </a:r>
-            <a:r>
-              <a:rPr lang="en-US" sz="1200" b="0" kern="1200" dirty="0">
-                <a:solidFill>
-                  <a:schemeClr val="tx1"/>
-                </a:solidFill>
-                <a:effectLst/>
-                <a:latin typeface="+mn-lt"/>
-                <a:ea typeface="+mn-ea"/>
-                <a:cs typeface="+mn-cs"/>
-              </a:rPr>
-              <a:t> Prophet is designed to be robust to outliers, which are common in energy consumption data due to unusual events or measurement errors.</a:t>
-            </a:r>
-          </a:p>
-          <a:p>
-            <a:pPr marL="171450" indent="-171450">
+              <a:t>R² (Coefficient of Determination) = 0.9639 → The model explains 96.39% of the variance, indicating an excellent fit to the data.</a:t>
+            </a:r>
+          </a:p>
+          <a:p>
+            <a:pPr marL="0" indent="0">
               <a:buFontTx/>
-              <a:buChar char="-"/>
+              <a:buNone/>
             </a:pPr>
             <a:r>
-              <a:rPr lang="en-US" sz="1200" b="1" kern="1200" dirty="0">
-                <a:solidFill>
-                  <a:schemeClr val="tx1"/>
-                </a:solidFill>
-                <a:effectLst/>
-                <a:latin typeface="+mn-lt"/>
-                <a:ea typeface="+mn-ea"/>
-                <a:cs typeface="+mn-cs"/>
-              </a:rPr>
-              <a:t>**Handles Missing Data:**</a:t>
-            </a:r>
-            <a:r>
-              <a:rPr lang="en-US" sz="1200" b="0" kern="1200" dirty="0">
-                <a:solidFill>
-                  <a:schemeClr val="tx1"/>
-                </a:solidFill>
-                <a:effectLst/>
-                <a:latin typeface="+mn-lt"/>
-                <a:ea typeface="+mn-ea"/>
-                <a:cs typeface="+mn-cs"/>
-              </a:rPr>
-              <a:t> Prophet can handle missing data points, which can occur due to sensor malfunctions or data collection issues.</a:t>
-            </a:r>
+              <a:rPr lang="en-US" b="1" dirty="0"/>
+              <a:t>Gradient boosting</a:t>
+            </a:r>
+            <a:r>
+              <a:rPr lang="en-US" dirty="0"/>
+              <a:t> refines weak learners into a strong predictor, minimizing errors iteratively. </a:t>
+            </a:r>
+          </a:p>
+          <a:p>
+            <a:pPr marL="0" indent="0">
+              <a:buFontTx/>
+              <a:buNone/>
+            </a:pPr>
+            <a:r>
+              <a:rPr lang="en-US" b="1" dirty="0"/>
+              <a:t>Handling missing values &amp; nonlinearity</a:t>
+            </a:r>
+            <a:r>
+              <a:rPr lang="en-US" dirty="0"/>
+              <a:t> gives </a:t>
+            </a:r>
+            <a:r>
+              <a:rPr lang="en-US" dirty="0" err="1"/>
+              <a:t>XGBoost</a:t>
+            </a:r>
+            <a:r>
+              <a:rPr lang="en-US" dirty="0"/>
+              <a:t> a major advantage over traditional models.</a:t>
+            </a:r>
+            <a:endParaRPr lang="en-US" sz="1200" b="0" kern="1200" dirty="0">
+              <a:solidFill>
+                <a:schemeClr val="tx1"/>
+              </a:solidFill>
+              <a:effectLst/>
+              <a:latin typeface="+mn-lt"/>
+              <a:ea typeface="+mn-ea"/>
+              <a:cs typeface="+mn-cs"/>
+            </a:endParaRPr>
           </a:p>
           <a:p>
             <a:pPr marL="171450" indent="-171450">
@@ -2955,49 +3107,6 @@
             </a:endParaRPr>
           </a:p>
           <a:p>
-            <a:r>
-              <a:rPr lang="en-US" sz="1200" b="0" kern="1200" dirty="0">
-                <a:solidFill>
-                  <a:schemeClr val="tx1"/>
-                </a:solidFill>
-                <a:effectLst/>
-                <a:latin typeface="+mn-lt"/>
-                <a:ea typeface="+mn-ea"/>
-                <a:cs typeface="+mn-cs"/>
-              </a:rPr>
-              <a:t>Prophet model performed reasonably well, explaining 69.23% of the variance (R² = 0.6923). The MAE (0.1622 kW) and MSE (0.0440) show that predictions are fairly accurate.</a:t>
-            </a:r>
-          </a:p>
-          <a:p>
-            <a:r>
-              <a:rPr lang="en-US" sz="1200" b="0" kern="1200" dirty="0">
-                <a:solidFill>
-                  <a:schemeClr val="tx1"/>
-                </a:solidFill>
-                <a:effectLst/>
-                <a:latin typeface="+mn-lt"/>
-                <a:ea typeface="+mn-ea"/>
-                <a:cs typeface="+mn-cs"/>
-              </a:rPr>
-              <a:t>The forecast follows past trends well, but confidence intervals suggest some uncertainty.</a:t>
-            </a:r>
-          </a:p>
-          <a:p>
-            <a:pPr marL="0" indent="0">
-              <a:buFontTx/>
-              <a:buNone/>
-            </a:pPr>
-            <a:endParaRPr lang="en-US" sz="1200" b="0" kern="1200" dirty="0">
-              <a:solidFill>
-                <a:schemeClr val="tx1"/>
-              </a:solidFill>
-              <a:effectLst/>
-              <a:latin typeface="+mn-lt"/>
-              <a:ea typeface="+mn-ea"/>
-              <a:cs typeface="+mn-cs"/>
-            </a:endParaRPr>
-          </a:p>
-          <a:p>
             <a:endParaRPr lang="en-AU" dirty="0"/>
           </a:p>
         </p:txBody>
@@ -3028,7 +3137,7 @@
     </p:spTree>
     <p:extLst>
       <p:ext uri="{BB962C8B-B14F-4D97-AF65-F5344CB8AC3E}">
-        <p14:creationId xmlns:p14="http://schemas.microsoft.com/office/powerpoint/2010/main" val="3530136682"/>
+        <p14:creationId xmlns:p14="http://schemas.microsoft.com/office/powerpoint/2010/main" val="4151412142"/>
       </p:ext>
     </p:extLst>
   </p:cSld>
@@ -3083,7 +3192,125 @@
           <a:lstStyle/>
           <a:p>
             <a:r>
-              <a:rPr lang="en-US" sz="1200" b="0" kern="1200" dirty="0" err="1">
+              <a:rPr lang="en-US" b="1" dirty="0" err="1"/>
+              <a:t>XGBoost</a:t>
+            </a:r>
+            <a:r>
+              <a:rPr lang="en-US" dirty="0"/>
+              <a:t>: Strongest model, effectively capturing </a:t>
+            </a:r>
+            <a:r>
+              <a:rPr lang="en-US" b="1" dirty="0"/>
+              <a:t>complex interactions</a:t>
+            </a:r>
+            <a:r>
+              <a:rPr lang="en-US" dirty="0"/>
+              <a:t> like temperature non-linearities and holiday effects that others miss. </a:t>
+            </a:r>
+          </a:p>
+          <a:p>
+            <a:r>
+              <a:rPr lang="en-US" b="1" dirty="0"/>
+              <a:t>Auto-ARIMA</a:t>
+            </a:r>
+            <a:r>
+              <a:rPr lang="en-US" dirty="0"/>
+              <a:t>: Outperformed manual SARIMA/ARIMA configurations, optimizing parameters automatically for better trend-fitting. </a:t>
+            </a:r>
+          </a:p>
+          <a:p>
+            <a:r>
+              <a:rPr lang="en-US" b="1" dirty="0"/>
+              <a:t>Prophet &amp; SARIMAX_PCA</a:t>
+            </a:r>
+            <a:r>
+              <a:rPr lang="en-US" dirty="0"/>
+              <a:t>: Moderate performance (MAE ~0.163, R² 0.65-0.69), benefiting from </a:t>
+            </a:r>
+            <a:r>
+              <a:rPr lang="en-US" b="1" dirty="0"/>
+              <a:t>temperature/holiday features</a:t>
+            </a:r>
+            <a:r>
+              <a:rPr lang="en-US" dirty="0"/>
+              <a:t>, but PCA </a:t>
+            </a:r>
+            <a:r>
+              <a:rPr lang="en-US" b="1" dirty="0"/>
+              <a:t>may have limited its effectiveness</a:t>
+            </a:r>
+            <a:r>
+              <a:rPr lang="en-US" dirty="0"/>
+              <a:t>. </a:t>
+            </a:r>
+          </a:p>
+          <a:p>
+            <a:r>
+              <a:rPr lang="en-US" b="1" dirty="0"/>
+              <a:t>LSTM</a:t>
+            </a:r>
+            <a:r>
+              <a:rPr lang="en-US" dirty="0"/>
+              <a:t>: Underperformed due to </a:t>
+            </a:r>
+            <a:r>
+              <a:rPr lang="en-US" b="1" dirty="0"/>
+              <a:t>insufficient data for deep learning</a:t>
+            </a:r>
+            <a:r>
+              <a:rPr lang="en-US" dirty="0"/>
+              <a:t> or </a:t>
+            </a:r>
+            <a:r>
+              <a:rPr lang="en-US" b="1" dirty="0"/>
+              <a:t>suboptimal architecture choices</a:t>
+            </a:r>
+            <a:r>
+              <a:rPr lang="en-US" dirty="0"/>
+              <a:t>. </a:t>
+            </a:r>
+          </a:p>
+          <a:p>
+            <a:r>
+              <a:rPr lang="en-US" b="1" dirty="0"/>
+              <a:t>ARIMA Variants</a:t>
+            </a:r>
+            <a:r>
+              <a:rPr lang="en-US" dirty="0"/>
+              <a:t>: Consistently weaker performance (MAE 0.16-0.18); PCA </a:t>
+            </a:r>
+            <a:r>
+              <a:rPr lang="en-US" b="1" dirty="0"/>
+              <a:t>reduced feature complexity</a:t>
+            </a:r>
+            <a:r>
+              <a:rPr lang="en-US" dirty="0"/>
+              <a:t>, leading to lower accuracy compared to Auto-ARIMA.</a:t>
+            </a:r>
+            <a:endParaRPr lang="en-AU" sz="1200" kern="1200" dirty="0">
+              <a:solidFill>
+                <a:schemeClr val="tx1"/>
+              </a:solidFill>
+              <a:effectLst/>
+              <a:latin typeface="+mn-lt"/>
+              <a:ea typeface="+mn-ea"/>
+              <a:cs typeface="+mn-cs"/>
+            </a:endParaRPr>
+          </a:p>
+          <a:p>
+            <a:endParaRPr lang="en-US" sz="1200" b="0" i="0" kern="1200" dirty="0">
+              <a:solidFill>
+                <a:schemeClr val="tx1"/>
+              </a:solidFill>
+              <a:effectLst/>
+              <a:latin typeface="+mn-lt"/>
+              <a:ea typeface="+mn-ea"/>
+              <a:cs typeface="+mn-cs"/>
+            </a:endParaRPr>
+          </a:p>
+          <a:p>
+            <a:r>
+              <a:rPr lang="en-US" sz="1200" b="0" i="0" kern="1200" dirty="0">
                 <a:solidFill>
                   <a:schemeClr val="tx1"/>
                 </a:solidFill>
@@ -3092,140 +3319,8 @@
                 <a:ea typeface="+mn-ea"/>
                 <a:cs typeface="+mn-cs"/>
               </a:rPr>
-              <a:t>XGBoost</a:t>
-            </a:r>
-            <a:r>
-              <a:rPr lang="en-US" sz="1200" b="0" kern="1200" dirty="0">
-                <a:solidFill>
-                  <a:schemeClr val="tx1"/>
-                </a:solidFill>
-                <a:effectLst/>
-                <a:latin typeface="+mn-lt"/>
-                <a:ea typeface="+mn-ea"/>
-                <a:cs typeface="+mn-cs"/>
-              </a:rPr>
-              <a:t> model delivers highly accurate predictions, as indicated by the following metrics:</a:t>
-            </a:r>
-          </a:p>
-          <a:p>
-            <a:br>
-              <a:rPr lang="en-US" sz="1200" b="0" kern="1200" dirty="0">
-                <a:solidFill>
-                  <a:schemeClr val="tx1"/>
-                </a:solidFill>
-                <a:effectLst/>
-                <a:latin typeface="+mn-lt"/>
-                <a:ea typeface="+mn-ea"/>
-                <a:cs typeface="+mn-cs"/>
-              </a:rPr>
-            </a:br>
-            <a:r>
-              <a:rPr lang="en-US" sz="1200" b="0" kern="1200" dirty="0">
-                <a:solidFill>
-                  <a:schemeClr val="tx1"/>
-                </a:solidFill>
-                <a:effectLst/>
-                <a:latin typeface="+mn-lt"/>
-                <a:ea typeface="+mn-ea"/>
-                <a:cs typeface="+mn-cs"/>
-              </a:rPr>
-              <a:t>- MAE (Mean Absolute Error) = 0.0426 → Predictions are extremely close to actual values, with an average error of only 0.0426 kW. </a:t>
-            </a:r>
-          </a:p>
-          <a:p>
-            <a:r>
-              <a:rPr lang="en-US" sz="1200" b="0" kern="1200" dirty="0">
-                <a:solidFill>
-                  <a:schemeClr val="tx1"/>
-                </a:solidFill>
-                <a:effectLst/>
-                <a:latin typeface="+mn-lt"/>
-                <a:ea typeface="+mn-ea"/>
-                <a:cs typeface="+mn-cs"/>
-              </a:rPr>
-              <a:t>- RMSE (Root Mean Squared Error) = 0.0050 → Low error variance, suggesting the model maintains stability across predictions.</a:t>
-            </a:r>
-          </a:p>
-          <a:p>
-            <a:pPr marL="171450" indent="-171450">
-              <a:buFontTx/>
-              <a:buChar char="-"/>
-            </a:pPr>
-            <a:r>
-              <a:rPr lang="en-US" sz="1200" b="0" kern="1200" dirty="0">
-                <a:solidFill>
-                  <a:schemeClr val="tx1"/>
-                </a:solidFill>
-                <a:effectLst/>
-                <a:latin typeface="+mn-lt"/>
-                <a:ea typeface="+mn-ea"/>
-                <a:cs typeface="+mn-cs"/>
-              </a:rPr>
-              <a:t>R² (Coefficient of Determination) = 0.9639 → The model explains 96.39% of the variance, indicating an excellent fit to the data.</a:t>
-            </a:r>
-          </a:p>
-          <a:p>
-            <a:pPr marL="0" indent="0">
-              <a:buFontTx/>
-              <a:buNone/>
-            </a:pPr>
-            <a:r>
-              <a:rPr lang="en-US" b="1" dirty="0"/>
-              <a:t>Gradient boosting</a:t>
-            </a:r>
-            <a:r>
-              <a:rPr lang="en-US" dirty="0"/>
-              <a:t> refines weak learners into a strong predictor, minimizing errors iteratively. </a:t>
-            </a:r>
-          </a:p>
-          <a:p>
-            <a:pPr marL="0" indent="0">
-              <a:buFontTx/>
-              <a:buNone/>
-            </a:pPr>
-            <a:r>
-              <a:rPr lang="en-US" b="1" dirty="0"/>
-              <a:t>Handling missing values &amp; nonlinearity</a:t>
-            </a:r>
-            <a:r>
-              <a:rPr lang="en-US" dirty="0"/>
-              <a:t> gives </a:t>
-            </a:r>
-            <a:r>
-              <a:rPr lang="en-US" dirty="0" err="1"/>
-              <a:t>XGBoost</a:t>
-            </a:r>
-            <a:r>
-              <a:rPr lang="en-US" dirty="0"/>
-              <a:t> a major advantage over traditional models.</a:t>
-            </a:r>
-            <a:endParaRPr lang="en-US" sz="1200" b="0" kern="1200" dirty="0">
-              <a:solidFill>
-                <a:schemeClr val="tx1"/>
-              </a:solidFill>
-              <a:effectLst/>
-              <a:latin typeface="+mn-lt"/>
-              <a:ea typeface="+mn-ea"/>
-              <a:cs typeface="+mn-cs"/>
-            </a:endParaRPr>
-          </a:p>
-          <a:p>
-            <a:pPr marL="171450" indent="-171450">
-              <a:buFontTx/>
-              <a:buChar char="-"/>
-            </a:pPr>
-            <a:endParaRPr lang="en-US" sz="1200" b="0" kern="1200" dirty="0">
-              <a:solidFill>
-                <a:schemeClr val="tx1"/>
-              </a:solidFill>
-              <a:effectLst/>
-              <a:latin typeface="+mn-lt"/>
-              <a:ea typeface="+mn-ea"/>
-              <a:cs typeface="+mn-cs"/>
-            </a:endParaRPr>
-          </a:p>
-          <a:p>
-            <a:endParaRPr lang="en-AU" dirty="0"/>
+              <a:t>.</a:t>
+            </a:r>
           </a:p>
         </p:txBody>
       </p:sp>
@@ -3255,7 +3350,7 @@
     </p:spTree>
     <p:extLst>
       <p:ext uri="{BB962C8B-B14F-4D97-AF65-F5344CB8AC3E}">
-        <p14:creationId xmlns:p14="http://schemas.microsoft.com/office/powerpoint/2010/main" val="4151412142"/>
+        <p14:creationId xmlns:p14="http://schemas.microsoft.com/office/powerpoint/2010/main" val="1139820466"/>
       </p:ext>
     </p:extLst>
   </p:cSld>
@@ -3310,135 +3405,196 @@
           <a:lstStyle/>
           <a:p>
             <a:r>
+              <a:rPr lang="en-US" b="1" dirty="0"/>
+              <a:t>The Problem</a:t>
+            </a:r>
+          </a:p>
+          <a:p>
+            <a:r>
+              <a:rPr lang="en-US" dirty="0"/>
+              <a:t>Initial analysis revealed that </a:t>
+            </a:r>
+            <a:r>
+              <a:rPr lang="en-US" b="1" dirty="0"/>
+              <a:t>basic features</a:t>
+            </a:r>
+            <a:r>
+              <a:rPr lang="en-US" dirty="0"/>
+              <a:t> such as temperature and time had </a:t>
+            </a:r>
+            <a:r>
+              <a:rPr lang="en-US" b="1" dirty="0"/>
+              <a:t>weak correlations</a:t>
+            </a:r>
+            <a:r>
+              <a:rPr lang="en-US" dirty="0"/>
+              <a:t> with energy consumption, limiting their predictive power.</a:t>
+            </a:r>
+          </a:p>
+          <a:p>
+            <a:endParaRPr lang="en-US" dirty="0"/>
+          </a:p>
+          <a:p>
+            <a:r>
+              <a:rPr lang="en-US" b="1" dirty="0"/>
+              <a:t>The Solution</a:t>
+            </a:r>
+          </a:p>
+          <a:p>
+            <a:r>
+              <a:rPr lang="en-US" dirty="0"/>
+              <a:t>To overcome this, I created a set of </a:t>
+            </a:r>
+            <a:r>
+              <a:rPr lang="en-US" b="1" dirty="0"/>
+              <a:t>temporal features</a:t>
+            </a:r>
+            <a:r>
+              <a:rPr lang="en-US" dirty="0"/>
+              <a:t>, including:</a:t>
+            </a:r>
+          </a:p>
+          <a:p>
+            <a:r>
+              <a:rPr lang="en-US" b="1" dirty="0"/>
+              <a:t>Lagged values</a:t>
+            </a:r>
+            <a:r>
+              <a:rPr lang="en-US" dirty="0"/>
+              <a:t> of the target (</a:t>
+            </a:r>
+            <a:r>
+              <a:rPr lang="en-US" dirty="0" err="1"/>
+              <a:t>Global_active_power</a:t>
+            </a:r>
+            <a:r>
+              <a:rPr lang="en-US" dirty="0"/>
+              <a:t>)</a:t>
+            </a:r>
+          </a:p>
+          <a:p>
+            <a:r>
+              <a:rPr lang="en-US" b="1" dirty="0"/>
+              <a:t>Rolling window statistics</a:t>
+            </a:r>
+            <a:r>
+              <a:rPr lang="en-US" dirty="0"/>
+              <a:t> (mean, std, etc.)</a:t>
+            </a:r>
+          </a:p>
+          <a:p>
+            <a:r>
+              <a:rPr lang="en-US" dirty="0"/>
+              <a:t>Integration of </a:t>
+            </a:r>
+            <a:r>
+              <a:rPr lang="en-US" b="1" dirty="0"/>
+              <a:t>PCA</a:t>
+            </a:r>
+            <a:r>
+              <a:rPr lang="en-US" dirty="0"/>
+              <a:t> for dimensionality reduction</a:t>
+            </a:r>
+          </a:p>
+          <a:p>
+            <a:r>
+              <a:rPr lang="en-US" dirty="0"/>
+              <a:t>Feature importance filtering using </a:t>
+            </a:r>
+            <a:r>
+              <a:rPr lang="en-US" b="1" dirty="0"/>
+              <a:t>SHAP</a:t>
+            </a:r>
+            <a:endParaRPr lang="en-US" dirty="0"/>
+          </a:p>
+          <a:p>
+            <a:r>
+              <a:rPr lang="en-US" dirty="0"/>
+              <a:t>Hyperparameter tuning using </a:t>
+            </a:r>
+            <a:r>
               <a:rPr lang="en-US" b="1" dirty="0" err="1"/>
-              <a:t>XGBoost</a:t>
-            </a:r>
-            <a:r>
-              <a:rPr lang="en-US" dirty="0"/>
-              <a:t>: Strongest model, effectively capturing </a:t>
-            </a:r>
+              <a:t>Optuna</a:t>
+            </a:r>
+            <a:endParaRPr lang="en-US" dirty="0"/>
+          </a:p>
+          <a:p>
+            <a:endParaRPr lang="en-US" b="1" dirty="0"/>
+          </a:p>
+          <a:p>
             <a:r>
               <a:rPr lang="en-US" b="1" dirty="0"/>
-              <a:t>complex interactions</a:t>
-            </a:r>
-            <a:r>
-              <a:rPr lang="en-US" dirty="0"/>
-              <a:t> like temperature non-linearities and holiday effects that others miss. </a:t>
+              <a:t>Analytical Insights</a:t>
             </a:r>
           </a:p>
           <a:p>
             <a:r>
               <a:rPr lang="en-US" b="1" dirty="0"/>
-              <a:t>Auto-ARIMA</a:t>
-            </a:r>
-            <a:r>
-              <a:rPr lang="en-US" dirty="0"/>
-              <a:t>: Outperformed manual SARIMA/ARIMA configurations, optimizing parameters automatically for better trend-fitting. </a:t>
-            </a:r>
-          </a:p>
-          <a:p>
+              <a:t>Temperature</a:t>
+            </a:r>
+            <a:r>
+              <a:rPr lang="en-US" dirty="0"/>
+              <a:t> had a </a:t>
+            </a:r>
             <a:r>
               <a:rPr lang="en-US" b="1" dirty="0"/>
-              <a:t>Prophet &amp; SARIMAX_PCA</a:t>
-            </a:r>
-            <a:r>
-              <a:rPr lang="en-US" dirty="0"/>
-              <a:t>: Moderate performance (MAE ~0.163, R² 0.65-0.69), benefiting from </a:t>
-            </a:r>
+              <a:t>weak negative correlation</a:t>
+            </a:r>
+            <a:r>
+              <a:rPr lang="en-US" dirty="0"/>
+              <a:t> (–0.12) with power consumption, confirmed by seasonal trends (e.g., higher winter usage).</a:t>
+            </a:r>
+          </a:p>
+          <a:p>
             <a:r>
               <a:rPr lang="en-US" b="1" dirty="0"/>
-              <a:t>temperature/holiday features</a:t>
-            </a:r>
-            <a:r>
-              <a:rPr lang="en-US" dirty="0"/>
-              <a:t>, but PCA </a:t>
+              <a:t>Weekly patterns</a:t>
+            </a:r>
+            <a:r>
+              <a:rPr lang="en-US" dirty="0"/>
+              <a:t> were significant: </a:t>
             </a:r>
             <a:r>
               <a:rPr lang="en-US" b="1" dirty="0"/>
-              <a:t>may have limited its effectiveness</a:t>
-            </a:r>
-            <a:r>
-              <a:rPr lang="en-US" dirty="0"/>
-              <a:t>. </a:t>
-            </a:r>
-          </a:p>
-          <a:p>
+              <a:t>energy use spikes on weekends</a:t>
+            </a:r>
+            <a:r>
+              <a:rPr lang="en-US" dirty="0"/>
+              <a:t>, especially Sundays.</a:t>
+            </a:r>
+          </a:p>
+          <a:p>
+            <a:r>
+              <a:rPr lang="en-US" dirty="0"/>
+              <a:t>The </a:t>
+            </a:r>
             <a:r>
               <a:rPr lang="en-US" b="1" dirty="0"/>
-              <a:t>LSTM</a:t>
-            </a:r>
-            <a:r>
-              <a:rPr lang="en-US" dirty="0"/>
-              <a:t>: Underperformed due to </a:t>
+              <a:t>distribution of the target</a:t>
+            </a:r>
+            <a:r>
+              <a:rPr lang="en-US" dirty="0"/>
+              <a:t> was </a:t>
             </a:r>
             <a:r>
               <a:rPr lang="en-US" b="1" dirty="0"/>
-              <a:t>insufficient data for deep learning</a:t>
-            </a:r>
-            <a:r>
-              <a:rPr lang="en-US" dirty="0"/>
-              <a:t> or </a:t>
+              <a:t>left-skewed</a:t>
+            </a:r>
+            <a:r>
+              <a:rPr lang="en-US" dirty="0"/>
+              <a:t>, corrected using a </a:t>
             </a:r>
             <a:r>
               <a:rPr lang="en-US" b="1" dirty="0"/>
-              <a:t>suboptimal architecture choices</a:t>
-            </a:r>
-            <a:r>
-              <a:rPr lang="en-US" dirty="0"/>
-              <a:t>. </a:t>
-            </a:r>
-          </a:p>
-          <a:p>
-            <a:r>
-              <a:rPr lang="en-US" b="1" dirty="0"/>
-              <a:t>ARIMA Variants</a:t>
-            </a:r>
-            <a:r>
-              <a:rPr lang="en-US" dirty="0"/>
-              <a:t>: Consistently weaker performance (MAE 0.16-0.18); PCA </a:t>
-            </a:r>
-            <a:r>
-              <a:rPr lang="en-US" b="1" dirty="0"/>
-              <a:t>reduced feature complexity</a:t>
-            </a:r>
-            <a:r>
-              <a:rPr lang="en-US" dirty="0"/>
-              <a:t>, leading to lower accuracy compared to Auto-ARIMA.</a:t>
-            </a:r>
-            <a:endParaRPr lang="en-AU" sz="1200" kern="1200" dirty="0">
-              <a:solidFill>
-                <a:schemeClr val="tx1"/>
-              </a:solidFill>
-              <a:effectLst/>
-              <a:latin typeface="+mn-lt"/>
-              <a:ea typeface="+mn-ea"/>
-              <a:cs typeface="+mn-cs"/>
-            </a:endParaRPr>
-          </a:p>
-          <a:p>
-            <a:endParaRPr lang="en-US" sz="1200" b="0" i="0" kern="1200" dirty="0">
-              <a:solidFill>
-                <a:schemeClr val="tx1"/>
-              </a:solidFill>
-              <a:effectLst/>
-              <a:latin typeface="+mn-lt"/>
-              <a:ea typeface="+mn-ea"/>
-              <a:cs typeface="+mn-cs"/>
-            </a:endParaRPr>
-          </a:p>
-          <a:p>
-            <a:r>
-              <a:rPr lang="en-US" sz="1200" b="0" i="0" kern="1200" dirty="0">
-                <a:solidFill>
-                  <a:schemeClr val="tx1"/>
-                </a:solidFill>
-                <a:effectLst/>
-                <a:latin typeface="+mn-lt"/>
-                <a:ea typeface="+mn-ea"/>
-                <a:cs typeface="+mn-cs"/>
-              </a:rPr>
-              <a:t>.</a:t>
-            </a:r>
+              <a:t>log transformation</a:t>
+            </a:r>
+            <a:r>
+              <a:rPr lang="en-US" dirty="0"/>
+              <a:t>, though bimodal behavior persisted.</a:t>
+            </a:r>
+          </a:p>
+          <a:p>
+            <a:endParaRPr lang="en-AU" dirty="0"/>
           </a:p>
         </p:txBody>
       </p:sp>
@@ -3468,7 +3624,7 @@
     </p:spTree>
     <p:extLst>
       <p:ext uri="{BB962C8B-B14F-4D97-AF65-F5344CB8AC3E}">
-        <p14:creationId xmlns:p14="http://schemas.microsoft.com/office/powerpoint/2010/main" val="1139820466"/>
+        <p14:creationId xmlns:p14="http://schemas.microsoft.com/office/powerpoint/2010/main" val="1267171114"/>
       </p:ext>
     </p:extLst>
   </p:cSld>
@@ -3630,95 +3786,48 @@
           <a:bodyPr/>
           <a:lstStyle/>
           <a:p>
-            <a:pPr marL="0" marR="0" lvl="0" indent="0" algn="l" defTabSz="914400" rtl="0" eaLnBrk="0" fontAlgn="base" latinLnBrk="0" hangingPunct="0">
-              <a:lnSpc>
-                <a:spcPct val="100000"/>
-              </a:lnSpc>
-              <a:spcBef>
-                <a:spcPct val="0"/>
-              </a:spcBef>
-              <a:spcAft>
-                <a:spcPct val="0"/>
-              </a:spcAft>
-              <a:buClrTx/>
-              <a:buSzTx/>
-              <a:buFontTx/>
-              <a:buChar char="•"/>
-              <a:tabLst/>
-            </a:pPr>
-            <a:r>
-              <a:rPr kumimoji="0" lang="en-US" altLang="en-US" sz="1200" b="1" i="0" u="none" strike="noStrike" cap="none" normalizeH="0" baseline="0" dirty="0">
-                <a:ln>
-                  <a:noFill/>
-                </a:ln>
-                <a:solidFill>
-                  <a:schemeClr val="tx1"/>
-                </a:solidFill>
-                <a:effectLst/>
-                <a:latin typeface="Arial" panose="020B0604020202020204" pitchFamily="34" charset="0"/>
-              </a:rPr>
-              <a:t>Peak and Dip Patterns:</a:t>
-            </a:r>
-            <a:r>
-              <a:rPr kumimoji="0" lang="en-US" altLang="en-US" sz="1200" b="0" i="0" u="none" strike="noStrike" cap="none" normalizeH="0" baseline="0" dirty="0">
-                <a:ln>
-                  <a:noFill/>
-                </a:ln>
-                <a:solidFill>
-                  <a:schemeClr val="tx1"/>
-                </a:solidFill>
-                <a:effectLst/>
-                <a:latin typeface="Arial" panose="020B0604020202020204" pitchFamily="34" charset="0"/>
-              </a:rPr>
-              <a:t> There seem to be distinct periods of higher and lower energy usage throughout the year. This suggests that energy consumption fluctuates based on seasonal variations—possibly increasing during colder months due to heating demands and decreasing in milder seasons. </a:t>
-            </a:r>
-          </a:p>
-          <a:p>
-            <a:pPr marL="0" marR="0" lvl="0" indent="0" algn="l" defTabSz="914400" rtl="0" eaLnBrk="0" fontAlgn="base" latinLnBrk="0" hangingPunct="0">
-              <a:lnSpc>
-                <a:spcPct val="100000"/>
-              </a:lnSpc>
-              <a:spcBef>
-                <a:spcPct val="0"/>
-              </a:spcBef>
-              <a:spcAft>
-                <a:spcPct val="0"/>
-              </a:spcAft>
-              <a:buClrTx/>
-              <a:buSzTx/>
-              <a:buFontTx/>
-              <a:buChar char="•"/>
-              <a:tabLst/>
-            </a:pPr>
-            <a:r>
-              <a:rPr kumimoji="0" lang="en-US" altLang="en-US" sz="1200" b="1" i="0" u="none" strike="noStrike" cap="none" normalizeH="0" baseline="0" dirty="0">
-                <a:ln>
-                  <a:noFill/>
-                </a:ln>
-                <a:solidFill>
-                  <a:schemeClr val="tx1"/>
-                </a:solidFill>
-                <a:effectLst/>
-                <a:latin typeface="Arial" panose="020B0604020202020204" pitchFamily="34" charset="0"/>
-              </a:rPr>
-              <a:t>Yearly Consistency:</a:t>
-            </a:r>
-            <a:r>
-              <a:rPr kumimoji="0" lang="en-US" altLang="en-US" sz="1200" b="0" i="0" u="none" strike="noStrike" cap="none" normalizeH="0" baseline="0" dirty="0">
-                <a:ln>
-                  <a:noFill/>
-                </a:ln>
-                <a:solidFill>
-                  <a:schemeClr val="tx1"/>
-                </a:solidFill>
-                <a:effectLst/>
-                <a:latin typeface="Arial" panose="020B0604020202020204" pitchFamily="34" charset="0"/>
-              </a:rPr>
-              <a:t> The general shape of the trend appears similar across multiple years, meaning energy usage patterns are somewhat predictable based on past data. </a:t>
-            </a:r>
-          </a:p>
-          <a:p>
-            <a:endParaRPr lang="en-AU" dirty="0"/>
+            <a:r>
+              <a:rPr lang="en-US" b="1" dirty="0"/>
+              <a:t>Trend Presence</a:t>
+            </a:r>
+            <a:r>
+              <a:rPr lang="en-US" dirty="0"/>
+              <a:t>: The graph appears to show </a:t>
+            </a:r>
+            <a:r>
+              <a:rPr lang="en-US" b="1" dirty="0"/>
+              <a:t>long-term fluctuations</a:t>
+            </a:r>
+            <a:r>
+              <a:rPr lang="en-US" dirty="0"/>
+              <a:t>, meaning the data might </a:t>
+            </a:r>
+            <a:r>
+              <a:rPr lang="en-US" b="1" dirty="0"/>
+              <a:t>not</a:t>
+            </a:r>
+            <a:r>
+              <a:rPr lang="en-US" dirty="0"/>
+              <a:t> be stationary. If stationarity were present, the mean and variance would remain constant over time.</a:t>
+            </a:r>
+          </a:p>
+          <a:p>
+            <a:r>
+              <a:rPr lang="en-US" b="1" dirty="0"/>
+              <a:t>Seasonality Detection</a:t>
+            </a:r>
+            <a:r>
+              <a:rPr lang="en-US" dirty="0"/>
+              <a:t>: In the graph patterns  is repeating over specific periods, indicating </a:t>
+            </a:r>
+            <a:r>
+              <a:rPr lang="en-US" b="1" dirty="0"/>
+              <a:t>seasonal effects</a:t>
+            </a:r>
+            <a:r>
+              <a:rPr lang="en-US" dirty="0"/>
+              <a:t>, which also suggest non-stationary behavior.</a:t>
+            </a:r>
           </a:p>
         </p:txBody>
       </p:sp>
@@ -3748,7 +3857,7 @@
     </p:spTree>
     <p:extLst>
       <p:ext uri="{BB962C8B-B14F-4D97-AF65-F5344CB8AC3E}">
-        <p14:creationId xmlns:p14="http://schemas.microsoft.com/office/powerpoint/2010/main" val="304466176"/>
+        <p14:creationId xmlns:p14="http://schemas.microsoft.com/office/powerpoint/2010/main" val="1416427053"/>
       </p:ext>
     </p:extLst>
   </p:cSld>
@@ -4027,6 +4136,100 @@
             <a:r>
               <a:rPr lang="en-US" dirty="0"/>
               <a:t>Spring/Fall: Moderate levels of energy consumption.</a:t>
+            </a:r>
+          </a:p>
+          <a:p>
+            <a:endParaRPr lang="en-AU" dirty="0"/>
+          </a:p>
+          <a:p>
+            <a:endParaRPr lang="en-AU" dirty="0"/>
+          </a:p>
+          <a:p>
+            <a:pPr marL="0" marR="0" lvl="0" indent="0" algn="l" defTabSz="914400" rtl="0" eaLnBrk="0" fontAlgn="base" latinLnBrk="0" hangingPunct="0">
+              <a:lnSpc>
+                <a:spcPct val="100000"/>
+              </a:lnSpc>
+              <a:spcBef>
+                <a:spcPct val="0"/>
+              </a:spcBef>
+              <a:spcAft>
+                <a:spcPct val="0"/>
+              </a:spcAft>
+              <a:buClrTx/>
+              <a:buSzTx/>
+              <a:buFontTx/>
+              <a:buChar char="•"/>
+              <a:tabLst/>
+            </a:pPr>
+            <a:r>
+              <a:rPr kumimoji="0" lang="en-US" altLang="en-US" sz="1200" b="1" i="0" u="none" strike="noStrike" cap="none" normalizeH="0" baseline="0" dirty="0">
+                <a:ln>
+                  <a:noFill/>
+                </a:ln>
+                <a:solidFill>
+                  <a:schemeClr val="tx1"/>
+                </a:solidFill>
+                <a:effectLst/>
+                <a:latin typeface="Arial" panose="020B0604020202020204" pitchFamily="34" charset="0"/>
+              </a:rPr>
+              <a:t>Peak and Dip Patterns:</a:t>
+            </a:r>
+            <a:r>
+              <a:rPr kumimoji="0" lang="en-US" altLang="en-US" sz="1200" b="0" i="0" u="none" strike="noStrike" cap="none" normalizeH="0" baseline="0" dirty="0">
+                <a:ln>
+                  <a:noFill/>
+                </a:ln>
+                <a:solidFill>
+                  <a:schemeClr val="tx1"/>
+                </a:solidFill>
+                <a:effectLst/>
+                <a:latin typeface="Arial" panose="020B0604020202020204" pitchFamily="34" charset="0"/>
+              </a:rPr>
+              <a:t> There seem to be distinct periods of higher and lower energy usage throughout the year. This suggests that energy consumption fluctuates based on seasonal variations—possibly increasing during colder months due to heating demands and decreasing in milder seasons. </a:t>
+            </a:r>
+          </a:p>
+          <a:p>
+            <a:pPr marL="0" marR="0" lvl="0" indent="0" algn="l" defTabSz="914400" rtl="0" eaLnBrk="0" fontAlgn="base" latinLnBrk="0" hangingPunct="0">
+              <a:lnSpc>
+                <a:spcPct val="100000"/>
+              </a:lnSpc>
+              <a:spcBef>
+                <a:spcPct val="0"/>
+              </a:spcBef>
+              <a:spcAft>
+                <a:spcPct val="0"/>
+              </a:spcAft>
+              <a:buClrTx/>
+              <a:buSzTx/>
+              <a:buFontTx/>
+              <a:buChar char="•"/>
+              <a:tabLst/>
+            </a:pPr>
+            <a:r>
+              <a:rPr kumimoji="0" lang="en-US" altLang="en-US" sz="1200" b="1" i="0" u="none" strike="noStrike" cap="none" normalizeH="0" baseline="0" dirty="0">
+                <a:ln>
+                  <a:noFill/>
+                </a:ln>
+                <a:solidFill>
+                  <a:schemeClr val="tx1"/>
+                </a:solidFill>
+                <a:effectLst/>
+                <a:latin typeface="Arial" panose="020B0604020202020204" pitchFamily="34" charset="0"/>
+              </a:rPr>
+              <a:t>Yearly Consistency:</a:t>
+            </a:r>
+            <a:r>
+              <a:rPr kumimoji="0" lang="en-US" altLang="en-US" sz="1200" b="0" i="0" u="none" strike="noStrike" cap="none" normalizeH="0" baseline="0" dirty="0">
+                <a:ln>
+                  <a:noFill/>
+                </a:ln>
+                <a:solidFill>
+                  <a:schemeClr val="tx1"/>
+                </a:solidFill>
+                <a:effectLst/>
+                <a:latin typeface="Arial" panose="020B0604020202020204" pitchFamily="34" charset="0"/>
+              </a:rPr>
+              <a:t> The general shape of the trend appears similar across multiple years, meaning energy usage patterns are somewhat predictable based on past data. </a:t>
             </a:r>
           </a:p>
           <a:p>
@@ -7631,8 +7834,8 @@
         </p:blipFill>
         <p:spPr>
           <a:xfrm>
-            <a:off x="520593" y="0"/>
-            <a:ext cx="8623407" cy="5615492"/>
+            <a:off x="0" y="685799"/>
+            <a:ext cx="9181272" cy="5978769"/>
           </a:xfrm>
           <a:prstGeom prst="rect">
             <a:avLst/>
@@ -7839,31 +8042,6 @@
           </a:p>
         </p:txBody>
       </p:sp>
-      <p:sp>
-        <p:nvSpPr>
-          <p:cNvPr id="4" name="Content Placeholder 3">
-            <a:extLst>
-              <a:ext uri="{FF2B5EF4-FFF2-40B4-BE49-F238E27FC236}">
-                <a16:creationId xmlns:a16="http://schemas.microsoft.com/office/drawing/2014/main" id="{84FFE5A5-4630-EC83-3344-96B96C245FA9}"/>
-              </a:ext>
-            </a:extLst>
-          </p:cNvPr>
-          <p:cNvSpPr>
-            <a:spLocks noGrp="1"/>
-          </p:cNvSpPr>
-          <p:nvPr>
-            <p:ph idx="1"/>
-          </p:nvPr>
-        </p:nvSpPr>
-        <p:spPr/>
-        <p:txBody>
-          <a:bodyPr/>
-          <a:lstStyle/>
-          <a:p>
-            <a:endParaRPr lang="en-AU"/>
-          </a:p>
-        </p:txBody>
-      </p:sp>
     </p:spTree>
   </p:cSld>
   <p:clrMapOvr>
@@ -7873,145 +8051,6 @@
 </file>
 
 <file path=ppt/slides/slide11.xml><?xml version="1.0" encoding="utf-8"?>
-<p:sld xmlns:a="http://schemas.openxmlformats.org/drawingml/2006/main" xmlns:r="http://schemas.openxmlformats.org/officeDocument/2006/relationships" xmlns:p="http://schemas.openxmlformats.org/presentationml/2006/main">
-  <p:cSld>
-    <p:spTree>
-      <p:nvGrpSpPr>
-        <p:cNvPr id="1" name=""/>
-        <p:cNvGrpSpPr/>
-        <p:nvPr/>
-      </p:nvGrpSpPr>
-      <p:grpSpPr>
-        <a:xfrm>
-          <a:off x="0" y="0"/>
-          <a:ext cx="0" cy="0"/>
-          <a:chOff x="0" y="0"/>
-          <a:chExt cx="0" cy="0"/>
-        </a:xfrm>
-      </p:grpSpPr>
-      <p:sp>
-        <p:nvSpPr>
-          <p:cNvPr id="2" name="Title 1">
-            <a:extLst>
-              <a:ext uri="{FF2B5EF4-FFF2-40B4-BE49-F238E27FC236}">
-                <a16:creationId xmlns:a16="http://schemas.microsoft.com/office/drawing/2014/main" id="{3A690C25-4012-E487-F99F-0112D10E590F}"/>
-              </a:ext>
-            </a:extLst>
-          </p:cNvPr>
-          <p:cNvSpPr>
-            <a:spLocks noGrp="1"/>
-          </p:cNvSpPr>
-          <p:nvPr>
-            <p:ph type="ctrTitle"/>
-          </p:nvPr>
-        </p:nvSpPr>
-        <p:spPr>
-          <a:xfrm>
-            <a:off x="1842556" y="439127"/>
-            <a:ext cx="4649993" cy="806824"/>
-          </a:xfrm>
-        </p:spPr>
-        <p:txBody>
-          <a:bodyPr/>
-          <a:lstStyle/>
-          <a:p>
-            <a:r>
-              <a:rPr lang="en-US" dirty="0"/>
-              <a:t>Is data stationary??</a:t>
-            </a:r>
-            <a:endParaRPr lang="en-AU" dirty="0"/>
-          </a:p>
-        </p:txBody>
-      </p:sp>
-      <p:sp>
-        <p:nvSpPr>
-          <p:cNvPr id="3" name="AutoShape 2" descr="Image result for stationary data">
-            <a:extLst>
-              <a:ext uri="{FF2B5EF4-FFF2-40B4-BE49-F238E27FC236}">
-                <a16:creationId xmlns:a16="http://schemas.microsoft.com/office/drawing/2014/main" id="{1DECDEC2-205C-0D78-4E07-823DECB794F3}"/>
-              </a:ext>
-            </a:extLst>
-          </p:cNvPr>
-          <p:cNvSpPr>
-            <a:spLocks noChangeAspect="1" noChangeArrowheads="1"/>
-          </p:cNvSpPr>
-          <p:nvPr/>
-        </p:nvSpPr>
-        <p:spPr bwMode="auto">
-          <a:xfrm>
-            <a:off x="2247003" y="3276599"/>
-            <a:ext cx="2477397" cy="2477397"/>
-          </a:xfrm>
-          <a:prstGeom prst="rect">
-            <a:avLst/>
-          </a:prstGeom>
-          <a:noFill/>
-          <a:extLst>
-            <a:ext uri="{909E8E84-426E-40DD-AFC4-6F175D3DCCD1}">
-              <a14:hiddenFill xmlns:a14="http://schemas.microsoft.com/office/drawing/2010/main">
-                <a:solidFill>
-                  <a:srgbClr val="FFFFFF"/>
-                </a:solidFill>
-              </a14:hiddenFill>
-            </a:ext>
-          </a:extLst>
-        </p:spPr>
-        <p:txBody>
-          <a:bodyPr vert="horz" wrap="square" lIns="91440" tIns="45720" rIns="91440" bIns="45720" numCol="1" anchor="t" anchorCtr="0" compatLnSpc="1">
-            <a:prstTxWarp prst="textNoShape">
-              <a:avLst/>
-            </a:prstTxWarp>
-          </a:bodyPr>
-          <a:lstStyle/>
-          <a:p>
-            <a:endParaRPr lang="en-AU"/>
-          </a:p>
-        </p:txBody>
-      </p:sp>
-      <p:pic>
-        <p:nvPicPr>
-          <p:cNvPr id="6" name="Picture 5">
-            <a:extLst>
-              <a:ext uri="{FF2B5EF4-FFF2-40B4-BE49-F238E27FC236}">
-                <a16:creationId xmlns:a16="http://schemas.microsoft.com/office/drawing/2014/main" id="{2C2791F8-0310-B9BF-260B-B47E976DAD4A}"/>
-              </a:ext>
-            </a:extLst>
-          </p:cNvPr>
-          <p:cNvPicPr>
-            <a:picLocks noChangeAspect="1"/>
-          </p:cNvPicPr>
-          <p:nvPr/>
-        </p:nvPicPr>
-        <p:blipFill>
-          <a:blip r:embed="rId3"/>
-          <a:stretch>
-            <a:fillRect/>
-          </a:stretch>
-        </p:blipFill>
-        <p:spPr>
-          <a:xfrm>
-            <a:off x="668215" y="1617406"/>
-            <a:ext cx="6998677" cy="4857582"/>
-          </a:xfrm>
-          <a:prstGeom prst="rect">
-            <a:avLst/>
-          </a:prstGeom>
-        </p:spPr>
-      </p:pic>
-    </p:spTree>
-    <p:extLst>
-      <p:ext uri="{BB962C8B-B14F-4D97-AF65-F5344CB8AC3E}">
-        <p14:creationId xmlns:p14="http://schemas.microsoft.com/office/powerpoint/2010/main" val="2665655477"/>
-      </p:ext>
-    </p:extLst>
-  </p:cSld>
-  <p:clrMapOvr>
-    <a:masterClrMapping/>
-  </p:clrMapOvr>
-</p:sld>
-</file>
-
-<file path=ppt/slides/slide12.xml><?xml version="1.0" encoding="utf-8"?>
 <p:sld xmlns:a="http://schemas.openxmlformats.org/drawingml/2006/main" xmlns:r="http://schemas.openxmlformats.org/officeDocument/2006/relationships" xmlns:p="http://schemas.openxmlformats.org/presentationml/2006/main">
   <p:cSld>
     <p:spTree>
@@ -8352,7 +8391,7 @@
 </p:sld>
 </file>
 
-<file path=ppt/slides/slide13.xml><?xml version="1.0" encoding="utf-8"?>
+<file path=ppt/slides/slide12.xml><?xml version="1.0" encoding="utf-8"?>
 <p:sld xmlns:a="http://schemas.openxmlformats.org/drawingml/2006/main" xmlns:r="http://schemas.openxmlformats.org/officeDocument/2006/relationships" xmlns:p="http://schemas.openxmlformats.org/presentationml/2006/main">
   <p:cSld>
     <p:spTree>
@@ -8784,7 +8823,7 @@
 </p:sld>
 </file>
 
-<file path=ppt/slides/slide14.xml><?xml version="1.0" encoding="utf-8"?>
+<file path=ppt/slides/slide13.xml><?xml version="1.0" encoding="utf-8"?>
 <p:sld xmlns:a="http://schemas.openxmlformats.org/drawingml/2006/main" xmlns:r="http://schemas.openxmlformats.org/officeDocument/2006/relationships" xmlns:p="http://schemas.openxmlformats.org/presentationml/2006/main">
   <p:cSld>
     <p:spTree>
@@ -9140,7 +9179,7 @@
 </p:sld>
 </file>
 
-<file path=ppt/slides/slide15.xml><?xml version="1.0" encoding="utf-8"?>
+<file path=ppt/slides/slide14.xml><?xml version="1.0" encoding="utf-8"?>
 <p:sld xmlns:a="http://schemas.openxmlformats.org/drawingml/2006/main" xmlns:r="http://schemas.openxmlformats.org/officeDocument/2006/relationships" xmlns:p="http://schemas.openxmlformats.org/presentationml/2006/main">
   <p:cSld>
     <p:spTree>
@@ -9517,7 +9556,7 @@
 </p:sld>
 </file>
 
-<file path=ppt/slides/slide16.xml><?xml version="1.0" encoding="utf-8"?>
+<file path=ppt/slides/slide15.xml><?xml version="1.0" encoding="utf-8"?>
 <p:sld xmlns:a="http://schemas.openxmlformats.org/drawingml/2006/main" xmlns:r="http://schemas.openxmlformats.org/officeDocument/2006/relationships" xmlns:p="http://schemas.openxmlformats.org/presentationml/2006/main">
   <p:cSld>
     <p:spTree>
@@ -9625,7 +9664,7 @@
 </p:sld>
 </file>
 
-<file path=ppt/slides/slide17.xml><?xml version="1.0" encoding="utf-8"?>
+<file path=ppt/slides/slide16.xml><?xml version="1.0" encoding="utf-8"?>
 <p:sld xmlns:a="http://schemas.openxmlformats.org/drawingml/2006/main" xmlns:r="http://schemas.openxmlformats.org/officeDocument/2006/relationships" xmlns:p="http://schemas.openxmlformats.org/presentationml/2006/main">
   <p:cSld>
     <p:spTree>
@@ -9778,7 +9817,7 @@
 </p:sld>
 </file>
 
-<file path=ppt/slides/slide18.xml><?xml version="1.0" encoding="utf-8"?>
+<file path=ppt/slides/slide17.xml><?xml version="1.0" encoding="utf-8"?>
 <p:sld xmlns:a="http://schemas.openxmlformats.org/drawingml/2006/main" xmlns:r="http://schemas.openxmlformats.org/officeDocument/2006/relationships" xmlns:p="http://schemas.openxmlformats.org/presentationml/2006/main">
   <p:cSld>
     <p:spTree>
@@ -9904,7 +9943,7 @@
 </p:sld>
 </file>
 
-<file path=ppt/slides/slide19.xml><?xml version="1.0" encoding="utf-8"?>
+<file path=ppt/slides/slide18.xml><?xml version="1.0" encoding="utf-8"?>
 <p:sld xmlns:a="http://schemas.openxmlformats.org/drawingml/2006/main" xmlns:r="http://schemas.openxmlformats.org/officeDocument/2006/relationships" xmlns:p="http://schemas.openxmlformats.org/presentationml/2006/main">
   <p:cSld>
     <p:spTree>
@@ -10202,6 +10241,119 @@
 </p:sld>
 </file>
 
+<file path=ppt/slides/slide19.xml><?xml version="1.0" encoding="utf-8"?>
+<p:sld xmlns:a="http://schemas.openxmlformats.org/drawingml/2006/main" xmlns:r="http://schemas.openxmlformats.org/officeDocument/2006/relationships" xmlns:p="http://schemas.openxmlformats.org/presentationml/2006/main">
+  <p:cSld>
+    <p:spTree>
+      <p:nvGrpSpPr>
+        <p:cNvPr id="1" name=""/>
+        <p:cNvGrpSpPr/>
+        <p:nvPr/>
+      </p:nvGrpSpPr>
+      <p:grpSpPr>
+        <a:xfrm>
+          <a:off x="0" y="0"/>
+          <a:ext cx="0" cy="0"/>
+          <a:chOff x="0" y="0"/>
+          <a:chExt cx="0" cy="0"/>
+        </a:xfrm>
+      </p:grpSpPr>
+      <p:sp>
+        <p:nvSpPr>
+          <p:cNvPr id="2" name="Title 1">
+            <a:extLst>
+              <a:ext uri="{FF2B5EF4-FFF2-40B4-BE49-F238E27FC236}">
+                <a16:creationId xmlns:a16="http://schemas.microsoft.com/office/drawing/2014/main" id="{BA2F0A30-DD95-1D69-59E3-C068F01EF7C5}"/>
+              </a:ext>
+            </a:extLst>
+          </p:cNvPr>
+          <p:cNvSpPr>
+            <a:spLocks noGrp="1"/>
+          </p:cNvSpPr>
+          <p:nvPr>
+            <p:ph type="title"/>
+          </p:nvPr>
+        </p:nvSpPr>
+        <p:spPr>
+          <a:xfrm>
+            <a:off x="469557" y="145084"/>
+            <a:ext cx="7871254" cy="1519881"/>
+          </a:xfrm>
+        </p:spPr>
+        <p:txBody>
+          <a:bodyPr>
+            <a:normAutofit fontScale="90000"/>
+          </a:bodyPr>
+          <a:lstStyle/>
+          <a:p>
+            <a:r>
+              <a:rPr lang="en-US" sz="2800" dirty="0"/>
+              <a:t>ARIMA MODEL WITH OPTUNA AND PCA</a:t>
+            </a:r>
+            <a:br>
+              <a:rPr lang="en-US" sz="2800" dirty="0"/>
+            </a:br>
+            <a:r>
+              <a:rPr lang="en-US" sz="3100" dirty="0"/>
+              <a:t>Best ARIMA parameters: p=0, d=0, q=2</a:t>
+            </a:r>
+            <a:br>
+              <a:rPr lang="en-US" sz="2800" dirty="0"/>
+            </a:br>
+            <a:r>
+              <a:rPr lang="pt-BR" sz="3100" dirty="0"/>
+              <a:t>MAE: 0.1870, MSE: 0.0598, R2: 0.6279</a:t>
+            </a:r>
+            <a:br>
+              <a:rPr lang="en-AU" sz="2800" dirty="0"/>
+            </a:br>
+            <a:endParaRPr lang="en-AU" sz="2800" dirty="0"/>
+          </a:p>
+        </p:txBody>
+      </p:sp>
+      <p:pic>
+        <p:nvPicPr>
+          <p:cNvPr id="4" name="Picture 3">
+            <a:extLst>
+              <a:ext uri="{FF2B5EF4-FFF2-40B4-BE49-F238E27FC236}">
+                <a16:creationId xmlns:a16="http://schemas.microsoft.com/office/drawing/2014/main" id="{5582F519-B347-69F3-C1FB-ACE4FC81D704}"/>
+              </a:ext>
+            </a:extLst>
+          </p:cNvPr>
+          <p:cNvPicPr>
+            <a:picLocks noChangeAspect="1"/>
+          </p:cNvPicPr>
+          <p:nvPr/>
+        </p:nvPicPr>
+        <p:blipFill>
+          <a:blip r:embed="rId2"/>
+          <a:stretch>
+            <a:fillRect/>
+          </a:stretch>
+        </p:blipFill>
+        <p:spPr>
+          <a:xfrm>
+            <a:off x="0" y="2111809"/>
+            <a:ext cx="9144000" cy="2913781"/>
+          </a:xfrm>
+          <a:prstGeom prst="rect">
+            <a:avLst/>
+          </a:prstGeom>
+        </p:spPr>
+      </p:pic>
+    </p:spTree>
+    <p:extLst>
+      <p:ext uri="{BB962C8B-B14F-4D97-AF65-F5344CB8AC3E}">
+        <p14:creationId xmlns:p14="http://schemas.microsoft.com/office/powerpoint/2010/main" val="1756694018"/>
+      </p:ext>
+    </p:extLst>
+  </p:cSld>
+  <p:clrMapOvr>
+    <a:masterClrMapping/>
+  </p:clrMapOvr>
+</p:sld>
+</file>
+
 <file path=ppt/slides/slide2.xml><?xml version="1.0" encoding="utf-8"?>
 <p:sld xmlns:a="http://schemas.openxmlformats.org/drawingml/2006/main" xmlns:r="http://schemas.openxmlformats.org/officeDocument/2006/relationships" xmlns:p="http://schemas.openxmlformats.org/presentationml/2006/main">
   <p:cSld>
@@ -10308,119 +10460,6 @@
           <a:chExt cx="0" cy="0"/>
         </a:xfrm>
       </p:grpSpPr>
-      <p:sp>
-        <p:nvSpPr>
-          <p:cNvPr id="2" name="Title 1">
-            <a:extLst>
-              <a:ext uri="{FF2B5EF4-FFF2-40B4-BE49-F238E27FC236}">
-                <a16:creationId xmlns:a16="http://schemas.microsoft.com/office/drawing/2014/main" id="{BA2F0A30-DD95-1D69-59E3-C068F01EF7C5}"/>
-              </a:ext>
-            </a:extLst>
-          </p:cNvPr>
-          <p:cNvSpPr>
-            <a:spLocks noGrp="1"/>
-          </p:cNvSpPr>
-          <p:nvPr>
-            <p:ph type="title"/>
-          </p:nvPr>
-        </p:nvSpPr>
-        <p:spPr>
-          <a:xfrm>
-            <a:off x="469557" y="145084"/>
-            <a:ext cx="7871254" cy="1519881"/>
-          </a:xfrm>
-        </p:spPr>
-        <p:txBody>
-          <a:bodyPr>
-            <a:normAutofit fontScale="90000"/>
-          </a:bodyPr>
-          <a:lstStyle/>
-          <a:p>
-            <a:r>
-              <a:rPr lang="en-US" sz="2800" dirty="0"/>
-              <a:t>ARIMA MODEL WITH OPTUNA AND PCA</a:t>
-            </a:r>
-            <a:br>
-              <a:rPr lang="en-US" sz="2800" dirty="0"/>
-            </a:br>
-            <a:r>
-              <a:rPr lang="en-US" sz="3100" dirty="0"/>
-              <a:t>Best ARIMA parameters: p=0, d=0, q=2</a:t>
-            </a:r>
-            <a:br>
-              <a:rPr lang="en-US" sz="2800" dirty="0"/>
-            </a:br>
-            <a:r>
-              <a:rPr lang="pt-BR" sz="3100" dirty="0"/>
-              <a:t>MAE: 0.1870, MSE: 0.0598, R2: 0.6279</a:t>
-            </a:r>
-            <a:br>
-              <a:rPr lang="en-AU" sz="2800" dirty="0"/>
-            </a:br>
-            <a:endParaRPr lang="en-AU" sz="2800" dirty="0"/>
-          </a:p>
-        </p:txBody>
-      </p:sp>
-      <p:pic>
-        <p:nvPicPr>
-          <p:cNvPr id="4" name="Picture 3">
-            <a:extLst>
-              <a:ext uri="{FF2B5EF4-FFF2-40B4-BE49-F238E27FC236}">
-                <a16:creationId xmlns:a16="http://schemas.microsoft.com/office/drawing/2014/main" id="{5582F519-B347-69F3-C1FB-ACE4FC81D704}"/>
-              </a:ext>
-            </a:extLst>
-          </p:cNvPr>
-          <p:cNvPicPr>
-            <a:picLocks noChangeAspect="1"/>
-          </p:cNvPicPr>
-          <p:nvPr/>
-        </p:nvPicPr>
-        <p:blipFill>
-          <a:blip r:embed="rId2"/>
-          <a:stretch>
-            <a:fillRect/>
-          </a:stretch>
-        </p:blipFill>
-        <p:spPr>
-          <a:xfrm>
-            <a:off x="0" y="2111809"/>
-            <a:ext cx="9144000" cy="2913781"/>
-          </a:xfrm>
-          <a:prstGeom prst="rect">
-            <a:avLst/>
-          </a:prstGeom>
-        </p:spPr>
-      </p:pic>
-    </p:spTree>
-    <p:extLst>
-      <p:ext uri="{BB962C8B-B14F-4D97-AF65-F5344CB8AC3E}">
-        <p14:creationId xmlns:p14="http://schemas.microsoft.com/office/powerpoint/2010/main" val="1756694018"/>
-      </p:ext>
-    </p:extLst>
-  </p:cSld>
-  <p:clrMapOvr>
-    <a:masterClrMapping/>
-  </p:clrMapOvr>
-</p:sld>
-</file>
-
-<file path=ppt/slides/slide21.xml><?xml version="1.0" encoding="utf-8"?>
-<p:sld xmlns:a="http://schemas.openxmlformats.org/drawingml/2006/main" xmlns:r="http://schemas.openxmlformats.org/officeDocument/2006/relationships" xmlns:p="http://schemas.openxmlformats.org/presentationml/2006/main">
-  <p:cSld>
-    <p:spTree>
-      <p:nvGrpSpPr>
-        <p:cNvPr id="1" name=""/>
-        <p:cNvGrpSpPr/>
-        <p:nvPr/>
-      </p:nvGrpSpPr>
-      <p:grpSpPr>
-        <a:xfrm>
-          <a:off x="0" y="0"/>
-          <a:ext cx="0" cy="0"/>
-          <a:chOff x="0" y="0"/>
-          <a:chExt cx="0" cy="0"/>
-        </a:xfrm>
-      </p:grpSpPr>
       <p:pic>
         <p:nvPicPr>
           <p:cNvPr id="5" name="Content Placeholder 4">
@@ -10544,7 +10583,7 @@
 </p:sld>
 </file>
 
-<file path=ppt/slides/slide22.xml><?xml version="1.0" encoding="utf-8"?>
+<file path=ppt/slides/slide21.xml><?xml version="1.0" encoding="utf-8"?>
 <p:sld xmlns:a="http://schemas.openxmlformats.org/drawingml/2006/main" xmlns:r="http://schemas.openxmlformats.org/officeDocument/2006/relationships" xmlns:p="http://schemas.openxmlformats.org/presentationml/2006/main">
   <p:cSld>
     <p:spTree>
@@ -10604,7 +10643,7 @@
 </p:sld>
 </file>
 
-<file path=ppt/slides/slide23.xml><?xml version="1.0" encoding="utf-8"?>
+<file path=ppt/slides/slide22.xml><?xml version="1.0" encoding="utf-8"?>
 <p:sld xmlns:a="http://schemas.openxmlformats.org/drawingml/2006/main" xmlns:r="http://schemas.openxmlformats.org/officeDocument/2006/relationships" xmlns:p="http://schemas.openxmlformats.org/presentationml/2006/main">
   <p:cSld>
     <p:spTree>
@@ -10743,7 +10782,7 @@
 </p:sld>
 </file>
 
-<file path=ppt/slides/slide24.xml><?xml version="1.0" encoding="utf-8"?>
+<file path=ppt/slides/slide23.xml><?xml version="1.0" encoding="utf-8"?>
 <p:sld xmlns:a="http://schemas.openxmlformats.org/drawingml/2006/main" xmlns:r="http://schemas.openxmlformats.org/officeDocument/2006/relationships" xmlns:p="http://schemas.openxmlformats.org/presentationml/2006/main">
   <p:cSld>
     <p:spTree>
@@ -10838,7 +10877,7 @@
 </p:sld>
 </file>
 
-<file path=ppt/slides/slide25.xml><?xml version="1.0" encoding="utf-8"?>
+<file path=ppt/slides/slide24.xml><?xml version="1.0" encoding="utf-8"?>
 <p:sld xmlns:a="http://schemas.openxmlformats.org/drawingml/2006/main" xmlns:r="http://schemas.openxmlformats.org/officeDocument/2006/relationships" xmlns:p="http://schemas.openxmlformats.org/presentationml/2006/main">
   <p:cSld>
     <p:spTree>
@@ -10949,7 +10988,7 @@
 </p:sld>
 </file>
 
-<file path=ppt/slides/slide26.xml><?xml version="1.0" encoding="utf-8"?>
+<file path=ppt/slides/slide25.xml><?xml version="1.0" encoding="utf-8"?>
 <p:sld xmlns:a="http://schemas.openxmlformats.org/drawingml/2006/main" xmlns:r="http://schemas.openxmlformats.org/officeDocument/2006/relationships" xmlns:p="http://schemas.openxmlformats.org/presentationml/2006/main">
   <p:cSld>
     <p:spTree>
@@ -11061,7 +11100,7 @@
 </p:sld>
 </file>
 
-<file path=ppt/slides/slide27.xml><?xml version="1.0" encoding="utf-8"?>
+<file path=ppt/slides/slide26.xml><?xml version="1.0" encoding="utf-8"?>
 <p:sld xmlns:a="http://schemas.openxmlformats.org/drawingml/2006/main" xmlns:r="http://schemas.openxmlformats.org/officeDocument/2006/relationships" xmlns:p="http://schemas.openxmlformats.org/presentationml/2006/main">
   <p:cSld>
     <p:spTree>
@@ -11154,7 +11193,7 @@
 </p:sld>
 </file>
 
-<file path=ppt/slides/slide28.xml><?xml version="1.0" encoding="utf-8"?>
+<file path=ppt/slides/slide27.xml><?xml version="1.0" encoding="utf-8"?>
 <p:sld xmlns:a="http://schemas.openxmlformats.org/drawingml/2006/main" xmlns:r="http://schemas.openxmlformats.org/officeDocument/2006/relationships" xmlns:p="http://schemas.openxmlformats.org/presentationml/2006/main">
   <p:cSld>
     <p:spTree>
@@ -11216,96 +11255,46 @@
             <p:ph idx="1"/>
           </p:nvPr>
         </p:nvSpPr>
-        <p:spPr/>
+        <p:spPr>
+          <a:xfrm>
+            <a:off x="457200" y="1404257"/>
+            <a:ext cx="8229600" cy="4049486"/>
+          </a:xfrm>
+        </p:spPr>
         <p:txBody>
           <a:bodyPr>
-            <a:normAutofit fontScale="85000" lnSpcReduction="20000"/>
+            <a:normAutofit/>
           </a:bodyPr>
           <a:lstStyle/>
           <a:p>
-            <a:pPr marL="0" indent="0">
-              <a:buNone/>
-            </a:pPr>
-            <a:r>
-              <a:rPr lang="en-US" dirty="0"/>
-              <a:t>Forecasting Achievements</a:t>
-            </a:r>
-          </a:p>
-          <a:p>
+            <a:r>
+              <a:rPr lang="en-US" dirty="0"/>
+              <a:t>Through a structured approach combining EDA, features engineering, model benchmarking, and tuning, I successfully developed a </a:t>
+            </a:r>
             <a:r>
               <a:rPr lang="en-US" b="1" dirty="0"/>
-              <a:t>The Problem:</a:t>
-            </a:r>
-            <a:r>
-              <a:rPr lang="en-US" dirty="0"/>
-              <a:t> Initial features (temp, time) lacked strong correlation.</a:t>
-            </a:r>
-          </a:p>
-          <a:p>
+              <a:t>highly accurate energy consumption forecasting system</a:t>
+            </a:r>
+            <a:r>
+              <a:rPr lang="en-US" dirty="0"/>
+              <a:t>. This project demonstrates the critical role of </a:t>
+            </a:r>
             <a:r>
               <a:rPr lang="en-US" b="1" dirty="0"/>
-              <a:t>The Solution:</a:t>
-            </a:r>
-            <a:r>
-              <a:rPr lang="en-US" dirty="0"/>
-              <a:t> We created powerful new features: lagged &amp; rolling window of target.</a:t>
-            </a:r>
-          </a:p>
-          <a:p>
+              <a:t>feature engineering</a:t>
+            </a:r>
+            <a:r>
+              <a:rPr lang="en-US" dirty="0"/>
+              <a:t> and </a:t>
+            </a:r>
             <a:r>
               <a:rPr lang="en-US" b="1" dirty="0"/>
-              <a:t>The Impact:</a:t>
-            </a:r>
-            <a:r>
-              <a:rPr lang="en-US" dirty="0"/>
-              <a:t> This enabled accurate energy consumption predictions.</a:t>
-            </a:r>
-          </a:p>
-          <a:p>
-            <a:r>
-              <a:rPr lang="en-US" b="1" dirty="0"/>
-              <a:t>The Process:</a:t>
-            </a:r>
-            <a:r>
-              <a:rPr lang="en-US" dirty="0"/>
-              <a:t> Enhanced with feature selection, PCA, and </a:t>
-            </a:r>
-            <a:r>
-              <a:rPr lang="en-US" dirty="0" err="1"/>
-              <a:t>Optuna</a:t>
-            </a:r>
-            <a:r>
-              <a:rPr lang="en-US" dirty="0"/>
-              <a:t>.</a:t>
-            </a:r>
-          </a:p>
-          <a:p>
-            <a:r>
-              <a:rPr lang="en-US" b="1" dirty="0"/>
-              <a:t>The Best:</a:t>
-            </a:r>
-            <a:r>
-              <a:rPr lang="en-US" dirty="0"/>
-              <a:t> </a:t>
-            </a:r>
-            <a:r>
-              <a:rPr lang="en-US" dirty="0" err="1"/>
-              <a:t>XGBoost</a:t>
-            </a:r>
-            <a:r>
-              <a:rPr lang="en-US" dirty="0"/>
-              <a:t> and auto-</a:t>
-            </a:r>
-            <a:r>
-              <a:rPr lang="en-US" dirty="0" err="1"/>
-              <a:t>arima</a:t>
-            </a:r>
-            <a:r>
-              <a:rPr lang="en-US" dirty="0"/>
-              <a:t> consistently delivered top performance.</a:t>
-            </a:r>
-          </a:p>
-          <a:p>
+              <a:t>model selection</a:t>
+            </a:r>
+            <a:r>
+              <a:rPr lang="en-US" dirty="0"/>
+              <a:t> in time series forecasting.</a:t>
+            </a:r>
             <a:endParaRPr lang="en-AU" dirty="0"/>
           </a:p>
         </p:txBody>
@@ -11412,12 +11401,91 @@
           <a:chExt cx="0" cy="0"/>
         </a:xfrm>
       </p:grpSpPr>
+      <p:sp>
+        <p:nvSpPr>
+          <p:cNvPr id="2" name="Title 1">
+            <a:extLst>
+              <a:ext uri="{FF2B5EF4-FFF2-40B4-BE49-F238E27FC236}">
+                <a16:creationId xmlns:a16="http://schemas.microsoft.com/office/drawing/2014/main" id="{3A690C25-4012-E487-F99F-0112D10E590F}"/>
+              </a:ext>
+            </a:extLst>
+          </p:cNvPr>
+          <p:cNvSpPr>
+            <a:spLocks noGrp="1"/>
+          </p:cNvSpPr>
+          <p:nvPr>
+            <p:ph type="ctrTitle"/>
+          </p:nvPr>
+        </p:nvSpPr>
+        <p:spPr>
+          <a:xfrm>
+            <a:off x="1842556" y="439127"/>
+            <a:ext cx="4649993" cy="806824"/>
+          </a:xfrm>
+        </p:spPr>
+        <p:txBody>
+          <a:bodyPr/>
+          <a:lstStyle/>
+          <a:p>
+            <a:r>
+              <a:rPr lang="en-US" dirty="0"/>
+              <a:t>Is data stationary??</a:t>
+            </a:r>
+            <a:endParaRPr lang="en-AU" dirty="0"/>
+          </a:p>
+        </p:txBody>
+      </p:sp>
+      <p:sp>
+        <p:nvSpPr>
+          <p:cNvPr id="3" name="AutoShape 2" descr="Image result for stationary data">
+            <a:extLst>
+              <a:ext uri="{FF2B5EF4-FFF2-40B4-BE49-F238E27FC236}">
+                <a16:creationId xmlns:a16="http://schemas.microsoft.com/office/drawing/2014/main" id="{1DECDEC2-205C-0D78-4E07-823DECB794F3}"/>
+              </a:ext>
+            </a:extLst>
+          </p:cNvPr>
+          <p:cNvSpPr>
+            <a:spLocks noChangeAspect="1" noChangeArrowheads="1"/>
+          </p:cNvSpPr>
+          <p:nvPr/>
+        </p:nvSpPr>
+        <p:spPr bwMode="auto">
+          <a:xfrm>
+            <a:off x="2247003" y="3276599"/>
+            <a:ext cx="2477397" cy="2477397"/>
+          </a:xfrm>
+          <a:prstGeom prst="rect">
+            <a:avLst/>
+          </a:prstGeom>
+          <a:noFill/>
+          <a:extLst>
+            <a:ext uri="{909E8E84-426E-40DD-AFC4-6F175D3DCCD1}">
+              <a14:hiddenFill xmlns:a14="http://schemas.microsoft.com/office/drawing/2010/main">
+                <a:solidFill>
+                  <a:srgbClr val="FFFFFF"/>
+                </a:solidFill>
+              </a14:hiddenFill>
+            </a:ext>
+          </a:extLst>
+        </p:spPr>
+        <p:txBody>
+          <a:bodyPr vert="horz" wrap="square" lIns="91440" tIns="45720" rIns="91440" bIns="45720" numCol="1" anchor="t" anchorCtr="0" compatLnSpc="1">
+            <a:prstTxWarp prst="textNoShape">
+              <a:avLst/>
+            </a:prstTxWarp>
+          </a:bodyPr>
+          <a:lstStyle/>
+          <a:p>
+            <a:endParaRPr lang="en-AU"/>
+          </a:p>
+        </p:txBody>
+      </p:sp>
       <p:pic>
         <p:nvPicPr>
-          <p:cNvPr id="5" name="Picture 4">
+          <p:cNvPr id="8" name="Picture 7">
             <a:extLst>
               <a:ext uri="{FF2B5EF4-FFF2-40B4-BE49-F238E27FC236}">
-                <a16:creationId xmlns:a16="http://schemas.microsoft.com/office/drawing/2014/main" id="{CDC528FF-28A0-124C-5822-CA64B667B2D5}"/>
+                <a16:creationId xmlns:a16="http://schemas.microsoft.com/office/drawing/2014/main" id="{D4AD5D47-025A-027F-F731-92BFCB3C8A29}"/>
               </a:ext>
             </a:extLst>
           </p:cNvPr>
@@ -11434,38 +11502,8 @@
         </p:blipFill>
         <p:spPr>
           <a:xfrm>
-            <a:off x="433120" y="2704602"/>
-            <a:ext cx="8450754" cy="3477665"/>
-          </a:xfrm>
-          <a:prstGeom prst="rect">
-            <a:avLst/>
-          </a:prstGeom>
-        </p:spPr>
-      </p:pic>
-      <p:pic>
-        <p:nvPicPr>
-          <p:cNvPr id="9" name="Picture 8">
-            <a:extLst>
-              <a:ext uri="{FF2B5EF4-FFF2-40B4-BE49-F238E27FC236}">
-                <a16:creationId xmlns:a16="http://schemas.microsoft.com/office/drawing/2014/main" id="{FCB30E59-7D36-4449-1023-BFA94EFC5B40}"/>
-              </a:ext>
-            </a:extLst>
-          </p:cNvPr>
-          <p:cNvPicPr>
-            <a:picLocks noChangeAspect="1"/>
-          </p:cNvPicPr>
-          <p:nvPr/>
-        </p:nvPicPr>
-        <p:blipFill>
-          <a:blip r:embed="rId4"/>
-          <a:stretch>
-            <a:fillRect/>
-          </a:stretch>
-        </p:blipFill>
-        <p:spPr>
-          <a:xfrm>
-            <a:off x="0" y="579581"/>
-            <a:ext cx="9144000" cy="2125021"/>
+            <a:off x="0" y="1848065"/>
+            <a:ext cx="9144000" cy="3161870"/>
           </a:xfrm>
           <a:prstGeom prst="rect">
             <a:avLst/>
@@ -11473,6 +11511,11 @@
         </p:spPr>
       </p:pic>
     </p:spTree>
+    <p:extLst>
+      <p:ext uri="{BB962C8B-B14F-4D97-AF65-F5344CB8AC3E}">
+        <p14:creationId xmlns:p14="http://schemas.microsoft.com/office/powerpoint/2010/main" val="2665655477"/>
+      </p:ext>
+    </p:extLst>
   </p:cSld>
   <p:clrMapOvr>
     <a:masterClrMapping/>

--- a/models/Time_Series_EDA_Forecasting_Model_.pptx
+++ b/models/Time_Series_EDA_Forecasting_Model_.pptx
@@ -27,14 +27,14 @@
     <p:sldId id="273" r:id="rId18"/>
     <p:sldId id="274" r:id="rId19"/>
     <p:sldId id="275" r:id="rId20"/>
-    <p:sldId id="276" r:id="rId21"/>
+    <p:sldId id="286" r:id="rId21"/>
     <p:sldId id="277" r:id="rId22"/>
-    <p:sldId id="278" r:id="rId23"/>
-    <p:sldId id="279" r:id="rId24"/>
-    <p:sldId id="280" r:id="rId25"/>
-    <p:sldId id="282" r:id="rId26"/>
-    <p:sldId id="284" r:id="rId27"/>
-    <p:sldId id="285" r:id="rId28"/>
+    <p:sldId id="287" r:id="rId23"/>
+    <p:sldId id="288" r:id="rId24"/>
+    <p:sldId id="289" r:id="rId25"/>
+    <p:sldId id="290" r:id="rId26"/>
+    <p:sldId id="291" r:id="rId27"/>
+    <p:sldId id="292" r:id="rId28"/>
   </p:sldIdLst>
   <p:sldSz cx="9144000" cy="6858000" type="screen4x3"/>
   <p:notesSz cx="6858000" cy="9144000"/>
@@ -2041,6 +2041,9 @@
             </a:r>
             <a:endParaRPr lang="en-AU" dirty="0"/>
           </a:p>
+          <a:p>
+            <a:endParaRPr lang="en-AU" dirty="0"/>
+          </a:p>
         </p:txBody>
       </p:sp>
       <p:sp>
@@ -2069,7 +2072,7 @@
     </p:spTree>
     <p:extLst>
       <p:ext uri="{BB962C8B-B14F-4D97-AF65-F5344CB8AC3E}">
-        <p14:creationId xmlns:p14="http://schemas.microsoft.com/office/powerpoint/2010/main" val="326626422"/>
+        <p14:creationId xmlns:p14="http://schemas.microsoft.com/office/powerpoint/2010/main" val="1878764344"/>
       </p:ext>
     </p:extLst>
   </p:cSld>
@@ -2522,7 +2525,7 @@
     </p:spTree>
     <p:extLst>
       <p:ext uri="{BB962C8B-B14F-4D97-AF65-F5344CB8AC3E}">
-        <p14:creationId xmlns:p14="http://schemas.microsoft.com/office/powerpoint/2010/main" val="700013386"/>
+        <p14:creationId xmlns:p14="http://schemas.microsoft.com/office/powerpoint/2010/main" val="749219474"/>
       </p:ext>
     </p:extLst>
   </p:cSld>
@@ -2637,7 +2640,7 @@
     </p:spTree>
     <p:extLst>
       <p:ext uri="{BB962C8B-B14F-4D97-AF65-F5344CB8AC3E}">
-        <p14:creationId xmlns:p14="http://schemas.microsoft.com/office/powerpoint/2010/main" val="2267169438"/>
+        <p14:creationId xmlns:p14="http://schemas.microsoft.com/office/powerpoint/2010/main" val="2507602772"/>
       </p:ext>
     </p:extLst>
   </p:cSld>
@@ -2865,21 +2868,6 @@
             </a:r>
           </a:p>
           <a:p>
-            <a:pPr marL="0" indent="0">
-              <a:buFontTx/>
-              <a:buNone/>
-            </a:pPr>
-            <a:endParaRPr lang="en-US" sz="1200" b="0" kern="1200" dirty="0">
-              <a:solidFill>
-                <a:schemeClr val="tx1"/>
-              </a:solidFill>
-              <a:effectLst/>
-              <a:latin typeface="+mn-lt"/>
-              <a:ea typeface="+mn-ea"/>
-              <a:cs typeface="+mn-cs"/>
-            </a:endParaRPr>
-          </a:p>
-          <a:p>
             <a:endParaRPr lang="en-AU" dirty="0"/>
           </a:p>
         </p:txBody>
@@ -2910,7 +2898,7 @@
     </p:spTree>
     <p:extLst>
       <p:ext uri="{BB962C8B-B14F-4D97-AF65-F5344CB8AC3E}">
-        <p14:creationId xmlns:p14="http://schemas.microsoft.com/office/powerpoint/2010/main" val="3530136682"/>
+        <p14:creationId xmlns:p14="http://schemas.microsoft.com/office/powerpoint/2010/main" val="357845868"/>
       </p:ext>
     </p:extLst>
   </p:cSld>
@@ -3092,21 +3080,6 @@
             </a:endParaRPr>
           </a:p>
           <a:p>
-            <a:pPr marL="171450" indent="-171450">
-              <a:buFontTx/>
-              <a:buChar char="-"/>
-            </a:pPr>
-            <a:endParaRPr lang="en-US" sz="1200" b="0" kern="1200" dirty="0">
-              <a:solidFill>
-                <a:schemeClr val="tx1"/>
-              </a:solidFill>
-              <a:effectLst/>
-              <a:latin typeface="+mn-lt"/>
-              <a:ea typeface="+mn-ea"/>
-              <a:cs typeface="+mn-cs"/>
-            </a:endParaRPr>
-          </a:p>
-          <a:p>
             <a:endParaRPr lang="en-AU" dirty="0"/>
           </a:p>
         </p:txBody>
@@ -3137,7 +3110,7 @@
     </p:spTree>
     <p:extLst>
       <p:ext uri="{BB962C8B-B14F-4D97-AF65-F5344CB8AC3E}">
-        <p14:creationId xmlns:p14="http://schemas.microsoft.com/office/powerpoint/2010/main" val="4151412142"/>
+        <p14:creationId xmlns:p14="http://schemas.microsoft.com/office/powerpoint/2010/main" val="362831924"/>
       </p:ext>
     </p:extLst>
   </p:cSld>
@@ -3298,29 +3271,7 @@
             </a:endParaRPr>
           </a:p>
           <a:p>
-            <a:endParaRPr lang="en-US" sz="1200" b="0" i="0" kern="1200" dirty="0">
-              <a:solidFill>
-                <a:schemeClr val="tx1"/>
-              </a:solidFill>
-              <a:effectLst/>
-              <a:latin typeface="+mn-lt"/>
-              <a:ea typeface="+mn-ea"/>
-              <a:cs typeface="+mn-cs"/>
-            </a:endParaRPr>
-          </a:p>
-          <a:p>
-            <a:r>
-              <a:rPr lang="en-US" sz="1200" b="0" i="0" kern="1200" dirty="0">
-                <a:solidFill>
-                  <a:schemeClr val="tx1"/>
-                </a:solidFill>
-                <a:effectLst/>
-                <a:latin typeface="+mn-lt"/>
-                <a:ea typeface="+mn-ea"/>
-                <a:cs typeface="+mn-cs"/>
-              </a:rPr>
-              <a:t>.</a:t>
-            </a:r>
+            <a:endParaRPr lang="en-AU" dirty="0"/>
           </a:p>
         </p:txBody>
       </p:sp>
@@ -3350,281 +3301,7 @@
     </p:spTree>
     <p:extLst>
       <p:ext uri="{BB962C8B-B14F-4D97-AF65-F5344CB8AC3E}">
-        <p14:creationId xmlns:p14="http://schemas.microsoft.com/office/powerpoint/2010/main" val="1139820466"/>
-      </p:ext>
-    </p:extLst>
-  </p:cSld>
-  <p:clrMapOvr>
-    <a:masterClrMapping/>
-  </p:clrMapOvr>
-</p:notes>
-</file>
-
-<file path=ppt/notesSlides/notesSlide25.xml><?xml version="1.0" encoding="utf-8"?>
-<p:notes xmlns:a="http://schemas.openxmlformats.org/drawingml/2006/main" xmlns:r="http://schemas.openxmlformats.org/officeDocument/2006/relationships" xmlns:p="http://schemas.openxmlformats.org/presentationml/2006/main">
-  <p:cSld>
-    <p:spTree>
-      <p:nvGrpSpPr>
-        <p:cNvPr id="1" name=""/>
-        <p:cNvGrpSpPr/>
-        <p:nvPr/>
-      </p:nvGrpSpPr>
-      <p:grpSpPr>
-        <a:xfrm>
-          <a:off x="0" y="0"/>
-          <a:ext cx="0" cy="0"/>
-          <a:chOff x="0" y="0"/>
-          <a:chExt cx="0" cy="0"/>
-        </a:xfrm>
-      </p:grpSpPr>
-      <p:sp>
-        <p:nvSpPr>
-          <p:cNvPr id="2" name="Slide Image Placeholder 1"/>
-          <p:cNvSpPr>
-            <a:spLocks noGrp="1" noRot="1" noChangeAspect="1"/>
-          </p:cNvSpPr>
-          <p:nvPr>
-            <p:ph type="sldImg"/>
-          </p:nvPr>
-        </p:nvSpPr>
-        <p:spPr/>
-      </p:sp>
-      <p:sp>
-        <p:nvSpPr>
-          <p:cNvPr id="3" name="Notes Placeholder 2"/>
-          <p:cNvSpPr>
-            <a:spLocks noGrp="1"/>
-          </p:cNvSpPr>
-          <p:nvPr>
-            <p:ph type="body" idx="1"/>
-          </p:nvPr>
-        </p:nvSpPr>
-        <p:spPr/>
-        <p:txBody>
-          <a:bodyPr/>
-          <a:lstStyle/>
-          <a:p>
-            <a:r>
-              <a:rPr lang="en-US" b="1" dirty="0"/>
-              <a:t>The Problem</a:t>
-            </a:r>
-          </a:p>
-          <a:p>
-            <a:r>
-              <a:rPr lang="en-US" dirty="0"/>
-              <a:t>Initial analysis revealed that </a:t>
-            </a:r>
-            <a:r>
-              <a:rPr lang="en-US" b="1" dirty="0"/>
-              <a:t>basic features</a:t>
-            </a:r>
-            <a:r>
-              <a:rPr lang="en-US" dirty="0"/>
-              <a:t> such as temperature and time had </a:t>
-            </a:r>
-            <a:r>
-              <a:rPr lang="en-US" b="1" dirty="0"/>
-              <a:t>weak correlations</a:t>
-            </a:r>
-            <a:r>
-              <a:rPr lang="en-US" dirty="0"/>
-              <a:t> with energy consumption, limiting their predictive power.</a:t>
-            </a:r>
-          </a:p>
-          <a:p>
-            <a:endParaRPr lang="en-US" dirty="0"/>
-          </a:p>
-          <a:p>
-            <a:r>
-              <a:rPr lang="en-US" b="1" dirty="0"/>
-              <a:t>The Solution</a:t>
-            </a:r>
-          </a:p>
-          <a:p>
-            <a:r>
-              <a:rPr lang="en-US" dirty="0"/>
-              <a:t>To overcome this, I created a set of </a:t>
-            </a:r>
-            <a:r>
-              <a:rPr lang="en-US" b="1" dirty="0"/>
-              <a:t>temporal features</a:t>
-            </a:r>
-            <a:r>
-              <a:rPr lang="en-US" dirty="0"/>
-              <a:t>, including:</a:t>
-            </a:r>
-          </a:p>
-          <a:p>
-            <a:r>
-              <a:rPr lang="en-US" b="1" dirty="0"/>
-              <a:t>Lagged values</a:t>
-            </a:r>
-            <a:r>
-              <a:rPr lang="en-US" dirty="0"/>
-              <a:t> of the target (</a:t>
-            </a:r>
-            <a:r>
-              <a:rPr lang="en-US" dirty="0" err="1"/>
-              <a:t>Global_active_power</a:t>
-            </a:r>
-            <a:r>
-              <a:rPr lang="en-US" dirty="0"/>
-              <a:t>)</a:t>
-            </a:r>
-          </a:p>
-          <a:p>
-            <a:r>
-              <a:rPr lang="en-US" b="1" dirty="0"/>
-              <a:t>Rolling window statistics</a:t>
-            </a:r>
-            <a:r>
-              <a:rPr lang="en-US" dirty="0"/>
-              <a:t> (mean, std, etc.)</a:t>
-            </a:r>
-          </a:p>
-          <a:p>
-            <a:r>
-              <a:rPr lang="en-US" dirty="0"/>
-              <a:t>Integration of </a:t>
-            </a:r>
-            <a:r>
-              <a:rPr lang="en-US" b="1" dirty="0"/>
-              <a:t>PCA</a:t>
-            </a:r>
-            <a:r>
-              <a:rPr lang="en-US" dirty="0"/>
-              <a:t> for dimensionality reduction</a:t>
-            </a:r>
-          </a:p>
-          <a:p>
-            <a:r>
-              <a:rPr lang="en-US" dirty="0"/>
-              <a:t>Feature importance filtering using </a:t>
-            </a:r>
-            <a:r>
-              <a:rPr lang="en-US" b="1" dirty="0"/>
-              <a:t>SHAP</a:t>
-            </a:r>
-            <a:endParaRPr lang="en-US" dirty="0"/>
-          </a:p>
-          <a:p>
-            <a:r>
-              <a:rPr lang="en-US" dirty="0"/>
-              <a:t>Hyperparameter tuning using </a:t>
-            </a:r>
-            <a:r>
-              <a:rPr lang="en-US" b="1" dirty="0" err="1"/>
-              <a:t>Optuna</a:t>
-            </a:r>
-            <a:endParaRPr lang="en-US" dirty="0"/>
-          </a:p>
-          <a:p>
-            <a:endParaRPr lang="en-US" b="1" dirty="0"/>
-          </a:p>
-          <a:p>
-            <a:r>
-              <a:rPr lang="en-US" b="1" dirty="0"/>
-              <a:t>Analytical Insights</a:t>
-            </a:r>
-          </a:p>
-          <a:p>
-            <a:r>
-              <a:rPr lang="en-US" b="1" dirty="0"/>
-              <a:t>Temperature</a:t>
-            </a:r>
-            <a:r>
-              <a:rPr lang="en-US" dirty="0"/>
-              <a:t> had a </a:t>
-            </a:r>
-            <a:r>
-              <a:rPr lang="en-US" b="1" dirty="0"/>
-              <a:t>weak negative correlation</a:t>
-            </a:r>
-            <a:r>
-              <a:rPr lang="en-US" dirty="0"/>
-              <a:t> (–0.12) with power consumption, confirmed by seasonal trends (e.g., higher winter usage).</a:t>
-            </a:r>
-          </a:p>
-          <a:p>
-            <a:r>
-              <a:rPr lang="en-US" b="1" dirty="0"/>
-              <a:t>Weekly patterns</a:t>
-            </a:r>
-            <a:r>
-              <a:rPr lang="en-US" dirty="0"/>
-              <a:t> were significant: </a:t>
-            </a:r>
-            <a:r>
-              <a:rPr lang="en-US" b="1" dirty="0"/>
-              <a:t>energy use spikes on weekends</a:t>
-            </a:r>
-            <a:r>
-              <a:rPr lang="en-US" dirty="0"/>
-              <a:t>, especially Sundays.</a:t>
-            </a:r>
-          </a:p>
-          <a:p>
-            <a:r>
-              <a:rPr lang="en-US" dirty="0"/>
-              <a:t>The </a:t>
-            </a:r>
-            <a:r>
-              <a:rPr lang="en-US" b="1" dirty="0"/>
-              <a:t>distribution of the target</a:t>
-            </a:r>
-            <a:r>
-              <a:rPr lang="en-US" dirty="0"/>
-              <a:t> was </a:t>
-            </a:r>
-            <a:r>
-              <a:rPr lang="en-US" b="1" dirty="0"/>
-              <a:t>left-skewed</a:t>
-            </a:r>
-            <a:r>
-              <a:rPr lang="en-US" dirty="0"/>
-              <a:t>, corrected using a </a:t>
-            </a:r>
-            <a:r>
-              <a:rPr lang="en-US" b="1" dirty="0"/>
-              <a:t>log transformation</a:t>
-            </a:r>
-            <a:r>
-              <a:rPr lang="en-US" dirty="0"/>
-              <a:t>, though bimodal behavior persisted.</a:t>
-            </a:r>
-          </a:p>
-          <a:p>
-            <a:endParaRPr lang="en-AU" dirty="0"/>
-          </a:p>
-        </p:txBody>
-      </p:sp>
-      <p:sp>
-        <p:nvSpPr>
-          <p:cNvPr id="4" name="Slide Number Placeholder 3"/>
-          <p:cNvSpPr>
-            <a:spLocks noGrp="1"/>
-          </p:cNvSpPr>
-          <p:nvPr>
-            <p:ph type="sldNum" sz="quarter" idx="5"/>
-          </p:nvPr>
-        </p:nvSpPr>
-        <p:spPr/>
-        <p:txBody>
-          <a:bodyPr/>
-          <a:lstStyle/>
-          <a:p>
-            <a:fld id="{5C16C640-3DC0-49B9-9360-5582FB148844}" type="slidenum">
-              <a:rPr lang="en-AU" smtClean="0"/>
-              <a:t>27</a:t>
-            </a:fld>
-            <a:endParaRPr lang="en-AU"/>
-          </a:p>
-        </p:txBody>
-      </p:sp>
-    </p:spTree>
-    <p:extLst>
-      <p:ext uri="{BB962C8B-B14F-4D97-AF65-F5344CB8AC3E}">
-        <p14:creationId xmlns:p14="http://schemas.microsoft.com/office/powerpoint/2010/main" val="1267171114"/>
+        <p14:creationId xmlns:p14="http://schemas.microsoft.com/office/powerpoint/2010/main" val="1434483022"/>
       </p:ext>
     </p:extLst>
   </p:cSld>
@@ -7597,12 +7274,12 @@
           <a:chExt cx="0" cy="0"/>
         </a:xfrm>
       </p:grpSpPr>
-      <p:sp>
-        <p:nvSpPr>
-          <p:cNvPr id="17" name="Down Arrow 7">
+      <p:sp useBgFill="1">
+        <p:nvSpPr>
+          <p:cNvPr id="22" name="Rectangle 21">
             <a:extLst>
               <a:ext uri="{FF2B5EF4-FFF2-40B4-BE49-F238E27FC236}">
-                <a16:creationId xmlns:a16="http://schemas.microsoft.com/office/drawing/2014/main" id="{D4771268-CB57-404A-9271-370EB28F6090}"/>
+                <a16:creationId xmlns:a16="http://schemas.microsoft.com/office/drawing/2014/main" id="{A4E37431-20F0-4DD6-84A9-ED2B644943A2}"/>
               </a:ext>
               <a:ext uri="{C183D7F6-B498-43B3-948B-1728B52AA6E4}">
                 <adec:decorative xmlns:adec="http://schemas.microsoft.com/office/drawing/2017/decorative" val="1"/>
@@ -7621,22 +7298,32 @@
           </p:nvPr>
         </p:nvSpPr>
         <p:spPr>
-          <a:xfrm rot="16200000">
-            <a:off x="183356" y="1928731"/>
-            <a:ext cx="3333749" cy="2624327"/>
-          </a:xfrm>
-          <a:prstGeom prst="downArrow">
-            <a:avLst>
-              <a:gd name="adj1" fmla="val 100000"/>
-              <a:gd name="adj2" fmla="val 15788"/>
-            </a:avLst>
+          <a:xfrm>
+            <a:off x="0" y="0"/>
+            <a:ext cx="9144000" cy="6858000"/>
+          </a:xfrm>
+          <a:prstGeom prst="rect">
+            <a:avLst/>
           </a:prstGeom>
-          <a:solidFill>
-            <a:srgbClr val="404040"/>
-          </a:solidFill>
-          <a:ln w="53975">
+          <a:ln w="12700" cap="flat" cmpd="sng" algn="ctr">
             <a:noFill/>
+            <a:prstDash val="solid"/>
+            <a:miter lim="800000"/>
           </a:ln>
+          <a:effectLst/>
+          <a:extLst>
+            <a:ext uri="{91240B29-F687-4F45-9708-019B960494DF}">
+              <a14:hiddenLine xmlns:a14="http://schemas.microsoft.com/office/drawing/2010/main" w="12700" cap="flat" cmpd="sng" algn="ctr">
+                <a:solidFill>
+                  <a:schemeClr val="accent1">
+                    <a:shade val="50000"/>
+                  </a:schemeClr>
+                </a:solidFill>
+                <a:prstDash val="solid"/>
+                <a:miter lim="800000"/>
+              </a14:hiddenLine>
+            </a:ext>
+          </a:extLst>
         </p:spPr>
         <p:style>
           <a:lnRef idx="2">
@@ -7665,6 +7352,381 @@
       </p:sp>
       <p:sp>
         <p:nvSpPr>
+          <p:cNvPr id="24" name="Rectangle 23">
+            <a:extLst>
+              <a:ext uri="{FF2B5EF4-FFF2-40B4-BE49-F238E27FC236}">
+                <a16:creationId xmlns:a16="http://schemas.microsoft.com/office/drawing/2014/main" id="{0AE98B72-66C6-4AB4-AF0D-BA830DE86393}"/>
+              </a:ext>
+              <a:ext uri="{C183D7F6-B498-43B3-948B-1728B52AA6E4}">
+                <adec:decorative xmlns:adec="http://schemas.microsoft.com/office/drawing/2017/decorative" val="1"/>
+              </a:ext>
+            </a:extLst>
+          </p:cNvPr>
+          <p:cNvSpPr>
+            <a:spLocks noGrp="1" noRot="1" noChangeAspect="1" noMove="1" noResize="1" noEditPoints="1" noAdjustHandles="1" noChangeArrowheads="1" noChangeShapeType="1" noTextEdit="1"/>
+          </p:cNvSpPr>
+          <p:nvPr>
+            <p:extLst>
+              <p:ext uri="{386F3935-93C4-4BCD-93E2-E3B085C9AB24}">
+                <p16:designElem xmlns:p16="http://schemas.microsoft.com/office/powerpoint/2015/main" val="1"/>
+              </p:ext>
+            </p:extLst>
+          </p:nvPr>
+        </p:nvSpPr>
+        <p:spPr>
+          <a:xfrm rot="5400000" flipH="1">
+            <a:off x="-1336136" y="1336710"/>
+            <a:ext cx="6858000" cy="4184580"/>
+          </a:xfrm>
+          <a:prstGeom prst="rect">
+            <a:avLst/>
+          </a:prstGeom>
+          <a:gradFill>
+            <a:gsLst>
+              <a:gs pos="8000">
+                <a:srgbClr val="000000"/>
+              </a:gs>
+              <a:gs pos="100000">
+                <a:schemeClr val="accent1">
+                  <a:lumMod val="75000"/>
+                </a:schemeClr>
+              </a:gs>
+            </a:gsLst>
+            <a:lin ang="3000000" scaled="0"/>
+          </a:gradFill>
+          <a:ln>
+            <a:noFill/>
+          </a:ln>
+        </p:spPr>
+        <p:style>
+          <a:lnRef idx="2">
+            <a:schemeClr val="accent1">
+              <a:shade val="50000"/>
+            </a:schemeClr>
+          </a:lnRef>
+          <a:fillRef idx="1">
+            <a:schemeClr val="accent1"/>
+          </a:fillRef>
+          <a:effectRef idx="0">
+            <a:schemeClr val="accent1"/>
+          </a:effectRef>
+          <a:fontRef idx="minor">
+            <a:schemeClr val="lt1"/>
+          </a:fontRef>
+        </p:style>
+        <p:txBody>
+          <a:bodyPr rtlCol="0" anchor="ctr"/>
+          <a:lstStyle/>
+          <a:p>
+            <a:pPr algn="ctr"/>
+            <a:endParaRPr lang="en-US"/>
+          </a:p>
+        </p:txBody>
+      </p:sp>
+      <p:sp>
+        <p:nvSpPr>
+          <p:cNvPr id="26" name="Rectangle 25">
+            <a:extLst>
+              <a:ext uri="{FF2B5EF4-FFF2-40B4-BE49-F238E27FC236}">
+                <a16:creationId xmlns:a16="http://schemas.microsoft.com/office/drawing/2014/main" id="{407EAFC6-733F-403D-BB4D-05A3A28742F1}"/>
+              </a:ext>
+              <a:ext uri="{C183D7F6-B498-43B3-948B-1728B52AA6E4}">
+                <adec:decorative xmlns:adec="http://schemas.microsoft.com/office/drawing/2017/decorative" val="1"/>
+              </a:ext>
+            </a:extLst>
+          </p:cNvPr>
+          <p:cNvSpPr>
+            <a:spLocks noGrp="1" noRot="1" noChangeAspect="1" noMove="1" noResize="1" noEditPoints="1" noAdjustHandles="1" noChangeArrowheads="1" noChangeShapeType="1" noTextEdit="1"/>
+          </p:cNvSpPr>
+          <p:nvPr>
+            <p:extLst>
+              <p:ext uri="{386F3935-93C4-4BCD-93E2-E3B085C9AB24}">
+                <p16:designElem xmlns:p16="http://schemas.microsoft.com/office/powerpoint/2015/main" val="1"/>
+              </p:ext>
+            </p:extLst>
+          </p:nvPr>
+        </p:nvSpPr>
+        <p:spPr>
+          <a:xfrm rot="5400000" flipH="1">
+            <a:off x="-1088181" y="1092216"/>
+            <a:ext cx="6346209" cy="4182060"/>
+          </a:xfrm>
+          <a:prstGeom prst="rect">
+            <a:avLst/>
+          </a:prstGeom>
+          <a:gradFill>
+            <a:gsLst>
+              <a:gs pos="0">
+                <a:srgbClr val="000000">
+                  <a:alpha val="0"/>
+                </a:srgbClr>
+              </a:gs>
+              <a:gs pos="99000">
+                <a:schemeClr val="accent1">
+                  <a:alpha val="0"/>
+                </a:schemeClr>
+              </a:gs>
+            </a:gsLst>
+            <a:lin ang="1800000" scaled="0"/>
+          </a:gradFill>
+          <a:ln>
+            <a:noFill/>
+          </a:ln>
+        </p:spPr>
+        <p:style>
+          <a:lnRef idx="2">
+            <a:schemeClr val="accent1">
+              <a:shade val="50000"/>
+            </a:schemeClr>
+          </a:lnRef>
+          <a:fillRef idx="1">
+            <a:schemeClr val="accent1"/>
+          </a:fillRef>
+          <a:effectRef idx="0">
+            <a:schemeClr val="accent1"/>
+          </a:effectRef>
+          <a:fontRef idx="minor">
+            <a:schemeClr val="lt1"/>
+          </a:fontRef>
+        </p:style>
+        <p:txBody>
+          <a:bodyPr rtlCol="0" anchor="ctr"/>
+          <a:lstStyle/>
+          <a:p>
+            <a:pPr algn="ctr"/>
+            <a:endParaRPr lang="en-US"/>
+          </a:p>
+        </p:txBody>
+      </p:sp>
+      <p:sp>
+        <p:nvSpPr>
+          <p:cNvPr id="28" name="Rectangle 27">
+            <a:extLst>
+              <a:ext uri="{FF2B5EF4-FFF2-40B4-BE49-F238E27FC236}">
+                <a16:creationId xmlns:a16="http://schemas.microsoft.com/office/drawing/2014/main" id="{17A36730-4CB0-4F61-AD11-A44C9765833F}"/>
+              </a:ext>
+              <a:ext uri="{C183D7F6-B498-43B3-948B-1728B52AA6E4}">
+                <adec:decorative xmlns:adec="http://schemas.microsoft.com/office/drawing/2017/decorative" val="1"/>
+              </a:ext>
+            </a:extLst>
+          </p:cNvPr>
+          <p:cNvSpPr>
+            <a:spLocks noGrp="1" noRot="1" noChangeAspect="1" noMove="1" noResize="1" noEditPoints="1" noAdjustHandles="1" noChangeArrowheads="1" noChangeShapeType="1" noTextEdit="1"/>
+          </p:cNvSpPr>
+          <p:nvPr>
+            <p:extLst>
+              <p:ext uri="{386F3935-93C4-4BCD-93E2-E3B085C9AB24}">
+                <p16:designElem xmlns:p16="http://schemas.microsoft.com/office/powerpoint/2015/main" val="1"/>
+              </p:ext>
+            </p:extLst>
+          </p:nvPr>
+        </p:nvSpPr>
+        <p:spPr>
+          <a:xfrm rot="5400000" flipH="1">
+            <a:off x="833933" y="3515977"/>
+            <a:ext cx="2501979" cy="4182060"/>
+          </a:xfrm>
+          <a:prstGeom prst="rect">
+            <a:avLst/>
+          </a:prstGeom>
+          <a:gradFill>
+            <a:gsLst>
+              <a:gs pos="2000">
+                <a:schemeClr val="accent1">
+                  <a:alpha val="29000"/>
+                </a:schemeClr>
+              </a:gs>
+              <a:gs pos="100000">
+                <a:srgbClr val="000000">
+                  <a:alpha val="30000"/>
+                </a:srgbClr>
+              </a:gs>
+            </a:gsLst>
+            <a:lin ang="7800000" scaled="0"/>
+          </a:gradFill>
+          <a:ln>
+            <a:noFill/>
+          </a:ln>
+        </p:spPr>
+        <p:style>
+          <a:lnRef idx="2">
+            <a:schemeClr val="accent1">
+              <a:shade val="50000"/>
+            </a:schemeClr>
+          </a:lnRef>
+          <a:fillRef idx="1">
+            <a:schemeClr val="accent1"/>
+          </a:fillRef>
+          <a:effectRef idx="0">
+            <a:schemeClr val="accent1"/>
+          </a:effectRef>
+          <a:fontRef idx="minor">
+            <a:schemeClr val="lt1"/>
+          </a:fontRef>
+        </p:style>
+        <p:txBody>
+          <a:bodyPr rtlCol="0" anchor="ctr"/>
+          <a:lstStyle/>
+          <a:p>
+            <a:pPr algn="ctr"/>
+            <a:endParaRPr lang="en-US" dirty="0"/>
+          </a:p>
+        </p:txBody>
+      </p:sp>
+      <p:sp>
+        <p:nvSpPr>
+          <p:cNvPr id="30" name="Rectangle 29">
+            <a:extLst>
+              <a:ext uri="{FF2B5EF4-FFF2-40B4-BE49-F238E27FC236}">
+                <a16:creationId xmlns:a16="http://schemas.microsoft.com/office/drawing/2014/main" id="{C69C79E1-F916-4929-A4F3-DE763D4BFA57}"/>
+              </a:ext>
+              <a:ext uri="{C183D7F6-B498-43B3-948B-1728B52AA6E4}">
+                <adec:decorative xmlns:adec="http://schemas.microsoft.com/office/drawing/2017/decorative" val="1"/>
+              </a:ext>
+            </a:extLst>
+          </p:cNvPr>
+          <p:cNvSpPr>
+            <a:spLocks noGrp="1" noRot="1" noChangeAspect="1" noMove="1" noResize="1" noEditPoints="1" noAdjustHandles="1" noChangeArrowheads="1" noChangeShapeType="1" noTextEdit="1"/>
+          </p:cNvSpPr>
+          <p:nvPr>
+            <p:extLst>
+              <p:ext uri="{386F3935-93C4-4BCD-93E2-E3B085C9AB24}">
+                <p16:designElem xmlns:p16="http://schemas.microsoft.com/office/powerpoint/2015/main" val="1"/>
+              </p:ext>
+            </p:extLst>
+          </p:nvPr>
+        </p:nvSpPr>
+        <p:spPr>
+          <a:xfrm rot="5400000" flipH="1">
+            <a:off x="-1176002" y="1496845"/>
+            <a:ext cx="6858001" cy="3864309"/>
+          </a:xfrm>
+          <a:prstGeom prst="rect">
+            <a:avLst/>
+          </a:prstGeom>
+          <a:gradFill>
+            <a:gsLst>
+              <a:gs pos="0">
+                <a:srgbClr val="000000">
+                  <a:alpha val="0"/>
+                </a:srgbClr>
+              </a:gs>
+              <a:gs pos="99000">
+                <a:schemeClr val="accent1">
+                  <a:alpha val="11000"/>
+                </a:schemeClr>
+              </a:gs>
+            </a:gsLst>
+            <a:lin ang="7800000" scaled="0"/>
+          </a:gradFill>
+          <a:ln>
+            <a:noFill/>
+          </a:ln>
+        </p:spPr>
+        <p:style>
+          <a:lnRef idx="2">
+            <a:schemeClr val="accent1">
+              <a:shade val="50000"/>
+            </a:schemeClr>
+          </a:lnRef>
+          <a:fillRef idx="1">
+            <a:schemeClr val="accent1"/>
+          </a:fillRef>
+          <a:effectRef idx="0">
+            <a:schemeClr val="accent1"/>
+          </a:effectRef>
+          <a:fontRef idx="minor">
+            <a:schemeClr val="lt1"/>
+          </a:fontRef>
+        </p:style>
+        <p:txBody>
+          <a:bodyPr rtlCol="0" anchor="ctr"/>
+          <a:lstStyle/>
+          <a:p>
+            <a:pPr algn="ctr"/>
+            <a:endParaRPr lang="en-US"/>
+          </a:p>
+        </p:txBody>
+      </p:sp>
+      <p:sp>
+        <p:nvSpPr>
+          <p:cNvPr id="32" name="Oval 31">
+            <a:extLst>
+              <a:ext uri="{FF2B5EF4-FFF2-40B4-BE49-F238E27FC236}">
+                <a16:creationId xmlns:a16="http://schemas.microsoft.com/office/drawing/2014/main" id="{767334AB-16BD-4EC7-8C6B-4B5171600933}"/>
+              </a:ext>
+              <a:ext uri="{C183D7F6-B498-43B3-948B-1728B52AA6E4}">
+                <adec:decorative xmlns:adec="http://schemas.microsoft.com/office/drawing/2017/decorative" val="1"/>
+              </a:ext>
+            </a:extLst>
+          </p:cNvPr>
+          <p:cNvSpPr>
+            <a:spLocks noGrp="1" noRot="1" noChangeAspect="1" noMove="1" noResize="1" noEditPoints="1" noAdjustHandles="1" noChangeArrowheads="1" noChangeShapeType="1" noTextEdit="1"/>
+          </p:cNvSpPr>
+          <p:nvPr>
+            <p:extLst>
+              <p:ext uri="{386F3935-93C4-4BCD-93E2-E3B085C9AB24}">
+                <p16:designElem xmlns:p16="http://schemas.microsoft.com/office/powerpoint/2015/main" val="1"/>
+              </p:ext>
+            </p:extLst>
+          </p:nvPr>
+        </p:nvSpPr>
+        <p:spPr>
+          <a:xfrm rot="6097846">
+            <a:off x="74277" y="1668285"/>
+            <a:ext cx="4318303" cy="3238727"/>
+          </a:xfrm>
+          <a:prstGeom prst="ellipse">
+            <a:avLst/>
+          </a:prstGeom>
+          <a:gradFill>
+            <a:gsLst>
+              <a:gs pos="39000">
+                <a:schemeClr val="accent1">
+                  <a:alpha val="0"/>
+                </a:schemeClr>
+              </a:gs>
+              <a:gs pos="100000">
+                <a:schemeClr val="accent1">
+                  <a:lumMod val="60000"/>
+                  <a:lumOff val="40000"/>
+                  <a:alpha val="15000"/>
+                </a:schemeClr>
+              </a:gs>
+            </a:gsLst>
+            <a:lin ang="17400000" scaled="0"/>
+          </a:gradFill>
+          <a:ln>
+            <a:noFill/>
+          </a:ln>
+        </p:spPr>
+        <p:style>
+          <a:lnRef idx="2">
+            <a:schemeClr val="accent1">
+              <a:shade val="50000"/>
+            </a:schemeClr>
+          </a:lnRef>
+          <a:fillRef idx="1">
+            <a:schemeClr val="accent1"/>
+          </a:fillRef>
+          <a:effectRef idx="0">
+            <a:schemeClr val="accent1"/>
+          </a:effectRef>
+          <a:fontRef idx="minor">
+            <a:schemeClr val="lt1"/>
+          </a:fontRef>
+        </p:style>
+        <p:txBody>
+          <a:bodyPr rtlCol="0" anchor="ctr"/>
+          <a:lstStyle/>
+          <a:p>
+            <a:pPr algn="ctr"/>
+            <a:endParaRPr lang="en-US" dirty="0"/>
+          </a:p>
+        </p:txBody>
+      </p:sp>
+      <p:sp>
+        <p:nvSpPr>
           <p:cNvPr id="2" name="Title 1"/>
           <p:cNvSpPr>
             <a:spLocks noGrp="1"/>
@@ -7675,13 +7737,12 @@
         </p:nvSpPr>
         <p:spPr>
           <a:xfrm>
-            <a:off x="771525" y="1967266"/>
-            <a:ext cx="1971675" cy="2547257"/>
-          </a:xfrm>
-          <a:noFill/>
-        </p:spPr>
-        <p:txBody>
-          <a:bodyPr vert="horz" lIns="91440" tIns="45720" rIns="91440" bIns="45720" rtlCol="0" anchor="ctr">
+            <a:off x="202822" y="891652"/>
+            <a:ext cx="3870413" cy="3030724"/>
+          </a:xfrm>
+        </p:spPr>
+        <p:txBody>
+          <a:bodyPr vert="horz" lIns="91440" tIns="45720" rIns="91440" bIns="45720" rtlCol="0" anchor="b">
             <a:normAutofit/>
           </a:bodyPr>
           <a:lstStyle/>
@@ -7692,7 +7753,7 @@
               </a:lnSpc>
             </a:pPr>
             <a:r>
-              <a:rPr lang="en-US" sz="2400" kern="1200">
+              <a:rPr lang="en-US" sz="3500" kern="1200" dirty="0">
                 <a:solidFill>
                   <a:srgbClr val="FFFFFF"/>
                 </a:solidFill>
@@ -7727,8 +7788,8 @@
         </p:blipFill>
         <p:spPr>
           <a:xfrm>
-            <a:off x="3520409" y="1597047"/>
-            <a:ext cx="5085525" cy="3661577"/>
+            <a:off x="4572000" y="1892529"/>
+            <a:ext cx="4206240" cy="3028492"/>
           </a:xfrm>
           <a:prstGeom prst="rect">
             <a:avLst/>
@@ -7749,8 +7810,8 @@
         </p:nvSpPr>
         <p:spPr>
           <a:xfrm>
-            <a:off x="3711388" y="5220164"/>
-            <a:ext cx="1721223" cy="723275"/>
+            <a:off x="216669" y="5004888"/>
+            <a:ext cx="3752390" cy="1938992"/>
           </a:xfrm>
           <a:prstGeom prst="rect">
             <a:avLst/>
@@ -7769,7 +7830,11 @@
               </a:spcAft>
             </a:pPr>
             <a:r>
-              <a:rPr lang="en-US" dirty="0"/>
+              <a:rPr lang="en-US" sz="2800" dirty="0">
+                <a:solidFill>
+                  <a:schemeClr val="bg1"/>
+                </a:solidFill>
+              </a:rPr>
               <a:t>Gokarna Bhusal</a:t>
             </a:r>
           </a:p>
@@ -7779,11 +7844,61 @@
                 <a:spcPts val="600"/>
               </a:spcAft>
             </a:pPr>
-            <a:r>
-              <a:rPr lang="en-US" dirty="0"/>
-              <a:t>24.06.2025</a:t>
-            </a:r>
-            <a:endParaRPr lang="en-AU" dirty="0"/>
+            <a:endParaRPr lang="en-US" b="1" dirty="0">
+              <a:solidFill>
+                <a:schemeClr val="bg1"/>
+              </a:solidFill>
+            </a:endParaRPr>
+          </a:p>
+          <a:p>
+            <a:pPr algn="ctr">
+              <a:spcAft>
+                <a:spcPts val="600"/>
+              </a:spcAft>
+            </a:pPr>
+            <a:r>
+              <a:rPr lang="en-US" dirty="0" err="1">
+                <a:solidFill>
+                  <a:schemeClr val="bg1"/>
+                </a:solidFill>
+              </a:rPr>
+              <a:t>Syntra</a:t>
+            </a:r>
+            <a:r>
+              <a:rPr lang="en-US" dirty="0">
+                <a:solidFill>
+                  <a:schemeClr val="bg1"/>
+                </a:solidFill>
+              </a:rPr>
+              <a:t> AB Leuven</a:t>
+            </a:r>
+          </a:p>
+          <a:p>
+            <a:pPr algn="ctr">
+              <a:spcAft>
+                <a:spcPts val="600"/>
+              </a:spcAft>
+            </a:pPr>
+            <a:r>
+              <a:rPr lang="en-US" dirty="0">
+                <a:solidFill>
+                  <a:schemeClr val="bg1"/>
+                </a:solidFill>
+              </a:rPr>
+              <a:t>2025</a:t>
+            </a:r>
+          </a:p>
+          <a:p>
+            <a:pPr algn="ctr">
+              <a:spcAft>
+                <a:spcPts val="600"/>
+              </a:spcAft>
+            </a:pPr>
+            <a:endParaRPr lang="en-AU" dirty="0">
+              <a:solidFill>
+                <a:schemeClr val="bg1"/>
+              </a:solidFill>
+            </a:endParaRPr>
           </a:p>
         </p:txBody>
       </p:sp>
@@ -7834,8 +7949,8 @@
         </p:blipFill>
         <p:spPr>
           <a:xfrm>
-            <a:off x="0" y="685799"/>
-            <a:ext cx="9181272" cy="5978769"/>
+            <a:off x="89226" y="809089"/>
+            <a:ext cx="8965548" cy="5838291"/>
           </a:xfrm>
           <a:prstGeom prst="rect">
             <a:avLst/>
@@ -7856,8 +7971,8 @@
         </p:nvSpPr>
         <p:spPr>
           <a:xfrm>
-            <a:off x="2280621" y="1570616"/>
-            <a:ext cx="311972" cy="258184"/>
+            <a:off x="1912259" y="2482822"/>
+            <a:ext cx="311972" cy="258666"/>
           </a:xfrm>
           <a:prstGeom prst="ellipse">
             <a:avLst/>
@@ -7906,7 +8021,7 @@
         </p:nvSpPr>
         <p:spPr>
           <a:xfrm>
-            <a:off x="2820297" y="1593924"/>
+            <a:off x="3522727" y="2483304"/>
             <a:ext cx="311972" cy="258184"/>
           </a:xfrm>
           <a:prstGeom prst="ellipse">
@@ -7944,10 +8059,10 @@
       </p:sp>
       <p:sp>
         <p:nvSpPr>
-          <p:cNvPr id="10" name="Oval 9">
+          <p:cNvPr id="11" name="Oval 10">
             <a:extLst>
               <a:ext uri="{FF2B5EF4-FFF2-40B4-BE49-F238E27FC236}">
-                <a16:creationId xmlns:a16="http://schemas.microsoft.com/office/drawing/2014/main" id="{FCA319E0-98F4-EA6D-374E-92B168CD8DED}"/>
+                <a16:creationId xmlns:a16="http://schemas.microsoft.com/office/drawing/2014/main" id="{AB76170F-B1A7-819F-176C-19F591F08200}"/>
               </a:ext>
             </a:extLst>
           </p:cNvPr>
@@ -7956,57 +8071,7 @@
         </p:nvSpPr>
         <p:spPr>
           <a:xfrm>
-            <a:off x="3872753" y="1583166"/>
-            <a:ext cx="398033" cy="258184"/>
-          </a:xfrm>
-          <a:prstGeom prst="ellipse">
-            <a:avLst/>
-          </a:prstGeom>
-          <a:noFill/>
-          <a:ln w="28575">
-            <a:solidFill>
-              <a:srgbClr val="FF0000"/>
-            </a:solidFill>
-          </a:ln>
-        </p:spPr>
-        <p:style>
-          <a:lnRef idx="1">
-            <a:schemeClr val="accent1"/>
-          </a:lnRef>
-          <a:fillRef idx="3">
-            <a:schemeClr val="accent1"/>
-          </a:fillRef>
-          <a:effectRef idx="2">
-            <a:schemeClr val="accent1"/>
-          </a:effectRef>
-          <a:fontRef idx="minor">
-            <a:schemeClr val="lt1"/>
-          </a:fontRef>
-        </p:style>
-        <p:txBody>
-          <a:bodyPr rtlCol="0" anchor="ctr"/>
-          <a:lstStyle/>
-          <a:p>
-            <a:pPr algn="ctr"/>
-            <a:endParaRPr lang="en-AU"/>
-          </a:p>
-        </p:txBody>
-      </p:sp>
-      <p:sp>
-        <p:nvSpPr>
-          <p:cNvPr id="11" name="Oval 10">
-            <a:extLst>
-              <a:ext uri="{FF2B5EF4-FFF2-40B4-BE49-F238E27FC236}">
-                <a16:creationId xmlns:a16="http://schemas.microsoft.com/office/drawing/2014/main" id="{AB76170F-B1A7-819F-176C-19F591F08200}"/>
-              </a:ext>
-            </a:extLst>
-          </p:cNvPr>
-          <p:cNvSpPr/>
-          <p:nvPr/>
-        </p:nvSpPr>
-        <p:spPr>
-          <a:xfrm>
-            <a:off x="5455922" y="1604680"/>
+            <a:off x="5184381" y="2482822"/>
             <a:ext cx="311972" cy="258184"/>
           </a:xfrm>
           <a:prstGeom prst="ellipse">
@@ -8188,7 +8253,7 @@
         </p:nvSpPr>
         <p:spPr>
           <a:xfrm>
-            <a:off x="1567543" y="1031966"/>
+            <a:off x="2033451" y="1031966"/>
             <a:ext cx="1502228" cy="378823"/>
           </a:xfrm>
           <a:prstGeom prst="ellipse">
@@ -8238,7 +8303,7 @@
         </p:nvSpPr>
         <p:spPr>
           <a:xfrm>
-            <a:off x="2033451" y="1859281"/>
+            <a:off x="2142308" y="1859281"/>
             <a:ext cx="1502228" cy="378823"/>
           </a:xfrm>
           <a:prstGeom prst="ellipse">
@@ -8529,7 +8594,7 @@
         </p:nvSpPr>
         <p:spPr>
           <a:xfrm>
-            <a:off x="75303" y="5961502"/>
+            <a:off x="96819" y="6124652"/>
             <a:ext cx="4754880" cy="369332"/>
           </a:xfrm>
           <a:prstGeom prst="rect">
@@ -8544,10 +8609,14 @@
           <a:lstStyle/>
           <a:p>
             <a:r>
-              <a:rPr lang="en-US" dirty="0"/>
+              <a:rPr lang="en-US" dirty="0">
+                <a:latin typeface="+mj-lt"/>
+              </a:rPr>
               <a:t>has not fully captured all trends and seasonality</a:t>
             </a:r>
-            <a:endParaRPr lang="en-AU" dirty="0"/>
+            <a:endParaRPr lang="en-AU" dirty="0">
+              <a:latin typeface="+mj-lt"/>
+            </a:endParaRPr>
           </a:p>
         </p:txBody>
       </p:sp>
@@ -8604,7 +8673,7 @@
         </p:nvSpPr>
         <p:spPr>
           <a:xfrm>
-            <a:off x="6497620" y="6005810"/>
+            <a:off x="6497620" y="6110344"/>
             <a:ext cx="2201180" cy="369332"/>
           </a:xfrm>
           <a:prstGeom prst="rect">
@@ -8619,7 +8688,9 @@
           <a:lstStyle/>
           <a:p>
             <a:r>
-              <a:rPr lang="en-AU" dirty="0"/>
+              <a:rPr lang="en-AU" dirty="0">
+                <a:latin typeface="+mj-lt"/>
+              </a:rPr>
               <a:t>clear repeating cycles</a:t>
             </a:r>
           </a:p>
@@ -8679,7 +8750,7 @@
         <p:spPr>
           <a:xfrm>
             <a:off x="5736661" y="167429"/>
-            <a:ext cx="3291286" cy="646331"/>
+            <a:ext cx="2910220" cy="646331"/>
           </a:xfrm>
           <a:prstGeom prst="rect">
             <a:avLst/>
@@ -8694,19 +8765,19 @@
           <a:p>
             <a:r>
               <a:rPr lang="en-US" altLang="en-US" dirty="0">
-                <a:latin typeface="Arial" panose="020B0604020202020204" pitchFamily="34" charset="0"/>
+                <a:latin typeface="+mj-lt"/>
               </a:rPr>
               <a:t>remains close to </a:t>
             </a:r>
             <a:r>
               <a:rPr lang="en-US" altLang="en-US" b="1" dirty="0">
-                <a:latin typeface="Arial" panose="020B0604020202020204" pitchFamily="34" charset="0"/>
+                <a:latin typeface="+mj-lt"/>
               </a:rPr>
               <a:t>zero</a:t>
             </a:r>
             <a:r>
               <a:rPr lang="en-US" altLang="en-US" dirty="0">
-                <a:latin typeface="Arial" panose="020B0604020202020204" pitchFamily="34" charset="0"/>
+                <a:latin typeface="+mj-lt"/>
               </a:rPr>
               <a:t> overall </a:t>
             </a:r>
@@ -8840,6 +8911,55 @@
           <a:chExt cx="0" cy="0"/>
         </a:xfrm>
       </p:grpSpPr>
+      <p:sp>
+        <p:nvSpPr>
+          <p:cNvPr id="4" name="Rectangle 3">
+            <a:extLst>
+              <a:ext uri="{FF2B5EF4-FFF2-40B4-BE49-F238E27FC236}">
+                <a16:creationId xmlns:a16="http://schemas.microsoft.com/office/drawing/2014/main" id="{93718F87-C96C-0633-0026-AB378FAF735D}"/>
+              </a:ext>
+            </a:extLst>
+          </p:cNvPr>
+          <p:cNvSpPr/>
+          <p:nvPr/>
+        </p:nvSpPr>
+        <p:spPr>
+          <a:xfrm>
+            <a:off x="0" y="0"/>
+            <a:ext cx="7140539" cy="1284270"/>
+          </a:xfrm>
+          <a:prstGeom prst="rect">
+            <a:avLst/>
+          </a:prstGeom>
+          <a:solidFill>
+            <a:schemeClr val="tx2">
+              <a:lumMod val="75000"/>
+            </a:schemeClr>
+          </a:solidFill>
+        </p:spPr>
+        <p:style>
+          <a:lnRef idx="1">
+            <a:schemeClr val="accent1"/>
+          </a:lnRef>
+          <a:fillRef idx="3">
+            <a:schemeClr val="accent1"/>
+          </a:fillRef>
+          <a:effectRef idx="2">
+            <a:schemeClr val="accent1"/>
+          </a:effectRef>
+          <a:fontRef idx="minor">
+            <a:schemeClr val="lt1"/>
+          </a:fontRef>
+        </p:style>
+        <p:txBody>
+          <a:bodyPr rtlCol="0" anchor="ctr"/>
+          <a:lstStyle/>
+          <a:p>
+            <a:pPr algn="ctr"/>
+            <a:endParaRPr lang="en-AU"/>
+          </a:p>
+        </p:txBody>
+      </p:sp>
       <p:pic>
         <p:nvPicPr>
           <p:cNvPr id="5" name="Picture 4">
@@ -8862,7 +8982,7 @@
         </p:blipFill>
         <p:spPr>
           <a:xfrm>
-            <a:off x="0" y="692064"/>
+            <a:off x="0" y="1662949"/>
             <a:ext cx="9144000" cy="3150220"/>
           </a:xfrm>
           <a:prstGeom prst="rect">
@@ -8884,8 +9004,8 @@
         </p:nvSpPr>
         <p:spPr>
           <a:xfrm>
-            <a:off x="204395" y="68157"/>
-            <a:ext cx="1839558" cy="400110"/>
+            <a:off x="204395" y="274200"/>
+            <a:ext cx="3658688" cy="707886"/>
           </a:xfrm>
           <a:prstGeom prst="rect">
             <a:avLst/>
@@ -8899,18 +9019,26 @@
           <a:lstStyle/>
           <a:p>
             <a:r>
-              <a:rPr lang="en-US" sz="2000" b="1" dirty="0" err="1"/>
-              <a:t>acf</a:t>
-            </a:r>
-            <a:r>
-              <a:rPr lang="en-US" sz="2000" b="1" dirty="0"/>
-              <a:t> and </a:t>
-            </a:r>
-            <a:r>
-              <a:rPr lang="en-US" sz="2000" b="1" dirty="0" err="1"/>
-              <a:t>pacf</a:t>
-            </a:r>
-            <a:endParaRPr lang="en-AU" sz="2000" b="1" dirty="0"/>
+              <a:rPr lang="en-US" sz="4000" b="1" dirty="0">
+                <a:solidFill>
+                  <a:schemeClr val="bg1"/>
+                </a:solidFill>
+              </a:rPr>
+              <a:t>ACF</a:t>
+            </a:r>
+            <a:r>
+              <a:rPr lang="en-US" sz="3600" b="1" dirty="0">
+                <a:solidFill>
+                  <a:schemeClr val="bg1"/>
+                </a:solidFill>
+              </a:rPr>
+              <a:t> and PACF</a:t>
+            </a:r>
+            <a:endParaRPr lang="en-AU" sz="3600" b="1" dirty="0">
+              <a:solidFill>
+                <a:schemeClr val="bg1"/>
+              </a:solidFill>
+            </a:endParaRPr>
           </a:p>
         </p:txBody>
       </p:sp>
@@ -8928,7 +9056,7 @@
         </p:nvSpPr>
         <p:spPr>
           <a:xfrm>
-            <a:off x="5185186" y="2431228"/>
+            <a:off x="5144211" y="3371366"/>
             <a:ext cx="1312434" cy="602428"/>
           </a:xfrm>
           <a:prstGeom prst="ellipse">
@@ -8978,7 +9106,7 @@
         </p:nvSpPr>
         <p:spPr>
           <a:xfrm>
-            <a:off x="467957" y="2506532"/>
+            <a:off x="467957" y="3587236"/>
             <a:ext cx="597050" cy="602428"/>
           </a:xfrm>
           <a:prstGeom prst="ellipse">
@@ -9024,14 +9152,14 @@
             </a:extLst>
           </p:cNvPr>
           <p:cNvCxnSpPr>
-            <a:stCxn id="7" idx="4"/>
+            <a:cxnSpLocks/>
           </p:cNvCxnSpPr>
           <p:nvPr/>
         </p:nvCxnSpPr>
         <p:spPr>
-          <a:xfrm flipH="1">
-            <a:off x="5830645" y="3033656"/>
-            <a:ext cx="10758" cy="1409252"/>
+          <a:xfrm>
+            <a:off x="5917552" y="5018634"/>
+            <a:ext cx="0" cy="704626"/>
           </a:xfrm>
           <a:prstGeom prst="straightConnector1">
             <a:avLst/>
@@ -9064,13 +9192,15 @@
               </a:ext>
             </a:extLst>
           </p:cNvPr>
-          <p:cNvCxnSpPr/>
+          <p:cNvCxnSpPr>
+            <a:cxnSpLocks/>
+          </p:cNvCxnSpPr>
           <p:nvPr/>
         </p:nvCxnSpPr>
         <p:spPr>
-          <a:xfrm flipH="1">
-            <a:off x="789791" y="2927873"/>
-            <a:ext cx="10758" cy="1409252"/>
+          <a:xfrm>
+            <a:off x="888679" y="5018634"/>
+            <a:ext cx="0" cy="831420"/>
           </a:xfrm>
           <a:prstGeom prst="straightConnector1">
             <a:avLst/>
@@ -9108,8 +9238,8 @@
         </p:nvSpPr>
         <p:spPr>
           <a:xfrm>
-            <a:off x="467957" y="4615031"/>
-            <a:ext cx="885179" cy="369332"/>
+            <a:off x="467957" y="5878752"/>
+            <a:ext cx="990977" cy="369332"/>
           </a:xfrm>
           <a:prstGeom prst="rect">
             <a:avLst/>
@@ -9123,10 +9253,14 @@
           <a:lstStyle/>
           <a:p>
             <a:r>
-              <a:rPr lang="en-US" dirty="0"/>
-              <a:t>Ma=1 ?</a:t>
-            </a:r>
-            <a:endParaRPr lang="en-AU" dirty="0"/>
+              <a:rPr lang="en-US" dirty="0">
+                <a:latin typeface="+mj-lt"/>
+              </a:rPr>
+              <a:t>Ma = 1 ?</a:t>
+            </a:r>
+            <a:endParaRPr lang="en-AU" dirty="0">
+              <a:latin typeface="+mj-lt"/>
+            </a:endParaRPr>
           </a:p>
         </p:txBody>
       </p:sp>
@@ -9144,8 +9278,8 @@
         </p:nvSpPr>
         <p:spPr>
           <a:xfrm>
-            <a:off x="5388055" y="4416039"/>
-            <a:ext cx="885179" cy="369332"/>
+            <a:off x="5490797" y="5878752"/>
+            <a:ext cx="941283" cy="369332"/>
           </a:xfrm>
           <a:prstGeom prst="rect">
             <a:avLst/>
@@ -9159,10 +9293,63 @@
           <a:lstStyle/>
           <a:p>
             <a:r>
-              <a:rPr lang="en-US" dirty="0"/>
-              <a:t>Ma=6 ?</a:t>
-            </a:r>
-            <a:endParaRPr lang="en-AU" dirty="0"/>
+              <a:rPr lang="en-US" dirty="0">
+                <a:latin typeface="+mj-lt"/>
+              </a:rPr>
+              <a:t>AR = 6 ?</a:t>
+            </a:r>
+            <a:endParaRPr lang="en-AU" dirty="0">
+              <a:latin typeface="+mj-lt"/>
+            </a:endParaRPr>
+          </a:p>
+        </p:txBody>
+      </p:sp>
+      <p:sp>
+        <p:nvSpPr>
+          <p:cNvPr id="9" name="Rectangle 8">
+            <a:extLst>
+              <a:ext uri="{FF2B5EF4-FFF2-40B4-BE49-F238E27FC236}">
+                <a16:creationId xmlns:a16="http://schemas.microsoft.com/office/drawing/2014/main" id="{99A18CF3-5847-9322-76FE-3AE306F6937C}"/>
+              </a:ext>
+            </a:extLst>
+          </p:cNvPr>
+          <p:cNvSpPr/>
+          <p:nvPr/>
+        </p:nvSpPr>
+        <p:spPr>
+          <a:xfrm>
+            <a:off x="7140539" y="0"/>
+            <a:ext cx="2003461" cy="1284270"/>
+          </a:xfrm>
+          <a:prstGeom prst="rect">
+            <a:avLst/>
+          </a:prstGeom>
+          <a:solidFill>
+            <a:schemeClr val="accent1">
+              <a:lumMod val="75000"/>
+            </a:schemeClr>
+          </a:solidFill>
+        </p:spPr>
+        <p:style>
+          <a:lnRef idx="1">
+            <a:schemeClr val="accent1"/>
+          </a:lnRef>
+          <a:fillRef idx="3">
+            <a:schemeClr val="accent1"/>
+          </a:fillRef>
+          <a:effectRef idx="2">
+            <a:schemeClr val="accent1"/>
+          </a:effectRef>
+          <a:fontRef idx="minor">
+            <a:schemeClr val="lt1"/>
+          </a:fontRef>
+        </p:style>
+        <p:txBody>
+          <a:bodyPr rtlCol="0" anchor="ctr"/>
+          <a:lstStyle/>
+          <a:p>
+            <a:pPr algn="ctr"/>
+            <a:endParaRPr lang="en-AU"/>
           </a:p>
         </p:txBody>
       </p:sp>
@@ -9198,6 +9385,59 @@
       </p:grpSpPr>
       <p:sp>
         <p:nvSpPr>
+          <p:cNvPr id="5" name="Rectangle 4">
+            <a:extLst>
+              <a:ext uri="{FF2B5EF4-FFF2-40B4-BE49-F238E27FC236}">
+                <a16:creationId xmlns:a16="http://schemas.microsoft.com/office/drawing/2014/main" id="{C711D7CF-CD33-8537-1A34-59D0EEB61DD6}"/>
+              </a:ext>
+            </a:extLst>
+          </p:cNvPr>
+          <p:cNvSpPr/>
+          <p:nvPr/>
+        </p:nvSpPr>
+        <p:spPr>
+          <a:xfrm>
+            <a:off x="0" y="0"/>
+            <a:ext cx="7592602" cy="901650"/>
+          </a:xfrm>
+          <a:prstGeom prst="rect">
+            <a:avLst/>
+          </a:prstGeom>
+          <a:solidFill>
+            <a:schemeClr val="tx2">
+              <a:lumMod val="75000"/>
+            </a:schemeClr>
+          </a:solidFill>
+        </p:spPr>
+        <p:style>
+          <a:lnRef idx="1">
+            <a:schemeClr val="accent1"/>
+          </a:lnRef>
+          <a:fillRef idx="3">
+            <a:schemeClr val="accent1"/>
+          </a:fillRef>
+          <a:effectRef idx="2">
+            <a:schemeClr val="accent1"/>
+          </a:effectRef>
+          <a:fontRef idx="minor">
+            <a:schemeClr val="lt1"/>
+          </a:fontRef>
+        </p:style>
+        <p:txBody>
+          <a:bodyPr rtlCol="0" anchor="ctr"/>
+          <a:lstStyle/>
+          <a:p>
+            <a:pPr algn="ctr"/>
+            <a:endParaRPr lang="en-AU">
+              <a:solidFill>
+                <a:schemeClr val="bg1"/>
+              </a:solidFill>
+            </a:endParaRPr>
+          </a:p>
+        </p:txBody>
+      </p:sp>
+      <p:sp>
+        <p:nvSpPr>
           <p:cNvPr id="2" name="Title 1">
             <a:extLst>
               <a:ext uri="{FF2B5EF4-FFF2-40B4-BE49-F238E27FC236}">
@@ -9214,8 +9454,8 @@
         </p:nvSpPr>
         <p:spPr>
           <a:xfrm>
-            <a:off x="457200" y="282385"/>
-            <a:ext cx="8229600" cy="664285"/>
+            <a:off x="80927" y="450747"/>
+            <a:ext cx="7823771" cy="468830"/>
           </a:xfrm>
         </p:spPr>
         <p:txBody>
@@ -9224,30 +9464,59 @@
           </a:bodyPr>
           <a:lstStyle/>
           <a:p>
-            <a:r>
-              <a:rPr lang="en-US" sz="2400" dirty="0"/>
+            <a:pPr algn="l"/>
+            <a:r>
+              <a:rPr lang="en-US" sz="3600" dirty="0">
+                <a:solidFill>
+                  <a:schemeClr val="bg1"/>
+                </a:solidFill>
+              </a:rPr>
               <a:t>ARIMA(</a:t>
             </a:r>
             <a:r>
-              <a:rPr lang="en-US" sz="2400" dirty="0" err="1"/>
+              <a:rPr lang="en-US" sz="3600" dirty="0" err="1">
+                <a:solidFill>
+                  <a:schemeClr val="bg1"/>
+                </a:solidFill>
+              </a:rPr>
               <a:t>df</a:t>
             </a:r>
             <a:r>
-              <a:rPr lang="en-US" sz="2400" dirty="0"/>
+              <a:rPr lang="en-US" sz="3600" dirty="0">
+                <a:solidFill>
+                  <a:schemeClr val="bg1"/>
+                </a:solidFill>
+              </a:rPr>
               <a:t>['</a:t>
             </a:r>
             <a:r>
-              <a:rPr lang="en-US" sz="2400" dirty="0" err="1"/>
+              <a:rPr lang="en-US" sz="3600" dirty="0" err="1">
+                <a:solidFill>
+                  <a:schemeClr val="bg1"/>
+                </a:solidFill>
+              </a:rPr>
               <a:t>power_diff</a:t>
             </a:r>
             <a:r>
-              <a:rPr lang="en-US" sz="2400" dirty="0"/>
+              <a:rPr lang="en-US" sz="3600" dirty="0">
+                <a:solidFill>
+                  <a:schemeClr val="bg1"/>
+                </a:solidFill>
+              </a:rPr>
               <a:t>'], order=(6, 0, 1))</a:t>
             </a:r>
             <a:br>
-              <a:rPr lang="en-US" sz="2400" dirty="0"/>
+              <a:rPr lang="en-US" sz="3600" dirty="0">
+                <a:solidFill>
+                  <a:schemeClr val="bg1"/>
+                </a:solidFill>
+              </a:rPr>
             </a:br>
-            <a:endParaRPr lang="en-AU" sz="2400" dirty="0"/>
+            <a:endParaRPr lang="en-AU" sz="3600" dirty="0">
+              <a:solidFill>
+                <a:schemeClr val="bg1"/>
+              </a:solidFill>
+            </a:endParaRPr>
           </a:p>
         </p:txBody>
       </p:sp>
@@ -9273,7 +9542,7 @@
         </p:blipFill>
         <p:spPr>
           <a:xfrm>
-            <a:off x="0" y="742076"/>
+            <a:off x="0" y="1097078"/>
             <a:ext cx="9144000" cy="4663844"/>
           </a:xfrm>
           <a:prstGeom prst="rect">
@@ -9295,7 +9564,7 @@
         </p:nvCxnSpPr>
         <p:spPr>
           <a:xfrm>
-            <a:off x="150607" y="3119719"/>
+            <a:off x="150607" y="3304654"/>
             <a:ext cx="5723068" cy="0"/>
           </a:xfrm>
           <a:prstGeom prst="line">
@@ -9331,7 +9600,7 @@
         </p:nvCxnSpPr>
         <p:spPr>
           <a:xfrm>
-            <a:off x="150607" y="4035912"/>
+            <a:off x="129695" y="4401672"/>
             <a:ext cx="5723068" cy="0"/>
           </a:xfrm>
           <a:prstGeom prst="line">
@@ -9367,7 +9636,7 @@
         </p:nvCxnSpPr>
         <p:spPr>
           <a:xfrm>
-            <a:off x="86064" y="4231341"/>
+            <a:off x="105311" y="4572717"/>
             <a:ext cx="5723068" cy="0"/>
           </a:xfrm>
           <a:prstGeom prst="line">
@@ -9398,13 +9667,15 @@
               </a:ext>
             </a:extLst>
           </p:cNvPr>
-          <p:cNvCxnSpPr/>
+          <p:cNvCxnSpPr>
+            <a:cxnSpLocks/>
+          </p:cNvCxnSpPr>
           <p:nvPr/>
         </p:nvCxnSpPr>
         <p:spPr>
           <a:xfrm>
-            <a:off x="4658064" y="4658061"/>
-            <a:ext cx="0" cy="1075765"/>
+            <a:off x="4658064" y="5342562"/>
+            <a:ext cx="0" cy="827598"/>
           </a:xfrm>
           <a:prstGeom prst="straightConnector1">
             <a:avLst/>
@@ -9437,13 +9708,15 @@
               </a:ext>
             </a:extLst>
           </p:cNvPr>
-          <p:cNvCxnSpPr/>
+          <p:cNvCxnSpPr>
+            <a:cxnSpLocks/>
+          </p:cNvCxnSpPr>
           <p:nvPr/>
         </p:nvCxnSpPr>
         <p:spPr>
           <a:xfrm>
-            <a:off x="9081237" y="4649091"/>
-            <a:ext cx="0" cy="1075765"/>
+            <a:off x="8413417" y="5229546"/>
+            <a:ext cx="0" cy="886378"/>
           </a:xfrm>
           <a:prstGeom prst="straightConnector1">
             <a:avLst/>
@@ -9481,7 +9754,7 @@
         </p:nvSpPr>
         <p:spPr>
           <a:xfrm>
-            <a:off x="457199" y="5601348"/>
+            <a:off x="422242" y="6170159"/>
             <a:ext cx="5050711" cy="646331"/>
           </a:xfrm>
           <a:prstGeom prst="rect">
@@ -9496,7 +9769,9 @@
           <a:lstStyle/>
           <a:p>
             <a:r>
-              <a:rPr lang="en-AU" dirty="0"/>
+              <a:rPr lang="en-AU" dirty="0">
+                <a:latin typeface="+mj-lt"/>
+              </a:rPr>
               <a:t>indicates no significant autocorrelation in residuals</a:t>
             </a:r>
           </a:p>
@@ -9519,7 +9794,7 @@
         </p:nvSpPr>
         <p:spPr>
           <a:xfrm>
-            <a:off x="6614397" y="5542445"/>
+            <a:off x="6487829" y="6115924"/>
             <a:ext cx="2529603" cy="646331"/>
           </a:xfrm>
           <a:prstGeom prst="rect">
@@ -9534,12 +9809,63 @@
           <a:lstStyle/>
           <a:p>
             <a:r>
-              <a:rPr lang="en-AU" dirty="0"/>
+              <a:rPr lang="en-AU" dirty="0">
+                <a:latin typeface="+mj-lt"/>
+              </a:rPr>
               <a:t>non-normally distributed</a:t>
             </a:r>
           </a:p>
           <a:p>
             <a:endParaRPr lang="en-AU" dirty="0"/>
+          </a:p>
+        </p:txBody>
+      </p:sp>
+      <p:sp>
+        <p:nvSpPr>
+          <p:cNvPr id="6" name="Rectangle 5">
+            <a:extLst>
+              <a:ext uri="{FF2B5EF4-FFF2-40B4-BE49-F238E27FC236}">
+                <a16:creationId xmlns:a16="http://schemas.microsoft.com/office/drawing/2014/main" id="{2F4D0B44-58EC-D4A2-5BF7-1816D19566E1}"/>
+              </a:ext>
+            </a:extLst>
+          </p:cNvPr>
+          <p:cNvSpPr/>
+          <p:nvPr/>
+        </p:nvSpPr>
+        <p:spPr>
+          <a:xfrm>
+            <a:off x="7592602" y="0"/>
+            <a:ext cx="1551398" cy="901650"/>
+          </a:xfrm>
+          <a:prstGeom prst="rect">
+            <a:avLst/>
+          </a:prstGeom>
+          <a:solidFill>
+            <a:schemeClr val="accent1">
+              <a:lumMod val="75000"/>
+            </a:schemeClr>
+          </a:solidFill>
+        </p:spPr>
+        <p:style>
+          <a:lnRef idx="1">
+            <a:schemeClr val="accent1"/>
+          </a:lnRef>
+          <a:fillRef idx="3">
+            <a:schemeClr val="accent1"/>
+          </a:fillRef>
+          <a:effectRef idx="2">
+            <a:schemeClr val="accent1"/>
+          </a:effectRef>
+          <a:fontRef idx="minor">
+            <a:schemeClr val="lt1"/>
+          </a:fontRef>
+        </p:style>
+        <p:txBody>
+          <a:bodyPr rtlCol="0" anchor="ctr"/>
+          <a:lstStyle/>
+          <a:p>
+            <a:pPr algn="ctr"/>
+            <a:endParaRPr lang="en-AU"/>
           </a:p>
         </p:txBody>
       </p:sp>
@@ -9575,6 +9901,55 @@
       </p:grpSpPr>
       <p:sp>
         <p:nvSpPr>
+          <p:cNvPr id="3" name="Rectangle 2">
+            <a:extLst>
+              <a:ext uri="{FF2B5EF4-FFF2-40B4-BE49-F238E27FC236}">
+                <a16:creationId xmlns:a16="http://schemas.microsoft.com/office/drawing/2014/main" id="{C7DB6AC3-1399-4779-1DC7-DA5B64AE99EA}"/>
+              </a:ext>
+            </a:extLst>
+          </p:cNvPr>
+          <p:cNvSpPr/>
+          <p:nvPr/>
+        </p:nvSpPr>
+        <p:spPr>
+          <a:xfrm>
+            <a:off x="0" y="0"/>
+            <a:ext cx="7448764" cy="1191802"/>
+          </a:xfrm>
+          <a:prstGeom prst="rect">
+            <a:avLst/>
+          </a:prstGeom>
+          <a:solidFill>
+            <a:schemeClr val="accent1">
+              <a:lumMod val="75000"/>
+            </a:schemeClr>
+          </a:solidFill>
+        </p:spPr>
+        <p:style>
+          <a:lnRef idx="1">
+            <a:schemeClr val="accent1"/>
+          </a:lnRef>
+          <a:fillRef idx="3">
+            <a:schemeClr val="accent1"/>
+          </a:fillRef>
+          <a:effectRef idx="2">
+            <a:schemeClr val="accent1"/>
+          </a:effectRef>
+          <a:fontRef idx="minor">
+            <a:schemeClr val="lt1"/>
+          </a:fontRef>
+        </p:style>
+        <p:txBody>
+          <a:bodyPr rtlCol="0" anchor="ctr"/>
+          <a:lstStyle/>
+          <a:p>
+            <a:pPr algn="ctr"/>
+            <a:endParaRPr lang="en-AU"/>
+          </a:p>
+        </p:txBody>
+      </p:sp>
+      <p:sp>
+        <p:nvSpPr>
           <p:cNvPr id="2" name="Title 1">
             <a:extLst>
               <a:ext uri="{FF2B5EF4-FFF2-40B4-BE49-F238E27FC236}">
@@ -9591,33 +9966,54 @@
         </p:nvSpPr>
         <p:spPr>
           <a:xfrm>
-            <a:off x="0" y="32685"/>
-            <a:ext cx="9144000" cy="515956"/>
+            <a:off x="0" y="502921"/>
+            <a:ext cx="7561780" cy="45719"/>
           </a:xfrm>
         </p:spPr>
         <p:txBody>
           <a:bodyPr>
-            <a:normAutofit fontScale="90000"/>
+            <a:noAutofit/>
           </a:bodyPr>
           <a:lstStyle/>
           <a:p>
-            <a:r>
-              <a:rPr lang="en-US" dirty="0" err="1"/>
+            <a:pPr algn="l"/>
+            <a:r>
+              <a:rPr lang="en-US" sz="3600" dirty="0" err="1">
+                <a:solidFill>
+                  <a:schemeClr val="bg1"/>
+                </a:solidFill>
+              </a:rPr>
               <a:t>Xgboost</a:t>
             </a:r>
             <a:r>
-              <a:rPr lang="en-US" dirty="0"/>
+              <a:rPr lang="en-US" sz="3600" dirty="0">
+                <a:solidFill>
+                  <a:schemeClr val="bg1"/>
+                </a:solidFill>
+              </a:rPr>
               <a:t> and </a:t>
             </a:r>
             <a:r>
-              <a:rPr lang="en-US" dirty="0" err="1"/>
+              <a:rPr lang="en-US" sz="3600" dirty="0" err="1">
+                <a:solidFill>
+                  <a:schemeClr val="bg1"/>
+                </a:solidFill>
+              </a:rPr>
               <a:t>shap</a:t>
             </a:r>
             <a:r>
-              <a:rPr lang="en-US" dirty="0"/>
+              <a:rPr lang="en-US" sz="3600" dirty="0">
+                <a:solidFill>
+                  <a:schemeClr val="bg1"/>
+                </a:solidFill>
+              </a:rPr>
               <a:t> for feature selection</a:t>
             </a:r>
-            <a:endParaRPr lang="en-AU" dirty="0"/>
+            <a:endParaRPr lang="en-AU" sz="3600" dirty="0">
+              <a:solidFill>
+                <a:schemeClr val="bg1"/>
+              </a:solidFill>
+            </a:endParaRPr>
           </a:p>
         </p:txBody>
       </p:sp>
@@ -9643,7 +10039,7 @@
         </p:blipFill>
         <p:spPr>
           <a:xfrm>
-            <a:off x="10881" y="1104900"/>
+            <a:off x="10881" y="1495318"/>
             <a:ext cx="8911802" cy="4822565"/>
           </a:xfrm>
           <a:prstGeom prst="rect">
@@ -9651,6 +10047,55 @@
           </a:prstGeom>
         </p:spPr>
       </p:pic>
+      <p:sp>
+        <p:nvSpPr>
+          <p:cNvPr id="4" name="Rectangle 3">
+            <a:extLst>
+              <a:ext uri="{FF2B5EF4-FFF2-40B4-BE49-F238E27FC236}">
+                <a16:creationId xmlns:a16="http://schemas.microsoft.com/office/drawing/2014/main" id="{28810839-09EF-E6EC-482D-567DD300E685}"/>
+              </a:ext>
+            </a:extLst>
+          </p:cNvPr>
+          <p:cNvSpPr/>
+          <p:nvPr/>
+        </p:nvSpPr>
+        <p:spPr>
+          <a:xfrm>
+            <a:off x="7448764" y="0"/>
+            <a:ext cx="1695236" cy="1191802"/>
+          </a:xfrm>
+          <a:prstGeom prst="rect">
+            <a:avLst/>
+          </a:prstGeom>
+          <a:solidFill>
+            <a:schemeClr val="tx2">
+              <a:lumMod val="75000"/>
+            </a:schemeClr>
+          </a:solidFill>
+        </p:spPr>
+        <p:style>
+          <a:lnRef idx="1">
+            <a:schemeClr val="accent1"/>
+          </a:lnRef>
+          <a:fillRef idx="3">
+            <a:schemeClr val="accent1"/>
+          </a:fillRef>
+          <a:effectRef idx="2">
+            <a:schemeClr val="accent1"/>
+          </a:effectRef>
+          <a:fontRef idx="minor">
+            <a:schemeClr val="lt1"/>
+          </a:fontRef>
+        </p:style>
+        <p:txBody>
+          <a:bodyPr rtlCol="0" anchor="ctr"/>
+          <a:lstStyle/>
+          <a:p>
+            <a:pPr algn="ctr"/>
+            <a:endParaRPr lang="en-AU"/>
+          </a:p>
+        </p:txBody>
+      </p:sp>
     </p:spTree>
     <p:extLst>
       <p:ext uri="{BB962C8B-B14F-4D97-AF65-F5344CB8AC3E}">
@@ -9683,6 +10128,55 @@
       </p:grpSpPr>
       <p:sp>
         <p:nvSpPr>
+          <p:cNvPr id="4" name="Rectangle 3">
+            <a:extLst>
+              <a:ext uri="{FF2B5EF4-FFF2-40B4-BE49-F238E27FC236}">
+                <a16:creationId xmlns:a16="http://schemas.microsoft.com/office/drawing/2014/main" id="{5D789E5F-D0FB-D908-6A41-F4FB681F7410}"/>
+              </a:ext>
+            </a:extLst>
+          </p:cNvPr>
+          <p:cNvSpPr/>
+          <p:nvPr/>
+        </p:nvSpPr>
+        <p:spPr>
+          <a:xfrm>
+            <a:off x="0" y="0"/>
+            <a:ext cx="7027524" cy="1355035"/>
+          </a:xfrm>
+          <a:prstGeom prst="rect">
+            <a:avLst/>
+          </a:prstGeom>
+          <a:solidFill>
+            <a:schemeClr val="tx2">
+              <a:lumMod val="75000"/>
+            </a:schemeClr>
+          </a:solidFill>
+        </p:spPr>
+        <p:style>
+          <a:lnRef idx="1">
+            <a:schemeClr val="accent1"/>
+          </a:lnRef>
+          <a:fillRef idx="3">
+            <a:schemeClr val="accent1"/>
+          </a:fillRef>
+          <a:effectRef idx="2">
+            <a:schemeClr val="accent1"/>
+          </a:effectRef>
+          <a:fontRef idx="minor">
+            <a:schemeClr val="lt1"/>
+          </a:fontRef>
+        </p:style>
+        <p:txBody>
+          <a:bodyPr rtlCol="0" anchor="ctr"/>
+          <a:lstStyle/>
+          <a:p>
+            <a:pPr algn="ctr"/>
+            <a:endParaRPr lang="en-AU" dirty="0"/>
+          </a:p>
+        </p:txBody>
+      </p:sp>
+      <p:sp>
+        <p:nvSpPr>
           <p:cNvPr id="2" name="Title 1">
             <a:extLst>
               <a:ext uri="{FF2B5EF4-FFF2-40B4-BE49-F238E27FC236}">
@@ -9699,25 +10193,30 @@
         </p:nvSpPr>
         <p:spPr>
           <a:xfrm>
-            <a:off x="0" y="935018"/>
+            <a:off x="71920" y="467508"/>
             <a:ext cx="7342094" cy="420017"/>
           </a:xfrm>
         </p:spPr>
         <p:txBody>
           <a:bodyPr>
-            <a:normAutofit fontScale="90000"/>
+            <a:noAutofit/>
           </a:bodyPr>
           <a:lstStyle/>
           <a:p>
-            <a:r>
-              <a:rPr lang="en-US" sz="2800" dirty="0"/>
-              <a:t>Standard vs Rolling </a:t>
-            </a:r>
-            <a:r>
-              <a:rPr lang="en-US" sz="2800" dirty="0" err="1"/>
-              <a:t>Forcasting</a:t>
-            </a:r>
-            <a:endParaRPr lang="en-AU" sz="2800" dirty="0"/>
+            <a:pPr algn="l"/>
+            <a:r>
+              <a:rPr lang="en-US" sz="3600" dirty="0">
+                <a:solidFill>
+                  <a:schemeClr val="bg1"/>
+                </a:solidFill>
+              </a:rPr>
+              <a:t>Standard vs Rolling Forecasting</a:t>
+            </a:r>
+            <a:endParaRPr lang="en-AU" sz="3600" dirty="0">
+              <a:solidFill>
+                <a:schemeClr val="bg1"/>
+              </a:solidFill>
+            </a:endParaRPr>
           </a:p>
         </p:txBody>
       </p:sp>
@@ -9739,15 +10238,18 @@
         </p:nvSpPr>
         <p:spPr>
           <a:xfrm>
-            <a:off x="1245944" y="2120899"/>
-            <a:ext cx="6652111" cy="2324101"/>
+            <a:off x="616450" y="2034283"/>
+            <a:ext cx="7767262" cy="4202130"/>
           </a:xfrm>
         </p:spPr>
         <p:txBody>
           <a:bodyPr>
-            <a:normAutofit fontScale="92500" lnSpcReduction="10000"/>
+            <a:normAutofit/>
           </a:bodyPr>
           <a:lstStyle/>
+          <a:p>
+            <a:endParaRPr lang="en-US" sz="2000" dirty="0"/>
+          </a:p>
           <a:p>
             <a:r>
               <a:rPr lang="en-US" sz="2000" dirty="0"/>
@@ -9801,6 +10303,53 @@
           </a:p>
           <a:p>
             <a:endParaRPr lang="en-US" sz="2000" dirty="0"/>
+          </a:p>
+        </p:txBody>
+      </p:sp>
+      <p:sp>
+        <p:nvSpPr>
+          <p:cNvPr id="5" name="Rectangle 4">
+            <a:extLst>
+              <a:ext uri="{FF2B5EF4-FFF2-40B4-BE49-F238E27FC236}">
+                <a16:creationId xmlns:a16="http://schemas.microsoft.com/office/drawing/2014/main" id="{70CDBD3B-2A90-A926-2C04-0A8B51F00247}"/>
+              </a:ext>
+            </a:extLst>
+          </p:cNvPr>
+          <p:cNvSpPr/>
+          <p:nvPr/>
+        </p:nvSpPr>
+        <p:spPr>
+          <a:xfrm>
+            <a:off x="7027524" y="0"/>
+            <a:ext cx="2116476" cy="1355035"/>
+          </a:xfrm>
+          <a:prstGeom prst="rect">
+            <a:avLst/>
+          </a:prstGeom>
+          <a:solidFill>
+            <a:schemeClr val="tx2"/>
+          </a:solidFill>
+        </p:spPr>
+        <p:style>
+          <a:lnRef idx="1">
+            <a:schemeClr val="accent1"/>
+          </a:lnRef>
+          <a:fillRef idx="3">
+            <a:schemeClr val="accent1"/>
+          </a:fillRef>
+          <a:effectRef idx="2">
+            <a:schemeClr val="accent1"/>
+          </a:effectRef>
+          <a:fontRef idx="minor">
+            <a:schemeClr val="lt1"/>
+          </a:fontRef>
+        </p:style>
+        <p:txBody>
+          <a:bodyPr rtlCol="0" anchor="ctr"/>
+          <a:lstStyle/>
+          <a:p>
+            <a:pPr algn="ctr"/>
+            <a:endParaRPr lang="en-AU"/>
           </a:p>
         </p:txBody>
       </p:sp>
@@ -9836,6 +10385,56 @@
       </p:grpSpPr>
       <p:sp>
         <p:nvSpPr>
+          <p:cNvPr id="3" name="Rectangle 2">
+            <a:extLst>
+              <a:ext uri="{FF2B5EF4-FFF2-40B4-BE49-F238E27FC236}">
+                <a16:creationId xmlns:a16="http://schemas.microsoft.com/office/drawing/2014/main" id="{A5866C3F-DD51-CFAF-7234-D69E342EB6DD}"/>
+              </a:ext>
+            </a:extLst>
+          </p:cNvPr>
+          <p:cNvSpPr/>
+          <p:nvPr/>
+        </p:nvSpPr>
+        <p:spPr>
+          <a:xfrm>
+            <a:off x="0" y="3472701"/>
+            <a:ext cx="9144000" cy="433347"/>
+          </a:xfrm>
+          <a:prstGeom prst="rect">
+            <a:avLst/>
+          </a:prstGeom>
+          <a:solidFill>
+            <a:schemeClr val="accent1">
+              <a:lumMod val="75000"/>
+            </a:schemeClr>
+          </a:solidFill>
+          <a:effectLst/>
+        </p:spPr>
+        <p:style>
+          <a:lnRef idx="1">
+            <a:schemeClr val="accent1"/>
+          </a:lnRef>
+          <a:fillRef idx="3">
+            <a:schemeClr val="accent1"/>
+          </a:fillRef>
+          <a:effectRef idx="2">
+            <a:schemeClr val="accent1"/>
+          </a:effectRef>
+          <a:fontRef idx="minor">
+            <a:schemeClr val="lt1"/>
+          </a:fontRef>
+        </p:style>
+        <p:txBody>
+          <a:bodyPr rtlCol="0" anchor="ctr"/>
+          <a:lstStyle/>
+          <a:p>
+            <a:pPr algn="ctr"/>
+            <a:endParaRPr lang="en-AU"/>
+          </a:p>
+        </p:txBody>
+      </p:sp>
+      <p:sp>
+        <p:nvSpPr>
           <p:cNvPr id="2" name="Title 1">
             <a:extLst>
               <a:ext uri="{FF2B5EF4-FFF2-40B4-BE49-F238E27FC236}">
@@ -9862,11 +10461,20 @@
           </a:bodyPr>
           <a:lstStyle/>
           <a:p>
-            <a:r>
-              <a:rPr lang="en-US" sz="2800" dirty="0"/>
+            <a:pPr algn="l"/>
+            <a:r>
+              <a:rPr lang="en-US" sz="2800" dirty="0">
+                <a:solidFill>
+                  <a:schemeClr val="bg1"/>
+                </a:solidFill>
+              </a:rPr>
               <a:t>Forecast for next 15 days</a:t>
             </a:r>
-            <a:endParaRPr lang="en-AU" sz="2800" dirty="0"/>
+            <a:endParaRPr lang="en-AU" sz="2800" dirty="0">
+              <a:solidFill>
+                <a:schemeClr val="bg1"/>
+              </a:solidFill>
+            </a:endParaRPr>
           </a:p>
         </p:txBody>
       </p:sp>
@@ -9892,8 +10500,8 @@
         </p:blipFill>
         <p:spPr>
           <a:xfrm>
-            <a:off x="368300" y="3906048"/>
-            <a:ext cx="8660055" cy="2844800"/>
+            <a:off x="115644" y="3934542"/>
+            <a:ext cx="9028356" cy="2844800"/>
           </a:xfrm>
           <a:prstGeom prst="rect">
             <a:avLst/>
@@ -9923,7 +10531,7 @@
         <p:spPr>
           <a:xfrm>
             <a:off x="115644" y="231064"/>
-            <a:ext cx="8912711" cy="3241637"/>
+            <a:ext cx="9028356" cy="3241637"/>
           </a:xfrm>
           <a:prstGeom prst="rect">
             <a:avLst/>
@@ -9962,6 +10570,55 @@
       </p:grpSpPr>
       <p:sp>
         <p:nvSpPr>
+          <p:cNvPr id="3" name="Rectangle 2">
+            <a:extLst>
+              <a:ext uri="{FF2B5EF4-FFF2-40B4-BE49-F238E27FC236}">
+                <a16:creationId xmlns:a16="http://schemas.microsoft.com/office/drawing/2014/main" id="{2005144D-60DC-5DA9-DC72-37548AD3C2F9}"/>
+              </a:ext>
+            </a:extLst>
+          </p:cNvPr>
+          <p:cNvSpPr/>
+          <p:nvPr/>
+        </p:nvSpPr>
+        <p:spPr>
+          <a:xfrm>
+            <a:off x="0" y="-20590"/>
+            <a:ext cx="7767263" cy="1337509"/>
+          </a:xfrm>
+          <a:prstGeom prst="rect">
+            <a:avLst/>
+          </a:prstGeom>
+          <a:solidFill>
+            <a:schemeClr val="accent1">
+              <a:lumMod val="75000"/>
+            </a:schemeClr>
+          </a:solidFill>
+        </p:spPr>
+        <p:style>
+          <a:lnRef idx="1">
+            <a:schemeClr val="accent1"/>
+          </a:lnRef>
+          <a:fillRef idx="3">
+            <a:schemeClr val="accent1"/>
+          </a:fillRef>
+          <a:effectRef idx="2">
+            <a:schemeClr val="accent1"/>
+          </a:effectRef>
+          <a:fontRef idx="minor">
+            <a:schemeClr val="lt1"/>
+          </a:fontRef>
+        </p:style>
+        <p:txBody>
+          <a:bodyPr rtlCol="0" anchor="ctr"/>
+          <a:lstStyle/>
+          <a:p>
+            <a:pPr algn="ctr"/>
+            <a:endParaRPr lang="en-AU"/>
+          </a:p>
+        </p:txBody>
+      </p:sp>
+      <p:sp>
+        <p:nvSpPr>
           <p:cNvPr id="2" name="Title 1">
             <a:extLst>
               <a:ext uri="{FF2B5EF4-FFF2-40B4-BE49-F238E27FC236}">
@@ -9978,8 +10635,8 @@
         </p:nvSpPr>
         <p:spPr>
           <a:xfrm>
-            <a:off x="0" y="102832"/>
-            <a:ext cx="9144000" cy="757779"/>
+            <a:off x="0" y="240918"/>
+            <a:ext cx="9144000" cy="619693"/>
           </a:xfrm>
         </p:spPr>
         <p:txBody>
@@ -9988,11 +10645,20 @@
           </a:bodyPr>
           <a:lstStyle/>
           <a:p>
-            <a:r>
-              <a:rPr lang="en-US" sz="2800" dirty="0"/>
-              <a:t>Which feature has the most contribution to have this prediction?</a:t>
-            </a:r>
-            <a:endParaRPr lang="en-AU" sz="2800" dirty="0"/>
+            <a:pPr algn="l"/>
+            <a:r>
+              <a:rPr lang="en-US" sz="3600" dirty="0">
+                <a:solidFill>
+                  <a:schemeClr val="bg1"/>
+                </a:solidFill>
+              </a:rPr>
+              <a:t>The Most Important Features</a:t>
+            </a:r>
+            <a:endParaRPr lang="en-AU" sz="3600" dirty="0">
+              <a:solidFill>
+                <a:schemeClr val="bg1"/>
+              </a:solidFill>
+            </a:endParaRPr>
           </a:p>
         </p:txBody>
       </p:sp>
@@ -10018,8 +10684,8 @@
         </p:blipFill>
         <p:spPr>
           <a:xfrm>
-            <a:off x="317461" y="1621370"/>
-            <a:ext cx="4125448" cy="2532844"/>
+            <a:off x="236196" y="1990165"/>
+            <a:ext cx="5318810" cy="3265516"/>
           </a:xfrm>
           <a:prstGeom prst="rect">
             <a:avLst/>
@@ -10035,13 +10701,15 @@
               </a:ext>
             </a:extLst>
           </p:cNvPr>
-          <p:cNvCxnSpPr/>
+          <p:cNvCxnSpPr>
+            <a:cxnSpLocks/>
+          </p:cNvCxnSpPr>
           <p:nvPr/>
         </p:nvCxnSpPr>
         <p:spPr>
           <a:xfrm>
-            <a:off x="4087906" y="1990165"/>
-            <a:ext cx="925158" cy="0"/>
+            <a:off x="3811712" y="2921245"/>
+            <a:ext cx="2290413" cy="0"/>
           </a:xfrm>
           <a:prstGeom prst="straightConnector1">
             <a:avLst/>
@@ -10079,7 +10747,7 @@
         </p:nvSpPr>
         <p:spPr>
           <a:xfrm>
-            <a:off x="4905487" y="1805499"/>
+            <a:off x="6437932" y="2633838"/>
             <a:ext cx="2073260" cy="369332"/>
           </a:xfrm>
           <a:prstGeom prst="rect">
@@ -10115,8 +10783,8 @@
         </p:nvSpPr>
         <p:spPr>
           <a:xfrm>
-            <a:off x="828339" y="1781024"/>
-            <a:ext cx="2259106" cy="833084"/>
+            <a:off x="976045" y="2301411"/>
+            <a:ext cx="2754920" cy="955496"/>
           </a:xfrm>
           <a:prstGeom prst="ellipse">
             <a:avLst/>
@@ -10167,8 +10835,8 @@
         </p:nvCxnSpPr>
         <p:spPr>
           <a:xfrm>
-            <a:off x="2895601" y="2368476"/>
-            <a:ext cx="2397161" cy="450028"/>
+            <a:off x="3491502" y="3210077"/>
+            <a:ext cx="2488058" cy="2401971"/>
           </a:xfrm>
           <a:prstGeom prst="straightConnector1">
             <a:avLst/>
@@ -10206,7 +10874,7 @@
         </p:nvSpPr>
         <p:spPr>
           <a:xfrm>
-            <a:off x="5154706" y="2642817"/>
+            <a:off x="5555006" y="5612048"/>
             <a:ext cx="3440654" cy="369332"/>
           </a:xfrm>
           <a:prstGeom prst="rect">
@@ -10225,6 +10893,55 @@
               <a:t>Autoregressive nature Dominates</a:t>
             </a:r>
             <a:endParaRPr lang="en-AU" dirty="0"/>
+          </a:p>
+        </p:txBody>
+      </p:sp>
+      <p:sp>
+        <p:nvSpPr>
+          <p:cNvPr id="4" name="Rectangle 3">
+            <a:extLst>
+              <a:ext uri="{FF2B5EF4-FFF2-40B4-BE49-F238E27FC236}">
+                <a16:creationId xmlns:a16="http://schemas.microsoft.com/office/drawing/2014/main" id="{5A68C6FE-D9CE-FAD9-0D1E-2F64D509B42A}"/>
+              </a:ext>
+            </a:extLst>
+          </p:cNvPr>
+          <p:cNvSpPr/>
+          <p:nvPr/>
+        </p:nvSpPr>
+        <p:spPr>
+          <a:xfrm>
+            <a:off x="7767263" y="-20590"/>
+            <a:ext cx="1376737" cy="1337509"/>
+          </a:xfrm>
+          <a:prstGeom prst="rect">
+            <a:avLst/>
+          </a:prstGeom>
+          <a:solidFill>
+            <a:schemeClr val="tx2">
+              <a:lumMod val="75000"/>
+            </a:schemeClr>
+          </a:solidFill>
+        </p:spPr>
+        <p:style>
+          <a:lnRef idx="1">
+            <a:schemeClr val="accent1"/>
+          </a:lnRef>
+          <a:fillRef idx="3">
+            <a:schemeClr val="accent1"/>
+          </a:fillRef>
+          <a:effectRef idx="2">
+            <a:schemeClr val="accent1"/>
+          </a:effectRef>
+          <a:fontRef idx="minor">
+            <a:schemeClr val="lt1"/>
+          </a:fontRef>
+        </p:style>
+        <p:txBody>
+          <a:bodyPr rtlCol="0" anchor="ctr"/>
+          <a:lstStyle/>
+          <a:p>
+            <a:pPr algn="ctr"/>
+            <a:endParaRPr lang="en-AU"/>
           </a:p>
         </p:txBody>
       </p:sp>
@@ -10260,6 +10977,104 @@
       </p:grpSpPr>
       <p:sp>
         <p:nvSpPr>
+          <p:cNvPr id="7" name="Rectangle 6">
+            <a:extLst>
+              <a:ext uri="{FF2B5EF4-FFF2-40B4-BE49-F238E27FC236}">
+                <a16:creationId xmlns:a16="http://schemas.microsoft.com/office/drawing/2014/main" id="{719AF098-CFA4-B9B1-173A-3F583596CF0E}"/>
+              </a:ext>
+            </a:extLst>
+          </p:cNvPr>
+          <p:cNvSpPr/>
+          <p:nvPr/>
+        </p:nvSpPr>
+        <p:spPr>
+          <a:xfrm>
+            <a:off x="7500135" y="0"/>
+            <a:ext cx="1643865" cy="1202076"/>
+          </a:xfrm>
+          <a:prstGeom prst="rect">
+            <a:avLst/>
+          </a:prstGeom>
+          <a:solidFill>
+            <a:schemeClr val="tx2">
+              <a:lumMod val="75000"/>
+            </a:schemeClr>
+          </a:solidFill>
+        </p:spPr>
+        <p:style>
+          <a:lnRef idx="1">
+            <a:schemeClr val="accent1"/>
+          </a:lnRef>
+          <a:fillRef idx="3">
+            <a:schemeClr val="accent1"/>
+          </a:fillRef>
+          <a:effectRef idx="2">
+            <a:schemeClr val="accent1"/>
+          </a:effectRef>
+          <a:fontRef idx="minor">
+            <a:schemeClr val="lt1"/>
+          </a:fontRef>
+        </p:style>
+        <p:txBody>
+          <a:bodyPr rtlCol="0" anchor="ctr"/>
+          <a:lstStyle/>
+          <a:p>
+            <a:pPr algn="ctr"/>
+            <a:endParaRPr lang="en-AU"/>
+          </a:p>
+        </p:txBody>
+      </p:sp>
+      <p:sp>
+        <p:nvSpPr>
+          <p:cNvPr id="6" name="Rectangle 5">
+            <a:extLst>
+              <a:ext uri="{FF2B5EF4-FFF2-40B4-BE49-F238E27FC236}">
+                <a16:creationId xmlns:a16="http://schemas.microsoft.com/office/drawing/2014/main" id="{954FC074-5468-6053-A7A5-322CEF098089}"/>
+              </a:ext>
+            </a:extLst>
+          </p:cNvPr>
+          <p:cNvSpPr/>
+          <p:nvPr/>
+        </p:nvSpPr>
+        <p:spPr>
+          <a:xfrm>
+            <a:off x="0" y="0"/>
+            <a:ext cx="7500135" cy="1202076"/>
+          </a:xfrm>
+          <a:prstGeom prst="rect">
+            <a:avLst/>
+          </a:prstGeom>
+          <a:solidFill>
+            <a:schemeClr val="accent1">
+              <a:lumMod val="75000"/>
+            </a:schemeClr>
+          </a:solidFill>
+        </p:spPr>
+        <p:style>
+          <a:lnRef idx="1">
+            <a:schemeClr val="accent1"/>
+          </a:lnRef>
+          <a:fillRef idx="3">
+            <a:schemeClr val="accent1"/>
+          </a:fillRef>
+          <a:effectRef idx="2">
+            <a:schemeClr val="accent1"/>
+          </a:effectRef>
+          <a:fontRef idx="minor">
+            <a:schemeClr val="lt1"/>
+          </a:fontRef>
+        </p:style>
+        <p:txBody>
+          <a:bodyPr rtlCol="0" anchor="ctr"/>
+          <a:lstStyle/>
+          <a:p>
+            <a:pPr algn="ctr"/>
+            <a:endParaRPr lang="en-AU"/>
+          </a:p>
+        </p:txBody>
+      </p:sp>
+      <p:sp>
+        <p:nvSpPr>
           <p:cNvPr id="2" name="Title 1">
             <a:extLst>
               <a:ext uri="{FF2B5EF4-FFF2-40B4-BE49-F238E27FC236}">
@@ -10276,38 +11091,61 @@
         </p:nvSpPr>
         <p:spPr>
           <a:xfrm>
-            <a:off x="469557" y="145084"/>
-            <a:ext cx="7871254" cy="1519881"/>
+            <a:off x="0" y="267128"/>
+            <a:ext cx="8938517" cy="846491"/>
           </a:xfrm>
         </p:spPr>
         <p:txBody>
           <a:bodyPr>
-            <a:normAutofit fontScale="90000"/>
+            <a:noAutofit/>
           </a:bodyPr>
           <a:lstStyle/>
           <a:p>
-            <a:r>
-              <a:rPr lang="en-US" sz="2800" dirty="0"/>
-              <a:t>ARIMA MODEL WITH OPTUNA AND PCA</a:t>
+            <a:pPr algn="l"/>
+            <a:r>
+              <a:rPr lang="en-US" sz="3600" dirty="0">
+                <a:solidFill>
+                  <a:schemeClr val="bg1"/>
+                </a:solidFill>
+              </a:rPr>
+              <a:t>Arima Model With </a:t>
+            </a:r>
+            <a:r>
+              <a:rPr lang="en-US" sz="3600" dirty="0" err="1">
+                <a:solidFill>
+                  <a:schemeClr val="bg1"/>
+                </a:solidFill>
+              </a:rPr>
+              <a:t>Optuna</a:t>
+            </a:r>
+            <a:r>
+              <a:rPr lang="en-US" sz="3600" dirty="0">
+                <a:solidFill>
+                  <a:schemeClr val="bg1"/>
+                </a:solidFill>
+              </a:rPr>
+              <a:t> And </a:t>
+            </a:r>
+            <a:r>
+              <a:rPr lang="en-US" sz="3600" dirty="0" err="1">
+                <a:solidFill>
+                  <a:schemeClr val="bg1"/>
+                </a:solidFill>
+              </a:rPr>
+              <a:t>Pca</a:t>
             </a:r>
             <a:br>
-              <a:rPr lang="en-US" sz="2800" dirty="0"/>
+              <a:rPr lang="en-AU" sz="3600" dirty="0">
+                <a:solidFill>
+                  <a:schemeClr val="bg1"/>
+                </a:solidFill>
+              </a:rPr>
             </a:br>
-            <a:r>
-              <a:rPr lang="en-US" sz="3100" dirty="0"/>
-              <a:t>Best ARIMA parameters: p=0, d=0, q=2</a:t>
-            </a:r>
-            <a:br>
-              <a:rPr lang="en-US" sz="2800" dirty="0"/>
-            </a:br>
-            <a:r>
-              <a:rPr lang="pt-BR" sz="3100" dirty="0"/>
-              <a:t>MAE: 0.1870, MSE: 0.0598, R2: 0.6279</a:t>
-            </a:r>
-            <a:br>
-              <a:rPr lang="en-AU" sz="2800" dirty="0"/>
-            </a:br>
-            <a:endParaRPr lang="en-AU" sz="2800" dirty="0"/>
+            <a:endParaRPr lang="en-AU" sz="3600" dirty="0">
+              <a:solidFill>
+                <a:schemeClr val="bg1"/>
+              </a:solidFill>
+            </a:endParaRPr>
           </a:p>
         </p:txBody>
       </p:sp>
@@ -10333,7 +11171,7 @@
         </p:blipFill>
         <p:spPr>
           <a:xfrm>
-            <a:off x="0" y="2111809"/>
+            <a:off x="0" y="1618649"/>
             <a:ext cx="9144000" cy="2913781"/>
           </a:xfrm>
           <a:prstGeom prst="rect">
@@ -10341,6 +11179,49 @@
           </a:prstGeom>
         </p:spPr>
       </p:pic>
+      <p:sp>
+        <p:nvSpPr>
+          <p:cNvPr id="5" name="TextBox 4">
+            <a:extLst>
+              <a:ext uri="{FF2B5EF4-FFF2-40B4-BE49-F238E27FC236}">
+                <a16:creationId xmlns:a16="http://schemas.microsoft.com/office/drawing/2014/main" id="{3A6342AB-A423-33D2-14EB-3DE2D5E841FD}"/>
+              </a:ext>
+            </a:extLst>
+          </p:cNvPr>
+          <p:cNvSpPr txBox="1"/>
+          <p:nvPr/>
+        </p:nvSpPr>
+        <p:spPr>
+          <a:xfrm>
+            <a:off x="2558265" y="5085708"/>
+            <a:ext cx="4751798" cy="707886"/>
+          </a:xfrm>
+          <a:prstGeom prst="rect">
+            <a:avLst/>
+          </a:prstGeom>
+          <a:noFill/>
+        </p:spPr>
+        <p:txBody>
+          <a:bodyPr wrap="square">
+            <a:spAutoFit/>
+          </a:bodyPr>
+          <a:lstStyle/>
+          <a:p>
+            <a:r>
+              <a:rPr lang="en-US" sz="2000" dirty="0"/>
+              <a:t>Best ARIMA parameters: p=0, d=0, q=2</a:t>
+            </a:r>
+            <a:br>
+              <a:rPr lang="en-US" sz="2000" dirty="0"/>
+            </a:br>
+            <a:r>
+              <a:rPr lang="pt-BR" sz="2000" dirty="0"/>
+              <a:t>MAE: 0.1870, MSE: 0.0598, R2: 0.6279</a:t>
+            </a:r>
+            <a:endParaRPr lang="en-AU" sz="2000" dirty="0"/>
+          </a:p>
+        </p:txBody>
+      </p:sp>
     </p:spTree>
     <p:extLst>
       <p:ext uri="{BB962C8B-B14F-4D97-AF65-F5344CB8AC3E}">
@@ -10357,6 +11238,14 @@
 <file path=ppt/slides/slide2.xml><?xml version="1.0" encoding="utf-8"?>
 <p:sld xmlns:a="http://schemas.openxmlformats.org/drawingml/2006/main" xmlns:r="http://schemas.openxmlformats.org/officeDocument/2006/relationships" xmlns:p="http://schemas.openxmlformats.org/presentationml/2006/main">
   <p:cSld>
+    <p:bg>
+      <p:bgPr>
+        <a:solidFill>
+          <a:schemeClr val="bg1"/>
+        </a:solidFill>
+        <a:effectLst/>
+      </p:bgPr>
+    </p:bg>
     <p:spTree>
       <p:nvGrpSpPr>
         <p:cNvPr id="1" name=""/>
@@ -10371,6 +11260,290 @@
           <a:chExt cx="0" cy="0"/>
         </a:xfrm>
       </p:grpSpPr>
+      <p:sp useBgFill="1">
+        <p:nvSpPr>
+          <p:cNvPr id="31" name="Rectangle 30">
+            <a:extLst>
+              <a:ext uri="{FF2B5EF4-FFF2-40B4-BE49-F238E27FC236}">
+                <a16:creationId xmlns:a16="http://schemas.microsoft.com/office/drawing/2014/main" id="{F0A604E4-7307-451C-93BE-F1F7E1BF3BF8}"/>
+              </a:ext>
+              <a:ext uri="{C183D7F6-B498-43B3-948B-1728B52AA6E4}">
+                <adec:decorative xmlns:adec="http://schemas.microsoft.com/office/drawing/2017/decorative" val="1"/>
+              </a:ext>
+            </a:extLst>
+          </p:cNvPr>
+          <p:cNvSpPr>
+            <a:spLocks noGrp="1" noRot="1" noChangeAspect="1" noMove="1" noResize="1" noEditPoints="1" noAdjustHandles="1" noChangeArrowheads="1" noChangeShapeType="1" noTextEdit="1"/>
+          </p:cNvSpPr>
+          <p:nvPr>
+            <p:extLst>
+              <p:ext uri="{386F3935-93C4-4BCD-93E2-E3B085C9AB24}">
+                <p16:designElem xmlns:p16="http://schemas.microsoft.com/office/powerpoint/2015/main" val="1"/>
+              </p:ext>
+            </p:extLst>
+          </p:nvPr>
+        </p:nvSpPr>
+        <p:spPr>
+          <a:xfrm>
+            <a:off x="-1" y="0"/>
+            <a:ext cx="9144002" cy="6858000"/>
+          </a:xfrm>
+          <a:prstGeom prst="rect">
+            <a:avLst/>
+          </a:prstGeom>
+          <a:ln>
+            <a:noFill/>
+          </a:ln>
+        </p:spPr>
+        <p:style>
+          <a:lnRef idx="2">
+            <a:schemeClr val="accent1">
+              <a:shade val="50000"/>
+            </a:schemeClr>
+          </a:lnRef>
+          <a:fillRef idx="1">
+            <a:schemeClr val="accent1"/>
+          </a:fillRef>
+          <a:effectRef idx="0">
+            <a:schemeClr val="accent1"/>
+          </a:effectRef>
+          <a:fontRef idx="minor">
+            <a:schemeClr val="lt1"/>
+          </a:fontRef>
+        </p:style>
+        <p:txBody>
+          <a:bodyPr rtlCol="0" anchor="ctr"/>
+          <a:lstStyle/>
+          <a:p>
+            <a:pPr algn="ctr"/>
+            <a:endParaRPr lang="en-US"/>
+          </a:p>
+        </p:txBody>
+      </p:sp>
+      <p:sp>
+        <p:nvSpPr>
+          <p:cNvPr id="32" name="Rectangle 31">
+            <a:extLst>
+              <a:ext uri="{FF2B5EF4-FFF2-40B4-BE49-F238E27FC236}">
+                <a16:creationId xmlns:a16="http://schemas.microsoft.com/office/drawing/2014/main" id="{F7F3A0AA-35E5-4085-942B-737839030604}"/>
+              </a:ext>
+              <a:ext uri="{C183D7F6-B498-43B3-948B-1728B52AA6E4}">
+                <adec:decorative xmlns:adec="http://schemas.microsoft.com/office/drawing/2017/decorative" val="1"/>
+              </a:ext>
+            </a:extLst>
+          </p:cNvPr>
+          <p:cNvSpPr>
+            <a:spLocks noGrp="1" noRot="1" noChangeAspect="1" noMove="1" noResize="1" noEditPoints="1" noAdjustHandles="1" noChangeArrowheads="1" noChangeShapeType="1" noTextEdit="1"/>
+          </p:cNvSpPr>
+          <p:nvPr>
+            <p:extLst>
+              <p:ext uri="{386F3935-93C4-4BCD-93E2-E3B085C9AB24}">
+                <p16:designElem xmlns:p16="http://schemas.microsoft.com/office/powerpoint/2015/main" val="1"/>
+              </p:ext>
+            </p:extLst>
+          </p:nvPr>
+        </p:nvSpPr>
+        <p:spPr>
+          <a:xfrm flipH="1">
+            <a:off x="0" y="5282344"/>
+            <a:ext cx="9143997" cy="1590742"/>
+          </a:xfrm>
+          <a:prstGeom prst="rect">
+            <a:avLst/>
+          </a:prstGeom>
+          <a:gradFill>
+            <a:gsLst>
+              <a:gs pos="34000">
+                <a:srgbClr val="000000">
+                  <a:alpha val="96000"/>
+                </a:srgbClr>
+              </a:gs>
+              <a:gs pos="100000">
+                <a:schemeClr val="accent1"/>
+              </a:gs>
+            </a:gsLst>
+            <a:lin ang="8400000" scaled="0"/>
+          </a:gradFill>
+          <a:ln>
+            <a:noFill/>
+          </a:ln>
+        </p:spPr>
+        <p:style>
+          <a:lnRef idx="2">
+            <a:schemeClr val="accent1">
+              <a:shade val="50000"/>
+            </a:schemeClr>
+          </a:lnRef>
+          <a:fillRef idx="1">
+            <a:schemeClr val="accent1"/>
+          </a:fillRef>
+          <a:effectRef idx="0">
+            <a:schemeClr val="accent1"/>
+          </a:effectRef>
+          <a:fontRef idx="minor">
+            <a:schemeClr val="lt1"/>
+          </a:fontRef>
+        </p:style>
+        <p:txBody>
+          <a:bodyPr rtlCol="0" anchor="ctr"/>
+          <a:lstStyle/>
+          <a:p>
+            <a:pPr algn="ctr"/>
+            <a:endParaRPr lang="en-US"/>
+          </a:p>
+        </p:txBody>
+      </p:sp>
+      <p:sp>
+        <p:nvSpPr>
+          <p:cNvPr id="33" name="Rectangle 32">
+            <a:extLst>
+              <a:ext uri="{FF2B5EF4-FFF2-40B4-BE49-F238E27FC236}">
+                <a16:creationId xmlns:a16="http://schemas.microsoft.com/office/drawing/2014/main" id="{402F5C38-C747-4173-ABBF-656E39E82130}"/>
+              </a:ext>
+              <a:ext uri="{C183D7F6-B498-43B3-948B-1728B52AA6E4}">
+                <adec:decorative xmlns:adec="http://schemas.microsoft.com/office/drawing/2017/decorative" val="1"/>
+              </a:ext>
+            </a:extLst>
+          </p:cNvPr>
+          <p:cNvSpPr>
+            <a:spLocks noGrp="1" noRot="1" noChangeAspect="1" noMove="1" noResize="1" noEditPoints="1" noAdjustHandles="1" noChangeArrowheads="1" noChangeShapeType="1" noTextEdit="1"/>
+          </p:cNvSpPr>
+          <p:nvPr>
+            <p:extLst>
+              <p:ext uri="{386F3935-93C4-4BCD-93E2-E3B085C9AB24}">
+                <p16:designElem xmlns:p16="http://schemas.microsoft.com/office/powerpoint/2015/main" val="1"/>
+              </p:ext>
+            </p:extLst>
+          </p:nvPr>
+        </p:nvSpPr>
+        <p:spPr>
+          <a:xfrm flipH="1">
+            <a:off x="-3" y="5282344"/>
+            <a:ext cx="6086475" cy="1590742"/>
+          </a:xfrm>
+          <a:prstGeom prst="rect">
+            <a:avLst/>
+          </a:prstGeom>
+          <a:gradFill>
+            <a:gsLst>
+              <a:gs pos="28000">
+                <a:schemeClr val="accent1">
+                  <a:lumMod val="75000"/>
+                  <a:alpha val="59000"/>
+                </a:schemeClr>
+              </a:gs>
+              <a:gs pos="100000">
+                <a:srgbClr val="000000">
+                  <a:alpha val="70000"/>
+                </a:srgbClr>
+              </a:gs>
+            </a:gsLst>
+            <a:lin ang="11400000" scaled="0"/>
+          </a:gradFill>
+          <a:ln>
+            <a:noFill/>
+          </a:ln>
+        </p:spPr>
+        <p:style>
+          <a:lnRef idx="2">
+            <a:schemeClr val="accent1">
+              <a:shade val="50000"/>
+            </a:schemeClr>
+          </a:lnRef>
+          <a:fillRef idx="1">
+            <a:schemeClr val="accent1"/>
+          </a:fillRef>
+          <a:effectRef idx="0">
+            <a:schemeClr val="accent1"/>
+          </a:effectRef>
+          <a:fontRef idx="minor">
+            <a:schemeClr val="lt1"/>
+          </a:fontRef>
+        </p:style>
+        <p:txBody>
+          <a:bodyPr rtlCol="0" anchor="ctr"/>
+          <a:lstStyle/>
+          <a:p>
+            <a:pPr algn="ctr"/>
+            <a:endParaRPr lang="en-US"/>
+          </a:p>
+        </p:txBody>
+      </p:sp>
+      <p:sp>
+        <p:nvSpPr>
+          <p:cNvPr id="34" name="Rectangle 33">
+            <a:extLst>
+              <a:ext uri="{FF2B5EF4-FFF2-40B4-BE49-F238E27FC236}">
+                <a16:creationId xmlns:a16="http://schemas.microsoft.com/office/drawing/2014/main" id="{E37EECFC-A684-4391-AE85-4CDAF5565F61}"/>
+              </a:ext>
+              <a:ext uri="{C183D7F6-B498-43B3-948B-1728B52AA6E4}">
+                <adec:decorative xmlns:adec="http://schemas.microsoft.com/office/drawing/2017/decorative" val="1"/>
+              </a:ext>
+            </a:extLst>
+          </p:cNvPr>
+          <p:cNvSpPr>
+            <a:spLocks noGrp="1" noRot="1" noChangeAspect="1" noMove="1" noResize="1" noEditPoints="1" noAdjustHandles="1" noChangeArrowheads="1" noChangeShapeType="1" noTextEdit="1"/>
+          </p:cNvSpPr>
+          <p:nvPr>
+            <p:extLst>
+              <p:ext uri="{386F3935-93C4-4BCD-93E2-E3B085C9AB24}">
+                <p16:designElem xmlns:p16="http://schemas.microsoft.com/office/powerpoint/2015/main" val="1"/>
+              </p:ext>
+            </p:extLst>
+          </p:nvPr>
+        </p:nvSpPr>
+        <p:spPr>
+          <a:xfrm flipH="1">
+            <a:off x="-3" y="5282344"/>
+            <a:ext cx="9143998" cy="1590742"/>
+          </a:xfrm>
+          <a:prstGeom prst="rect">
+            <a:avLst/>
+          </a:prstGeom>
+          <a:gradFill>
+            <a:gsLst>
+              <a:gs pos="0">
+                <a:srgbClr val="000000">
+                  <a:alpha val="71765"/>
+                </a:srgbClr>
+              </a:gs>
+              <a:gs pos="100000">
+                <a:schemeClr val="accent1">
+                  <a:alpha val="0"/>
+                </a:schemeClr>
+              </a:gs>
+            </a:gsLst>
+            <a:lin ang="15600000" scaled="0"/>
+          </a:gradFill>
+          <a:ln>
+            <a:noFill/>
+          </a:ln>
+        </p:spPr>
+        <p:style>
+          <a:lnRef idx="2">
+            <a:schemeClr val="accent1">
+              <a:shade val="50000"/>
+            </a:schemeClr>
+          </a:lnRef>
+          <a:fillRef idx="1">
+            <a:schemeClr val="accent1"/>
+          </a:fillRef>
+          <a:effectRef idx="0">
+            <a:schemeClr val="accent1"/>
+          </a:effectRef>
+          <a:fontRef idx="minor">
+            <a:schemeClr val="lt1"/>
+          </a:fontRef>
+        </p:style>
+        <p:txBody>
+          <a:bodyPr rtlCol="0" anchor="ctr"/>
+          <a:lstStyle/>
+          <a:p>
+            <a:pPr algn="ctr"/>
+            <a:endParaRPr lang="en-US"/>
+          </a:p>
+        </p:txBody>
+      </p:sp>
       <p:sp>
         <p:nvSpPr>
           <p:cNvPr id="14" name="Title 13">
@@ -10389,19 +11562,30 @@
         </p:nvSpPr>
         <p:spPr>
           <a:xfrm>
-            <a:off x="685800" y="47051"/>
-            <a:ext cx="7772400" cy="1470025"/>
-          </a:xfrm>
-        </p:spPr>
-        <p:txBody>
-          <a:bodyPr/>
-          <a:lstStyle/>
-          <a:p>
-            <a:r>
-              <a:rPr lang="en-US" dirty="0"/>
+            <a:off x="524785" y="5490971"/>
+            <a:ext cx="5221554" cy="1159200"/>
+          </a:xfrm>
+        </p:spPr>
+        <p:txBody>
+          <a:bodyPr anchor="ctr">
+            <a:normAutofit/>
+          </a:bodyPr>
+          <a:lstStyle/>
+          <a:p>
+            <a:pPr algn="l"/>
+            <a:r>
+              <a:rPr lang="en-US" sz="3500" dirty="0">
+                <a:solidFill>
+                  <a:srgbClr val="FFFFFF"/>
+                </a:solidFill>
+              </a:rPr>
               <a:t>Data Preprocessing Flowchart</a:t>
             </a:r>
-            <a:endParaRPr lang="en-AU" dirty="0"/>
+            <a:endParaRPr lang="en-AU" sz="3500" dirty="0">
+              <a:solidFill>
+                <a:srgbClr val="FFFFFF"/>
+              </a:solidFill>
+            </a:endParaRPr>
           </a:p>
         </p:txBody>
       </p:sp>
@@ -10427,8 +11611,8 @@
         </p:blipFill>
         <p:spPr>
           <a:xfrm>
-            <a:off x="0" y="1390544"/>
-            <a:ext cx="9144000" cy="5195455"/>
+            <a:off x="625134" y="390832"/>
+            <a:ext cx="7963195" cy="4519114"/>
           </a:xfrm>
           <a:prstGeom prst="rect">
             <a:avLst/>
@@ -10448,7 +11632,13 @@
   <p:cSld>
     <p:spTree>
       <p:nvGrpSpPr>
-        <p:cNvPr id="1" name=""/>
+        <p:cNvPr id="1" name="">
+          <a:extLst>
+            <a:ext uri="{FF2B5EF4-FFF2-40B4-BE49-F238E27FC236}">
+              <a16:creationId xmlns:a16="http://schemas.microsoft.com/office/drawing/2014/main" id="{EF15DEDD-B5EB-7975-A32C-F4DA895711F9}"/>
+            </a:ext>
+          </a:extLst>
+        </p:cNvPr>
         <p:cNvGrpSpPr/>
         <p:nvPr/>
       </p:nvGrpSpPr>
@@ -10460,9 +11650,174 @@
           <a:chExt cx="0" cy="0"/>
         </a:xfrm>
       </p:grpSpPr>
+      <p:sp>
+        <p:nvSpPr>
+          <p:cNvPr id="6" name="Rectangle 5">
+            <a:extLst>
+              <a:ext uri="{FF2B5EF4-FFF2-40B4-BE49-F238E27FC236}">
+                <a16:creationId xmlns:a16="http://schemas.microsoft.com/office/drawing/2014/main" id="{8368B5F4-8DFA-63B2-C3B6-757F9712466F}"/>
+              </a:ext>
+            </a:extLst>
+          </p:cNvPr>
+          <p:cNvSpPr/>
+          <p:nvPr/>
+        </p:nvSpPr>
+        <p:spPr>
+          <a:xfrm>
+            <a:off x="0" y="0"/>
+            <a:ext cx="7500135" cy="1202076"/>
+          </a:xfrm>
+          <a:prstGeom prst="rect">
+            <a:avLst/>
+          </a:prstGeom>
+          <a:solidFill>
+            <a:schemeClr val="accent1">
+              <a:lumMod val="75000"/>
+            </a:schemeClr>
+          </a:solidFill>
+        </p:spPr>
+        <p:style>
+          <a:lnRef idx="1">
+            <a:schemeClr val="accent1"/>
+          </a:lnRef>
+          <a:fillRef idx="3">
+            <a:schemeClr val="accent1"/>
+          </a:fillRef>
+          <a:effectRef idx="2">
+            <a:schemeClr val="accent1"/>
+          </a:effectRef>
+          <a:fontRef idx="minor">
+            <a:schemeClr val="lt1"/>
+          </a:fontRef>
+        </p:style>
+        <p:txBody>
+          <a:bodyPr rtlCol="0" anchor="ctr"/>
+          <a:lstStyle/>
+          <a:p>
+            <a:pPr algn="ctr"/>
+            <a:endParaRPr lang="en-AU"/>
+          </a:p>
+        </p:txBody>
+      </p:sp>
+      <p:sp>
+        <p:nvSpPr>
+          <p:cNvPr id="2" name="Title 1">
+            <a:extLst>
+              <a:ext uri="{FF2B5EF4-FFF2-40B4-BE49-F238E27FC236}">
+                <a16:creationId xmlns:a16="http://schemas.microsoft.com/office/drawing/2014/main" id="{EF4F9998-23AF-47BA-B560-371BD84829A8}"/>
+              </a:ext>
+            </a:extLst>
+          </p:cNvPr>
+          <p:cNvSpPr>
+            <a:spLocks noGrp="1"/>
+          </p:cNvSpPr>
+          <p:nvPr>
+            <p:ph type="title"/>
+          </p:nvPr>
+        </p:nvSpPr>
+        <p:spPr>
+          <a:xfrm>
+            <a:off x="43030" y="308225"/>
+            <a:ext cx="8227795" cy="846491"/>
+          </a:xfrm>
+        </p:spPr>
+        <p:txBody>
+          <a:bodyPr>
+            <a:noAutofit/>
+          </a:bodyPr>
+          <a:lstStyle/>
+          <a:p>
+            <a:pPr algn="l"/>
+            <a:r>
+              <a:rPr lang="pt-BR" sz="2400" dirty="0">
+                <a:solidFill>
+                  <a:schemeClr val="bg1"/>
+                </a:solidFill>
+              </a:rPr>
+              <a:t>Best ARIMA params: (1, 0, 1)</a:t>
+            </a:r>
+            <a:br>
+              <a:rPr lang="pt-BR" sz="2400" dirty="0">
+                <a:solidFill>
+                  <a:schemeClr val="bg1"/>
+                </a:solidFill>
+              </a:rPr>
+            </a:br>
+            <a:r>
+              <a:rPr lang="pt-BR" sz="2400" dirty="0">
+                <a:solidFill>
+                  <a:schemeClr val="bg1"/>
+                </a:solidFill>
+              </a:rPr>
+              <a:t>Auto ARIMA MAE: 0.0816, MSE: 0.0112, R2: 0.8540</a:t>
+            </a:r>
+            <a:br>
+              <a:rPr lang="pt-BR" sz="2400" dirty="0">
+                <a:solidFill>
+                  <a:schemeClr val="bg1"/>
+                </a:solidFill>
+              </a:rPr>
+            </a:br>
+            <a:endParaRPr lang="en-AU" sz="2400" dirty="0">
+              <a:solidFill>
+                <a:schemeClr val="bg1"/>
+              </a:solidFill>
+            </a:endParaRPr>
+          </a:p>
+        </p:txBody>
+      </p:sp>
+      <p:sp>
+        <p:nvSpPr>
+          <p:cNvPr id="7" name="Rectangle 6">
+            <a:extLst>
+              <a:ext uri="{FF2B5EF4-FFF2-40B4-BE49-F238E27FC236}">
+                <a16:creationId xmlns:a16="http://schemas.microsoft.com/office/drawing/2014/main" id="{E4CAD1B6-9695-3113-2C6C-548526240F6D}"/>
+              </a:ext>
+            </a:extLst>
+          </p:cNvPr>
+          <p:cNvSpPr/>
+          <p:nvPr/>
+        </p:nvSpPr>
+        <p:spPr>
+          <a:xfrm>
+            <a:off x="7500135" y="0"/>
+            <a:ext cx="1643865" cy="1202076"/>
+          </a:xfrm>
+          <a:prstGeom prst="rect">
+            <a:avLst/>
+          </a:prstGeom>
+          <a:solidFill>
+            <a:schemeClr val="tx2">
+              <a:lumMod val="75000"/>
+            </a:schemeClr>
+          </a:solidFill>
+        </p:spPr>
+        <p:style>
+          <a:lnRef idx="1">
+            <a:schemeClr val="accent1"/>
+          </a:lnRef>
+          <a:fillRef idx="3">
+            <a:schemeClr val="accent1"/>
+          </a:fillRef>
+          <a:effectRef idx="2">
+            <a:schemeClr val="accent1"/>
+          </a:effectRef>
+          <a:fontRef idx="minor">
+            <a:schemeClr val="lt1"/>
+          </a:fontRef>
+        </p:style>
+        <p:txBody>
+          <a:bodyPr rtlCol="0" anchor="ctr"/>
+          <a:lstStyle/>
+          <a:p>
+            <a:pPr algn="ctr"/>
+            <a:endParaRPr lang="en-AU"/>
+          </a:p>
+        </p:txBody>
+      </p:sp>
       <p:pic>
         <p:nvPicPr>
-          <p:cNvPr id="5" name="Content Placeholder 4">
+          <p:cNvPr id="3" name="Content Placeholder 4">
             <a:extLst>
               <a:ext uri="{FF2B5EF4-FFF2-40B4-BE49-F238E27FC236}">
                 <a16:creationId xmlns:a16="http://schemas.microsoft.com/office/drawing/2014/main" id="{82AE3267-C04D-DDA7-E78E-86A1B1885230}"/>
@@ -10484,7 +11839,7 @@
         </p:blipFill>
         <p:spPr>
           <a:xfrm>
-            <a:off x="43029" y="715442"/>
+            <a:off x="-1" y="1224147"/>
             <a:ext cx="9057939" cy="2980509"/>
           </a:xfrm>
         </p:spPr>
@@ -10511,69 +11866,18 @@
         </p:blipFill>
         <p:spPr>
           <a:xfrm>
-            <a:off x="-1" y="4071256"/>
-            <a:ext cx="9144000" cy="2631272"/>
+            <a:off x="43030" y="4226728"/>
+            <a:ext cx="9057939" cy="2606507"/>
           </a:xfrm>
           <a:prstGeom prst="rect">
             <a:avLst/>
           </a:prstGeom>
         </p:spPr>
       </p:pic>
-      <p:sp>
-        <p:nvSpPr>
-          <p:cNvPr id="13" name="TextBox 12">
-            <a:extLst>
-              <a:ext uri="{FF2B5EF4-FFF2-40B4-BE49-F238E27FC236}">
-                <a16:creationId xmlns:a16="http://schemas.microsoft.com/office/drawing/2014/main" id="{047317B7-B7BE-B31D-EDF6-487BF1FBF03D}"/>
-              </a:ext>
-            </a:extLst>
-          </p:cNvPr>
-          <p:cNvSpPr txBox="1"/>
-          <p:nvPr/>
-        </p:nvSpPr>
-        <p:spPr>
-          <a:xfrm>
-            <a:off x="3645243" y="-29194"/>
-            <a:ext cx="5197541" cy="923330"/>
-          </a:xfrm>
-          <a:prstGeom prst="rect">
-            <a:avLst/>
-          </a:prstGeom>
-          <a:noFill/>
-        </p:spPr>
-        <p:txBody>
-          <a:bodyPr wrap="square">
-            <a:spAutoFit/>
-          </a:bodyPr>
-          <a:lstStyle/>
-          <a:p>
-            <a:r>
-              <a:rPr lang="pt-BR" b="0" i="0" dirty="0">
-                <a:effectLst/>
-                <a:latin typeface="Consolas" panose="020B0609020204030204" pitchFamily="49" charset="0"/>
-              </a:rPr>
-              <a:t>Best ARIMA params: (1, 0, 1)</a:t>
-            </a:r>
-          </a:p>
-          <a:p>
-            <a:r>
-              <a:rPr lang="pt-BR" dirty="0"/>
-              <a:t>Auto ARIMA MAE: 0.0816, MSE: 0.0112, R2: 0.8540</a:t>
-            </a:r>
-            <a:endParaRPr lang="pt-BR" b="0" i="0" dirty="0">
-              <a:effectLst/>
-              <a:latin typeface="Consolas" panose="020B0609020204030204" pitchFamily="49" charset="0"/>
-            </a:endParaRPr>
-          </a:p>
-          <a:p>
-            <a:endParaRPr lang="en-AU" dirty="0"/>
-          </a:p>
-        </p:txBody>
-      </p:sp>
     </p:spTree>
     <p:extLst>
       <p:ext uri="{BB962C8B-B14F-4D97-AF65-F5344CB8AC3E}">
-        <p14:creationId xmlns:p14="http://schemas.microsoft.com/office/powerpoint/2010/main" val="447792109"/>
+        <p14:creationId xmlns:p14="http://schemas.microsoft.com/office/powerpoint/2010/main" val="1682225835"/>
       </p:ext>
     </p:extLst>
   </p:cSld>
@@ -10622,8 +11926,8 @@
         </p:blipFill>
         <p:spPr>
           <a:xfrm>
-            <a:off x="0" y="-17586"/>
-            <a:ext cx="9144000" cy="6717324"/>
+            <a:off x="0" y="95626"/>
+            <a:ext cx="8989888" cy="6604111"/>
           </a:xfrm>
           <a:prstGeom prst="rect">
             <a:avLst/>
@@ -10648,7 +11952,13 @@
   <p:cSld>
     <p:spTree>
       <p:nvGrpSpPr>
-        <p:cNvPr id="1" name=""/>
+        <p:cNvPr id="1" name="">
+          <a:extLst>
+            <a:ext uri="{FF2B5EF4-FFF2-40B4-BE49-F238E27FC236}">
+              <a16:creationId xmlns:a16="http://schemas.microsoft.com/office/drawing/2014/main" id="{2FF473F6-467E-DFC5-0AE3-4BAA2D36B2B9}"/>
+            </a:ext>
+          </a:extLst>
+        </p:cNvPr>
         <p:cNvGrpSpPr/>
         <p:nvPr/>
       </p:nvGrpSpPr>
@@ -10662,56 +11972,160 @@
       </p:grpSpPr>
       <p:sp>
         <p:nvSpPr>
-          <p:cNvPr id="7" name="TextBox 6">
+          <p:cNvPr id="7" name="Rectangle 6">
             <a:extLst>
               <a:ext uri="{FF2B5EF4-FFF2-40B4-BE49-F238E27FC236}">
-                <a16:creationId xmlns:a16="http://schemas.microsoft.com/office/drawing/2014/main" id="{B6B9E162-6E99-D1C6-D661-E8D3A68FA647}"/>
+                <a16:creationId xmlns:a16="http://schemas.microsoft.com/office/drawing/2014/main" id="{8EBD5341-E1C0-346F-4BB9-8B38E778E20E}"/>
               </a:ext>
             </a:extLst>
           </p:cNvPr>
-          <p:cNvSpPr txBox="1"/>
+          <p:cNvSpPr/>
           <p:nvPr/>
         </p:nvSpPr>
         <p:spPr>
           <a:xfrm>
-            <a:off x="10758" y="22429"/>
-            <a:ext cx="8912710" cy="646331"/>
+            <a:off x="7500135" y="0"/>
+            <a:ext cx="1643865" cy="1202076"/>
           </a:xfrm>
           <a:prstGeom prst="rect">
             <a:avLst/>
           </a:prstGeom>
-          <a:noFill/>
-        </p:spPr>
-        <p:txBody>
-          <a:bodyPr wrap="square">
-            <a:spAutoFit/>
+          <a:solidFill>
+            <a:schemeClr val="tx2">
+              <a:lumMod val="75000"/>
+            </a:schemeClr>
+          </a:solidFill>
+        </p:spPr>
+        <p:style>
+          <a:lnRef idx="1">
+            <a:schemeClr val="accent1"/>
+          </a:lnRef>
+          <a:fillRef idx="3">
+            <a:schemeClr val="accent1"/>
+          </a:fillRef>
+          <a:effectRef idx="2">
+            <a:schemeClr val="accent1"/>
+          </a:effectRef>
+          <a:fontRef idx="minor">
+            <a:schemeClr val="lt1"/>
+          </a:fontRef>
+        </p:style>
+        <p:txBody>
+          <a:bodyPr rtlCol="0" anchor="ctr"/>
+          <a:lstStyle/>
+          <a:p>
+            <a:pPr algn="ctr"/>
+            <a:endParaRPr lang="en-AU"/>
+          </a:p>
+        </p:txBody>
+      </p:sp>
+      <p:sp>
+        <p:nvSpPr>
+          <p:cNvPr id="6" name="Rectangle 5">
+            <a:extLst>
+              <a:ext uri="{FF2B5EF4-FFF2-40B4-BE49-F238E27FC236}">
+                <a16:creationId xmlns:a16="http://schemas.microsoft.com/office/drawing/2014/main" id="{983DC39A-171B-65BB-351B-FFA082A3DBFC}"/>
+              </a:ext>
+            </a:extLst>
+          </p:cNvPr>
+          <p:cNvSpPr/>
+          <p:nvPr/>
+        </p:nvSpPr>
+        <p:spPr>
+          <a:xfrm>
+            <a:off x="0" y="0"/>
+            <a:ext cx="7500135" cy="1202076"/>
+          </a:xfrm>
+          <a:prstGeom prst="rect">
+            <a:avLst/>
+          </a:prstGeom>
+          <a:solidFill>
+            <a:schemeClr val="accent1">
+              <a:lumMod val="75000"/>
+            </a:schemeClr>
+          </a:solidFill>
+        </p:spPr>
+        <p:style>
+          <a:lnRef idx="1">
+            <a:schemeClr val="accent1"/>
+          </a:lnRef>
+          <a:fillRef idx="3">
+            <a:schemeClr val="accent1"/>
+          </a:fillRef>
+          <a:effectRef idx="2">
+            <a:schemeClr val="accent1"/>
+          </a:effectRef>
+          <a:fontRef idx="minor">
+            <a:schemeClr val="lt1"/>
+          </a:fontRef>
+        </p:style>
+        <p:txBody>
+          <a:bodyPr rtlCol="0" anchor="ctr"/>
+          <a:lstStyle/>
+          <a:p>
+            <a:pPr algn="ctr"/>
+            <a:endParaRPr lang="en-AU"/>
+          </a:p>
+        </p:txBody>
+      </p:sp>
+      <p:sp>
+        <p:nvSpPr>
+          <p:cNvPr id="2" name="Title 1">
+            <a:extLst>
+              <a:ext uri="{FF2B5EF4-FFF2-40B4-BE49-F238E27FC236}">
+                <a16:creationId xmlns:a16="http://schemas.microsoft.com/office/drawing/2014/main" id="{3A9DDD18-4D04-16AE-5DFB-0087DB51EB51}"/>
+              </a:ext>
+            </a:extLst>
+          </p:cNvPr>
+          <p:cNvSpPr>
+            <a:spLocks noGrp="1"/>
+          </p:cNvSpPr>
+          <p:nvPr>
+            <p:ph type="title"/>
+          </p:nvPr>
+        </p:nvSpPr>
+        <p:spPr>
+          <a:xfrm>
+            <a:off x="0" y="267128"/>
+            <a:ext cx="8920779" cy="846491"/>
+          </a:xfrm>
+        </p:spPr>
+        <p:txBody>
+          <a:bodyPr>
+            <a:noAutofit/>
           </a:bodyPr>
           <a:lstStyle/>
           <a:p>
-            <a:r>
-              <a:rPr lang="en-US" b="0" i="0" dirty="0">
-                <a:effectLst/>
-                <a:latin typeface="Consolas" panose="020B0609020204030204" pitchFamily="49" charset="0"/>
+            <a:pPr algn="l"/>
+            <a:r>
+              <a:rPr lang="en-US" sz="2400" dirty="0">
+                <a:solidFill>
+                  <a:schemeClr val="bg1"/>
+                </a:solidFill>
               </a:rPr>
-              <a:t>Best SARIMAX parameters: </a:t>
-            </a:r>
-            <a:r>
-              <a:rPr lang="en-AU" dirty="0"/>
-              <a:t>p=1, d=0, q=1, P=2, D=0, Q=2, s=7</a:t>
-            </a:r>
-          </a:p>
-          <a:p>
-            <a:r>
-              <a:rPr lang="pt-BR" dirty="0"/>
+              <a:t>SARIMAX parameters: p=1, d=0, q=1, P=2, D=0, Q=2, s=7</a:t>
+            </a:r>
+            <a:br>
+              <a:rPr lang="en-US" sz="2400" dirty="0">
+                <a:solidFill>
+                  <a:schemeClr val="bg1"/>
+                </a:solidFill>
+              </a:rPr>
+            </a:br>
+            <a:r>
+              <a:rPr lang="en-US" sz="2400" dirty="0">
+                <a:solidFill>
+                  <a:schemeClr val="bg1"/>
+                </a:solidFill>
+              </a:rPr>
               <a:t>MAE: 0.1630, MSE: 0.0482, R2: 0.6503</a:t>
             </a:r>
-            <a:endParaRPr lang="en-AU" dirty="0"/>
           </a:p>
         </p:txBody>
       </p:sp>
       <p:pic>
         <p:nvPicPr>
-          <p:cNvPr id="3" name="Picture 2">
+          <p:cNvPr id="8" name="Content Placeholder 7">
             <a:extLst>
               <a:ext uri="{FF2B5EF4-FFF2-40B4-BE49-F238E27FC236}">
                 <a16:creationId xmlns:a16="http://schemas.microsoft.com/office/drawing/2014/main" id="{E7DD3694-9CA5-A7DE-1DAA-D202592C1998}"/>
@@ -10719,9 +12133,11 @@
             </a:extLst>
           </p:cNvPr>
           <p:cNvPicPr>
-            <a:picLocks noChangeAspect="1"/>
+            <a:picLocks noGrp="1" noChangeAspect="1"/>
           </p:cNvPicPr>
-          <p:nvPr/>
+          <p:nvPr>
+            <p:ph idx="1"/>
+          </p:nvPr>
         </p:nvPicPr>
         <p:blipFill>
           <a:blip r:embed="rId3"/>
@@ -10731,8 +12147,8 @@
         </p:blipFill>
         <p:spPr>
           <a:xfrm>
-            <a:off x="1479426" y="668760"/>
-            <a:ext cx="6185148" cy="3315367"/>
+            <a:off x="244737" y="1325437"/>
+            <a:ext cx="8676042" cy="2996629"/>
           </a:xfrm>
           <a:prstGeom prst="rect">
             <a:avLst/>
@@ -10741,7 +12157,7 @@
       </p:pic>
       <p:pic>
         <p:nvPicPr>
-          <p:cNvPr id="5" name="Picture 4">
+          <p:cNvPr id="10" name="Picture 9">
             <a:extLst>
               <a:ext uri="{FF2B5EF4-FFF2-40B4-BE49-F238E27FC236}">
                 <a16:creationId xmlns:a16="http://schemas.microsoft.com/office/drawing/2014/main" id="{8CCD3724-50F7-9B8C-3C80-7BBA329477C2}"/>
@@ -10761,8 +12177,8 @@
         </p:blipFill>
         <p:spPr>
           <a:xfrm>
-            <a:off x="10758" y="4034248"/>
-            <a:ext cx="9144000" cy="2913781"/>
+            <a:off x="244737" y="4100192"/>
+            <a:ext cx="8654527" cy="2757808"/>
           </a:xfrm>
           <a:prstGeom prst="rect">
             <a:avLst/>
@@ -10772,7 +12188,7 @@
     </p:spTree>
     <p:extLst>
       <p:ext uri="{BB962C8B-B14F-4D97-AF65-F5344CB8AC3E}">
-        <p14:creationId xmlns:p14="http://schemas.microsoft.com/office/powerpoint/2010/main" val="3227177401"/>
+        <p14:creationId xmlns:p14="http://schemas.microsoft.com/office/powerpoint/2010/main" val="642703229"/>
       </p:ext>
     </p:extLst>
   </p:cSld>
@@ -10787,7 +12203,13 @@
   <p:cSld>
     <p:spTree>
       <p:nvGrpSpPr>
-        <p:cNvPr id="1" name=""/>
+        <p:cNvPr id="1" name="">
+          <a:extLst>
+            <a:ext uri="{FF2B5EF4-FFF2-40B4-BE49-F238E27FC236}">
+              <a16:creationId xmlns:a16="http://schemas.microsoft.com/office/drawing/2014/main" id="{46D8AD3C-F999-A254-770C-C3E5CFD503ED}"/>
+            </a:ext>
+          </a:extLst>
+        </p:cNvPr>
         <p:cNvGrpSpPr/>
         <p:nvPr/>
       </p:nvGrpSpPr>
@@ -10801,42 +12223,157 @@
       </p:grpSpPr>
       <p:sp>
         <p:nvSpPr>
-          <p:cNvPr id="5" name="TextBox 4">
+          <p:cNvPr id="7" name="Rectangle 6">
             <a:extLst>
               <a:ext uri="{FF2B5EF4-FFF2-40B4-BE49-F238E27FC236}">
-                <a16:creationId xmlns:a16="http://schemas.microsoft.com/office/drawing/2014/main" id="{5F3F49B7-E9E8-0A81-8375-269CE3784A89}"/>
+                <a16:creationId xmlns:a16="http://schemas.microsoft.com/office/drawing/2014/main" id="{A90CD0E8-3C4E-C7E0-F1FE-04DBB8EF83EB}"/>
               </a:ext>
             </a:extLst>
           </p:cNvPr>
-          <p:cNvSpPr txBox="1"/>
+          <p:cNvSpPr/>
           <p:nvPr/>
         </p:nvSpPr>
         <p:spPr>
           <a:xfrm>
-            <a:off x="510988" y="192647"/>
-            <a:ext cx="8122024" cy="369332"/>
+            <a:off x="7500135" y="0"/>
+            <a:ext cx="1643865" cy="1202076"/>
           </a:xfrm>
           <a:prstGeom prst="rect">
             <a:avLst/>
           </a:prstGeom>
-          <a:noFill/>
-        </p:spPr>
-        <p:txBody>
-          <a:bodyPr wrap="square">
-            <a:spAutoFit/>
+          <a:solidFill>
+            <a:schemeClr val="tx2">
+              <a:lumMod val="75000"/>
+            </a:schemeClr>
+          </a:solidFill>
+        </p:spPr>
+        <p:style>
+          <a:lnRef idx="1">
+            <a:schemeClr val="accent1"/>
+          </a:lnRef>
+          <a:fillRef idx="3">
+            <a:schemeClr val="accent1"/>
+          </a:fillRef>
+          <a:effectRef idx="2">
+            <a:schemeClr val="accent1"/>
+          </a:effectRef>
+          <a:fontRef idx="minor">
+            <a:schemeClr val="lt1"/>
+          </a:fontRef>
+        </p:style>
+        <p:txBody>
+          <a:bodyPr rtlCol="0" anchor="ctr"/>
+          <a:lstStyle/>
+          <a:p>
+            <a:pPr algn="ctr"/>
+            <a:endParaRPr lang="en-AU"/>
+          </a:p>
+        </p:txBody>
+      </p:sp>
+      <p:sp>
+        <p:nvSpPr>
+          <p:cNvPr id="6" name="Rectangle 5">
+            <a:extLst>
+              <a:ext uri="{FF2B5EF4-FFF2-40B4-BE49-F238E27FC236}">
+                <a16:creationId xmlns:a16="http://schemas.microsoft.com/office/drawing/2014/main" id="{30F89747-BCE3-511C-728A-DF1984350626}"/>
+              </a:ext>
+            </a:extLst>
+          </p:cNvPr>
+          <p:cNvSpPr/>
+          <p:nvPr/>
+        </p:nvSpPr>
+        <p:spPr>
+          <a:xfrm>
+            <a:off x="0" y="0"/>
+            <a:ext cx="7500135" cy="1202076"/>
+          </a:xfrm>
+          <a:prstGeom prst="rect">
+            <a:avLst/>
+          </a:prstGeom>
+          <a:solidFill>
+            <a:schemeClr val="accent1">
+              <a:lumMod val="75000"/>
+            </a:schemeClr>
+          </a:solidFill>
+        </p:spPr>
+        <p:style>
+          <a:lnRef idx="1">
+            <a:schemeClr val="accent1"/>
+          </a:lnRef>
+          <a:fillRef idx="3">
+            <a:schemeClr val="accent1"/>
+          </a:fillRef>
+          <a:effectRef idx="2">
+            <a:schemeClr val="accent1"/>
+          </a:effectRef>
+          <a:fontRef idx="minor">
+            <a:schemeClr val="lt1"/>
+          </a:fontRef>
+        </p:style>
+        <p:txBody>
+          <a:bodyPr rtlCol="0" anchor="ctr"/>
+          <a:lstStyle/>
+          <a:p>
+            <a:pPr algn="ctr"/>
+            <a:endParaRPr lang="en-AU"/>
+          </a:p>
+        </p:txBody>
+      </p:sp>
+      <p:sp>
+        <p:nvSpPr>
+          <p:cNvPr id="2" name="Title 1">
+            <a:extLst>
+              <a:ext uri="{FF2B5EF4-FFF2-40B4-BE49-F238E27FC236}">
+                <a16:creationId xmlns:a16="http://schemas.microsoft.com/office/drawing/2014/main" id="{C14F3745-34B2-F644-0AA3-F1E47FB1A199}"/>
+              </a:ext>
+            </a:extLst>
+          </p:cNvPr>
+          <p:cNvSpPr>
+            <a:spLocks noGrp="1"/>
+          </p:cNvSpPr>
+          <p:nvPr>
+            <p:ph type="title"/>
+          </p:nvPr>
+        </p:nvSpPr>
+        <p:spPr>
+          <a:xfrm>
+            <a:off x="0" y="267128"/>
+            <a:ext cx="8085762" cy="846491"/>
+          </a:xfrm>
+        </p:spPr>
+        <p:txBody>
+          <a:bodyPr>
+            <a:noAutofit/>
           </a:bodyPr>
           <a:lstStyle/>
           <a:p>
-            <a:r>
-              <a:rPr lang="en-AU" dirty="0"/>
-              <a:t>LSTM Model Evaluation - MAE: 0.1847, MSE: 0.0643, R2: 0.3451</a:t>
-            </a:r>
+            <a:pPr algn="l"/>
+            <a:r>
+              <a:rPr lang="en-US" sz="2400" dirty="0">
+                <a:solidFill>
+                  <a:schemeClr val="bg1"/>
+                </a:solidFill>
+              </a:rPr>
+              <a:t>LSTM Model - MAE: 0.1847, MSE: 0.0643, R2: 0.3451</a:t>
+            </a:r>
+            <a:br>
+              <a:rPr lang="en-US" sz="2400" dirty="0">
+                <a:solidFill>
+                  <a:schemeClr val="bg1"/>
+                </a:solidFill>
+              </a:rPr>
+            </a:br>
+            <a:endParaRPr lang="en-US" sz="2400" dirty="0">
+              <a:solidFill>
+                <a:schemeClr val="bg1"/>
+              </a:solidFill>
+            </a:endParaRPr>
           </a:p>
         </p:txBody>
       </p:sp>
       <p:pic>
         <p:nvPicPr>
-          <p:cNvPr id="3" name="Picture 2">
+          <p:cNvPr id="5" name="Content Placeholder 4">
             <a:extLst>
               <a:ext uri="{FF2B5EF4-FFF2-40B4-BE49-F238E27FC236}">
                 <a16:creationId xmlns:a16="http://schemas.microsoft.com/office/drawing/2014/main" id="{570DA4A0-FA53-130C-BE5D-3163719E2C0B}"/>
@@ -10844,9 +12381,11 @@
             </a:extLst>
           </p:cNvPr>
           <p:cNvPicPr>
-            <a:picLocks noChangeAspect="1"/>
+            <a:picLocks noGrp="1" noChangeAspect="1"/>
           </p:cNvPicPr>
-          <p:nvPr/>
+          <p:nvPr>
+            <p:ph idx="1"/>
+          </p:nvPr>
         </p:nvPicPr>
         <p:blipFill>
           <a:blip r:embed="rId3"/>
@@ -10856,8 +12395,8 @@
         </p:blipFill>
         <p:spPr>
           <a:xfrm>
-            <a:off x="0" y="1509341"/>
-            <a:ext cx="9144000" cy="4788888"/>
+            <a:off x="457200" y="1708182"/>
+            <a:ext cx="8229600" cy="4309999"/>
           </a:xfrm>
           <a:prstGeom prst="rect">
             <a:avLst/>
@@ -10867,7 +12406,7 @@
     </p:spTree>
     <p:extLst>
       <p:ext uri="{BB962C8B-B14F-4D97-AF65-F5344CB8AC3E}">
-        <p14:creationId xmlns:p14="http://schemas.microsoft.com/office/powerpoint/2010/main" val="2809873992"/>
+        <p14:creationId xmlns:p14="http://schemas.microsoft.com/office/powerpoint/2010/main" val="2881826077"/>
       </p:ext>
     </p:extLst>
   </p:cSld>
@@ -10882,7 +12421,13 @@
   <p:cSld>
     <p:spTree>
       <p:nvGrpSpPr>
-        <p:cNvPr id="1" name=""/>
+        <p:cNvPr id="1" name="">
+          <a:extLst>
+            <a:ext uri="{FF2B5EF4-FFF2-40B4-BE49-F238E27FC236}">
+              <a16:creationId xmlns:a16="http://schemas.microsoft.com/office/drawing/2014/main" id="{72FF9C7A-AE59-CBE9-D0AA-B9830ED1F032}"/>
+            </a:ext>
+          </a:extLst>
+        </p:cNvPr>
         <p:cNvGrpSpPr/>
         <p:nvPr/>
       </p:nvGrpSpPr>
@@ -10894,9 +12439,167 @@
           <a:chExt cx="0" cy="0"/>
         </a:xfrm>
       </p:grpSpPr>
+      <p:sp>
+        <p:nvSpPr>
+          <p:cNvPr id="7" name="Rectangle 6">
+            <a:extLst>
+              <a:ext uri="{FF2B5EF4-FFF2-40B4-BE49-F238E27FC236}">
+                <a16:creationId xmlns:a16="http://schemas.microsoft.com/office/drawing/2014/main" id="{3BF30C4A-717D-BE9F-A666-085057BF99C8}"/>
+              </a:ext>
+            </a:extLst>
+          </p:cNvPr>
+          <p:cNvSpPr/>
+          <p:nvPr/>
+        </p:nvSpPr>
+        <p:spPr>
+          <a:xfrm>
+            <a:off x="7500135" y="0"/>
+            <a:ext cx="1643865" cy="1202076"/>
+          </a:xfrm>
+          <a:prstGeom prst="rect">
+            <a:avLst/>
+          </a:prstGeom>
+          <a:solidFill>
+            <a:schemeClr val="tx2">
+              <a:lumMod val="75000"/>
+            </a:schemeClr>
+          </a:solidFill>
+        </p:spPr>
+        <p:style>
+          <a:lnRef idx="1">
+            <a:schemeClr val="accent1"/>
+          </a:lnRef>
+          <a:fillRef idx="3">
+            <a:schemeClr val="accent1"/>
+          </a:fillRef>
+          <a:effectRef idx="2">
+            <a:schemeClr val="accent1"/>
+          </a:effectRef>
+          <a:fontRef idx="minor">
+            <a:schemeClr val="lt1"/>
+          </a:fontRef>
+        </p:style>
+        <p:txBody>
+          <a:bodyPr rtlCol="0" anchor="ctr"/>
+          <a:lstStyle/>
+          <a:p>
+            <a:pPr algn="ctr"/>
+            <a:endParaRPr lang="en-AU"/>
+          </a:p>
+        </p:txBody>
+      </p:sp>
+      <p:sp>
+        <p:nvSpPr>
+          <p:cNvPr id="6" name="Rectangle 5">
+            <a:extLst>
+              <a:ext uri="{FF2B5EF4-FFF2-40B4-BE49-F238E27FC236}">
+                <a16:creationId xmlns:a16="http://schemas.microsoft.com/office/drawing/2014/main" id="{F00B6334-4F49-B939-74E1-C62ED039C93F}"/>
+              </a:ext>
+            </a:extLst>
+          </p:cNvPr>
+          <p:cNvSpPr/>
+          <p:nvPr/>
+        </p:nvSpPr>
+        <p:spPr>
+          <a:xfrm>
+            <a:off x="0" y="0"/>
+            <a:ext cx="7500135" cy="1202076"/>
+          </a:xfrm>
+          <a:prstGeom prst="rect">
+            <a:avLst/>
+          </a:prstGeom>
+          <a:solidFill>
+            <a:schemeClr val="accent1">
+              <a:lumMod val="75000"/>
+            </a:schemeClr>
+          </a:solidFill>
+        </p:spPr>
+        <p:style>
+          <a:lnRef idx="1">
+            <a:schemeClr val="accent1"/>
+          </a:lnRef>
+          <a:fillRef idx="3">
+            <a:schemeClr val="accent1"/>
+          </a:fillRef>
+          <a:effectRef idx="2">
+            <a:schemeClr val="accent1"/>
+          </a:effectRef>
+          <a:fontRef idx="minor">
+            <a:schemeClr val="lt1"/>
+          </a:fontRef>
+        </p:style>
+        <p:txBody>
+          <a:bodyPr rtlCol="0" anchor="ctr"/>
+          <a:lstStyle/>
+          <a:p>
+            <a:pPr algn="ctr"/>
+            <a:endParaRPr lang="en-AU"/>
+          </a:p>
+        </p:txBody>
+      </p:sp>
+      <p:sp>
+        <p:nvSpPr>
+          <p:cNvPr id="2" name="Title 1">
+            <a:extLst>
+              <a:ext uri="{FF2B5EF4-FFF2-40B4-BE49-F238E27FC236}">
+                <a16:creationId xmlns:a16="http://schemas.microsoft.com/office/drawing/2014/main" id="{5E4AA94C-0645-982C-43CC-E3895C426A1B}"/>
+              </a:ext>
+            </a:extLst>
+          </p:cNvPr>
+          <p:cNvSpPr>
+            <a:spLocks noGrp="1"/>
+          </p:cNvSpPr>
+          <p:nvPr>
+            <p:ph type="title"/>
+          </p:nvPr>
+        </p:nvSpPr>
+        <p:spPr>
+          <a:xfrm>
+            <a:off x="0" y="267128"/>
+            <a:ext cx="8897420" cy="846491"/>
+          </a:xfrm>
+        </p:spPr>
+        <p:txBody>
+          <a:bodyPr>
+            <a:noAutofit/>
+          </a:bodyPr>
+          <a:lstStyle/>
+          <a:p>
+            <a:pPr algn="l"/>
+            <a:r>
+              <a:rPr lang="en-US" sz="2800" dirty="0">
+                <a:solidFill>
+                  <a:schemeClr val="bg1"/>
+                </a:solidFill>
+              </a:rPr>
+              <a:t>Prophet Model Performance: </a:t>
+            </a:r>
+            <a:br>
+              <a:rPr lang="en-US" sz="2800" dirty="0">
+                <a:solidFill>
+                  <a:schemeClr val="bg1"/>
+                </a:solidFill>
+              </a:rPr>
+            </a:br>
+            <a:r>
+              <a:rPr lang="en-US" sz="2800" dirty="0">
+                <a:solidFill>
+                  <a:schemeClr val="bg1"/>
+                </a:solidFill>
+              </a:rPr>
+              <a:t>MAE = 0.1638, MSE = 0.0451, R2 = 0.6841</a:t>
+            </a:r>
+            <a:endParaRPr lang="en-US" sz="3600" dirty="0">
+              <a:solidFill>
+                <a:schemeClr val="bg1"/>
+              </a:solidFill>
+            </a:endParaRPr>
+          </a:p>
+        </p:txBody>
+      </p:sp>
       <p:pic>
         <p:nvPicPr>
-          <p:cNvPr id="7" name="Content Placeholder 6">
+          <p:cNvPr id="8" name="Content Placeholder 6">
             <a:extLst>
               <a:ext uri="{FF2B5EF4-FFF2-40B4-BE49-F238E27FC236}">
                 <a16:creationId xmlns:a16="http://schemas.microsoft.com/office/drawing/2014/main" id="{3B519300-9923-7595-C29E-E9F3B626214D}"/>
@@ -10918,67 +12621,15 @@
         </p:blipFill>
         <p:spPr>
           <a:xfrm>
-            <a:off x="-34905" y="1598572"/>
-            <a:ext cx="9088641" cy="2908882"/>
+            <a:off x="155327" y="2546210"/>
+            <a:ext cx="8833346" cy="2827173"/>
           </a:xfrm>
         </p:spPr>
       </p:pic>
-      <p:sp>
-        <p:nvSpPr>
-          <p:cNvPr id="5" name="TextBox 4">
-            <a:extLst>
-              <a:ext uri="{FF2B5EF4-FFF2-40B4-BE49-F238E27FC236}">
-                <a16:creationId xmlns:a16="http://schemas.microsoft.com/office/drawing/2014/main" id="{70E86282-D779-F8E9-0803-059FC8F0C6F9}"/>
-              </a:ext>
-            </a:extLst>
-          </p:cNvPr>
-          <p:cNvSpPr txBox="1"/>
-          <p:nvPr/>
-        </p:nvSpPr>
-        <p:spPr>
-          <a:xfrm>
-            <a:off x="634701" y="655780"/>
-            <a:ext cx="7874598" cy="369332"/>
-          </a:xfrm>
-          <a:prstGeom prst="rect">
-            <a:avLst/>
-          </a:prstGeom>
-          <a:noFill/>
-        </p:spPr>
-        <p:txBody>
-          <a:bodyPr wrap="square">
-            <a:spAutoFit/>
-          </a:bodyPr>
-          <a:lstStyle/>
-          <a:p>
-            <a:r>
-              <a:rPr lang="en-AU" b="0" i="0" dirty="0" err="1">
-                <a:effectLst/>
-                <a:latin typeface="Consolas" panose="020B0609020204030204" pitchFamily="49" charset="0"/>
-              </a:rPr>
-              <a:t>Propet</a:t>
-            </a:r>
-            <a:r>
-              <a:rPr lang="en-AU" dirty="0">
-                <a:latin typeface="Consolas" panose="020B0609020204030204" pitchFamily="49" charset="0"/>
-              </a:rPr>
-              <a:t> m</a:t>
-            </a:r>
-            <a:r>
-              <a:rPr lang="en-AU" b="0" i="0" dirty="0">
-                <a:effectLst/>
-                <a:latin typeface="Consolas" panose="020B0609020204030204" pitchFamily="49" charset="0"/>
-              </a:rPr>
-              <a:t>odel Performance: MAE=0.1638, MSE=0.0451, R2=0.6841</a:t>
-            </a:r>
-            <a:endParaRPr lang="en-AU" dirty="0"/>
-          </a:p>
-        </p:txBody>
-      </p:sp>
     </p:spTree>
     <p:extLst>
       <p:ext uri="{BB962C8B-B14F-4D97-AF65-F5344CB8AC3E}">
-        <p14:creationId xmlns:p14="http://schemas.microsoft.com/office/powerpoint/2010/main" val="2071591847"/>
+        <p14:creationId xmlns:p14="http://schemas.microsoft.com/office/powerpoint/2010/main" val="724859781"/>
       </p:ext>
     </p:extLst>
   </p:cSld>
@@ -10993,7 +12644,13 @@
   <p:cSld>
     <p:spTree>
       <p:nvGrpSpPr>
-        <p:cNvPr id="1" name=""/>
+        <p:cNvPr id="1" name="">
+          <a:extLst>
+            <a:ext uri="{FF2B5EF4-FFF2-40B4-BE49-F238E27FC236}">
+              <a16:creationId xmlns:a16="http://schemas.microsoft.com/office/drawing/2014/main" id="{68417E53-0E10-8FA2-6891-CC531F63279B}"/>
+            </a:ext>
+          </a:extLst>
+        </p:cNvPr>
         <p:cNvGrpSpPr/>
         <p:nvPr/>
       </p:nvGrpSpPr>
@@ -11005,6 +12662,175 @@
           <a:chExt cx="0" cy="0"/>
         </a:xfrm>
       </p:grpSpPr>
+      <p:sp>
+        <p:nvSpPr>
+          <p:cNvPr id="7" name="Rectangle 6">
+            <a:extLst>
+              <a:ext uri="{FF2B5EF4-FFF2-40B4-BE49-F238E27FC236}">
+                <a16:creationId xmlns:a16="http://schemas.microsoft.com/office/drawing/2014/main" id="{90E5B6A1-6BE9-C400-2D14-A48364B56687}"/>
+              </a:ext>
+            </a:extLst>
+          </p:cNvPr>
+          <p:cNvSpPr/>
+          <p:nvPr/>
+        </p:nvSpPr>
+        <p:spPr>
+          <a:xfrm>
+            <a:off x="7500135" y="0"/>
+            <a:ext cx="1643865" cy="1202076"/>
+          </a:xfrm>
+          <a:prstGeom prst="rect">
+            <a:avLst/>
+          </a:prstGeom>
+          <a:solidFill>
+            <a:schemeClr val="tx2">
+              <a:lumMod val="75000"/>
+            </a:schemeClr>
+          </a:solidFill>
+        </p:spPr>
+        <p:style>
+          <a:lnRef idx="1">
+            <a:schemeClr val="accent1"/>
+          </a:lnRef>
+          <a:fillRef idx="3">
+            <a:schemeClr val="accent1"/>
+          </a:fillRef>
+          <a:effectRef idx="2">
+            <a:schemeClr val="accent1"/>
+          </a:effectRef>
+          <a:fontRef idx="minor">
+            <a:schemeClr val="lt1"/>
+          </a:fontRef>
+        </p:style>
+        <p:txBody>
+          <a:bodyPr rtlCol="0" anchor="ctr"/>
+          <a:lstStyle/>
+          <a:p>
+            <a:pPr algn="ctr"/>
+            <a:endParaRPr lang="en-AU"/>
+          </a:p>
+        </p:txBody>
+      </p:sp>
+      <p:sp>
+        <p:nvSpPr>
+          <p:cNvPr id="6" name="Rectangle 5">
+            <a:extLst>
+              <a:ext uri="{FF2B5EF4-FFF2-40B4-BE49-F238E27FC236}">
+                <a16:creationId xmlns:a16="http://schemas.microsoft.com/office/drawing/2014/main" id="{CAFAE281-5971-2EEA-45E9-6C3C4EFB6284}"/>
+              </a:ext>
+            </a:extLst>
+          </p:cNvPr>
+          <p:cNvSpPr/>
+          <p:nvPr/>
+        </p:nvSpPr>
+        <p:spPr>
+          <a:xfrm>
+            <a:off x="0" y="0"/>
+            <a:ext cx="7500135" cy="1202076"/>
+          </a:xfrm>
+          <a:prstGeom prst="rect">
+            <a:avLst/>
+          </a:prstGeom>
+          <a:solidFill>
+            <a:schemeClr val="accent1">
+              <a:lumMod val="75000"/>
+            </a:schemeClr>
+          </a:solidFill>
+        </p:spPr>
+        <p:style>
+          <a:lnRef idx="1">
+            <a:schemeClr val="accent1"/>
+          </a:lnRef>
+          <a:fillRef idx="3">
+            <a:schemeClr val="accent1"/>
+          </a:fillRef>
+          <a:effectRef idx="2">
+            <a:schemeClr val="accent1"/>
+          </a:effectRef>
+          <a:fontRef idx="minor">
+            <a:schemeClr val="lt1"/>
+          </a:fontRef>
+        </p:style>
+        <p:txBody>
+          <a:bodyPr rtlCol="0" anchor="ctr"/>
+          <a:lstStyle/>
+          <a:p>
+            <a:pPr algn="ctr"/>
+            <a:endParaRPr lang="en-AU"/>
+          </a:p>
+        </p:txBody>
+      </p:sp>
+      <p:sp>
+        <p:nvSpPr>
+          <p:cNvPr id="2" name="Title 1">
+            <a:extLst>
+              <a:ext uri="{FF2B5EF4-FFF2-40B4-BE49-F238E27FC236}">
+                <a16:creationId xmlns:a16="http://schemas.microsoft.com/office/drawing/2014/main" id="{4DCF03AA-60BA-36F9-FE28-F881A2EFB8D1}"/>
+              </a:ext>
+            </a:extLst>
+          </p:cNvPr>
+          <p:cNvSpPr>
+            <a:spLocks noGrp="1"/>
+          </p:cNvSpPr>
+          <p:nvPr>
+            <p:ph type="title"/>
+          </p:nvPr>
+        </p:nvSpPr>
+        <p:spPr>
+          <a:xfrm>
+            <a:off x="0" y="267128"/>
+            <a:ext cx="8897420" cy="846491"/>
+          </a:xfrm>
+        </p:spPr>
+        <p:txBody>
+          <a:bodyPr>
+            <a:noAutofit/>
+          </a:bodyPr>
+          <a:lstStyle/>
+          <a:p>
+            <a:pPr algn="l"/>
+            <a:r>
+              <a:rPr lang="en-US" sz="2800" dirty="0">
+                <a:solidFill>
+                  <a:schemeClr val="bg1"/>
+                </a:solidFill>
+              </a:rPr>
+              <a:t>Optimized </a:t>
+            </a:r>
+            <a:r>
+              <a:rPr lang="en-US" sz="2800" dirty="0" err="1">
+                <a:solidFill>
+                  <a:schemeClr val="bg1"/>
+                </a:solidFill>
+              </a:rPr>
+              <a:t>XGBoost</a:t>
+            </a:r>
+            <a:r>
+              <a:rPr lang="en-US" sz="2800" dirty="0">
+                <a:solidFill>
+                  <a:schemeClr val="bg1"/>
+                </a:solidFill>
+              </a:rPr>
+              <a:t> :</a:t>
+            </a:r>
+            <a:br>
+              <a:rPr lang="en-US" sz="2800" dirty="0">
+                <a:solidFill>
+                  <a:schemeClr val="bg1"/>
+                </a:solidFill>
+              </a:rPr>
+            </a:br>
+            <a:r>
+              <a:rPr lang="en-US" sz="2800" dirty="0">
+                <a:solidFill>
+                  <a:schemeClr val="bg1"/>
+                </a:solidFill>
+              </a:rPr>
+              <a:t>MAE: 0.0429, RMSE: 0.0696, R²: 0.9649</a:t>
+            </a:r>
+          </a:p>
+        </p:txBody>
+      </p:sp>
       <p:pic>
         <p:nvPicPr>
           <p:cNvPr id="9" name="Content Placeholder 8">
@@ -11029,68 +12855,15 @@
         </p:blipFill>
         <p:spPr>
           <a:xfrm>
-            <a:off x="9870" y="2259248"/>
-            <a:ext cx="9124260" cy="3417828"/>
+            <a:off x="280249" y="2126751"/>
+            <a:ext cx="8863751" cy="3240986"/>
           </a:xfrm>
         </p:spPr>
       </p:pic>
-      <p:sp>
-        <p:nvSpPr>
-          <p:cNvPr id="5" name="TextBox 4">
-            <a:extLst>
-              <a:ext uri="{FF2B5EF4-FFF2-40B4-BE49-F238E27FC236}">
-                <a16:creationId xmlns:a16="http://schemas.microsoft.com/office/drawing/2014/main" id="{361B3637-36F4-514C-5BC1-6B87C5BE70AF}"/>
-              </a:ext>
-            </a:extLst>
-          </p:cNvPr>
-          <p:cNvSpPr txBox="1"/>
-          <p:nvPr/>
-        </p:nvSpPr>
-        <p:spPr>
-          <a:xfrm>
-            <a:off x="934948" y="224005"/>
-            <a:ext cx="7751852" cy="369332"/>
-          </a:xfrm>
-          <a:prstGeom prst="rect">
-            <a:avLst/>
-          </a:prstGeom>
-          <a:noFill/>
-        </p:spPr>
-        <p:txBody>
-          <a:bodyPr wrap="square">
-            <a:spAutoFit/>
-          </a:bodyPr>
-          <a:lstStyle/>
-          <a:p>
-            <a:r>
-              <a:rPr lang="en-US" b="0" i="0" dirty="0">
-                <a:effectLst/>
-                <a:latin typeface="Consolas" panose="020B0609020204030204" pitchFamily="49" charset="0"/>
-              </a:rPr>
-              <a:t>Optimized </a:t>
-            </a:r>
-            <a:r>
-              <a:rPr lang="en-US" b="0" i="0" dirty="0" err="1">
-                <a:effectLst/>
-                <a:latin typeface="Consolas" panose="020B0609020204030204" pitchFamily="49" charset="0"/>
-              </a:rPr>
-              <a:t>XGBoost</a:t>
-            </a:r>
-            <a:r>
-              <a:rPr lang="en-US" b="0" i="0" dirty="0">
-                <a:effectLst/>
-                <a:latin typeface="Consolas" panose="020B0609020204030204" pitchFamily="49" charset="0"/>
-              </a:rPr>
-              <a:t> - MAE: 0.0429, RMSE: 0.0696, R²: 0.9649</a:t>
-            </a:r>
-            <a:endParaRPr lang="en-AU" dirty="0"/>
-          </a:p>
-        </p:txBody>
-      </p:sp>
     </p:spTree>
     <p:extLst>
       <p:ext uri="{BB962C8B-B14F-4D97-AF65-F5344CB8AC3E}">
-        <p14:creationId xmlns:p14="http://schemas.microsoft.com/office/powerpoint/2010/main" val="4293430224"/>
+        <p14:creationId xmlns:p14="http://schemas.microsoft.com/office/powerpoint/2010/main" val="3583731297"/>
       </p:ext>
     </p:extLst>
   </p:cSld>
@@ -11105,7 +12878,13 @@
   <p:cSld>
     <p:spTree>
       <p:nvGrpSpPr>
-        <p:cNvPr id="1" name=""/>
+        <p:cNvPr id="1" name="">
+          <a:extLst>
+            <a:ext uri="{FF2B5EF4-FFF2-40B4-BE49-F238E27FC236}">
+              <a16:creationId xmlns:a16="http://schemas.microsoft.com/office/drawing/2014/main" id="{E0C1BDBC-89A4-70A2-E4FF-6E1E6B8C9619}"/>
+            </a:ext>
+          </a:extLst>
+        </p:cNvPr>
         <p:cNvGrpSpPr/>
         <p:nvPr/>
       </p:nvGrpSpPr>
@@ -11119,10 +12898,108 @@
       </p:grpSpPr>
       <p:sp>
         <p:nvSpPr>
+          <p:cNvPr id="7" name="Rectangle 6">
+            <a:extLst>
+              <a:ext uri="{FF2B5EF4-FFF2-40B4-BE49-F238E27FC236}">
+                <a16:creationId xmlns:a16="http://schemas.microsoft.com/office/drawing/2014/main" id="{486C4682-6BF1-A73B-2866-F7CF9466B557}"/>
+              </a:ext>
+            </a:extLst>
+          </p:cNvPr>
+          <p:cNvSpPr/>
+          <p:nvPr/>
+        </p:nvSpPr>
+        <p:spPr>
+          <a:xfrm>
+            <a:off x="7500135" y="0"/>
+            <a:ext cx="1643865" cy="1202076"/>
+          </a:xfrm>
+          <a:prstGeom prst="rect">
+            <a:avLst/>
+          </a:prstGeom>
+          <a:solidFill>
+            <a:schemeClr val="tx2">
+              <a:lumMod val="75000"/>
+            </a:schemeClr>
+          </a:solidFill>
+        </p:spPr>
+        <p:style>
+          <a:lnRef idx="1">
+            <a:schemeClr val="accent1"/>
+          </a:lnRef>
+          <a:fillRef idx="3">
+            <a:schemeClr val="accent1"/>
+          </a:fillRef>
+          <a:effectRef idx="2">
+            <a:schemeClr val="accent1"/>
+          </a:effectRef>
+          <a:fontRef idx="minor">
+            <a:schemeClr val="lt1"/>
+          </a:fontRef>
+        </p:style>
+        <p:txBody>
+          <a:bodyPr rtlCol="0" anchor="ctr"/>
+          <a:lstStyle/>
+          <a:p>
+            <a:pPr algn="ctr"/>
+            <a:endParaRPr lang="en-AU"/>
+          </a:p>
+        </p:txBody>
+      </p:sp>
+      <p:sp>
+        <p:nvSpPr>
+          <p:cNvPr id="6" name="Rectangle 5">
+            <a:extLst>
+              <a:ext uri="{FF2B5EF4-FFF2-40B4-BE49-F238E27FC236}">
+                <a16:creationId xmlns:a16="http://schemas.microsoft.com/office/drawing/2014/main" id="{DFC5A93E-231B-7ADE-B4D1-09276DF85538}"/>
+              </a:ext>
+            </a:extLst>
+          </p:cNvPr>
+          <p:cNvSpPr/>
+          <p:nvPr/>
+        </p:nvSpPr>
+        <p:spPr>
+          <a:xfrm>
+            <a:off x="0" y="0"/>
+            <a:ext cx="7500135" cy="1202076"/>
+          </a:xfrm>
+          <a:prstGeom prst="rect">
+            <a:avLst/>
+          </a:prstGeom>
+          <a:solidFill>
+            <a:schemeClr val="accent1">
+              <a:lumMod val="75000"/>
+            </a:schemeClr>
+          </a:solidFill>
+        </p:spPr>
+        <p:style>
+          <a:lnRef idx="1">
+            <a:schemeClr val="accent1"/>
+          </a:lnRef>
+          <a:fillRef idx="3">
+            <a:schemeClr val="accent1"/>
+          </a:fillRef>
+          <a:effectRef idx="2">
+            <a:schemeClr val="accent1"/>
+          </a:effectRef>
+          <a:fontRef idx="minor">
+            <a:schemeClr val="lt1"/>
+          </a:fontRef>
+        </p:style>
+        <p:txBody>
+          <a:bodyPr rtlCol="0" anchor="ctr"/>
+          <a:lstStyle/>
+          <a:p>
+            <a:pPr algn="ctr"/>
+            <a:endParaRPr lang="en-AU" dirty="0"/>
+          </a:p>
+        </p:txBody>
+      </p:sp>
+      <p:sp>
+        <p:nvSpPr>
           <p:cNvPr id="2" name="Title 1">
             <a:extLst>
               <a:ext uri="{FF2B5EF4-FFF2-40B4-BE49-F238E27FC236}">
-                <a16:creationId xmlns:a16="http://schemas.microsoft.com/office/drawing/2014/main" id="{978F3AD4-8BFD-668E-2150-70E3CC409944}"/>
+                <a16:creationId xmlns:a16="http://schemas.microsoft.com/office/drawing/2014/main" id="{1552A367-1DBC-937A-938F-20E836455C66}"/>
               </a:ext>
             </a:extLst>
           </p:cNvPr>
@@ -11135,19 +13012,50 @@
         </p:nvSpPr>
         <p:spPr>
           <a:xfrm>
-            <a:off x="457200" y="274638"/>
-            <a:ext cx="8229600" cy="868362"/>
-          </a:xfrm>
-        </p:spPr>
+            <a:off x="0" y="267128"/>
+            <a:ext cx="8897420" cy="846491"/>
+          </a:xfrm>
+        </p:spPr>
+        <p:txBody>
+          <a:bodyPr>
+            <a:noAutofit/>
+          </a:bodyPr>
+          <a:lstStyle/>
+          <a:p>
+            <a:pPr algn="l"/>
+            <a:r>
+              <a:rPr lang="en-US" sz="3600" dirty="0">
+                <a:solidFill>
+                  <a:schemeClr val="bg1"/>
+                </a:solidFill>
+              </a:rPr>
+              <a:t>The Best Model?</a:t>
+            </a:r>
+          </a:p>
+        </p:txBody>
+      </p:sp>
+      <p:sp>
+        <p:nvSpPr>
+          <p:cNvPr id="4" name="Content Placeholder 3">
+            <a:extLst>
+              <a:ext uri="{FF2B5EF4-FFF2-40B4-BE49-F238E27FC236}">
+                <a16:creationId xmlns:a16="http://schemas.microsoft.com/office/drawing/2014/main" id="{3AABCC45-CABB-385B-1F21-E29E2568BA8F}"/>
+              </a:ext>
+            </a:extLst>
+          </p:cNvPr>
+          <p:cNvSpPr>
+            <a:spLocks noGrp="1"/>
+          </p:cNvSpPr>
+          <p:nvPr>
+            <p:ph idx="1"/>
+          </p:nvPr>
+        </p:nvSpPr>
+        <p:spPr/>
         <p:txBody>
           <a:bodyPr/>
           <a:lstStyle/>
           <a:p>
-            <a:r>
-              <a:rPr lang="en-US" dirty="0"/>
-              <a:t>Best model?</a:t>
-            </a:r>
-            <a:endParaRPr lang="en-AU" dirty="0"/>
+            <a:endParaRPr lang="en-AU"/>
           </a:p>
         </p:txBody>
       </p:sp>
@@ -11161,11 +13069,9 @@
             </a:extLst>
           </p:cNvPr>
           <p:cNvPicPr>
-            <a:picLocks noGrp="1" noChangeAspect="1"/>
+            <a:picLocks noChangeAspect="1"/>
           </p:cNvPicPr>
-          <p:nvPr>
-            <p:ph idx="1"/>
-          </p:nvPr>
+          <p:nvPr/>
         </p:nvPicPr>
         <p:blipFill>
           <a:blip r:embed="rId3"/>
@@ -11175,15 +13081,18 @@
         </p:blipFill>
         <p:spPr>
           <a:xfrm>
-            <a:off x="0" y="1656009"/>
+            <a:off x="76642" y="1656009"/>
             <a:ext cx="8990715" cy="4340345"/>
           </a:xfrm>
+          <a:prstGeom prst="rect">
+            <a:avLst/>
+          </a:prstGeom>
         </p:spPr>
       </p:pic>
     </p:spTree>
     <p:extLst>
       <p:ext uri="{BB962C8B-B14F-4D97-AF65-F5344CB8AC3E}">
-        <p14:creationId xmlns:p14="http://schemas.microsoft.com/office/powerpoint/2010/main" val="1663561828"/>
+        <p14:creationId xmlns:p14="http://schemas.microsoft.com/office/powerpoint/2010/main" val="2907426430"/>
       </p:ext>
     </p:extLst>
   </p:cSld>
@@ -11198,7 +13107,13 @@
   <p:cSld>
     <p:spTree>
       <p:nvGrpSpPr>
-        <p:cNvPr id="1" name=""/>
+        <p:cNvPr id="1" name="">
+          <a:extLst>
+            <a:ext uri="{FF2B5EF4-FFF2-40B4-BE49-F238E27FC236}">
+              <a16:creationId xmlns:a16="http://schemas.microsoft.com/office/drawing/2014/main" id="{33D3C624-0916-66C1-6CD8-E23DEAAD19AD}"/>
+            </a:ext>
+          </a:extLst>
+        </p:cNvPr>
         <p:cNvGrpSpPr/>
         <p:nvPr/>
       </p:nvGrpSpPr>
@@ -11212,10 +13127,108 @@
       </p:grpSpPr>
       <p:sp>
         <p:nvSpPr>
+          <p:cNvPr id="7" name="Rectangle 6">
+            <a:extLst>
+              <a:ext uri="{FF2B5EF4-FFF2-40B4-BE49-F238E27FC236}">
+                <a16:creationId xmlns:a16="http://schemas.microsoft.com/office/drawing/2014/main" id="{DF0FA24E-B2B8-0C65-0ADC-74F18CAA6000}"/>
+              </a:ext>
+            </a:extLst>
+          </p:cNvPr>
+          <p:cNvSpPr/>
+          <p:nvPr/>
+        </p:nvSpPr>
+        <p:spPr>
+          <a:xfrm>
+            <a:off x="7500135" y="0"/>
+            <a:ext cx="1643865" cy="1202076"/>
+          </a:xfrm>
+          <a:prstGeom prst="rect">
+            <a:avLst/>
+          </a:prstGeom>
+          <a:solidFill>
+            <a:schemeClr val="tx2">
+              <a:lumMod val="75000"/>
+            </a:schemeClr>
+          </a:solidFill>
+        </p:spPr>
+        <p:style>
+          <a:lnRef idx="1">
+            <a:schemeClr val="accent1"/>
+          </a:lnRef>
+          <a:fillRef idx="3">
+            <a:schemeClr val="accent1"/>
+          </a:fillRef>
+          <a:effectRef idx="2">
+            <a:schemeClr val="accent1"/>
+          </a:effectRef>
+          <a:fontRef idx="minor">
+            <a:schemeClr val="lt1"/>
+          </a:fontRef>
+        </p:style>
+        <p:txBody>
+          <a:bodyPr rtlCol="0" anchor="ctr"/>
+          <a:lstStyle/>
+          <a:p>
+            <a:pPr algn="ctr"/>
+            <a:endParaRPr lang="en-AU"/>
+          </a:p>
+        </p:txBody>
+      </p:sp>
+      <p:sp>
+        <p:nvSpPr>
+          <p:cNvPr id="6" name="Rectangle 5">
+            <a:extLst>
+              <a:ext uri="{FF2B5EF4-FFF2-40B4-BE49-F238E27FC236}">
+                <a16:creationId xmlns:a16="http://schemas.microsoft.com/office/drawing/2014/main" id="{2EE95DFD-8B3D-8878-FF4C-9202B49E8CD7}"/>
+              </a:ext>
+            </a:extLst>
+          </p:cNvPr>
+          <p:cNvSpPr/>
+          <p:nvPr/>
+        </p:nvSpPr>
+        <p:spPr>
+          <a:xfrm>
+            <a:off x="0" y="0"/>
+            <a:ext cx="7500135" cy="1202076"/>
+          </a:xfrm>
+          <a:prstGeom prst="rect">
+            <a:avLst/>
+          </a:prstGeom>
+          <a:solidFill>
+            <a:schemeClr val="accent1">
+              <a:lumMod val="75000"/>
+            </a:schemeClr>
+          </a:solidFill>
+        </p:spPr>
+        <p:style>
+          <a:lnRef idx="1">
+            <a:schemeClr val="accent1"/>
+          </a:lnRef>
+          <a:fillRef idx="3">
+            <a:schemeClr val="accent1"/>
+          </a:fillRef>
+          <a:effectRef idx="2">
+            <a:schemeClr val="accent1"/>
+          </a:effectRef>
+          <a:fontRef idx="minor">
+            <a:schemeClr val="lt1"/>
+          </a:fontRef>
+        </p:style>
+        <p:txBody>
+          <a:bodyPr rtlCol="0" anchor="ctr"/>
+          <a:lstStyle/>
+          <a:p>
+            <a:pPr algn="ctr"/>
+            <a:endParaRPr lang="en-AU" dirty="0"/>
+          </a:p>
+        </p:txBody>
+      </p:sp>
+      <p:sp>
+        <p:nvSpPr>
           <p:cNvPr id="2" name="Title 1">
             <a:extLst>
               <a:ext uri="{FF2B5EF4-FFF2-40B4-BE49-F238E27FC236}">
-                <a16:creationId xmlns:a16="http://schemas.microsoft.com/office/drawing/2014/main" id="{E2218FC0-EC0E-2F05-0DA4-92E5A17491EC}"/>
+                <a16:creationId xmlns:a16="http://schemas.microsoft.com/office/drawing/2014/main" id="{798856C9-A939-9F24-82E8-77CBD45215A5}"/>
               </a:ext>
             </a:extLst>
           </p:cNvPr>
@@ -11226,25 +13239,36 @@
             <p:ph type="title"/>
           </p:nvPr>
         </p:nvSpPr>
-        <p:spPr/>
-        <p:txBody>
-          <a:bodyPr/>
-          <a:lstStyle/>
-          <a:p>
-            <a:r>
-              <a:rPr lang="en-US" dirty="0"/>
-              <a:t>Conclusion</a:t>
-            </a:r>
-            <a:endParaRPr lang="en-AU" dirty="0"/>
-          </a:p>
-        </p:txBody>
-      </p:sp>
-      <p:sp>
-        <p:nvSpPr>
-          <p:cNvPr id="3" name="Content Placeholder 2">
+        <p:spPr>
+          <a:xfrm>
+            <a:off x="0" y="267128"/>
+            <a:ext cx="8897420" cy="846491"/>
+          </a:xfrm>
+        </p:spPr>
+        <p:txBody>
+          <a:bodyPr>
+            <a:noAutofit/>
+          </a:bodyPr>
+          <a:lstStyle/>
+          <a:p>
+            <a:pPr algn="l"/>
+            <a:r>
+              <a:rPr lang="en-US" sz="3600" dirty="0">
+                <a:solidFill>
+                  <a:schemeClr val="bg1"/>
+                </a:solidFill>
+              </a:rPr>
+              <a:t>   Conclusion</a:t>
+            </a:r>
+          </a:p>
+        </p:txBody>
+      </p:sp>
+      <p:sp>
+        <p:nvSpPr>
+          <p:cNvPr id="4" name="Content Placeholder 3">
             <a:extLst>
               <a:ext uri="{FF2B5EF4-FFF2-40B4-BE49-F238E27FC236}">
-                <a16:creationId xmlns:a16="http://schemas.microsoft.com/office/drawing/2014/main" id="{E954CE55-C1E4-25E5-7E9F-89617A813D7C}"/>
+                <a16:creationId xmlns:a16="http://schemas.microsoft.com/office/drawing/2014/main" id="{3C10E111-16BD-EEB5-3E06-DFE5F0F2405B}"/>
               </a:ext>
             </a:extLst>
           </p:cNvPr>
@@ -11255,18 +13279,14 @@
             <p:ph idx="1"/>
           </p:nvPr>
         </p:nvSpPr>
-        <p:spPr>
-          <a:xfrm>
-            <a:off x="457200" y="1404257"/>
-            <a:ext cx="8229600" cy="4049486"/>
-          </a:xfrm>
-        </p:spPr>
-        <p:txBody>
-          <a:bodyPr>
-            <a:normAutofit/>
-          </a:bodyPr>
-          <a:lstStyle/>
-          <a:p>
+        <p:spPr/>
+        <p:txBody>
+          <a:bodyPr/>
+          <a:lstStyle/>
+          <a:p>
+            <a:pPr marL="0" indent="0">
+              <a:buNone/>
+            </a:pPr>
             <a:r>
               <a:rPr lang="en-US" dirty="0"/>
               <a:t>Through a structured approach combining EDA, features engineering, model benchmarking, and tuning, I successfully developed a </a:t>
@@ -11277,7 +13297,16 @@
             </a:r>
             <a:r>
               <a:rPr lang="en-US" dirty="0"/>
-              <a:t>. This project demonstrates the critical role of </a:t>
+              <a:t>. </a:t>
+            </a:r>
+          </a:p>
+          <a:p>
+            <a:pPr marL="0" indent="0">
+              <a:buNone/>
+            </a:pPr>
+            <a:r>
+              <a:rPr lang="en-US" dirty="0"/>
+              <a:t>This project demonstrates the critical role of </a:t>
             </a:r>
             <a:r>
               <a:rPr lang="en-US" b="1" dirty="0"/>
@@ -11295,6 +13324,12 @@
               <a:rPr lang="en-US" dirty="0"/>
               <a:t> in time series forecasting.</a:t>
             </a:r>
+            <a:endParaRPr lang="en-AU" dirty="0"/>
+          </a:p>
+          <a:p>
+            <a:pPr marL="0" indent="0">
+              <a:buNone/>
+            </a:pPr>
             <a:endParaRPr lang="en-AU" dirty="0"/>
           </a:p>
         </p:txBody>
@@ -11302,7 +13337,7 @@
     </p:spTree>
     <p:extLst>
       <p:ext uri="{BB962C8B-B14F-4D97-AF65-F5344CB8AC3E}">
-        <p14:creationId xmlns:p14="http://schemas.microsoft.com/office/powerpoint/2010/main" val="2019343910"/>
+        <p14:creationId xmlns:p14="http://schemas.microsoft.com/office/powerpoint/2010/main" val="1987834810"/>
       </p:ext>
     </p:extLst>
   </p:cSld>
@@ -11315,6 +13350,14 @@
 <file path=ppt/slides/slide3.xml><?xml version="1.0" encoding="utf-8"?>
 <p:sld xmlns:a="http://schemas.openxmlformats.org/drawingml/2006/main" xmlns:r="http://schemas.openxmlformats.org/officeDocument/2006/relationships" xmlns:p="http://schemas.openxmlformats.org/presentationml/2006/main">
   <p:cSld>
+    <p:bg>
+      <p:bgPr>
+        <a:solidFill>
+          <a:schemeClr val="bg1"/>
+        </a:solidFill>
+        <a:effectLst/>
+      </p:bgPr>
+    </p:bg>
     <p:spTree>
       <p:nvGrpSpPr>
         <p:cNvPr id="1" name=""/>
@@ -11329,6 +13372,305 @@
           <a:chExt cx="0" cy="0"/>
         </a:xfrm>
       </p:grpSpPr>
+      <p:sp useBgFill="1">
+        <p:nvSpPr>
+          <p:cNvPr id="1031" name="Rectangle 1030">
+            <a:extLst>
+              <a:ext uri="{FF2B5EF4-FFF2-40B4-BE49-F238E27FC236}">
+                <a16:creationId xmlns:a16="http://schemas.microsoft.com/office/drawing/2014/main" id="{AB8C311F-7253-4AED-9701-7FC0708C41C7}"/>
+              </a:ext>
+              <a:ext uri="{C183D7F6-B498-43B3-948B-1728B52AA6E4}">
+                <adec:decorative xmlns:adec="http://schemas.microsoft.com/office/drawing/2017/decorative" val="1"/>
+              </a:ext>
+            </a:extLst>
+          </p:cNvPr>
+          <p:cNvSpPr>
+            <a:spLocks noGrp="1" noRot="1" noChangeAspect="1" noMove="1" noResize="1" noEditPoints="1" noAdjustHandles="1" noChangeArrowheads="1" noChangeShapeType="1" noTextEdit="1"/>
+          </p:cNvSpPr>
+          <p:nvPr>
+            <p:extLst>
+              <p:ext uri="{386F3935-93C4-4BCD-93E2-E3B085C9AB24}">
+                <p16:designElem xmlns:p16="http://schemas.microsoft.com/office/powerpoint/2015/main" val="1"/>
+              </p:ext>
+            </p:extLst>
+          </p:nvPr>
+        </p:nvSpPr>
+        <p:spPr>
+          <a:xfrm>
+            <a:off x="0" y="0"/>
+            <a:ext cx="9144000" cy="6858000"/>
+          </a:xfrm>
+          <a:prstGeom prst="rect">
+            <a:avLst/>
+          </a:prstGeom>
+          <a:ln w="12700" cap="flat" cmpd="sng" algn="ctr">
+            <a:noFill/>
+            <a:prstDash val="solid"/>
+            <a:miter lim="800000"/>
+          </a:ln>
+          <a:effectLst/>
+          <a:extLst>
+            <a:ext uri="{91240B29-F687-4F45-9708-019B960494DF}">
+              <a14:hiddenLine xmlns:a14="http://schemas.microsoft.com/office/drawing/2010/main" w="12700" cap="flat" cmpd="sng" algn="ctr">
+                <a:solidFill>
+                  <a:schemeClr val="accent1">
+                    <a:shade val="50000"/>
+                  </a:schemeClr>
+                </a:solidFill>
+                <a:prstDash val="solid"/>
+                <a:miter lim="800000"/>
+              </a14:hiddenLine>
+            </a:ext>
+          </a:extLst>
+        </p:spPr>
+        <p:style>
+          <a:lnRef idx="2">
+            <a:schemeClr val="accent1">
+              <a:shade val="50000"/>
+            </a:schemeClr>
+          </a:lnRef>
+          <a:fillRef idx="1">
+            <a:schemeClr val="accent1"/>
+          </a:fillRef>
+          <a:effectRef idx="0">
+            <a:schemeClr val="accent1"/>
+          </a:effectRef>
+          <a:fontRef idx="minor">
+            <a:schemeClr val="lt1"/>
+          </a:fontRef>
+        </p:style>
+        <p:txBody>
+          <a:bodyPr rtlCol="0" anchor="ctr"/>
+          <a:lstStyle/>
+          <a:p>
+            <a:pPr algn="ctr"/>
+            <a:endParaRPr lang="en-US"/>
+          </a:p>
+        </p:txBody>
+      </p:sp>
+      <p:sp>
+        <p:nvSpPr>
+          <p:cNvPr id="1033" name="Rectangle 1032">
+            <a:extLst>
+              <a:ext uri="{FF2B5EF4-FFF2-40B4-BE49-F238E27FC236}">
+                <a16:creationId xmlns:a16="http://schemas.microsoft.com/office/drawing/2014/main" id="{E2384209-CB15-4CDF-9D31-C44FD9A3F20D}"/>
+              </a:ext>
+              <a:ext uri="{C183D7F6-B498-43B3-948B-1728B52AA6E4}">
+                <adec:decorative xmlns:adec="http://schemas.microsoft.com/office/drawing/2017/decorative" val="1"/>
+              </a:ext>
+            </a:extLst>
+          </p:cNvPr>
+          <p:cNvSpPr>
+            <a:spLocks noGrp="1" noRot="1" noChangeAspect="1" noMove="1" noResize="1" noEditPoints="1" noAdjustHandles="1" noChangeArrowheads="1" noChangeShapeType="1" noTextEdit="1"/>
+          </p:cNvSpPr>
+          <p:nvPr>
+            <p:extLst>
+              <p:ext uri="{386F3935-93C4-4BCD-93E2-E3B085C9AB24}">
+                <p16:designElem xmlns:p16="http://schemas.microsoft.com/office/powerpoint/2015/main" val="1"/>
+              </p:ext>
+            </p:extLst>
+          </p:nvPr>
+        </p:nvSpPr>
+        <p:spPr>
+          <a:xfrm rot="16200000" flipH="1">
+            <a:off x="1142713" y="-1142284"/>
+            <a:ext cx="6858000" cy="9143425"/>
+          </a:xfrm>
+          <a:prstGeom prst="rect">
+            <a:avLst/>
+          </a:prstGeom>
+          <a:gradFill>
+            <a:gsLst>
+              <a:gs pos="8000">
+                <a:schemeClr val="accent1"/>
+              </a:gs>
+              <a:gs pos="100000">
+                <a:schemeClr val="accent1">
+                  <a:lumMod val="50000"/>
+                </a:schemeClr>
+              </a:gs>
+            </a:gsLst>
+            <a:lin ang="12000000" scaled="0"/>
+          </a:gradFill>
+          <a:ln>
+            <a:noFill/>
+          </a:ln>
+        </p:spPr>
+        <p:style>
+          <a:lnRef idx="2">
+            <a:schemeClr val="accent1">
+              <a:shade val="50000"/>
+            </a:schemeClr>
+          </a:lnRef>
+          <a:fillRef idx="1">
+            <a:schemeClr val="accent1"/>
+          </a:fillRef>
+          <a:effectRef idx="0">
+            <a:schemeClr val="accent1"/>
+          </a:effectRef>
+          <a:fontRef idx="minor">
+            <a:schemeClr val="lt1"/>
+          </a:fontRef>
+        </p:style>
+        <p:txBody>
+          <a:bodyPr rtlCol="0" anchor="ctr"/>
+          <a:lstStyle/>
+          <a:p>
+            <a:pPr algn="ctr"/>
+            <a:endParaRPr lang="en-US"/>
+          </a:p>
+        </p:txBody>
+      </p:sp>
+      <p:sp>
+        <p:nvSpPr>
+          <p:cNvPr id="1035" name="Rectangle 1034">
+            <a:extLst>
+              <a:ext uri="{FF2B5EF4-FFF2-40B4-BE49-F238E27FC236}">
+                <a16:creationId xmlns:a16="http://schemas.microsoft.com/office/drawing/2014/main" id="{2633B3B5-CC90-43F0-8714-D31D1F3F0209}"/>
+              </a:ext>
+              <a:ext uri="{C183D7F6-B498-43B3-948B-1728B52AA6E4}">
+                <adec:decorative xmlns:adec="http://schemas.microsoft.com/office/drawing/2017/decorative" val="1"/>
+              </a:ext>
+            </a:extLst>
+          </p:cNvPr>
+          <p:cNvSpPr>
+            <a:spLocks noGrp="1" noRot="1" noChangeAspect="1" noMove="1" noResize="1" noEditPoints="1" noAdjustHandles="1" noChangeArrowheads="1" noChangeShapeType="1" noTextEdit="1"/>
+          </p:cNvSpPr>
+          <p:nvPr>
+            <p:extLst>
+              <p:ext uri="{386F3935-93C4-4BCD-93E2-E3B085C9AB24}">
+                <p16:designElem xmlns:p16="http://schemas.microsoft.com/office/powerpoint/2015/main" val="1"/>
+              </p:ext>
+            </p:extLst>
+          </p:nvPr>
+        </p:nvSpPr>
+        <p:spPr>
+          <a:xfrm rot="10800000" flipH="1">
+            <a:off x="-1733" y="0"/>
+            <a:ext cx="6803134" cy="6857572"/>
+          </a:xfrm>
+          <a:prstGeom prst="rect">
+            <a:avLst/>
+          </a:prstGeom>
+          <a:gradFill>
+            <a:gsLst>
+              <a:gs pos="8000">
+                <a:srgbClr val="000000">
+                  <a:alpha val="52000"/>
+                </a:srgbClr>
+              </a:gs>
+              <a:gs pos="100000">
+                <a:schemeClr val="accent1"/>
+              </a:gs>
+            </a:gsLst>
+            <a:lin ang="4800000" scaled="0"/>
+          </a:gradFill>
+          <a:ln>
+            <a:noFill/>
+          </a:ln>
+        </p:spPr>
+        <p:style>
+          <a:lnRef idx="2">
+            <a:schemeClr val="accent1">
+              <a:shade val="50000"/>
+            </a:schemeClr>
+          </a:lnRef>
+          <a:fillRef idx="1">
+            <a:schemeClr val="accent1"/>
+          </a:fillRef>
+          <a:effectRef idx="0">
+            <a:schemeClr val="accent1"/>
+          </a:effectRef>
+          <a:fontRef idx="minor">
+            <a:schemeClr val="lt1"/>
+          </a:fontRef>
+        </p:style>
+        <p:txBody>
+          <a:bodyPr rtlCol="0" anchor="ctr"/>
+          <a:lstStyle/>
+          <a:p>
+            <a:pPr algn="ctr"/>
+            <a:endParaRPr lang="en-US"/>
+          </a:p>
+        </p:txBody>
+      </p:sp>
+      <p:sp>
+        <p:nvSpPr>
+          <p:cNvPr id="1037" name="Rectangle 1036">
+            <a:extLst>
+              <a:ext uri="{FF2B5EF4-FFF2-40B4-BE49-F238E27FC236}">
+                <a16:creationId xmlns:a16="http://schemas.microsoft.com/office/drawing/2014/main" id="{A8D57A06-A426-446D-B02C-A2DC6B62E45E}"/>
+              </a:ext>
+              <a:ext uri="{C183D7F6-B498-43B3-948B-1728B52AA6E4}">
+                <adec:decorative xmlns:adec="http://schemas.microsoft.com/office/drawing/2017/decorative" val="1"/>
+              </a:ext>
+            </a:extLst>
+          </p:cNvPr>
+          <p:cNvSpPr>
+            <a:spLocks noGrp="1" noRot="1" noChangeAspect="1" noMove="1" noResize="1" noEditPoints="1" noAdjustHandles="1" noChangeArrowheads="1" noChangeShapeType="1" noTextEdit="1"/>
+          </p:cNvSpPr>
+          <p:nvPr>
+            <p:extLst>
+              <p:ext uri="{386F3935-93C4-4BCD-93E2-E3B085C9AB24}">
+                <p16:designElem xmlns:p16="http://schemas.microsoft.com/office/powerpoint/2015/main" val="1"/>
+              </p:ext>
+            </p:extLst>
+          </p:nvPr>
+        </p:nvSpPr>
+        <p:spPr>
+          <a:xfrm rot="16200000" flipH="1">
+            <a:off x="2125298" y="-161647"/>
+            <a:ext cx="4894564" cy="9145160"/>
+          </a:xfrm>
+          <a:prstGeom prst="rect">
+            <a:avLst/>
+          </a:prstGeom>
+          <a:gradFill>
+            <a:gsLst>
+              <a:gs pos="0">
+                <a:schemeClr val="accent5">
+                  <a:lumMod val="60000"/>
+                  <a:lumOff val="40000"/>
+                  <a:alpha val="0"/>
+                </a:schemeClr>
+              </a:gs>
+              <a:gs pos="100000">
+                <a:srgbClr val="000000">
+                  <a:alpha val="46000"/>
+                </a:srgbClr>
+              </a:gs>
+            </a:gsLst>
+            <a:lin ang="1200000" scaled="0"/>
+          </a:gradFill>
+          <a:ln>
+            <a:noFill/>
+          </a:ln>
+        </p:spPr>
+        <p:style>
+          <a:lnRef idx="2">
+            <a:schemeClr val="accent1">
+              <a:shade val="50000"/>
+            </a:schemeClr>
+          </a:lnRef>
+          <a:fillRef idx="1">
+            <a:schemeClr val="accent1"/>
+          </a:fillRef>
+          <a:effectRef idx="0">
+            <a:schemeClr val="accent1"/>
+          </a:effectRef>
+          <a:fontRef idx="minor">
+            <a:schemeClr val="lt1"/>
+          </a:fontRef>
+        </p:style>
+        <p:txBody>
+          <a:bodyPr rtlCol="0" anchor="ctr"/>
+          <a:lstStyle/>
+          <a:p>
+            <a:pPr algn="ctr"/>
+            <a:endParaRPr lang="en-US"/>
+          </a:p>
+        </p:txBody>
+      </p:sp>
       <p:pic>
         <p:nvPicPr>
           <p:cNvPr id="1026" name="Picture 2" descr="A diagram of energy consumption cycle&#10;&#10;AI-generated content may be incorrect.">
@@ -11351,15 +13693,14 @@
               </a:ext>
             </a:extLst>
           </a:blip>
-          <a:srcRect/>
           <a:stretch>
             <a:fillRect/>
           </a:stretch>
         </p:blipFill>
         <p:spPr bwMode="auto">
           <a:xfrm>
-            <a:off x="1" y="817578"/>
-            <a:ext cx="9101200" cy="5081737"/>
+            <a:off x="903111" y="457200"/>
+            <a:ext cx="7337777" cy="5943600"/>
           </a:xfrm>
           <a:prstGeom prst="rect">
             <a:avLst/>
@@ -11387,6 +13728,14 @@
 <file path=ppt/slides/slide4.xml><?xml version="1.0" encoding="utf-8"?>
 <p:sld xmlns:a="http://schemas.openxmlformats.org/drawingml/2006/main" xmlns:r="http://schemas.openxmlformats.org/officeDocument/2006/relationships" xmlns:p="http://schemas.openxmlformats.org/presentationml/2006/main">
   <p:cSld>
+    <p:bg>
+      <p:bgPr>
+        <a:solidFill>
+          <a:schemeClr val="bg1"/>
+        </a:solidFill>
+        <a:effectLst/>
+      </p:bgPr>
+    </p:bg>
     <p:spTree>
       <p:nvGrpSpPr>
         <p:cNvPr id="1" name=""/>
@@ -11401,6 +13750,309 @@
           <a:chExt cx="0" cy="0"/>
         </a:xfrm>
       </p:grpSpPr>
+      <p:sp useBgFill="1">
+        <p:nvSpPr>
+          <p:cNvPr id="13" name="Rectangle 12">
+            <a:extLst>
+              <a:ext uri="{FF2B5EF4-FFF2-40B4-BE49-F238E27FC236}">
+                <a16:creationId xmlns:a16="http://schemas.microsoft.com/office/drawing/2014/main" id="{A8384FB5-9ADC-4DDC-881B-597D56F5B15D}"/>
+              </a:ext>
+              <a:ext uri="{C183D7F6-B498-43B3-948B-1728B52AA6E4}">
+                <adec:decorative xmlns:adec="http://schemas.microsoft.com/office/drawing/2017/decorative" val="1"/>
+              </a:ext>
+            </a:extLst>
+          </p:cNvPr>
+          <p:cNvSpPr>
+            <a:spLocks noGrp="1" noRot="1" noChangeAspect="1" noMove="1" noResize="1" noEditPoints="1" noAdjustHandles="1" noChangeArrowheads="1" noChangeShapeType="1" noTextEdit="1"/>
+          </p:cNvSpPr>
+          <p:nvPr>
+            <p:extLst>
+              <p:ext uri="{386F3935-93C4-4BCD-93E2-E3B085C9AB24}">
+                <p16:designElem xmlns:p16="http://schemas.microsoft.com/office/powerpoint/2015/main" val="1"/>
+              </p:ext>
+            </p:extLst>
+          </p:nvPr>
+        </p:nvSpPr>
+        <p:spPr>
+          <a:xfrm>
+            <a:off x="0" y="0"/>
+            <a:ext cx="9144000" cy="6858000"/>
+          </a:xfrm>
+          <a:prstGeom prst="rect">
+            <a:avLst/>
+          </a:prstGeom>
+          <a:ln w="12700" cap="flat" cmpd="sng" algn="ctr">
+            <a:noFill/>
+            <a:prstDash val="solid"/>
+            <a:miter lim="800000"/>
+          </a:ln>
+          <a:effectLst/>
+          <a:extLst>
+            <a:ext uri="{91240B29-F687-4F45-9708-019B960494DF}">
+              <a14:hiddenLine xmlns:a14="http://schemas.microsoft.com/office/drawing/2010/main" w="12700" cap="flat" cmpd="sng" algn="ctr">
+                <a:solidFill>
+                  <a:schemeClr val="accent1">
+                    <a:shade val="50000"/>
+                  </a:schemeClr>
+                </a:solidFill>
+                <a:prstDash val="solid"/>
+                <a:miter lim="800000"/>
+              </a14:hiddenLine>
+            </a:ext>
+          </a:extLst>
+        </p:spPr>
+        <p:style>
+          <a:lnRef idx="2">
+            <a:schemeClr val="accent1">
+              <a:shade val="50000"/>
+            </a:schemeClr>
+          </a:lnRef>
+          <a:fillRef idx="1">
+            <a:schemeClr val="accent1"/>
+          </a:fillRef>
+          <a:effectRef idx="0">
+            <a:schemeClr val="accent1"/>
+          </a:effectRef>
+          <a:fontRef idx="minor">
+            <a:schemeClr val="lt1"/>
+          </a:fontRef>
+        </p:style>
+        <p:txBody>
+          <a:bodyPr rtlCol="0" anchor="ctr"/>
+          <a:lstStyle/>
+          <a:p>
+            <a:pPr algn="ctr"/>
+            <a:endParaRPr lang="en-US"/>
+          </a:p>
+        </p:txBody>
+      </p:sp>
+      <p:sp>
+        <p:nvSpPr>
+          <p:cNvPr id="15" name="Rectangle 14">
+            <a:extLst>
+              <a:ext uri="{FF2B5EF4-FFF2-40B4-BE49-F238E27FC236}">
+                <a16:creationId xmlns:a16="http://schemas.microsoft.com/office/drawing/2014/main" id="{1199E1B1-A8C0-4FE8-A5A8-1CB41D69F857}"/>
+              </a:ext>
+              <a:ext uri="{C183D7F6-B498-43B3-948B-1728B52AA6E4}">
+                <adec:decorative xmlns:adec="http://schemas.microsoft.com/office/drawing/2017/decorative" val="1"/>
+              </a:ext>
+            </a:extLst>
+          </p:cNvPr>
+          <p:cNvSpPr>
+            <a:spLocks noGrp="1" noRot="1" noChangeAspect="1" noMove="1" noResize="1" noEditPoints="1" noAdjustHandles="1" noChangeArrowheads="1" noChangeShapeType="1" noTextEdit="1"/>
+          </p:cNvSpPr>
+          <p:nvPr>
+            <p:extLst>
+              <p:ext uri="{386F3935-93C4-4BCD-93E2-E3B085C9AB24}">
+                <p16:designElem xmlns:p16="http://schemas.microsoft.com/office/powerpoint/2015/main" val="1"/>
+              </p:ext>
+            </p:extLst>
+          </p:nvPr>
+        </p:nvSpPr>
+        <p:spPr>
+          <a:xfrm rot="10800000" flipH="1">
+            <a:off x="1" y="0"/>
+            <a:ext cx="9143999" cy="1575955"/>
+          </a:xfrm>
+          <a:prstGeom prst="rect">
+            <a:avLst/>
+          </a:prstGeom>
+          <a:gradFill>
+            <a:gsLst>
+              <a:gs pos="0">
+                <a:srgbClr val="000000">
+                  <a:alpha val="96000"/>
+                </a:srgbClr>
+              </a:gs>
+              <a:gs pos="100000">
+                <a:schemeClr val="accent1">
+                  <a:lumMod val="75000"/>
+                </a:schemeClr>
+              </a:gs>
+            </a:gsLst>
+            <a:lin ang="6000000" scaled="0"/>
+          </a:gradFill>
+          <a:ln>
+            <a:noFill/>
+          </a:ln>
+        </p:spPr>
+        <p:style>
+          <a:lnRef idx="2">
+            <a:schemeClr val="accent1">
+              <a:shade val="50000"/>
+            </a:schemeClr>
+          </a:lnRef>
+          <a:fillRef idx="1">
+            <a:schemeClr val="accent1"/>
+          </a:fillRef>
+          <a:effectRef idx="0">
+            <a:schemeClr val="accent1"/>
+          </a:effectRef>
+          <a:fontRef idx="minor">
+            <a:schemeClr val="lt1"/>
+          </a:fontRef>
+        </p:style>
+        <p:txBody>
+          <a:bodyPr rtlCol="0" anchor="ctr"/>
+          <a:lstStyle/>
+          <a:p>
+            <a:pPr algn="ctr"/>
+            <a:endParaRPr lang="en-US"/>
+          </a:p>
+        </p:txBody>
+      </p:sp>
+      <p:sp>
+        <p:nvSpPr>
+          <p:cNvPr id="17" name="Rectangle 16">
+            <a:extLst>
+              <a:ext uri="{FF2B5EF4-FFF2-40B4-BE49-F238E27FC236}">
+                <a16:creationId xmlns:a16="http://schemas.microsoft.com/office/drawing/2014/main" id="{84A8DE83-DE75-4B41-9DB4-A7EC0B0DEC0B}"/>
+              </a:ext>
+              <a:ext uri="{C183D7F6-B498-43B3-948B-1728B52AA6E4}">
+                <adec:decorative xmlns:adec="http://schemas.microsoft.com/office/drawing/2017/decorative" val="1"/>
+              </a:ext>
+            </a:extLst>
+          </p:cNvPr>
+          <p:cNvSpPr>
+            <a:spLocks noGrp="1" noRot="1" noChangeAspect="1" noMove="1" noResize="1" noEditPoints="1" noAdjustHandles="1" noChangeArrowheads="1" noChangeShapeType="1" noTextEdit="1"/>
+          </p:cNvSpPr>
+          <p:nvPr>
+            <p:extLst>
+              <p:ext uri="{386F3935-93C4-4BCD-93E2-E3B085C9AB24}">
+                <p16:designElem xmlns:p16="http://schemas.microsoft.com/office/powerpoint/2015/main" val="1"/>
+              </p:ext>
+            </p:extLst>
+          </p:nvPr>
+        </p:nvSpPr>
+        <p:spPr>
+          <a:xfrm>
+            <a:off x="0" y="0"/>
+            <a:ext cx="6096642" cy="1575461"/>
+          </a:xfrm>
+          <a:prstGeom prst="rect">
+            <a:avLst/>
+          </a:prstGeom>
+          <a:gradFill>
+            <a:gsLst>
+              <a:gs pos="0">
+                <a:schemeClr val="accent1">
+                  <a:alpha val="41000"/>
+                </a:schemeClr>
+              </a:gs>
+              <a:gs pos="74000">
+                <a:schemeClr val="accent1">
+                  <a:lumMod val="60000"/>
+                  <a:lumOff val="40000"/>
+                  <a:alpha val="0"/>
+                </a:schemeClr>
+              </a:gs>
+            </a:gsLst>
+            <a:lin ang="8400000" scaled="0"/>
+          </a:gradFill>
+          <a:ln>
+            <a:noFill/>
+          </a:ln>
+        </p:spPr>
+        <p:style>
+          <a:lnRef idx="2">
+            <a:schemeClr val="accent1">
+              <a:shade val="50000"/>
+            </a:schemeClr>
+          </a:lnRef>
+          <a:fillRef idx="1">
+            <a:schemeClr val="accent1"/>
+          </a:fillRef>
+          <a:effectRef idx="0">
+            <a:schemeClr val="accent1"/>
+          </a:effectRef>
+          <a:fontRef idx="minor">
+            <a:schemeClr val="lt1"/>
+          </a:fontRef>
+        </p:style>
+        <p:txBody>
+          <a:bodyPr rtlCol="0" anchor="ctr"/>
+          <a:lstStyle/>
+          <a:p>
+            <a:pPr algn="ctr"/>
+            <a:endParaRPr lang="en-US"/>
+          </a:p>
+        </p:txBody>
+      </p:sp>
+      <p:sp>
+        <p:nvSpPr>
+          <p:cNvPr id="19" name="Rectangle 18">
+            <a:extLst>
+              <a:ext uri="{FF2B5EF4-FFF2-40B4-BE49-F238E27FC236}">
+                <a16:creationId xmlns:a16="http://schemas.microsoft.com/office/drawing/2014/main" id="{A7009A0A-BEF5-4EAC-AF15-E4F9F002E239}"/>
+              </a:ext>
+              <a:ext uri="{C183D7F6-B498-43B3-948B-1728B52AA6E4}">
+                <adec:decorative xmlns:adec="http://schemas.microsoft.com/office/drawing/2017/decorative" val="1"/>
+              </a:ext>
+            </a:extLst>
+          </p:cNvPr>
+          <p:cNvSpPr>
+            <a:spLocks noGrp="1" noRot="1" noChangeAspect="1" noMove="1" noResize="1" noEditPoints="1" noAdjustHandles="1" noChangeArrowheads="1" noChangeShapeType="1" noTextEdit="1"/>
+          </p:cNvSpPr>
+          <p:nvPr>
+            <p:extLst>
+              <p:ext uri="{386F3935-93C4-4BCD-93E2-E3B085C9AB24}">
+                <p16:designElem xmlns:p16="http://schemas.microsoft.com/office/powerpoint/2015/main" val="1"/>
+              </p:ext>
+            </p:extLst>
+          </p:nvPr>
+        </p:nvSpPr>
+        <p:spPr>
+          <a:xfrm flipH="1">
+            <a:off x="-2" y="-1"/>
+            <a:ext cx="9144001" cy="1574311"/>
+          </a:xfrm>
+          <a:prstGeom prst="rect">
+            <a:avLst/>
+          </a:prstGeom>
+          <a:gradFill>
+            <a:gsLst>
+              <a:gs pos="0">
+                <a:srgbClr val="000000">
+                  <a:alpha val="63000"/>
+                </a:srgbClr>
+              </a:gs>
+              <a:gs pos="78000">
+                <a:schemeClr val="accent1">
+                  <a:alpha val="15000"/>
+                </a:schemeClr>
+              </a:gs>
+            </a:gsLst>
+            <a:lin ang="15600000" scaled="0"/>
+          </a:gradFill>
+          <a:ln>
+            <a:noFill/>
+          </a:ln>
+        </p:spPr>
+        <p:style>
+          <a:lnRef idx="2">
+            <a:schemeClr val="accent1">
+              <a:shade val="50000"/>
+            </a:schemeClr>
+          </a:lnRef>
+          <a:fillRef idx="1">
+            <a:schemeClr val="accent1"/>
+          </a:fillRef>
+          <a:effectRef idx="0">
+            <a:schemeClr val="accent1"/>
+          </a:effectRef>
+          <a:fontRef idx="minor">
+            <a:schemeClr val="lt1"/>
+          </a:fontRef>
+        </p:style>
+        <p:txBody>
+          <a:bodyPr rtlCol="0" anchor="ctr"/>
+          <a:lstStyle/>
+          <a:p>
+            <a:pPr algn="ctr"/>
+            <a:endParaRPr lang="en-US"/>
+          </a:p>
+        </p:txBody>
+      </p:sp>
       <p:sp>
         <p:nvSpPr>
           <p:cNvPr id="2" name="Title 1">
@@ -11419,22 +14071,63 @@
         </p:nvSpPr>
         <p:spPr>
           <a:xfrm>
-            <a:off x="1842556" y="439127"/>
-            <a:ext cx="4649993" cy="806824"/>
-          </a:xfrm>
-        </p:spPr>
-        <p:txBody>
-          <a:bodyPr/>
-          <a:lstStyle/>
-          <a:p>
-            <a:r>
-              <a:rPr lang="en-US" dirty="0"/>
-              <a:t>Is data stationary??</a:t>
-            </a:r>
-            <a:endParaRPr lang="en-AU" dirty="0"/>
-          </a:p>
-        </p:txBody>
-      </p:sp>
+            <a:off x="524784" y="248038"/>
+            <a:ext cx="5297791" cy="1159200"/>
+          </a:xfrm>
+        </p:spPr>
+        <p:txBody>
+          <a:bodyPr anchor="ctr">
+            <a:normAutofit/>
+          </a:bodyPr>
+          <a:lstStyle/>
+          <a:p>
+            <a:pPr algn="l"/>
+            <a:r>
+              <a:rPr lang="en-US" sz="3600" dirty="0">
+                <a:solidFill>
+                  <a:srgbClr val="FFFFFF"/>
+                </a:solidFill>
+              </a:rPr>
+              <a:t>Is Data Stationary?</a:t>
+            </a:r>
+            <a:endParaRPr lang="en-AU" sz="3600" dirty="0">
+              <a:solidFill>
+                <a:srgbClr val="FFFFFF"/>
+              </a:solidFill>
+            </a:endParaRPr>
+          </a:p>
+        </p:txBody>
+      </p:sp>
+      <p:pic>
+        <p:nvPicPr>
+          <p:cNvPr id="8" name="Picture 7">
+            <a:extLst>
+              <a:ext uri="{FF2B5EF4-FFF2-40B4-BE49-F238E27FC236}">
+                <a16:creationId xmlns:a16="http://schemas.microsoft.com/office/drawing/2014/main" id="{D4AD5D47-025A-027F-F731-92BFCB3C8A29}"/>
+              </a:ext>
+            </a:extLst>
+          </p:cNvPr>
+          <p:cNvPicPr>
+            <a:picLocks noChangeAspect="1"/>
+          </p:cNvPicPr>
+          <p:nvPr/>
+        </p:nvPicPr>
+        <p:blipFill>
+          <a:blip r:embed="rId3"/>
+          <a:stretch>
+            <a:fillRect/>
+          </a:stretch>
+        </p:blipFill>
+        <p:spPr>
+          <a:xfrm>
+            <a:off x="63174" y="2524991"/>
+            <a:ext cx="9080825" cy="3132883"/>
+          </a:xfrm>
+          <a:prstGeom prst="rect">
+            <a:avLst/>
+          </a:prstGeom>
+        </p:spPr>
+      </p:pic>
       <p:sp>
         <p:nvSpPr>
           <p:cNvPr id="3" name="AutoShape 2" descr="Image result for stationary data">
@@ -11480,36 +14173,6 @@
           </a:p>
         </p:txBody>
       </p:sp>
-      <p:pic>
-        <p:nvPicPr>
-          <p:cNvPr id="8" name="Picture 7">
-            <a:extLst>
-              <a:ext uri="{FF2B5EF4-FFF2-40B4-BE49-F238E27FC236}">
-                <a16:creationId xmlns:a16="http://schemas.microsoft.com/office/drawing/2014/main" id="{D4AD5D47-025A-027F-F731-92BFCB3C8A29}"/>
-              </a:ext>
-            </a:extLst>
-          </p:cNvPr>
-          <p:cNvPicPr>
-            <a:picLocks noChangeAspect="1"/>
-          </p:cNvPicPr>
-          <p:nvPr/>
-        </p:nvPicPr>
-        <p:blipFill>
-          <a:blip r:embed="rId3"/>
-          <a:stretch>
-            <a:fillRect/>
-          </a:stretch>
-        </p:blipFill>
-        <p:spPr>
-          <a:xfrm>
-            <a:off x="0" y="1848065"/>
-            <a:ext cx="9144000" cy="3161870"/>
-          </a:xfrm>
-          <a:prstGeom prst="rect">
-            <a:avLst/>
-          </a:prstGeom>
-        </p:spPr>
-      </p:pic>
     </p:spTree>
     <p:extLst>
       <p:ext uri="{BB962C8B-B14F-4D97-AF65-F5344CB8AC3E}">
@@ -11640,6 +14303,14 @@
 <file path=ppt/slides/slide6.xml><?xml version="1.0" encoding="utf-8"?>
 <p:sld xmlns:a="http://schemas.openxmlformats.org/drawingml/2006/main" xmlns:r="http://schemas.openxmlformats.org/officeDocument/2006/relationships" xmlns:p="http://schemas.openxmlformats.org/presentationml/2006/main">
   <p:cSld>
+    <p:bg>
+      <p:bgPr>
+        <a:solidFill>
+          <a:schemeClr val="bg1"/>
+        </a:solidFill>
+        <a:effectLst/>
+      </p:bgPr>
+    </p:bg>
     <p:spTree>
       <p:nvGrpSpPr>
         <p:cNvPr id="1" name=""/>
@@ -11656,6 +14327,102 @@
       </p:grpSpPr>
       <p:sp>
         <p:nvSpPr>
+          <p:cNvPr id="5" name="Rectangle 4">
+            <a:extLst>
+              <a:ext uri="{FF2B5EF4-FFF2-40B4-BE49-F238E27FC236}">
+                <a16:creationId xmlns:a16="http://schemas.microsoft.com/office/drawing/2014/main" id="{478A553D-7B62-3B10-D45D-6FE53992FAF5}"/>
+              </a:ext>
+            </a:extLst>
+          </p:cNvPr>
+          <p:cNvSpPr/>
+          <p:nvPr/>
+        </p:nvSpPr>
+        <p:spPr>
+          <a:xfrm>
+            <a:off x="6161809" y="0"/>
+            <a:ext cx="2982191" cy="1103581"/>
+          </a:xfrm>
+          <a:prstGeom prst="rect">
+            <a:avLst/>
+          </a:prstGeom>
+          <a:solidFill>
+            <a:schemeClr val="accent1">
+              <a:lumMod val="75000"/>
+            </a:schemeClr>
+          </a:solidFill>
+        </p:spPr>
+        <p:style>
+          <a:lnRef idx="1">
+            <a:schemeClr val="accent1"/>
+          </a:lnRef>
+          <a:fillRef idx="3">
+            <a:schemeClr val="accent1"/>
+          </a:fillRef>
+          <a:effectRef idx="2">
+            <a:schemeClr val="accent1"/>
+          </a:effectRef>
+          <a:fontRef idx="minor">
+            <a:schemeClr val="lt1"/>
+          </a:fontRef>
+        </p:style>
+        <p:txBody>
+          <a:bodyPr rtlCol="0" anchor="ctr"/>
+          <a:lstStyle/>
+          <a:p>
+            <a:pPr algn="ctr"/>
+            <a:endParaRPr lang="en-AU"/>
+          </a:p>
+        </p:txBody>
+      </p:sp>
+      <p:sp>
+        <p:nvSpPr>
+          <p:cNvPr id="4" name="Rectangle 3">
+            <a:extLst>
+              <a:ext uri="{FF2B5EF4-FFF2-40B4-BE49-F238E27FC236}">
+                <a16:creationId xmlns:a16="http://schemas.microsoft.com/office/drawing/2014/main" id="{B6209192-D202-770D-410D-38C1C3E249BD}"/>
+              </a:ext>
+            </a:extLst>
+          </p:cNvPr>
+          <p:cNvSpPr/>
+          <p:nvPr/>
+        </p:nvSpPr>
+        <p:spPr>
+          <a:xfrm>
+            <a:off x="0" y="0"/>
+            <a:ext cx="6161809" cy="1103581"/>
+          </a:xfrm>
+          <a:prstGeom prst="rect">
+            <a:avLst/>
+          </a:prstGeom>
+          <a:solidFill>
+            <a:schemeClr val="tx2"/>
+          </a:solidFill>
+        </p:spPr>
+        <p:style>
+          <a:lnRef idx="1">
+            <a:schemeClr val="accent1"/>
+          </a:lnRef>
+          <a:fillRef idx="3">
+            <a:schemeClr val="accent1"/>
+          </a:fillRef>
+          <a:effectRef idx="2">
+            <a:schemeClr val="accent1"/>
+          </a:effectRef>
+          <a:fontRef idx="minor">
+            <a:schemeClr val="lt1"/>
+          </a:fontRef>
+        </p:style>
+        <p:txBody>
+          <a:bodyPr rtlCol="0" anchor="ctr"/>
+          <a:lstStyle/>
+          <a:p>
+            <a:pPr algn="ctr"/>
+            <a:endParaRPr lang="en-AU"/>
+          </a:p>
+        </p:txBody>
+      </p:sp>
+      <p:sp>
+        <p:nvSpPr>
           <p:cNvPr id="2" name="Title 1"/>
           <p:cNvSpPr>
             <a:spLocks noGrp="1"/>
@@ -11672,12 +14439,17 @@
         </p:spPr>
         <p:txBody>
           <a:bodyPr>
-            <a:normAutofit fontScale="90000"/>
+            <a:normAutofit/>
           </a:bodyPr>
           <a:lstStyle/>
           <a:p>
-            <a:r>
-              <a:rPr dirty="0"/>
+            <a:pPr algn="l"/>
+            <a:r>
+              <a:rPr sz="3600" dirty="0">
+                <a:solidFill>
+                  <a:schemeClr val="bg1"/>
+                </a:solidFill>
+              </a:rPr>
               <a:t>Normalization</a:t>
             </a:r>
           </a:p>
@@ -11695,32 +14467,35 @@
         </p:nvSpPr>
         <p:spPr>
           <a:xfrm>
-            <a:off x="161875" y="1088219"/>
+            <a:off x="232489" y="5242610"/>
             <a:ext cx="8820250" cy="1351141"/>
           </a:xfrm>
         </p:spPr>
         <p:txBody>
           <a:bodyPr>
-            <a:normAutofit fontScale="92500"/>
+            <a:normAutofit/>
           </a:bodyPr>
           <a:lstStyle/>
           <a:p>
-            <a:r>
-              <a:rPr dirty="0"/>
+            <a:endParaRPr lang="en-US" sz="2400" dirty="0"/>
+          </a:p>
+          <a:p>
+            <a:r>
+              <a:rPr sz="2400" dirty="0"/>
+              <a:t>Improved symmetry and reduced skewness</a:t>
+            </a:r>
+            <a:endParaRPr lang="en-US" sz="2400" dirty="0"/>
+          </a:p>
+          <a:p>
+            <a:r>
+              <a:rPr lang="en-US" sz="2400" dirty="0"/>
               <a:t>Applied log transformation to </a:t>
             </a:r>
             <a:r>
-              <a:rPr dirty="0" err="1"/>
+              <a:rPr lang="en-US" sz="2400" dirty="0" err="1"/>
               <a:t>Global_active_power</a:t>
             </a:r>
-            <a:endParaRPr dirty="0"/>
-          </a:p>
-          <a:p>
-            <a:r>
-              <a:rPr dirty="0"/>
-              <a:t>Improved symmetry and reduced skewness</a:t>
-            </a:r>
-            <a:endParaRPr lang="en-US" dirty="0"/>
+            <a:endParaRPr lang="en-US" sz="2400" dirty="0"/>
           </a:p>
           <a:p>
             <a:endParaRPr lang="en-US" dirty="0"/>
@@ -11744,7 +14519,7 @@
         </p:nvSpPr>
         <p:spPr>
           <a:xfrm rot="5400000">
-            <a:off x="4423827" y="4456358"/>
+            <a:off x="4384208" y="3071309"/>
             <a:ext cx="424926" cy="290456"/>
           </a:xfrm>
           <a:prstGeom prst="rightArrow">
@@ -11787,36 +14562,6 @@
             <a:extLst>
               <a:ext uri="{FF2B5EF4-FFF2-40B4-BE49-F238E27FC236}">
                 <a16:creationId xmlns:a16="http://schemas.microsoft.com/office/drawing/2014/main" id="{8BE5540B-6A00-D239-E371-A85D7F630925}"/>
-              </a:ext>
-            </a:extLst>
-          </p:cNvPr>
-          <p:cNvPicPr>
-            <a:picLocks noChangeAspect="1"/>
-          </p:cNvPicPr>
-          <p:nvPr/>
-        </p:nvPicPr>
-        <p:blipFill>
-          <a:blip r:embed="rId2"/>
-          <a:stretch>
-            <a:fillRect/>
-          </a:stretch>
-        </p:blipFill>
-        <p:spPr>
-          <a:xfrm>
-            <a:off x="0" y="2595348"/>
-            <a:ext cx="8982125" cy="1637787"/>
-          </a:xfrm>
-          <a:prstGeom prst="rect">
-            <a:avLst/>
-          </a:prstGeom>
-        </p:spPr>
-      </p:pic>
-      <p:pic>
-        <p:nvPicPr>
-          <p:cNvPr id="14" name="Picture 13">
-            <a:extLst>
-              <a:ext uri="{FF2B5EF4-FFF2-40B4-BE49-F238E27FC236}">
-                <a16:creationId xmlns:a16="http://schemas.microsoft.com/office/drawing/2014/main" id="{027F0494-B45E-7B9C-0516-C5ACF16B3988}"/>
               </a:ext>
             </a:extLst>
           </p:cNvPr>
@@ -11833,8 +14578,38 @@
         </p:blipFill>
         <p:spPr>
           <a:xfrm>
-            <a:off x="26894" y="4901105"/>
-            <a:ext cx="9144000" cy="1682257"/>
+            <a:off x="64290" y="1234934"/>
+            <a:ext cx="9046415" cy="1637787"/>
+          </a:xfrm>
+          <a:prstGeom prst="rect">
+            <a:avLst/>
+          </a:prstGeom>
+        </p:spPr>
+      </p:pic>
+      <p:pic>
+        <p:nvPicPr>
+          <p:cNvPr id="14" name="Picture 13">
+            <a:extLst>
+              <a:ext uri="{FF2B5EF4-FFF2-40B4-BE49-F238E27FC236}">
+                <a16:creationId xmlns:a16="http://schemas.microsoft.com/office/drawing/2014/main" id="{027F0494-B45E-7B9C-0516-C5ACF16B3988}"/>
+              </a:ext>
+            </a:extLst>
+          </p:cNvPr>
+          <p:cNvPicPr>
+            <a:picLocks noChangeAspect="1"/>
+          </p:cNvPicPr>
+          <p:nvPr/>
+        </p:nvPicPr>
+        <p:blipFill>
+          <a:blip r:embed="rId4"/>
+          <a:stretch>
+            <a:fillRect/>
+          </a:stretch>
+        </p:blipFill>
+        <p:spPr>
+          <a:xfrm>
+            <a:off x="161875" y="3560353"/>
+            <a:ext cx="8982125" cy="1682257"/>
           </a:xfrm>
           <a:prstGeom prst="rect">
             <a:avLst/>
@@ -11844,7 +14619,7 @@
     </p:spTree>
   </p:cSld>
   <p:clrMapOvr>
-    <a:masterClrMapping/>
+    <a:overrideClrMapping bg1="lt1" tx1="dk1" bg2="lt2" tx2="dk2" accent1="accent1" accent2="accent2" accent3="accent3" accent4="accent4" accent5="accent5" accent6="accent6" hlink="hlink" folHlink="folHlink"/>
   </p:clrMapOvr>
 </p:sld>
 </file>
@@ -11868,6 +14643,102 @@
       </p:grpSpPr>
       <p:sp>
         <p:nvSpPr>
+          <p:cNvPr id="4" name="Rectangle 3">
+            <a:extLst>
+              <a:ext uri="{FF2B5EF4-FFF2-40B4-BE49-F238E27FC236}">
+                <a16:creationId xmlns:a16="http://schemas.microsoft.com/office/drawing/2014/main" id="{762720D9-B10E-B048-2D6A-24E1F0CADA98}"/>
+              </a:ext>
+            </a:extLst>
+          </p:cNvPr>
+          <p:cNvSpPr/>
+          <p:nvPr/>
+        </p:nvSpPr>
+        <p:spPr>
+          <a:xfrm>
+            <a:off x="7616536" y="0"/>
+            <a:ext cx="1527464" cy="1101436"/>
+          </a:xfrm>
+          <a:prstGeom prst="rect">
+            <a:avLst/>
+          </a:prstGeom>
+          <a:solidFill>
+            <a:schemeClr val="accent1">
+              <a:lumMod val="75000"/>
+            </a:schemeClr>
+          </a:solidFill>
+        </p:spPr>
+        <p:style>
+          <a:lnRef idx="1">
+            <a:schemeClr val="accent1"/>
+          </a:lnRef>
+          <a:fillRef idx="3">
+            <a:schemeClr val="accent1"/>
+          </a:fillRef>
+          <a:effectRef idx="2">
+            <a:schemeClr val="accent1"/>
+          </a:effectRef>
+          <a:fontRef idx="minor">
+            <a:schemeClr val="lt1"/>
+          </a:fontRef>
+        </p:style>
+        <p:txBody>
+          <a:bodyPr rtlCol="0" anchor="ctr"/>
+          <a:lstStyle/>
+          <a:p>
+            <a:pPr algn="ctr"/>
+            <a:endParaRPr lang="en-AU"/>
+          </a:p>
+        </p:txBody>
+      </p:sp>
+      <p:sp>
+        <p:nvSpPr>
+          <p:cNvPr id="3" name="Rectangle 2">
+            <a:extLst>
+              <a:ext uri="{FF2B5EF4-FFF2-40B4-BE49-F238E27FC236}">
+                <a16:creationId xmlns:a16="http://schemas.microsoft.com/office/drawing/2014/main" id="{1E391F1E-A7E8-95BB-7E8A-3EFBE84FA869}"/>
+              </a:ext>
+            </a:extLst>
+          </p:cNvPr>
+          <p:cNvSpPr/>
+          <p:nvPr/>
+        </p:nvSpPr>
+        <p:spPr>
+          <a:xfrm>
+            <a:off x="5134" y="0"/>
+            <a:ext cx="7611402" cy="1101436"/>
+          </a:xfrm>
+          <a:prstGeom prst="rect">
+            <a:avLst/>
+          </a:prstGeom>
+          <a:solidFill>
+            <a:schemeClr val="tx2"/>
+          </a:solidFill>
+        </p:spPr>
+        <p:style>
+          <a:lnRef idx="1">
+            <a:schemeClr val="accent1"/>
+          </a:lnRef>
+          <a:fillRef idx="3">
+            <a:schemeClr val="accent1"/>
+          </a:fillRef>
+          <a:effectRef idx="2">
+            <a:schemeClr val="accent1"/>
+          </a:effectRef>
+          <a:fontRef idx="minor">
+            <a:schemeClr val="lt1"/>
+          </a:fontRef>
+        </p:style>
+        <p:txBody>
+          <a:bodyPr rtlCol="0" anchor="ctr"/>
+          <a:lstStyle/>
+          <a:p>
+            <a:pPr algn="ctr"/>
+            <a:endParaRPr lang="en-AU"/>
+          </a:p>
+        </p:txBody>
+      </p:sp>
+      <p:sp>
+        <p:nvSpPr>
           <p:cNvPr id="2" name="Title 1"/>
           <p:cNvSpPr>
             <a:spLocks noGrp="1"/>
@@ -11878,18 +14749,23 @@
         </p:nvSpPr>
         <p:spPr>
           <a:xfrm>
-            <a:off x="371139" y="28239"/>
+            <a:off x="364723" y="193948"/>
             <a:ext cx="8229600" cy="671008"/>
           </a:xfrm>
         </p:spPr>
         <p:txBody>
           <a:bodyPr>
-            <a:normAutofit fontScale="90000"/>
+            <a:normAutofit/>
           </a:bodyPr>
           <a:lstStyle/>
           <a:p>
-            <a:r>
-              <a:rPr dirty="0"/>
+            <a:pPr algn="l"/>
+            <a:r>
+              <a:rPr sz="3600" dirty="0">
+                <a:solidFill>
+                  <a:schemeClr val="bg1"/>
+                </a:solidFill>
+              </a:rPr>
               <a:t>Temporal Patterns</a:t>
             </a:r>
           </a:p>
@@ -11919,7 +14795,7 @@
         </p:blipFill>
         <p:spPr>
           <a:xfrm>
-            <a:off x="97611" y="695099"/>
+            <a:off x="5134" y="1432854"/>
             <a:ext cx="8948778" cy="5097893"/>
           </a:xfrm>
         </p:spPr>
@@ -11938,7 +14814,7 @@
         </p:nvSpPr>
         <p:spPr>
           <a:xfrm>
-            <a:off x="640080" y="2536240"/>
+            <a:off x="506516" y="3310791"/>
             <a:ext cx="1280184" cy="671009"/>
           </a:xfrm>
           <a:prstGeom prst="ellipse">
@@ -11992,8 +14868,58 @@
         </p:nvSpPr>
         <p:spPr>
           <a:xfrm>
-            <a:off x="4722607" y="2491738"/>
-            <a:ext cx="1521439" cy="671010"/>
+            <a:off x="5496665" y="3310791"/>
+            <a:ext cx="392141" cy="335505"/>
+          </a:xfrm>
+          <a:prstGeom prst="ellipse">
+            <a:avLst/>
+          </a:prstGeom>
+          <a:noFill/>
+          <a:ln w="38100">
+            <a:solidFill>
+              <a:srgbClr val="FF0000"/>
+            </a:solidFill>
+          </a:ln>
+        </p:spPr>
+        <p:style>
+          <a:lnRef idx="1">
+            <a:schemeClr val="accent1"/>
+          </a:lnRef>
+          <a:fillRef idx="3">
+            <a:schemeClr val="accent1"/>
+          </a:fillRef>
+          <a:effectRef idx="2">
+            <a:schemeClr val="accent1"/>
+          </a:effectRef>
+          <a:fontRef idx="minor">
+            <a:schemeClr val="lt1"/>
+          </a:fontRef>
+        </p:style>
+        <p:txBody>
+          <a:bodyPr rtlCol="0" anchor="ctr"/>
+          <a:lstStyle/>
+          <a:p>
+            <a:pPr algn="ctr"/>
+            <a:endParaRPr lang="en-AU"/>
+          </a:p>
+        </p:txBody>
+      </p:sp>
+      <p:sp>
+        <p:nvSpPr>
+          <p:cNvPr id="5" name="Oval 4">
+            <a:extLst>
+              <a:ext uri="{FF2B5EF4-FFF2-40B4-BE49-F238E27FC236}">
+                <a16:creationId xmlns:a16="http://schemas.microsoft.com/office/drawing/2014/main" id="{A7B26D11-5535-DB21-19E6-42D8C1F0F90C}"/>
+              </a:ext>
+            </a:extLst>
+          </p:cNvPr>
+          <p:cNvSpPr/>
+          <p:nvPr/>
+        </p:nvSpPr>
+        <p:spPr>
+          <a:xfrm>
+            <a:off x="4827994" y="3496095"/>
+            <a:ext cx="392140" cy="300402"/>
           </a:xfrm>
           <a:prstGeom prst="ellipse">
             <a:avLst/>
@@ -12065,38 +14991,38 @@
         </p:nvSpPr>
         <p:spPr>
           <a:xfrm>
-            <a:off x="457200" y="4690331"/>
-            <a:ext cx="8229600" cy="1828800"/>
+            <a:off x="441789" y="4650171"/>
+            <a:ext cx="8229600" cy="1433455"/>
           </a:xfrm>
         </p:spPr>
         <p:txBody>
           <a:bodyPr>
-            <a:normAutofit fontScale="92500"/>
+            <a:normAutofit/>
           </a:bodyPr>
           <a:lstStyle/>
           <a:p>
             <a:r>
-              <a:rPr dirty="0"/>
+              <a:rPr sz="2400" dirty="0"/>
               <a:t>Snow &amp; Overcast → higher consumption</a:t>
             </a:r>
           </a:p>
           <a:p>
             <a:r>
-              <a:rPr dirty="0"/>
+              <a:rPr sz="2400" dirty="0"/>
               <a:t>Clear</a:t>
             </a:r>
             <a:r>
-              <a:rPr lang="en-US" dirty="0"/>
+              <a:rPr lang="en-US" sz="2400" dirty="0"/>
               <a:t>, Rain, and cloudy </a:t>
             </a:r>
             <a:r>
-              <a:rPr dirty="0"/>
+              <a:rPr sz="2400" dirty="0"/>
               <a:t>weather → lower usage</a:t>
             </a:r>
           </a:p>
           <a:p>
             <a:r>
-              <a:rPr dirty="0"/>
+              <a:rPr sz="2400" dirty="0"/>
               <a:t>Lighting and heating needs drive patterns</a:t>
             </a:r>
           </a:p>
@@ -12124,8 +15050,8 @@
         </p:blipFill>
         <p:spPr>
           <a:xfrm>
-            <a:off x="0" y="365761"/>
-            <a:ext cx="8971878" cy="3797448"/>
+            <a:off x="172122" y="338870"/>
+            <a:ext cx="8799756" cy="3724595"/>
           </a:xfrm>
           <a:prstGeom prst="rect">
             <a:avLst/>
@@ -12146,7 +15072,7 @@
         </p:nvSpPr>
         <p:spPr>
           <a:xfrm>
-            <a:off x="172122" y="817581"/>
+            <a:off x="357056" y="712696"/>
             <a:ext cx="1204857" cy="935915"/>
           </a:xfrm>
           <a:prstGeom prst="rect">
@@ -12205,7 +15131,7 @@
         </p:nvSpPr>
         <p:spPr>
           <a:xfrm>
-            <a:off x="172121" y="2022437"/>
+            <a:off x="357056" y="1967539"/>
             <a:ext cx="1204857" cy="1406563"/>
           </a:xfrm>
           <a:prstGeom prst="rect">
@@ -12277,6 +15203,102 @@
       </p:grpSpPr>
       <p:sp>
         <p:nvSpPr>
+          <p:cNvPr id="4" name="Rectangle 3">
+            <a:extLst>
+              <a:ext uri="{FF2B5EF4-FFF2-40B4-BE49-F238E27FC236}">
+                <a16:creationId xmlns:a16="http://schemas.microsoft.com/office/drawing/2014/main" id="{A3EF202E-E389-0BE2-2134-353CCC66A5E8}"/>
+              </a:ext>
+            </a:extLst>
+          </p:cNvPr>
+          <p:cNvSpPr/>
+          <p:nvPr/>
+        </p:nvSpPr>
+        <p:spPr>
+          <a:xfrm>
+            <a:off x="7469312" y="0"/>
+            <a:ext cx="1674688" cy="1253447"/>
+          </a:xfrm>
+          <a:prstGeom prst="rect">
+            <a:avLst/>
+          </a:prstGeom>
+          <a:solidFill>
+            <a:schemeClr val="accent1">
+              <a:lumMod val="75000"/>
+            </a:schemeClr>
+          </a:solidFill>
+        </p:spPr>
+        <p:style>
+          <a:lnRef idx="1">
+            <a:schemeClr val="accent1"/>
+          </a:lnRef>
+          <a:fillRef idx="3">
+            <a:schemeClr val="accent1"/>
+          </a:fillRef>
+          <a:effectRef idx="2">
+            <a:schemeClr val="accent1"/>
+          </a:effectRef>
+          <a:fontRef idx="minor">
+            <a:schemeClr val="lt1"/>
+          </a:fontRef>
+        </p:style>
+        <p:txBody>
+          <a:bodyPr rtlCol="0" anchor="ctr"/>
+          <a:lstStyle/>
+          <a:p>
+            <a:pPr algn="ctr"/>
+            <a:endParaRPr lang="en-AU"/>
+          </a:p>
+        </p:txBody>
+      </p:sp>
+      <p:sp>
+        <p:nvSpPr>
+          <p:cNvPr id="3" name="Rectangle 2">
+            <a:extLst>
+              <a:ext uri="{FF2B5EF4-FFF2-40B4-BE49-F238E27FC236}">
+                <a16:creationId xmlns:a16="http://schemas.microsoft.com/office/drawing/2014/main" id="{D172E1C3-6F4D-B7F8-1E9B-BB83E5B6BECA}"/>
+              </a:ext>
+            </a:extLst>
+          </p:cNvPr>
+          <p:cNvSpPr/>
+          <p:nvPr/>
+        </p:nvSpPr>
+        <p:spPr>
+          <a:xfrm>
+            <a:off x="0" y="0"/>
+            <a:ext cx="7469312" cy="1253447"/>
+          </a:xfrm>
+          <a:prstGeom prst="rect">
+            <a:avLst/>
+          </a:prstGeom>
+          <a:solidFill>
+            <a:schemeClr val="tx2"/>
+          </a:solidFill>
+        </p:spPr>
+        <p:style>
+          <a:lnRef idx="1">
+            <a:schemeClr val="accent1"/>
+          </a:lnRef>
+          <a:fillRef idx="3">
+            <a:schemeClr val="accent1"/>
+          </a:fillRef>
+          <a:effectRef idx="2">
+            <a:schemeClr val="accent1"/>
+          </a:effectRef>
+          <a:fontRef idx="minor">
+            <a:schemeClr val="lt1"/>
+          </a:fontRef>
+        </p:style>
+        <p:txBody>
+          <a:bodyPr rtlCol="0" anchor="ctr"/>
+          <a:lstStyle/>
+          <a:p>
+            <a:pPr algn="ctr"/>
+            <a:endParaRPr lang="en-AU"/>
+          </a:p>
+        </p:txBody>
+      </p:sp>
+      <p:sp>
+        <p:nvSpPr>
           <p:cNvPr id="2" name="Title 1"/>
           <p:cNvSpPr>
             <a:spLocks noGrp="1"/>
@@ -12287,18 +15309,23 @@
         </p:nvSpPr>
         <p:spPr>
           <a:xfrm>
-            <a:off x="457200" y="0"/>
+            <a:off x="280908" y="317557"/>
             <a:ext cx="8229600" cy="753035"/>
           </a:xfrm>
         </p:spPr>
         <p:txBody>
           <a:bodyPr>
-            <a:normAutofit fontScale="90000"/>
+            <a:normAutofit/>
           </a:bodyPr>
           <a:lstStyle/>
           <a:p>
-            <a:r>
-              <a:rPr dirty="0"/>
+            <a:pPr algn="l"/>
+            <a:r>
+              <a:rPr sz="3600" dirty="0">
+                <a:solidFill>
+                  <a:schemeClr val="bg1"/>
+                </a:solidFill>
+              </a:rPr>
               <a:t>Weekly &amp; Weekend Patterns</a:t>
             </a:r>
           </a:p>
@@ -12326,7 +15353,7 @@
         </p:blipFill>
         <p:spPr>
           <a:xfrm>
-            <a:off x="129091" y="960224"/>
+            <a:off x="107576" y="1741547"/>
             <a:ext cx="8928847" cy="2355717"/>
           </a:xfrm>
           <a:prstGeom prst="rect">
@@ -12378,7 +15405,7 @@
         </p:nvSpPr>
         <p:spPr>
           <a:xfrm>
-            <a:off x="8014447" y="1559860"/>
+            <a:off x="8014448" y="2330422"/>
             <a:ext cx="1043490" cy="225909"/>
           </a:xfrm>
           <a:prstGeom prst="ellipse">
@@ -13147,4 +16174,47 @@
     </a:ext>
   </a:extLst>
 </a:theme>
+</file>
+
+<file path=ppt/theme/themeOverride1.xml><?xml version="1.0" encoding="utf-8"?>
+<a:themeOverride xmlns:a="http://schemas.openxmlformats.org/drawingml/2006/main">
+  <a:clrScheme name="Office">
+    <a:dk1>
+      <a:sysClr val="windowText" lastClr="000000"/>
+    </a:dk1>
+    <a:lt1>
+      <a:sysClr val="window" lastClr="FFFFFF"/>
+    </a:lt1>
+    <a:dk2>
+      <a:srgbClr val="1F497D"/>
+    </a:dk2>
+    <a:lt2>
+      <a:srgbClr val="EEECE1"/>
+    </a:lt2>
+    <a:accent1>
+      <a:srgbClr val="4F81BD"/>
+    </a:accent1>
+    <a:accent2>
+      <a:srgbClr val="C0504D"/>
+    </a:accent2>
+    <a:accent3>
+      <a:srgbClr val="9BBB59"/>
+    </a:accent3>
+    <a:accent4>
+      <a:srgbClr val="8064A2"/>
+    </a:accent4>
+    <a:accent5>
+      <a:srgbClr val="4BACC6"/>
+    </a:accent5>
+    <a:accent6>
+      <a:srgbClr val="F79646"/>
+    </a:accent6>
+    <a:hlink>
+      <a:srgbClr val="0000FF"/>
+    </a:hlink>
+    <a:folHlink>
+      <a:srgbClr val="800080"/>
+    </a:folHlink>
+  </a:clrScheme>
+</a:themeOverride>
 </file>